--- a/Spring MVC.pptx
+++ b/Spring MVC.pptx
@@ -5,7 +5,7 @@
     <p:sldMasterId id="2147483648" r:id="rId1"/>
   </p:sldMasterIdLst>
   <p:notesMasterIdLst>
-    <p:notesMasterId r:id="rId19"/>
+    <p:notesMasterId r:id="rId21"/>
   </p:notesMasterIdLst>
   <p:sldIdLst>
     <p:sldId id="319" r:id="rId2"/>
@@ -20,11 +20,13 @@
     <p:sldId id="387" r:id="rId11"/>
     <p:sldId id="395" r:id="rId12"/>
     <p:sldId id="396" r:id="rId13"/>
-    <p:sldId id="400" r:id="rId14"/>
-    <p:sldId id="398" r:id="rId15"/>
-    <p:sldId id="399" r:id="rId16"/>
-    <p:sldId id="401" r:id="rId17"/>
-    <p:sldId id="386" r:id="rId18"/>
+    <p:sldId id="403" r:id="rId14"/>
+    <p:sldId id="400" r:id="rId15"/>
+    <p:sldId id="398" r:id="rId16"/>
+    <p:sldId id="399" r:id="rId17"/>
+    <p:sldId id="401" r:id="rId18"/>
+    <p:sldId id="402" r:id="rId19"/>
+    <p:sldId id="386" r:id="rId20"/>
   </p:sldIdLst>
   <p:sldSz cx="9144000" cy="6858000" type="screen4x3"/>
   <p:notesSz cx="6858000" cy="9144000"/>
@@ -140,10 +142,12 @@
             <p14:sldId id="387"/>
             <p14:sldId id="395"/>
             <p14:sldId id="396"/>
+            <p14:sldId id="403"/>
             <p14:sldId id="400"/>
             <p14:sldId id="398"/>
             <p14:sldId id="399"/>
             <p14:sldId id="401"/>
+            <p14:sldId id="402"/>
             <p14:sldId id="386"/>
           </p14:sldIdLst>
         </p14:section>
@@ -252,7 +256,7 @@
           <a:p>
             <a:fld id="{18DA1CCD-4AB1-40EE-B21B-789687229DC3}" type="datetimeFigureOut">
               <a:rPr lang="pl-PL" smtClean="0"/>
-              <a:t>2017-04-05</a:t>
+              <a:t>2017-04-11</a:t>
             </a:fld>
             <a:endParaRPr lang="pl-PL"/>
           </a:p>
@@ -4695,330 +4699,144 @@
           <a:p>
             <a:r>
               <a:rPr lang="pl-PL" dirty="0" smtClean="0"/>
-              <a:t>REST </a:t>
-            </a:r>
+              <a:t>Uruchomienie Aplikacji</a:t>
+            </a:r>
+            <a:endParaRPr lang="pl-PL" dirty="0"/>
+          </a:p>
+        </p:txBody>
+      </p:sp>
+      <p:sp>
+        <p:nvSpPr>
+          <p:cNvPr id="3" name="pole tekstowe 2"/>
+          <p:cNvSpPr txBox="1"/>
+          <p:nvPr/>
+        </p:nvSpPr>
+        <p:spPr>
+          <a:xfrm>
+            <a:off x="465826" y="1043796"/>
+            <a:ext cx="8212347" cy="1477328"/>
+          </a:xfrm>
+          <a:prstGeom prst="rect">
+            <a:avLst/>
+          </a:prstGeom>
+          <a:noFill/>
+        </p:spPr>
+        <p:txBody>
+          <a:bodyPr wrap="square" rtlCol="0">
+            <a:spAutoFit/>
+          </a:bodyPr>
+          <a:lstStyle/>
+          <a:p>
+            <a:r>
+              <a:rPr lang="pl-PL" dirty="0" smtClean="0"/>
+              <a:t>Uruchomienie Aplikacji : </a:t>
+            </a:r>
+          </a:p>
+          <a:p>
+            <a:pPr marL="285750" indent="-285750">
+              <a:buFont typeface="Arial" panose="020B0604020202020204" pitchFamily="34" charset="0"/>
+              <a:buChar char="•"/>
+            </a:pPr>
             <a:r>
               <a:rPr lang="pl-PL" dirty="0" err="1" smtClean="0"/>
-              <a:t>Template</a:t>
+              <a:t>mvnw</a:t>
+            </a:r>
+            <a:r>
+              <a:rPr lang="pl-PL" dirty="0" smtClean="0"/>
+              <a:t> </a:t>
+            </a:r>
+            <a:r>
+              <a:rPr lang="pl-PL" dirty="0" err="1" smtClean="0"/>
+              <a:t>spring-boot:run</a:t>
+            </a:r>
+            <a:endParaRPr lang="pl-PL" dirty="0" smtClean="0"/>
+          </a:p>
+          <a:p>
+            <a:r>
+              <a:rPr lang="pl-PL" dirty="0" err="1" smtClean="0"/>
+              <a:t>Debug</a:t>
+            </a:r>
+            <a:r>
+              <a:rPr lang="pl-PL" dirty="0" smtClean="0"/>
+              <a:t>: </a:t>
+            </a:r>
+          </a:p>
+          <a:p>
+            <a:pPr marL="285750" indent="-285750">
+              <a:buFont typeface="Arial" panose="020B0604020202020204" pitchFamily="34" charset="0"/>
+              <a:buChar char="•"/>
+            </a:pPr>
+            <a:r>
+              <a:rPr lang="pl-PL" dirty="0" err="1"/>
+              <a:t>mvn</a:t>
+            </a:r>
+            <a:r>
+              <a:rPr lang="pl-PL" dirty="0"/>
+              <a:t> </a:t>
+            </a:r>
+            <a:r>
+              <a:rPr lang="pl-PL" dirty="0" err="1"/>
+              <a:t>spring-boot:run</a:t>
+            </a:r>
+            <a:r>
+              <a:rPr lang="pl-PL" dirty="0"/>
+              <a:t> -</a:t>
+            </a:r>
+            <a:r>
+              <a:rPr lang="pl-PL" dirty="0" err="1"/>
+              <a:t>Drun.jvmArguments</a:t>
+            </a:r>
+            <a:r>
+              <a:rPr lang="pl-PL" dirty="0"/>
+              <a:t>="-</a:t>
+            </a:r>
+            <a:r>
+              <a:rPr lang="pl-PL" dirty="0" err="1"/>
+              <a:t>Xdebug</a:t>
+            </a:r>
+            <a:r>
+              <a:rPr lang="pl-PL" dirty="0"/>
+              <a:t> -</a:t>
+            </a:r>
+            <a:r>
+              <a:rPr lang="pl-PL" dirty="0" err="1"/>
+              <a:t>Xrunjdwp:transport</a:t>
+            </a:r>
+            <a:r>
+              <a:rPr lang="pl-PL" dirty="0"/>
+              <a:t>=</a:t>
+            </a:r>
+            <a:r>
+              <a:rPr lang="pl-PL" dirty="0" err="1"/>
+              <a:t>dt_socket,server</a:t>
+            </a:r>
+            <a:r>
+              <a:rPr lang="pl-PL" dirty="0"/>
+              <a:t>=</a:t>
+            </a:r>
+            <a:r>
+              <a:rPr lang="pl-PL" dirty="0" err="1"/>
+              <a:t>y,suspend</a:t>
+            </a:r>
+            <a:r>
+              <a:rPr lang="pl-PL" dirty="0"/>
+              <a:t>=</a:t>
+            </a:r>
+            <a:r>
+              <a:rPr lang="pl-PL" dirty="0" err="1"/>
+              <a:t>y,address</a:t>
+            </a:r>
+            <a:r>
+              <a:rPr lang="pl-PL" dirty="0"/>
+              <a:t>=5005"</a:t>
             </a:r>
             <a:endParaRPr lang="pl-PL" dirty="0"/>
-          </a:p>
-        </p:txBody>
-      </p:sp>
-      <p:sp>
-        <p:nvSpPr>
-          <p:cNvPr id="8" name="Symbol zastępczy tekstu 2"/>
-          <p:cNvSpPr txBox="1">
-            <a:spLocks/>
-          </p:cNvSpPr>
-          <p:nvPr/>
-        </p:nvSpPr>
-        <p:spPr>
-          <a:xfrm>
-            <a:off x="0" y="1228158"/>
-            <a:ext cx="9144000" cy="4846148"/>
-          </a:xfrm>
-          <a:prstGeom prst="rect">
-            <a:avLst/>
-          </a:prstGeom>
-        </p:spPr>
-        <p:txBody>
-          <a:bodyPr>
-            <a:normAutofit/>
-          </a:bodyPr>
-          <a:lstStyle>
-            <a:lvl1pPr marL="342900" indent="-342900" algn="l" defTabSz="457200" rtl="0" eaLnBrk="1" latinLnBrk="0" hangingPunct="1">
-              <a:spcBef>
-                <a:spcPct val="20000"/>
-              </a:spcBef>
-              <a:buFont typeface="Arial"/>
-              <a:buChar char="•"/>
-              <a:defRPr sz="3200" kern="1200">
-                <a:solidFill>
-                  <a:schemeClr val="tx1"/>
-                </a:solidFill>
-                <a:latin typeface="+mn-lt"/>
-                <a:ea typeface="+mn-ea"/>
-                <a:cs typeface="+mn-cs"/>
-              </a:defRPr>
-            </a:lvl1pPr>
-            <a:lvl2pPr marL="742950" indent="-285750" algn="l" defTabSz="457200" rtl="0" eaLnBrk="1" latinLnBrk="0" hangingPunct="1">
-              <a:spcBef>
-                <a:spcPct val="20000"/>
-              </a:spcBef>
-              <a:buFont typeface="Arial"/>
-              <a:buChar char="–"/>
-              <a:defRPr sz="2800" kern="1200">
-                <a:solidFill>
-                  <a:schemeClr val="tx1"/>
-                </a:solidFill>
-                <a:latin typeface="+mn-lt"/>
-                <a:ea typeface="+mn-ea"/>
-                <a:cs typeface="+mn-cs"/>
-              </a:defRPr>
-            </a:lvl2pPr>
-            <a:lvl3pPr marL="1143000" indent="-228600" algn="l" defTabSz="457200" rtl="0" eaLnBrk="1" latinLnBrk="0" hangingPunct="1">
-              <a:spcBef>
-                <a:spcPct val="20000"/>
-              </a:spcBef>
-              <a:buFont typeface="Arial"/>
-              <a:buChar char="•"/>
-              <a:defRPr sz="2400" kern="1200">
-                <a:solidFill>
-                  <a:schemeClr val="tx1"/>
-                </a:solidFill>
-                <a:latin typeface="+mn-lt"/>
-                <a:ea typeface="+mn-ea"/>
-                <a:cs typeface="+mn-cs"/>
-              </a:defRPr>
-            </a:lvl3pPr>
-            <a:lvl4pPr marL="1600200" indent="-228600" algn="l" defTabSz="457200" rtl="0" eaLnBrk="1" latinLnBrk="0" hangingPunct="1">
-              <a:spcBef>
-                <a:spcPct val="20000"/>
-              </a:spcBef>
-              <a:buFont typeface="Arial"/>
-              <a:buChar char="–"/>
-              <a:defRPr sz="2000" kern="1200">
-                <a:solidFill>
-                  <a:schemeClr val="tx1"/>
-                </a:solidFill>
-                <a:latin typeface="+mn-lt"/>
-                <a:ea typeface="+mn-ea"/>
-                <a:cs typeface="+mn-cs"/>
-              </a:defRPr>
-            </a:lvl4pPr>
-            <a:lvl5pPr marL="2057400" indent="-228600" algn="l" defTabSz="457200" rtl="0" eaLnBrk="1" latinLnBrk="0" hangingPunct="1">
-              <a:spcBef>
-                <a:spcPct val="20000"/>
-              </a:spcBef>
-              <a:buFont typeface="Arial"/>
-              <a:buChar char="»"/>
-              <a:defRPr sz="2000" kern="1200">
-                <a:solidFill>
-                  <a:schemeClr val="tx1"/>
-                </a:solidFill>
-                <a:latin typeface="+mn-lt"/>
-                <a:ea typeface="+mn-ea"/>
-                <a:cs typeface="+mn-cs"/>
-              </a:defRPr>
-            </a:lvl5pPr>
-            <a:lvl6pPr marL="2514600" indent="-228600" algn="l" defTabSz="457200" rtl="0" eaLnBrk="1" latinLnBrk="0" hangingPunct="1">
-              <a:spcBef>
-                <a:spcPct val="20000"/>
-              </a:spcBef>
-              <a:buFont typeface="Arial"/>
-              <a:buChar char="•"/>
-              <a:defRPr sz="2000" kern="1200">
-                <a:solidFill>
-                  <a:schemeClr val="tx1"/>
-                </a:solidFill>
-                <a:latin typeface="+mn-lt"/>
-                <a:ea typeface="+mn-ea"/>
-                <a:cs typeface="+mn-cs"/>
-              </a:defRPr>
-            </a:lvl6pPr>
-            <a:lvl7pPr marL="2971800" indent="-228600" algn="l" defTabSz="457200" rtl="0" eaLnBrk="1" latinLnBrk="0" hangingPunct="1">
-              <a:spcBef>
-                <a:spcPct val="20000"/>
-              </a:spcBef>
-              <a:buFont typeface="Arial"/>
-              <a:buChar char="•"/>
-              <a:defRPr sz="2000" kern="1200">
-                <a:solidFill>
-                  <a:schemeClr val="tx1"/>
-                </a:solidFill>
-                <a:latin typeface="+mn-lt"/>
-                <a:ea typeface="+mn-ea"/>
-                <a:cs typeface="+mn-cs"/>
-              </a:defRPr>
-            </a:lvl7pPr>
-            <a:lvl8pPr marL="3429000" indent="-228600" algn="l" defTabSz="457200" rtl="0" eaLnBrk="1" latinLnBrk="0" hangingPunct="1">
-              <a:spcBef>
-                <a:spcPct val="20000"/>
-              </a:spcBef>
-              <a:buFont typeface="Arial"/>
-              <a:buChar char="•"/>
-              <a:defRPr sz="2000" kern="1200">
-                <a:solidFill>
-                  <a:schemeClr val="tx1"/>
-                </a:solidFill>
-                <a:latin typeface="+mn-lt"/>
-                <a:ea typeface="+mn-ea"/>
-                <a:cs typeface="+mn-cs"/>
-              </a:defRPr>
-            </a:lvl8pPr>
-            <a:lvl9pPr marL="3886200" indent="-228600" algn="l" defTabSz="457200" rtl="0" eaLnBrk="1" latinLnBrk="0" hangingPunct="1">
-              <a:spcBef>
-                <a:spcPct val="20000"/>
-              </a:spcBef>
-              <a:buFont typeface="Arial"/>
-              <a:buChar char="•"/>
-              <a:defRPr sz="2000" kern="1200">
-                <a:solidFill>
-                  <a:schemeClr val="tx1"/>
-                </a:solidFill>
-                <a:latin typeface="+mn-lt"/>
-                <a:ea typeface="+mn-ea"/>
-                <a:cs typeface="+mn-cs"/>
-              </a:defRPr>
-            </a:lvl9pPr>
-          </a:lstStyle>
-          <a:p>
-            <a:pPr marL="198900" indent="0" algn="just">
-              <a:buFont typeface="Arial"/>
-              <a:buNone/>
-            </a:pPr>
-            <a:endParaRPr lang="pl-PL" dirty="0" smtClean="0"/>
-          </a:p>
-          <a:p>
-            <a:pPr algn="just"/>
-            <a:r>
-              <a:rPr lang="pl-PL" sz="1800" dirty="0">
-                <a:solidFill>
-                  <a:srgbClr val="2D3E5C"/>
-                </a:solidFill>
-                <a:latin typeface=""/>
-              </a:rPr>
-              <a:t>Klasa wykorzystywana po stronie klienta do komunikacji </a:t>
-            </a:r>
-            <a:r>
-              <a:rPr lang="pl-PL" sz="1800" dirty="0" smtClean="0">
-                <a:solidFill>
-                  <a:srgbClr val="2D3E5C"/>
-                </a:solidFill>
-                <a:latin typeface=""/>
-              </a:rPr>
-              <a:t>serwerem </a:t>
-            </a:r>
-            <a:r>
-              <a:rPr lang="pl-PL" sz="1800" dirty="0">
-                <a:solidFill>
-                  <a:srgbClr val="2D3E5C"/>
-                </a:solidFill>
-                <a:latin typeface=""/>
-              </a:rPr>
-              <a:t>za pomocą protokołu HTTP</a:t>
-            </a:r>
-            <a:r>
-              <a:rPr lang="pl-PL" sz="1800" dirty="0" smtClean="0">
-                <a:solidFill>
-                  <a:srgbClr val="2D3E5C"/>
-                </a:solidFill>
-                <a:latin typeface=""/>
-              </a:rPr>
-              <a:t>.</a:t>
-            </a:r>
-            <a:endParaRPr lang="pl-PL" sz="1800" dirty="0" smtClean="0">
-              <a:solidFill>
-                <a:srgbClr val="2D3E5C"/>
-              </a:solidFill>
-              <a:latin typeface=""/>
-            </a:endParaRPr>
-          </a:p>
-          <a:p>
-            <a:pPr marL="0" indent="0" algn="just">
-              <a:buNone/>
-            </a:pPr>
-            <a:endParaRPr lang="pl-PL" sz="1800" dirty="0" smtClean="0">
-              <a:solidFill>
-                <a:srgbClr val="2D3E5C"/>
-              </a:solidFill>
-              <a:latin typeface=""/>
-            </a:endParaRPr>
-          </a:p>
-          <a:p>
-            <a:pPr algn="just"/>
-            <a:r>
-              <a:rPr lang="pl-PL" sz="1800" dirty="0">
-                <a:solidFill>
-                  <a:srgbClr val="2D3E5C"/>
-                </a:solidFill>
-                <a:latin typeface=""/>
-              </a:rPr>
-              <a:t>Żądania GET z wykorzystaniem metody </a:t>
-            </a:r>
-            <a:r>
-              <a:rPr lang="pl-PL" sz="1800" dirty="0" smtClean="0">
-                <a:solidFill>
-                  <a:srgbClr val="2D3E5C"/>
-                </a:solidFill>
-                <a:latin typeface=""/>
-              </a:rPr>
-              <a:t>„exchange”:</a:t>
-            </a:r>
-          </a:p>
-          <a:p>
-            <a:pPr algn="just"/>
-            <a:endParaRPr lang="pl-PL" sz="1800" dirty="0">
-              <a:solidFill>
-                <a:srgbClr val="2D3E5C"/>
-              </a:solidFill>
-              <a:latin typeface=""/>
-            </a:endParaRPr>
-          </a:p>
-          <a:p>
-            <a:pPr algn="just"/>
-            <a:endParaRPr lang="pl-PL" sz="1800" dirty="0">
-              <a:solidFill>
-                <a:srgbClr val="2D3E5C"/>
-              </a:solidFill>
-              <a:latin typeface=""/>
-            </a:endParaRPr>
-          </a:p>
-          <a:p>
-            <a:pPr algn="just"/>
-            <a:endParaRPr lang="pl-PL" sz="1800" dirty="0">
-              <a:solidFill>
-                <a:srgbClr val="2D3E5C"/>
-              </a:solidFill>
-              <a:latin typeface=""/>
-            </a:endParaRPr>
-          </a:p>
-          <a:p>
-            <a:pPr algn="just"/>
-            <a:endParaRPr lang="pl-PL" dirty="0" smtClean="0"/>
-          </a:p>
-          <a:p>
-            <a:pPr algn="just"/>
-            <a:r>
-              <a:rPr lang="pl-PL" sz="1800" dirty="0">
-                <a:solidFill>
-                  <a:srgbClr val="2D3E5C"/>
-                </a:solidFill>
-                <a:latin typeface=""/>
-              </a:rPr>
-              <a:t>REST </a:t>
-            </a:r>
-            <a:r>
-              <a:rPr lang="pl-PL" sz="1800" dirty="0" err="1" smtClean="0">
-                <a:solidFill>
-                  <a:srgbClr val="2D3E5C"/>
-                </a:solidFill>
-                <a:latin typeface=""/>
-              </a:rPr>
-              <a:t>Template</a:t>
-            </a:r>
-            <a:r>
-              <a:rPr lang="pl-PL" sz="1800" dirty="0" smtClean="0">
-                <a:solidFill>
-                  <a:srgbClr val="2D3E5C"/>
-                </a:solidFill>
-                <a:latin typeface=""/>
-              </a:rPr>
-              <a:t> :</a:t>
-            </a:r>
-            <a:endParaRPr lang="pl-PL" sz="1800" dirty="0">
-              <a:solidFill>
-                <a:srgbClr val="2D3E5C"/>
-              </a:solidFill>
-              <a:latin typeface=""/>
-            </a:endParaRPr>
           </a:p>
         </p:txBody>
       </p:sp>
       <p:pic>
         <p:nvPicPr>
-          <p:cNvPr id="3" name="Obraz 2"/>
+          <p:cNvPr id="8" name="Obraz 7"/>
           <p:cNvPicPr>
             <a:picLocks noChangeAspect="1"/>
           </p:cNvPicPr>
@@ -5032,32 +4850,8 @@
         </p:blipFill>
         <p:spPr>
           <a:xfrm>
-            <a:off x="392905" y="5193632"/>
-            <a:ext cx="8358188" cy="779480"/>
-          </a:xfrm>
-          <a:prstGeom prst="rect">
-            <a:avLst/>
-          </a:prstGeom>
-        </p:spPr>
-      </p:pic>
-      <p:pic>
-        <p:nvPicPr>
-          <p:cNvPr id="4" name="Obraz 3"/>
-          <p:cNvPicPr>
-            <a:picLocks noChangeAspect="1"/>
-          </p:cNvPicPr>
-          <p:nvPr/>
-        </p:nvPicPr>
-        <p:blipFill>
-          <a:blip r:embed="rId3"/>
-          <a:stretch>
-            <a:fillRect/>
-          </a:stretch>
-        </p:blipFill>
-        <p:spPr>
-          <a:xfrm>
-            <a:off x="452391" y="3444198"/>
-            <a:ext cx="8239216" cy="971550"/>
+            <a:off x="833009" y="2598762"/>
+            <a:ext cx="7477980" cy="3701971"/>
           </a:xfrm>
           <a:prstGeom prst="rect">
             <a:avLst/>
@@ -5067,7 +4861,7 @@
     </p:spTree>
     <p:extLst>
       <p:ext uri="{BB962C8B-B14F-4D97-AF65-F5344CB8AC3E}">
-        <p14:creationId xmlns:p14="http://schemas.microsoft.com/office/powerpoint/2010/main" val="3204976087"/>
+        <p14:creationId xmlns:p14="http://schemas.microsoft.com/office/powerpoint/2010/main" val="2638960368"/>
       </p:ext>
     </p:extLst>
   </p:cSld>
@@ -5103,7 +4897,7 @@
       </p:grpSpPr>
       <p:sp>
         <p:nvSpPr>
-          <p:cNvPr id="7" name="Tytuł 6"/>
+          <p:cNvPr id="2" name="Tytuł 1"/>
           <p:cNvSpPr>
             <a:spLocks noGrp="1"/>
           </p:cNvSpPr>
@@ -5116,87 +4910,375 @@
           <a:bodyPr/>
           <a:lstStyle/>
           <a:p>
-            <a:endParaRPr lang="pl-PL"/>
-          </a:p>
-        </p:txBody>
-      </p:sp>
-      <p:sp>
-        <p:nvSpPr>
-          <p:cNvPr id="3" name="Symbol zastępczy tekstu 2"/>
-          <p:cNvSpPr>
-            <a:spLocks noGrp="1"/>
+            <a:r>
+              <a:rPr lang="pl-PL" dirty="0" smtClean="0"/>
+              <a:t>REST </a:t>
+            </a:r>
+            <a:r>
+              <a:rPr lang="pl-PL" dirty="0" err="1" smtClean="0"/>
+              <a:t>Template</a:t>
+            </a:r>
+            <a:endParaRPr lang="pl-PL" dirty="0"/>
+          </a:p>
+        </p:txBody>
+      </p:sp>
+      <p:sp>
+        <p:nvSpPr>
+          <p:cNvPr id="8" name="Symbol zastępczy tekstu 2"/>
+          <p:cNvSpPr txBox="1">
+            <a:spLocks/>
           </p:cNvSpPr>
-          <p:nvPr>
-            <p:ph type="body" sz="quarter" idx="10"/>
-          </p:nvPr>
-        </p:nvSpPr>
-        <p:spPr>
+          <p:nvPr/>
+        </p:nvSpPr>
+        <p:spPr>
+          <a:xfrm>
+            <a:off x="0" y="1228158"/>
+            <a:ext cx="9144000" cy="4846148"/>
+          </a:xfrm>
           <a:prstGeom prst="rect">
             <a:avLst/>
           </a:prstGeom>
         </p:spPr>
         <p:txBody>
           <a:bodyPr>
-            <a:noAutofit/>
+            <a:normAutofit/>
           </a:bodyPr>
-          <a:lstStyle/>
-          <a:p>
-            <a:pPr marL="198900" indent="0">
+          <a:lstStyle>
+            <a:lvl1pPr marL="342900" indent="-342900" algn="l" defTabSz="457200" rtl="0" eaLnBrk="1" latinLnBrk="0" hangingPunct="1">
+              <a:spcBef>
+                <a:spcPct val="20000"/>
+              </a:spcBef>
+              <a:buFont typeface="Arial"/>
+              <a:buChar char="•"/>
+              <a:defRPr sz="3200" kern="1200">
+                <a:solidFill>
+                  <a:schemeClr val="tx1"/>
+                </a:solidFill>
+                <a:latin typeface="+mn-lt"/>
+                <a:ea typeface="+mn-ea"/>
+                <a:cs typeface="+mn-cs"/>
+              </a:defRPr>
+            </a:lvl1pPr>
+            <a:lvl2pPr marL="742950" indent="-285750" algn="l" defTabSz="457200" rtl="0" eaLnBrk="1" latinLnBrk="0" hangingPunct="1">
+              <a:spcBef>
+                <a:spcPct val="20000"/>
+              </a:spcBef>
+              <a:buFont typeface="Arial"/>
+              <a:buChar char="–"/>
+              <a:defRPr sz="2800" kern="1200">
+                <a:solidFill>
+                  <a:schemeClr val="tx1"/>
+                </a:solidFill>
+                <a:latin typeface="+mn-lt"/>
+                <a:ea typeface="+mn-ea"/>
+                <a:cs typeface="+mn-cs"/>
+              </a:defRPr>
+            </a:lvl2pPr>
+            <a:lvl3pPr marL="1143000" indent="-228600" algn="l" defTabSz="457200" rtl="0" eaLnBrk="1" latinLnBrk="0" hangingPunct="1">
+              <a:spcBef>
+                <a:spcPct val="20000"/>
+              </a:spcBef>
+              <a:buFont typeface="Arial"/>
+              <a:buChar char="•"/>
+              <a:defRPr sz="2400" kern="1200">
+                <a:solidFill>
+                  <a:schemeClr val="tx1"/>
+                </a:solidFill>
+                <a:latin typeface="+mn-lt"/>
+                <a:ea typeface="+mn-ea"/>
+                <a:cs typeface="+mn-cs"/>
+              </a:defRPr>
+            </a:lvl3pPr>
+            <a:lvl4pPr marL="1600200" indent="-228600" algn="l" defTabSz="457200" rtl="0" eaLnBrk="1" latinLnBrk="0" hangingPunct="1">
+              <a:spcBef>
+                <a:spcPct val="20000"/>
+              </a:spcBef>
+              <a:buFont typeface="Arial"/>
+              <a:buChar char="–"/>
+              <a:defRPr sz="2000" kern="1200">
+                <a:solidFill>
+                  <a:schemeClr val="tx1"/>
+                </a:solidFill>
+                <a:latin typeface="+mn-lt"/>
+                <a:ea typeface="+mn-ea"/>
+                <a:cs typeface="+mn-cs"/>
+              </a:defRPr>
+            </a:lvl4pPr>
+            <a:lvl5pPr marL="2057400" indent="-228600" algn="l" defTabSz="457200" rtl="0" eaLnBrk="1" latinLnBrk="0" hangingPunct="1">
+              <a:spcBef>
+                <a:spcPct val="20000"/>
+              </a:spcBef>
+              <a:buFont typeface="Arial"/>
+              <a:buChar char="»"/>
+              <a:defRPr sz="2000" kern="1200">
+                <a:solidFill>
+                  <a:schemeClr val="tx1"/>
+                </a:solidFill>
+                <a:latin typeface="+mn-lt"/>
+                <a:ea typeface="+mn-ea"/>
+                <a:cs typeface="+mn-cs"/>
+              </a:defRPr>
+            </a:lvl5pPr>
+            <a:lvl6pPr marL="2514600" indent="-228600" algn="l" defTabSz="457200" rtl="0" eaLnBrk="1" latinLnBrk="0" hangingPunct="1">
+              <a:spcBef>
+                <a:spcPct val="20000"/>
+              </a:spcBef>
+              <a:buFont typeface="Arial"/>
+              <a:buChar char="•"/>
+              <a:defRPr sz="2000" kern="1200">
+                <a:solidFill>
+                  <a:schemeClr val="tx1"/>
+                </a:solidFill>
+                <a:latin typeface="+mn-lt"/>
+                <a:ea typeface="+mn-ea"/>
+                <a:cs typeface="+mn-cs"/>
+              </a:defRPr>
+            </a:lvl6pPr>
+            <a:lvl7pPr marL="2971800" indent="-228600" algn="l" defTabSz="457200" rtl="0" eaLnBrk="1" latinLnBrk="0" hangingPunct="1">
+              <a:spcBef>
+                <a:spcPct val="20000"/>
+              </a:spcBef>
+              <a:buFont typeface="Arial"/>
+              <a:buChar char="•"/>
+              <a:defRPr sz="2000" kern="1200">
+                <a:solidFill>
+                  <a:schemeClr val="tx1"/>
+                </a:solidFill>
+                <a:latin typeface="+mn-lt"/>
+                <a:ea typeface="+mn-ea"/>
+                <a:cs typeface="+mn-cs"/>
+              </a:defRPr>
+            </a:lvl7pPr>
+            <a:lvl8pPr marL="3429000" indent="-228600" algn="l" defTabSz="457200" rtl="0" eaLnBrk="1" latinLnBrk="0" hangingPunct="1">
+              <a:spcBef>
+                <a:spcPct val="20000"/>
+              </a:spcBef>
+              <a:buFont typeface="Arial"/>
+              <a:buChar char="•"/>
+              <a:defRPr sz="2000" kern="1200">
+                <a:solidFill>
+                  <a:schemeClr val="tx1"/>
+                </a:solidFill>
+                <a:latin typeface="+mn-lt"/>
+                <a:ea typeface="+mn-ea"/>
+                <a:cs typeface="+mn-cs"/>
+              </a:defRPr>
+            </a:lvl8pPr>
+            <a:lvl9pPr marL="3886200" indent="-228600" algn="l" defTabSz="457200" rtl="0" eaLnBrk="1" latinLnBrk="0" hangingPunct="1">
+              <a:spcBef>
+                <a:spcPct val="20000"/>
+              </a:spcBef>
+              <a:buFont typeface="Arial"/>
+              <a:buChar char="•"/>
+              <a:defRPr sz="2000" kern="1200">
+                <a:solidFill>
+                  <a:schemeClr val="tx1"/>
+                </a:solidFill>
+                <a:latin typeface="+mn-lt"/>
+                <a:ea typeface="+mn-ea"/>
+                <a:cs typeface="+mn-cs"/>
+              </a:defRPr>
+            </a:lvl9pPr>
+          </a:lstStyle>
+          <a:p>
+            <a:pPr marL="198900" indent="0" algn="just">
+              <a:buFont typeface="Arial"/>
               <a:buNone/>
             </a:pPr>
-            <a:r>
-              <a:rPr lang="pl-PL" sz="5000" dirty="0" smtClean="0"/>
-              <a:t>Pierwsze API</a:t>
-            </a:r>
-            <a:endParaRPr lang="pl-PL" sz="5000" dirty="0"/>
+            <a:endParaRPr lang="pl-PL" dirty="0" smtClean="0"/>
+          </a:p>
+          <a:p>
+            <a:pPr algn="just"/>
+            <a:r>
+              <a:rPr lang="pl-PL" sz="1800" dirty="0">
+                <a:solidFill>
+                  <a:srgbClr val="2D3E5C"/>
+                </a:solidFill>
+                <a:latin typeface=""/>
+              </a:rPr>
+              <a:t>Klasa wykorzystywana po stronie klienta do komunikacji </a:t>
+            </a:r>
+            <a:r>
+              <a:rPr lang="pl-PL" sz="1800" dirty="0" smtClean="0">
+                <a:solidFill>
+                  <a:srgbClr val="2D3E5C"/>
+                </a:solidFill>
+                <a:latin typeface=""/>
+              </a:rPr>
+              <a:t>serwerem </a:t>
+            </a:r>
+            <a:r>
+              <a:rPr lang="pl-PL" sz="1800" dirty="0">
+                <a:solidFill>
+                  <a:srgbClr val="2D3E5C"/>
+                </a:solidFill>
+                <a:latin typeface=""/>
+              </a:rPr>
+              <a:t>za pomocą protokołu HTTP</a:t>
+            </a:r>
+            <a:r>
+              <a:rPr lang="pl-PL" sz="1800" dirty="0" smtClean="0">
+                <a:solidFill>
+                  <a:srgbClr val="2D3E5C"/>
+                </a:solidFill>
+                <a:latin typeface=""/>
+              </a:rPr>
+              <a:t>.</a:t>
+            </a:r>
+          </a:p>
+          <a:p>
+            <a:pPr marL="0" indent="0" algn="just">
+              <a:buNone/>
+            </a:pPr>
+            <a:endParaRPr lang="pl-PL" sz="1800" dirty="0" smtClean="0">
+              <a:solidFill>
+                <a:srgbClr val="2D3E5C"/>
+              </a:solidFill>
+              <a:latin typeface=""/>
+            </a:endParaRPr>
+          </a:p>
+          <a:p>
+            <a:pPr algn="just"/>
+            <a:r>
+              <a:rPr lang="pl-PL" sz="1800" dirty="0">
+                <a:solidFill>
+                  <a:srgbClr val="2D3E5C"/>
+                </a:solidFill>
+                <a:latin typeface=""/>
+              </a:rPr>
+              <a:t>Żądania GET z wykorzystaniem metody </a:t>
+            </a:r>
+            <a:r>
+              <a:rPr lang="pl-PL" sz="1800" dirty="0" smtClean="0">
+                <a:solidFill>
+                  <a:srgbClr val="2D3E5C"/>
+                </a:solidFill>
+                <a:latin typeface=""/>
+              </a:rPr>
+              <a:t>„exchange”:</a:t>
+            </a:r>
+          </a:p>
+          <a:p>
+            <a:pPr algn="just"/>
+            <a:endParaRPr lang="pl-PL" sz="1800" dirty="0">
+              <a:solidFill>
+                <a:srgbClr val="2D3E5C"/>
+              </a:solidFill>
+              <a:latin typeface=""/>
+            </a:endParaRPr>
+          </a:p>
+          <a:p>
+            <a:pPr algn="just"/>
+            <a:endParaRPr lang="pl-PL" sz="1800" dirty="0">
+              <a:solidFill>
+                <a:srgbClr val="2D3E5C"/>
+              </a:solidFill>
+              <a:latin typeface=""/>
+            </a:endParaRPr>
+          </a:p>
+          <a:p>
+            <a:pPr algn="just"/>
+            <a:endParaRPr lang="pl-PL" sz="1800" dirty="0">
+              <a:solidFill>
+                <a:srgbClr val="2D3E5C"/>
+              </a:solidFill>
+              <a:latin typeface=""/>
+            </a:endParaRPr>
+          </a:p>
+          <a:p>
+            <a:pPr algn="just"/>
+            <a:endParaRPr lang="pl-PL" dirty="0" smtClean="0"/>
+          </a:p>
+          <a:p>
+            <a:pPr algn="just"/>
+            <a:r>
+              <a:rPr lang="pl-PL" sz="1800" dirty="0">
+                <a:solidFill>
+                  <a:srgbClr val="2D3E5C"/>
+                </a:solidFill>
+                <a:latin typeface=""/>
+              </a:rPr>
+              <a:t>REST </a:t>
+            </a:r>
+            <a:r>
+              <a:rPr lang="pl-PL" sz="1800" dirty="0" err="1" smtClean="0">
+                <a:solidFill>
+                  <a:srgbClr val="2D3E5C"/>
+                </a:solidFill>
+                <a:latin typeface=""/>
+              </a:rPr>
+              <a:t>Template</a:t>
+            </a:r>
+            <a:r>
+              <a:rPr lang="pl-PL" sz="1800" dirty="0" smtClean="0">
+                <a:solidFill>
+                  <a:srgbClr val="2D3E5C"/>
+                </a:solidFill>
+                <a:latin typeface=""/>
+              </a:rPr>
+              <a:t> :</a:t>
+            </a:r>
+            <a:endParaRPr lang="pl-PL" sz="1800" dirty="0">
+              <a:solidFill>
+                <a:srgbClr val="2D3E5C"/>
+              </a:solidFill>
+              <a:latin typeface=""/>
+            </a:endParaRPr>
           </a:p>
         </p:txBody>
       </p:sp>
       <p:pic>
         <p:nvPicPr>
-          <p:cNvPr id="3074" name="Picture 2" descr="Znalezione obrazy dla zapytania junit"/>
+          <p:cNvPr id="3" name="Obraz 2"/>
           <p:cNvPicPr>
-            <a:picLocks noChangeAspect="1" noChangeArrowheads="1"/>
+            <a:picLocks noChangeAspect="1"/>
           </p:cNvPicPr>
           <p:nvPr/>
         </p:nvPicPr>
         <p:blipFill>
-          <a:blip r:embed="rId2">
-            <a:extLst>
-              <a:ext uri="{28A0092B-C50C-407E-A947-70E740481C1C}">
-                <a14:useLocalDpi xmlns:a14="http://schemas.microsoft.com/office/drawing/2010/main" val="0"/>
-              </a:ext>
-            </a:extLst>
-          </a:blip>
-          <a:srcRect/>
+          <a:blip r:embed="rId2"/>
           <a:stretch>
             <a:fillRect/>
           </a:stretch>
         </p:blipFill>
-        <p:spPr bwMode="auto">
-          <a:xfrm>
-            <a:off x="5528764" y="3071495"/>
-            <a:ext cx="2152650" cy="2124075"/>
+        <p:spPr>
+          <a:xfrm>
+            <a:off x="392905" y="5193632"/>
+            <a:ext cx="8358188" cy="779480"/>
           </a:xfrm>
           <a:prstGeom prst="rect">
             <a:avLst/>
           </a:prstGeom>
-          <a:noFill/>
-          <a:extLst>
-            <a:ext uri="{909E8E84-426E-40DD-AFC4-6F175D3DCCD1}">
-              <a14:hiddenFill xmlns:a14="http://schemas.microsoft.com/office/drawing/2010/main">
-                <a:solidFill>
-                  <a:srgbClr val="FFFFFF"/>
-                </a:solidFill>
-              </a14:hiddenFill>
-            </a:ext>
-          </a:extLst>
+        </p:spPr>
+      </p:pic>
+      <p:pic>
+        <p:nvPicPr>
+          <p:cNvPr id="4" name="Obraz 3"/>
+          <p:cNvPicPr>
+            <a:picLocks noChangeAspect="1"/>
+          </p:cNvPicPr>
+          <p:nvPr/>
+        </p:nvPicPr>
+        <p:blipFill>
+          <a:blip r:embed="rId3"/>
+          <a:stretch>
+            <a:fillRect/>
+          </a:stretch>
+        </p:blipFill>
+        <p:spPr>
+          <a:xfrm>
+            <a:off x="452391" y="3444198"/>
+            <a:ext cx="8239216" cy="971550"/>
+          </a:xfrm>
+          <a:prstGeom prst="rect">
+            <a:avLst/>
+          </a:prstGeom>
         </p:spPr>
       </p:pic>
     </p:spTree>
     <p:extLst>
       <p:ext uri="{BB962C8B-B14F-4D97-AF65-F5344CB8AC3E}">
-        <p14:creationId xmlns:p14="http://schemas.microsoft.com/office/powerpoint/2010/main" val="1028304070"/>
+        <p14:creationId xmlns:p14="http://schemas.microsoft.com/office/powerpoint/2010/main" val="3204976087"/>
       </p:ext>
     </p:extLst>
   </p:cSld>
@@ -5232,7 +5314,7 @@
       </p:grpSpPr>
       <p:sp>
         <p:nvSpPr>
-          <p:cNvPr id="2" name="Tytuł 1"/>
+          <p:cNvPr id="7" name="Tytuł 6"/>
           <p:cNvSpPr>
             <a:spLocks noGrp="1"/>
           </p:cNvSpPr>
@@ -5245,289 +5327,87 @@
           <a:bodyPr/>
           <a:lstStyle/>
           <a:p>
-            <a:r>
-              <a:rPr lang="en-US" dirty="0"/>
-              <a:t>Spring </a:t>
-            </a:r>
-            <a:r>
-              <a:rPr lang="en-US" dirty="0" err="1" smtClean="0"/>
-              <a:t>MockMVC</a:t>
-            </a:r>
-            <a:r>
-              <a:rPr lang="pl-PL" dirty="0" smtClean="0"/>
-              <a:t> </a:t>
-            </a:r>
-            <a:r>
-              <a:rPr lang="en-US" dirty="0" smtClean="0"/>
-              <a:t> </a:t>
-            </a:r>
-            <a:endParaRPr lang="pl-PL" dirty="0">
-              <a:latin typeface=""/>
-            </a:endParaRPr>
-          </a:p>
-        </p:txBody>
-      </p:sp>
-      <p:sp>
-        <p:nvSpPr>
-          <p:cNvPr id="4" name="pole tekstowe 3"/>
-          <p:cNvSpPr txBox="1"/>
-          <p:nvPr/>
-        </p:nvSpPr>
-        <p:spPr>
-          <a:xfrm>
-            <a:off x="862642" y="1233577"/>
-            <a:ext cx="6564701" cy="369332"/>
-          </a:xfrm>
+            <a:endParaRPr lang="pl-PL"/>
+          </a:p>
+        </p:txBody>
+      </p:sp>
+      <p:sp>
+        <p:nvSpPr>
+          <p:cNvPr id="3" name="Symbol zastępczy tekstu 2"/>
+          <p:cNvSpPr>
+            <a:spLocks noGrp="1"/>
+          </p:cNvSpPr>
+          <p:nvPr>
+            <p:ph type="body" sz="quarter" idx="10"/>
+          </p:nvPr>
+        </p:nvSpPr>
+        <p:spPr>
           <a:prstGeom prst="rect">
             <a:avLst/>
           </a:prstGeom>
-          <a:noFill/>
-        </p:spPr>
-        <p:txBody>
-          <a:bodyPr wrap="square" rtlCol="0">
-            <a:spAutoFit/>
+        </p:spPr>
+        <p:txBody>
+          <a:bodyPr>
+            <a:noAutofit/>
           </a:bodyPr>
           <a:lstStyle/>
           <a:p>
-            <a:endParaRPr lang="pl-PL" dirty="0"/>
-          </a:p>
-        </p:txBody>
-      </p:sp>
-      <p:sp>
-        <p:nvSpPr>
-          <p:cNvPr id="6" name="Symbol zastępczy tekstu 2"/>
-          <p:cNvSpPr txBox="1">
-            <a:spLocks/>
-          </p:cNvSpPr>
-          <p:nvPr/>
-        </p:nvSpPr>
-        <p:spPr>
-          <a:xfrm>
-            <a:off x="0" y="1228158"/>
-            <a:ext cx="9144000" cy="4846148"/>
-          </a:xfrm>
-          <a:prstGeom prst="rect">
-            <a:avLst/>
-          </a:prstGeom>
-        </p:spPr>
-        <p:txBody>
-          <a:bodyPr>
-            <a:normAutofit/>
-          </a:bodyPr>
-          <a:lstStyle>
-            <a:lvl1pPr marL="342900" indent="-342900" algn="l" defTabSz="457200" rtl="0" eaLnBrk="1" latinLnBrk="0" hangingPunct="1">
-              <a:spcBef>
-                <a:spcPct val="20000"/>
-              </a:spcBef>
-              <a:buFont typeface="Arial"/>
-              <a:buChar char="•"/>
-              <a:defRPr sz="3200" kern="1200">
-                <a:solidFill>
-                  <a:schemeClr val="tx1"/>
-                </a:solidFill>
-                <a:latin typeface="+mn-lt"/>
-                <a:ea typeface="+mn-ea"/>
-                <a:cs typeface="+mn-cs"/>
-              </a:defRPr>
-            </a:lvl1pPr>
-            <a:lvl2pPr marL="742950" indent="-285750" algn="l" defTabSz="457200" rtl="0" eaLnBrk="1" latinLnBrk="0" hangingPunct="1">
-              <a:spcBef>
-                <a:spcPct val="20000"/>
-              </a:spcBef>
-              <a:buFont typeface="Arial"/>
-              <a:buChar char="–"/>
-              <a:defRPr sz="2800" kern="1200">
-                <a:solidFill>
-                  <a:schemeClr val="tx1"/>
-                </a:solidFill>
-                <a:latin typeface="+mn-lt"/>
-                <a:ea typeface="+mn-ea"/>
-                <a:cs typeface="+mn-cs"/>
-              </a:defRPr>
-            </a:lvl2pPr>
-            <a:lvl3pPr marL="1143000" indent="-228600" algn="l" defTabSz="457200" rtl="0" eaLnBrk="1" latinLnBrk="0" hangingPunct="1">
-              <a:spcBef>
-                <a:spcPct val="20000"/>
-              </a:spcBef>
-              <a:buFont typeface="Arial"/>
-              <a:buChar char="•"/>
-              <a:defRPr sz="2400" kern="1200">
-                <a:solidFill>
-                  <a:schemeClr val="tx1"/>
-                </a:solidFill>
-                <a:latin typeface="+mn-lt"/>
-                <a:ea typeface="+mn-ea"/>
-                <a:cs typeface="+mn-cs"/>
-              </a:defRPr>
-            </a:lvl3pPr>
-            <a:lvl4pPr marL="1600200" indent="-228600" algn="l" defTabSz="457200" rtl="0" eaLnBrk="1" latinLnBrk="0" hangingPunct="1">
-              <a:spcBef>
-                <a:spcPct val="20000"/>
-              </a:spcBef>
-              <a:buFont typeface="Arial"/>
-              <a:buChar char="–"/>
-              <a:defRPr sz="2000" kern="1200">
-                <a:solidFill>
-                  <a:schemeClr val="tx1"/>
-                </a:solidFill>
-                <a:latin typeface="+mn-lt"/>
-                <a:ea typeface="+mn-ea"/>
-                <a:cs typeface="+mn-cs"/>
-              </a:defRPr>
-            </a:lvl4pPr>
-            <a:lvl5pPr marL="2057400" indent="-228600" algn="l" defTabSz="457200" rtl="0" eaLnBrk="1" latinLnBrk="0" hangingPunct="1">
-              <a:spcBef>
-                <a:spcPct val="20000"/>
-              </a:spcBef>
-              <a:buFont typeface="Arial"/>
-              <a:buChar char="»"/>
-              <a:defRPr sz="2000" kern="1200">
-                <a:solidFill>
-                  <a:schemeClr val="tx1"/>
-                </a:solidFill>
-                <a:latin typeface="+mn-lt"/>
-                <a:ea typeface="+mn-ea"/>
-                <a:cs typeface="+mn-cs"/>
-              </a:defRPr>
-            </a:lvl5pPr>
-            <a:lvl6pPr marL="2514600" indent="-228600" algn="l" defTabSz="457200" rtl="0" eaLnBrk="1" latinLnBrk="0" hangingPunct="1">
-              <a:spcBef>
-                <a:spcPct val="20000"/>
-              </a:spcBef>
-              <a:buFont typeface="Arial"/>
-              <a:buChar char="•"/>
-              <a:defRPr sz="2000" kern="1200">
-                <a:solidFill>
-                  <a:schemeClr val="tx1"/>
-                </a:solidFill>
-                <a:latin typeface="+mn-lt"/>
-                <a:ea typeface="+mn-ea"/>
-                <a:cs typeface="+mn-cs"/>
-              </a:defRPr>
-            </a:lvl6pPr>
-            <a:lvl7pPr marL="2971800" indent="-228600" algn="l" defTabSz="457200" rtl="0" eaLnBrk="1" latinLnBrk="0" hangingPunct="1">
-              <a:spcBef>
-                <a:spcPct val="20000"/>
-              </a:spcBef>
-              <a:buFont typeface="Arial"/>
-              <a:buChar char="•"/>
-              <a:defRPr sz="2000" kern="1200">
-                <a:solidFill>
-                  <a:schemeClr val="tx1"/>
-                </a:solidFill>
-                <a:latin typeface="+mn-lt"/>
-                <a:ea typeface="+mn-ea"/>
-                <a:cs typeface="+mn-cs"/>
-              </a:defRPr>
-            </a:lvl7pPr>
-            <a:lvl8pPr marL="3429000" indent="-228600" algn="l" defTabSz="457200" rtl="0" eaLnBrk="1" latinLnBrk="0" hangingPunct="1">
-              <a:spcBef>
-                <a:spcPct val="20000"/>
-              </a:spcBef>
-              <a:buFont typeface="Arial"/>
-              <a:buChar char="•"/>
-              <a:defRPr sz="2000" kern="1200">
-                <a:solidFill>
-                  <a:schemeClr val="tx1"/>
-                </a:solidFill>
-                <a:latin typeface="+mn-lt"/>
-                <a:ea typeface="+mn-ea"/>
-                <a:cs typeface="+mn-cs"/>
-              </a:defRPr>
-            </a:lvl8pPr>
-            <a:lvl9pPr marL="3886200" indent="-228600" algn="l" defTabSz="457200" rtl="0" eaLnBrk="1" latinLnBrk="0" hangingPunct="1">
-              <a:spcBef>
-                <a:spcPct val="20000"/>
-              </a:spcBef>
-              <a:buFont typeface="Arial"/>
-              <a:buChar char="•"/>
-              <a:defRPr sz="2000" kern="1200">
-                <a:solidFill>
-                  <a:schemeClr val="tx1"/>
-                </a:solidFill>
-                <a:latin typeface="+mn-lt"/>
-                <a:ea typeface="+mn-ea"/>
-                <a:cs typeface="+mn-cs"/>
-              </a:defRPr>
-            </a:lvl9pPr>
-          </a:lstStyle>
-          <a:p>
-            <a:pPr marL="198900" indent="0" algn="just">
-              <a:buFont typeface="Arial"/>
+            <a:pPr marL="198900" indent="0">
               <a:buNone/>
             </a:pPr>
-            <a:endParaRPr lang="pl-PL" dirty="0" smtClean="0"/>
-          </a:p>
-          <a:p>
-            <a:pPr algn="just"/>
-            <a:r>
-              <a:rPr lang="pl-PL" sz="2400" dirty="0" smtClean="0"/>
-              <a:t>Wykorzystywany do testowania serwerowej strony aplikacji.</a:t>
-            </a:r>
-          </a:p>
-          <a:p>
-            <a:pPr algn="just"/>
-            <a:r>
-              <a:rPr lang="pl-PL" sz="2400" dirty="0" smtClean="0"/>
-              <a:t>Tworzy infrastrukturę bardzo zbliżoną do tej, która pojawia przy faktycznym uruchomieniu programu</a:t>
-            </a:r>
-          </a:p>
-          <a:p>
-            <a:pPr algn="just"/>
-            <a:r>
-              <a:rPr lang="pl-PL" sz="2400" dirty="0" smtClean="0"/>
-              <a:t>Główna zasada działania opiera się o </a:t>
-            </a:r>
-            <a:r>
-              <a:rPr lang="pl-PL" sz="2400" dirty="0" err="1" smtClean="0"/>
-              <a:t>mockowanie</a:t>
-            </a:r>
-            <a:r>
-              <a:rPr lang="pl-PL" sz="2400" dirty="0" smtClean="0"/>
-              <a:t> żądania i odpowiedzi HTTP, które przychodzą od „spring-test”.</a:t>
-            </a:r>
-          </a:p>
-          <a:p>
-            <a:pPr algn="just"/>
-            <a:r>
-              <a:rPr lang="pl-PL" sz="2400" dirty="0" smtClean="0"/>
-              <a:t>Testy nie wymagają uruchomionego kontenera </a:t>
-            </a:r>
-            <a:r>
-              <a:rPr lang="pl-PL" sz="2400" dirty="0" err="1" smtClean="0"/>
-              <a:t>servletu</a:t>
-            </a:r>
-            <a:endParaRPr lang="pl-PL" sz="2400" dirty="0" smtClean="0"/>
-          </a:p>
-          <a:p>
-            <a:pPr algn="just"/>
-            <a:r>
-              <a:rPr lang="pl-PL" sz="2400" dirty="0" smtClean="0"/>
-              <a:t>Podczas wykonywania testu żądania obsługuje </a:t>
-            </a:r>
-            <a:r>
-              <a:rPr lang="pl-PL" sz="2400" dirty="0" err="1" smtClean="0"/>
-              <a:t>Dispatcher</a:t>
-            </a:r>
-            <a:r>
-              <a:rPr lang="pl-PL" sz="2400" dirty="0" smtClean="0"/>
-              <a:t> </a:t>
-            </a:r>
-            <a:r>
-              <a:rPr lang="pl-PL" sz="2400" dirty="0" err="1" smtClean="0"/>
-              <a:t>Servlet</a:t>
-            </a:r>
-            <a:r>
-              <a:rPr lang="pl-PL" sz="2400" dirty="0" smtClean="0"/>
-              <a:t> lecz nie zostaje nawiązane  rzeczywiste połączenie sieciowe.</a:t>
-            </a:r>
-          </a:p>
-        </p:txBody>
-      </p:sp>
+            <a:r>
+              <a:rPr lang="pl-PL" sz="5000" dirty="0" smtClean="0"/>
+              <a:t>Pierwsze API</a:t>
+            </a:r>
+            <a:endParaRPr lang="pl-PL" sz="5000" dirty="0"/>
+          </a:p>
+        </p:txBody>
+      </p:sp>
+      <p:pic>
+        <p:nvPicPr>
+          <p:cNvPr id="3074" name="Picture 2" descr="Znalezione obrazy dla zapytania junit"/>
+          <p:cNvPicPr>
+            <a:picLocks noChangeAspect="1" noChangeArrowheads="1"/>
+          </p:cNvPicPr>
+          <p:nvPr/>
+        </p:nvPicPr>
+        <p:blipFill>
+          <a:blip r:embed="rId2">
+            <a:extLst>
+              <a:ext uri="{28A0092B-C50C-407E-A947-70E740481C1C}">
+                <a14:useLocalDpi xmlns:a14="http://schemas.microsoft.com/office/drawing/2010/main" val="0"/>
+              </a:ext>
+            </a:extLst>
+          </a:blip>
+          <a:srcRect/>
+          <a:stretch>
+            <a:fillRect/>
+          </a:stretch>
+        </p:blipFill>
+        <p:spPr bwMode="auto">
+          <a:xfrm>
+            <a:off x="5528764" y="3071495"/>
+            <a:ext cx="2152650" cy="2124075"/>
+          </a:xfrm>
+          <a:prstGeom prst="rect">
+            <a:avLst/>
+          </a:prstGeom>
+          <a:noFill/>
+          <a:extLst>
+            <a:ext uri="{909E8E84-426E-40DD-AFC4-6F175D3DCCD1}">
+              <a14:hiddenFill xmlns:a14="http://schemas.microsoft.com/office/drawing/2010/main">
+                <a:solidFill>
+                  <a:srgbClr val="FFFFFF"/>
+                </a:solidFill>
+              </a14:hiddenFill>
+            </a:ext>
+          </a:extLst>
+        </p:spPr>
+      </p:pic>
     </p:spTree>
     <p:extLst>
       <p:ext uri="{BB962C8B-B14F-4D97-AF65-F5344CB8AC3E}">
-        <p14:creationId xmlns:p14="http://schemas.microsoft.com/office/powerpoint/2010/main" val="831594908"/>
+        <p14:creationId xmlns:p14="http://schemas.microsoft.com/office/powerpoint/2010/main" val="1028304070"/>
       </p:ext>
     </p:extLst>
   </p:cSld>
@@ -5586,6 +5466,337 @@
             </a:r>
             <a:r>
               <a:rPr lang="pl-PL" dirty="0" smtClean="0"/>
+              <a:t> </a:t>
+            </a:r>
+            <a:r>
+              <a:rPr lang="en-US" dirty="0" smtClean="0"/>
+              <a:t> </a:t>
+            </a:r>
+            <a:endParaRPr lang="pl-PL" dirty="0">
+              <a:latin typeface=""/>
+            </a:endParaRPr>
+          </a:p>
+        </p:txBody>
+      </p:sp>
+      <p:sp>
+        <p:nvSpPr>
+          <p:cNvPr id="4" name="pole tekstowe 3"/>
+          <p:cNvSpPr txBox="1"/>
+          <p:nvPr/>
+        </p:nvSpPr>
+        <p:spPr>
+          <a:xfrm>
+            <a:off x="862642" y="1233577"/>
+            <a:ext cx="6564701" cy="369332"/>
+          </a:xfrm>
+          <a:prstGeom prst="rect">
+            <a:avLst/>
+          </a:prstGeom>
+          <a:noFill/>
+        </p:spPr>
+        <p:txBody>
+          <a:bodyPr wrap="square" rtlCol="0">
+            <a:spAutoFit/>
+          </a:bodyPr>
+          <a:lstStyle/>
+          <a:p>
+            <a:endParaRPr lang="pl-PL" dirty="0"/>
+          </a:p>
+        </p:txBody>
+      </p:sp>
+      <p:sp>
+        <p:nvSpPr>
+          <p:cNvPr id="6" name="Symbol zastępczy tekstu 2"/>
+          <p:cNvSpPr txBox="1">
+            <a:spLocks/>
+          </p:cNvSpPr>
+          <p:nvPr/>
+        </p:nvSpPr>
+        <p:spPr>
+          <a:xfrm>
+            <a:off x="0" y="1228158"/>
+            <a:ext cx="9144000" cy="4846148"/>
+          </a:xfrm>
+          <a:prstGeom prst="rect">
+            <a:avLst/>
+          </a:prstGeom>
+        </p:spPr>
+        <p:txBody>
+          <a:bodyPr>
+            <a:normAutofit/>
+          </a:bodyPr>
+          <a:lstStyle>
+            <a:lvl1pPr marL="342900" indent="-342900" algn="l" defTabSz="457200" rtl="0" eaLnBrk="1" latinLnBrk="0" hangingPunct="1">
+              <a:spcBef>
+                <a:spcPct val="20000"/>
+              </a:spcBef>
+              <a:buFont typeface="Arial"/>
+              <a:buChar char="•"/>
+              <a:defRPr sz="3200" kern="1200">
+                <a:solidFill>
+                  <a:schemeClr val="tx1"/>
+                </a:solidFill>
+                <a:latin typeface="+mn-lt"/>
+                <a:ea typeface="+mn-ea"/>
+                <a:cs typeface="+mn-cs"/>
+              </a:defRPr>
+            </a:lvl1pPr>
+            <a:lvl2pPr marL="742950" indent="-285750" algn="l" defTabSz="457200" rtl="0" eaLnBrk="1" latinLnBrk="0" hangingPunct="1">
+              <a:spcBef>
+                <a:spcPct val="20000"/>
+              </a:spcBef>
+              <a:buFont typeface="Arial"/>
+              <a:buChar char="–"/>
+              <a:defRPr sz="2800" kern="1200">
+                <a:solidFill>
+                  <a:schemeClr val="tx1"/>
+                </a:solidFill>
+                <a:latin typeface="+mn-lt"/>
+                <a:ea typeface="+mn-ea"/>
+                <a:cs typeface="+mn-cs"/>
+              </a:defRPr>
+            </a:lvl2pPr>
+            <a:lvl3pPr marL="1143000" indent="-228600" algn="l" defTabSz="457200" rtl="0" eaLnBrk="1" latinLnBrk="0" hangingPunct="1">
+              <a:spcBef>
+                <a:spcPct val="20000"/>
+              </a:spcBef>
+              <a:buFont typeface="Arial"/>
+              <a:buChar char="•"/>
+              <a:defRPr sz="2400" kern="1200">
+                <a:solidFill>
+                  <a:schemeClr val="tx1"/>
+                </a:solidFill>
+                <a:latin typeface="+mn-lt"/>
+                <a:ea typeface="+mn-ea"/>
+                <a:cs typeface="+mn-cs"/>
+              </a:defRPr>
+            </a:lvl3pPr>
+            <a:lvl4pPr marL="1600200" indent="-228600" algn="l" defTabSz="457200" rtl="0" eaLnBrk="1" latinLnBrk="0" hangingPunct="1">
+              <a:spcBef>
+                <a:spcPct val="20000"/>
+              </a:spcBef>
+              <a:buFont typeface="Arial"/>
+              <a:buChar char="–"/>
+              <a:defRPr sz="2000" kern="1200">
+                <a:solidFill>
+                  <a:schemeClr val="tx1"/>
+                </a:solidFill>
+                <a:latin typeface="+mn-lt"/>
+                <a:ea typeface="+mn-ea"/>
+                <a:cs typeface="+mn-cs"/>
+              </a:defRPr>
+            </a:lvl4pPr>
+            <a:lvl5pPr marL="2057400" indent="-228600" algn="l" defTabSz="457200" rtl="0" eaLnBrk="1" latinLnBrk="0" hangingPunct="1">
+              <a:spcBef>
+                <a:spcPct val="20000"/>
+              </a:spcBef>
+              <a:buFont typeface="Arial"/>
+              <a:buChar char="»"/>
+              <a:defRPr sz="2000" kern="1200">
+                <a:solidFill>
+                  <a:schemeClr val="tx1"/>
+                </a:solidFill>
+                <a:latin typeface="+mn-lt"/>
+                <a:ea typeface="+mn-ea"/>
+                <a:cs typeface="+mn-cs"/>
+              </a:defRPr>
+            </a:lvl5pPr>
+            <a:lvl6pPr marL="2514600" indent="-228600" algn="l" defTabSz="457200" rtl="0" eaLnBrk="1" latinLnBrk="0" hangingPunct="1">
+              <a:spcBef>
+                <a:spcPct val="20000"/>
+              </a:spcBef>
+              <a:buFont typeface="Arial"/>
+              <a:buChar char="•"/>
+              <a:defRPr sz="2000" kern="1200">
+                <a:solidFill>
+                  <a:schemeClr val="tx1"/>
+                </a:solidFill>
+                <a:latin typeface="+mn-lt"/>
+                <a:ea typeface="+mn-ea"/>
+                <a:cs typeface="+mn-cs"/>
+              </a:defRPr>
+            </a:lvl6pPr>
+            <a:lvl7pPr marL="2971800" indent="-228600" algn="l" defTabSz="457200" rtl="0" eaLnBrk="1" latinLnBrk="0" hangingPunct="1">
+              <a:spcBef>
+                <a:spcPct val="20000"/>
+              </a:spcBef>
+              <a:buFont typeface="Arial"/>
+              <a:buChar char="•"/>
+              <a:defRPr sz="2000" kern="1200">
+                <a:solidFill>
+                  <a:schemeClr val="tx1"/>
+                </a:solidFill>
+                <a:latin typeface="+mn-lt"/>
+                <a:ea typeface="+mn-ea"/>
+                <a:cs typeface="+mn-cs"/>
+              </a:defRPr>
+            </a:lvl7pPr>
+            <a:lvl8pPr marL="3429000" indent="-228600" algn="l" defTabSz="457200" rtl="0" eaLnBrk="1" latinLnBrk="0" hangingPunct="1">
+              <a:spcBef>
+                <a:spcPct val="20000"/>
+              </a:spcBef>
+              <a:buFont typeface="Arial"/>
+              <a:buChar char="•"/>
+              <a:defRPr sz="2000" kern="1200">
+                <a:solidFill>
+                  <a:schemeClr val="tx1"/>
+                </a:solidFill>
+                <a:latin typeface="+mn-lt"/>
+                <a:ea typeface="+mn-ea"/>
+                <a:cs typeface="+mn-cs"/>
+              </a:defRPr>
+            </a:lvl8pPr>
+            <a:lvl9pPr marL="3886200" indent="-228600" algn="l" defTabSz="457200" rtl="0" eaLnBrk="1" latinLnBrk="0" hangingPunct="1">
+              <a:spcBef>
+                <a:spcPct val="20000"/>
+              </a:spcBef>
+              <a:buFont typeface="Arial"/>
+              <a:buChar char="•"/>
+              <a:defRPr sz="2000" kern="1200">
+                <a:solidFill>
+                  <a:schemeClr val="tx1"/>
+                </a:solidFill>
+                <a:latin typeface="+mn-lt"/>
+                <a:ea typeface="+mn-ea"/>
+                <a:cs typeface="+mn-cs"/>
+              </a:defRPr>
+            </a:lvl9pPr>
+          </a:lstStyle>
+          <a:p>
+            <a:pPr marL="198900" indent="0" algn="just">
+              <a:buFont typeface="Arial"/>
+              <a:buNone/>
+            </a:pPr>
+            <a:endParaRPr lang="pl-PL" dirty="0" smtClean="0"/>
+          </a:p>
+          <a:p>
+            <a:pPr algn="just"/>
+            <a:r>
+              <a:rPr lang="pl-PL" sz="2400" dirty="0" smtClean="0"/>
+              <a:t>Wykorzystywany do testowania serwerowej strony aplikacji.</a:t>
+            </a:r>
+          </a:p>
+          <a:p>
+            <a:pPr algn="just"/>
+            <a:r>
+              <a:rPr lang="pl-PL" sz="2400" dirty="0" smtClean="0"/>
+              <a:t>Tworzy infrastrukturę bardzo zbliżoną do tej, która pojawia przy faktycznym uruchomieniu programu</a:t>
+            </a:r>
+          </a:p>
+          <a:p>
+            <a:pPr algn="just"/>
+            <a:r>
+              <a:rPr lang="pl-PL" sz="2400" dirty="0" smtClean="0"/>
+              <a:t>Główna zasada działania opiera się o </a:t>
+            </a:r>
+            <a:r>
+              <a:rPr lang="pl-PL" sz="2400" dirty="0" err="1" smtClean="0"/>
+              <a:t>mockowanie</a:t>
+            </a:r>
+            <a:r>
+              <a:rPr lang="pl-PL" sz="2400" dirty="0" smtClean="0"/>
+              <a:t> żądania i odpowiedzi HTTP, które przychodzą od „spring-test”.</a:t>
+            </a:r>
+          </a:p>
+          <a:p>
+            <a:pPr algn="just"/>
+            <a:r>
+              <a:rPr lang="pl-PL" sz="2400" dirty="0" smtClean="0"/>
+              <a:t>Testy nie wymagają uruchomionego kontenera </a:t>
+            </a:r>
+            <a:r>
+              <a:rPr lang="pl-PL" sz="2400" dirty="0" err="1" smtClean="0"/>
+              <a:t>servletu</a:t>
+            </a:r>
+            <a:endParaRPr lang="pl-PL" sz="2400" dirty="0" smtClean="0"/>
+          </a:p>
+          <a:p>
+            <a:pPr algn="just"/>
+            <a:r>
+              <a:rPr lang="pl-PL" sz="2400" dirty="0" smtClean="0"/>
+              <a:t>Podczas wykonywania testu żądania obsługuje </a:t>
+            </a:r>
+            <a:r>
+              <a:rPr lang="pl-PL" sz="2400" dirty="0" err="1" smtClean="0"/>
+              <a:t>Dispatcher</a:t>
+            </a:r>
+            <a:r>
+              <a:rPr lang="pl-PL" sz="2400" dirty="0" smtClean="0"/>
+              <a:t> </a:t>
+            </a:r>
+            <a:r>
+              <a:rPr lang="pl-PL" sz="2400" dirty="0" err="1" smtClean="0"/>
+              <a:t>Servlet</a:t>
+            </a:r>
+            <a:r>
+              <a:rPr lang="pl-PL" sz="2400" dirty="0" smtClean="0"/>
+              <a:t> lecz nie zostaje nawiązane  rzeczywiste połączenie sieciowe.</a:t>
+            </a:r>
+          </a:p>
+        </p:txBody>
+      </p:sp>
+    </p:spTree>
+    <p:extLst>
+      <p:ext uri="{BB962C8B-B14F-4D97-AF65-F5344CB8AC3E}">
+        <p14:creationId xmlns:p14="http://schemas.microsoft.com/office/powerpoint/2010/main" val="831594908"/>
+      </p:ext>
+    </p:extLst>
+  </p:cSld>
+  <p:clrMapOvr>
+    <a:masterClrMapping/>
+  </p:clrMapOvr>
+  <p:timing>
+    <p:tnLst>
+      <p:par>
+        <p:cTn id="1" dur="indefinite" restart="never" nodeType="tmRoot"/>
+      </p:par>
+    </p:tnLst>
+  </p:timing>
+</p:sld>
+</file>
+
+<file path=ppt/slides/slide17.xml><?xml version="1.0" encoding="utf-8"?>
+<p:sld xmlns:a="http://schemas.openxmlformats.org/drawingml/2006/main" xmlns:r="http://schemas.openxmlformats.org/officeDocument/2006/relationships" xmlns:p="http://schemas.openxmlformats.org/presentationml/2006/main">
+  <p:cSld>
+    <p:spTree>
+      <p:nvGrpSpPr>
+        <p:cNvPr id="1" name=""/>
+        <p:cNvGrpSpPr/>
+        <p:nvPr/>
+      </p:nvGrpSpPr>
+      <p:grpSpPr>
+        <a:xfrm>
+          <a:off x="0" y="0"/>
+          <a:ext cx="0" cy="0"/>
+          <a:chOff x="0" y="0"/>
+          <a:chExt cx="0" cy="0"/>
+        </a:xfrm>
+      </p:grpSpPr>
+      <p:sp>
+        <p:nvSpPr>
+          <p:cNvPr id="2" name="Tytuł 1"/>
+          <p:cNvSpPr>
+            <a:spLocks noGrp="1"/>
+          </p:cNvSpPr>
+          <p:nvPr>
+            <p:ph type="title"/>
+          </p:nvPr>
+        </p:nvSpPr>
+        <p:spPr/>
+        <p:txBody>
+          <a:bodyPr/>
+          <a:lstStyle/>
+          <a:p>
+            <a:r>
+              <a:rPr lang="en-US" dirty="0"/>
+              <a:t>Spring </a:t>
+            </a:r>
+            <a:r>
+              <a:rPr lang="en-US" dirty="0" err="1" smtClean="0"/>
+              <a:t>MockMVC</a:t>
+            </a:r>
+            <a:r>
+              <a:rPr lang="pl-PL" dirty="0" smtClean="0"/>
               <a:t> - Konfiguracja</a:t>
             </a:r>
             <a:r>
@@ -5917,7 +6128,7 @@
             </a:r>
             <a:r>
               <a:rPr lang="pl-PL" dirty="0" smtClean="0"/>
-              <a:t> – </a:t>
+              <a:t> </a:t>
             </a:r>
           </a:p>
           <a:p>
@@ -5942,7 +6153,11 @@
             </a:r>
             <a:r>
               <a:rPr lang="pl-PL" dirty="0" smtClean="0"/>
-              <a:t> -  </a:t>
+              <a:t> -  Uruchamia automatyczną konfiguracje </a:t>
+            </a:r>
+            <a:r>
+              <a:rPr lang="pl-PL" dirty="0" err="1" smtClean="0"/>
+              <a:t>MockMvc</a:t>
             </a:r>
             <a:endParaRPr lang="pl-PL" dirty="0"/>
           </a:p>
@@ -5968,7 +6183,411 @@
 </p:sld>
 </file>
 
-<file path=ppt/slides/slide17.xml><?xml version="1.0" encoding="utf-8"?>
+<file path=ppt/slides/slide18.xml><?xml version="1.0" encoding="utf-8"?>
+<p:sld xmlns:a="http://schemas.openxmlformats.org/drawingml/2006/main" xmlns:r="http://schemas.openxmlformats.org/officeDocument/2006/relationships" xmlns:p="http://schemas.openxmlformats.org/presentationml/2006/main">
+  <p:cSld>
+    <p:spTree>
+      <p:nvGrpSpPr>
+        <p:cNvPr id="1" name=""/>
+        <p:cNvGrpSpPr/>
+        <p:nvPr/>
+      </p:nvGrpSpPr>
+      <p:grpSpPr>
+        <a:xfrm>
+          <a:off x="0" y="0"/>
+          <a:ext cx="0" cy="0"/>
+          <a:chOff x="0" y="0"/>
+          <a:chExt cx="0" cy="0"/>
+        </a:xfrm>
+      </p:grpSpPr>
+      <p:sp>
+        <p:nvSpPr>
+          <p:cNvPr id="2" name="Tytuł 1"/>
+          <p:cNvSpPr>
+            <a:spLocks noGrp="1"/>
+          </p:cNvSpPr>
+          <p:nvPr>
+            <p:ph type="title"/>
+          </p:nvPr>
+        </p:nvSpPr>
+        <p:spPr/>
+        <p:txBody>
+          <a:bodyPr/>
+          <a:lstStyle/>
+          <a:p>
+            <a:r>
+              <a:rPr lang="en-US" dirty="0"/>
+              <a:t>Spring </a:t>
+            </a:r>
+            <a:r>
+              <a:rPr lang="en-US" dirty="0" err="1" smtClean="0"/>
+              <a:t>MockMVC</a:t>
+            </a:r>
+            <a:r>
+              <a:rPr lang="pl-PL" dirty="0" smtClean="0"/>
+              <a:t> - Konfiguracja</a:t>
+            </a:r>
+            <a:r>
+              <a:rPr lang="en-US" dirty="0" smtClean="0"/>
+              <a:t> </a:t>
+            </a:r>
+            <a:endParaRPr lang="pl-PL" dirty="0">
+              <a:latin typeface=""/>
+            </a:endParaRPr>
+          </a:p>
+        </p:txBody>
+      </p:sp>
+      <p:sp>
+        <p:nvSpPr>
+          <p:cNvPr id="4" name="pole tekstowe 3"/>
+          <p:cNvSpPr txBox="1"/>
+          <p:nvPr/>
+        </p:nvSpPr>
+        <p:spPr>
+          <a:xfrm>
+            <a:off x="862642" y="1233577"/>
+            <a:ext cx="6564701" cy="369332"/>
+          </a:xfrm>
+          <a:prstGeom prst="rect">
+            <a:avLst/>
+          </a:prstGeom>
+          <a:noFill/>
+        </p:spPr>
+        <p:txBody>
+          <a:bodyPr wrap="square" rtlCol="0">
+            <a:spAutoFit/>
+          </a:bodyPr>
+          <a:lstStyle/>
+          <a:p>
+            <a:endParaRPr lang="pl-PL" dirty="0"/>
+          </a:p>
+        </p:txBody>
+      </p:sp>
+      <p:sp>
+        <p:nvSpPr>
+          <p:cNvPr id="6" name="Symbol zastępczy tekstu 2"/>
+          <p:cNvSpPr txBox="1">
+            <a:spLocks/>
+          </p:cNvSpPr>
+          <p:nvPr/>
+        </p:nvSpPr>
+        <p:spPr>
+          <a:xfrm>
+            <a:off x="0" y="1228158"/>
+            <a:ext cx="9144000" cy="4846148"/>
+          </a:xfrm>
+          <a:prstGeom prst="rect">
+            <a:avLst/>
+          </a:prstGeom>
+        </p:spPr>
+        <p:txBody>
+          <a:bodyPr>
+            <a:normAutofit/>
+          </a:bodyPr>
+          <a:lstStyle>
+            <a:lvl1pPr marL="342900" indent="-342900" algn="l" defTabSz="457200" rtl="0" eaLnBrk="1" latinLnBrk="0" hangingPunct="1">
+              <a:spcBef>
+                <a:spcPct val="20000"/>
+              </a:spcBef>
+              <a:buFont typeface="Arial"/>
+              <a:buChar char="•"/>
+              <a:defRPr sz="3200" kern="1200">
+                <a:solidFill>
+                  <a:schemeClr val="tx1"/>
+                </a:solidFill>
+                <a:latin typeface="+mn-lt"/>
+                <a:ea typeface="+mn-ea"/>
+                <a:cs typeface="+mn-cs"/>
+              </a:defRPr>
+            </a:lvl1pPr>
+            <a:lvl2pPr marL="742950" indent="-285750" algn="l" defTabSz="457200" rtl="0" eaLnBrk="1" latinLnBrk="0" hangingPunct="1">
+              <a:spcBef>
+                <a:spcPct val="20000"/>
+              </a:spcBef>
+              <a:buFont typeface="Arial"/>
+              <a:buChar char="–"/>
+              <a:defRPr sz="2800" kern="1200">
+                <a:solidFill>
+                  <a:schemeClr val="tx1"/>
+                </a:solidFill>
+                <a:latin typeface="+mn-lt"/>
+                <a:ea typeface="+mn-ea"/>
+                <a:cs typeface="+mn-cs"/>
+              </a:defRPr>
+            </a:lvl2pPr>
+            <a:lvl3pPr marL="1143000" indent="-228600" algn="l" defTabSz="457200" rtl="0" eaLnBrk="1" latinLnBrk="0" hangingPunct="1">
+              <a:spcBef>
+                <a:spcPct val="20000"/>
+              </a:spcBef>
+              <a:buFont typeface="Arial"/>
+              <a:buChar char="•"/>
+              <a:defRPr sz="2400" kern="1200">
+                <a:solidFill>
+                  <a:schemeClr val="tx1"/>
+                </a:solidFill>
+                <a:latin typeface="+mn-lt"/>
+                <a:ea typeface="+mn-ea"/>
+                <a:cs typeface="+mn-cs"/>
+              </a:defRPr>
+            </a:lvl3pPr>
+            <a:lvl4pPr marL="1600200" indent="-228600" algn="l" defTabSz="457200" rtl="0" eaLnBrk="1" latinLnBrk="0" hangingPunct="1">
+              <a:spcBef>
+                <a:spcPct val="20000"/>
+              </a:spcBef>
+              <a:buFont typeface="Arial"/>
+              <a:buChar char="–"/>
+              <a:defRPr sz="2000" kern="1200">
+                <a:solidFill>
+                  <a:schemeClr val="tx1"/>
+                </a:solidFill>
+                <a:latin typeface="+mn-lt"/>
+                <a:ea typeface="+mn-ea"/>
+                <a:cs typeface="+mn-cs"/>
+              </a:defRPr>
+            </a:lvl4pPr>
+            <a:lvl5pPr marL="2057400" indent="-228600" algn="l" defTabSz="457200" rtl="0" eaLnBrk="1" latinLnBrk="0" hangingPunct="1">
+              <a:spcBef>
+                <a:spcPct val="20000"/>
+              </a:spcBef>
+              <a:buFont typeface="Arial"/>
+              <a:buChar char="»"/>
+              <a:defRPr sz="2000" kern="1200">
+                <a:solidFill>
+                  <a:schemeClr val="tx1"/>
+                </a:solidFill>
+                <a:latin typeface="+mn-lt"/>
+                <a:ea typeface="+mn-ea"/>
+                <a:cs typeface="+mn-cs"/>
+              </a:defRPr>
+            </a:lvl5pPr>
+            <a:lvl6pPr marL="2514600" indent="-228600" algn="l" defTabSz="457200" rtl="0" eaLnBrk="1" latinLnBrk="0" hangingPunct="1">
+              <a:spcBef>
+                <a:spcPct val="20000"/>
+              </a:spcBef>
+              <a:buFont typeface="Arial"/>
+              <a:buChar char="•"/>
+              <a:defRPr sz="2000" kern="1200">
+                <a:solidFill>
+                  <a:schemeClr val="tx1"/>
+                </a:solidFill>
+                <a:latin typeface="+mn-lt"/>
+                <a:ea typeface="+mn-ea"/>
+                <a:cs typeface="+mn-cs"/>
+              </a:defRPr>
+            </a:lvl6pPr>
+            <a:lvl7pPr marL="2971800" indent="-228600" algn="l" defTabSz="457200" rtl="0" eaLnBrk="1" latinLnBrk="0" hangingPunct="1">
+              <a:spcBef>
+                <a:spcPct val="20000"/>
+              </a:spcBef>
+              <a:buFont typeface="Arial"/>
+              <a:buChar char="•"/>
+              <a:defRPr sz="2000" kern="1200">
+                <a:solidFill>
+                  <a:schemeClr val="tx1"/>
+                </a:solidFill>
+                <a:latin typeface="+mn-lt"/>
+                <a:ea typeface="+mn-ea"/>
+                <a:cs typeface="+mn-cs"/>
+              </a:defRPr>
+            </a:lvl7pPr>
+            <a:lvl8pPr marL="3429000" indent="-228600" algn="l" defTabSz="457200" rtl="0" eaLnBrk="1" latinLnBrk="0" hangingPunct="1">
+              <a:spcBef>
+                <a:spcPct val="20000"/>
+              </a:spcBef>
+              <a:buFont typeface="Arial"/>
+              <a:buChar char="•"/>
+              <a:defRPr sz="2000" kern="1200">
+                <a:solidFill>
+                  <a:schemeClr val="tx1"/>
+                </a:solidFill>
+                <a:latin typeface="+mn-lt"/>
+                <a:ea typeface="+mn-ea"/>
+                <a:cs typeface="+mn-cs"/>
+              </a:defRPr>
+            </a:lvl8pPr>
+            <a:lvl9pPr marL="3886200" indent="-228600" algn="l" defTabSz="457200" rtl="0" eaLnBrk="1" latinLnBrk="0" hangingPunct="1">
+              <a:spcBef>
+                <a:spcPct val="20000"/>
+              </a:spcBef>
+              <a:buFont typeface="Arial"/>
+              <a:buChar char="•"/>
+              <a:defRPr sz="2000" kern="1200">
+                <a:solidFill>
+                  <a:schemeClr val="tx1"/>
+                </a:solidFill>
+                <a:latin typeface="+mn-lt"/>
+                <a:ea typeface="+mn-ea"/>
+                <a:cs typeface="+mn-cs"/>
+              </a:defRPr>
+            </a:lvl9pPr>
+          </a:lstStyle>
+          <a:p>
+            <a:pPr marL="198900" indent="0" algn="just">
+              <a:buFont typeface="Arial"/>
+              <a:buNone/>
+            </a:pPr>
+            <a:endParaRPr lang="pl-PL" dirty="0" smtClean="0"/>
+          </a:p>
+        </p:txBody>
+      </p:sp>
+      <p:sp>
+        <p:nvSpPr>
+          <p:cNvPr id="5" name="pole tekstowe 4"/>
+          <p:cNvSpPr txBox="1"/>
+          <p:nvPr/>
+        </p:nvSpPr>
+        <p:spPr>
+          <a:xfrm>
+            <a:off x="677173" y="1228158"/>
+            <a:ext cx="7789653" cy="2031325"/>
+          </a:xfrm>
+          <a:prstGeom prst="rect">
+            <a:avLst/>
+          </a:prstGeom>
+          <a:noFill/>
+        </p:spPr>
+        <p:txBody>
+          <a:bodyPr wrap="square" rtlCol="0">
+            <a:spAutoFit/>
+          </a:bodyPr>
+          <a:lstStyle/>
+          <a:p>
+            <a:pPr marL="285750" indent="-285750">
+              <a:buFont typeface="Arial" panose="020B0604020202020204" pitchFamily="34" charset="0"/>
+              <a:buChar char="•"/>
+            </a:pPr>
+            <a:r>
+              <a:rPr lang="pl-PL" dirty="0" smtClean="0"/>
+              <a:t>@</a:t>
+            </a:r>
+            <a:r>
+              <a:rPr lang="pl-PL" dirty="0" err="1" smtClean="0"/>
+              <a:t>RunWith</a:t>
+            </a:r>
+            <a:r>
+              <a:rPr lang="pl-PL" dirty="0" smtClean="0"/>
+              <a:t>(</a:t>
+            </a:r>
+            <a:r>
+              <a:rPr lang="pl-PL" dirty="0" err="1" smtClean="0"/>
+              <a:t>SpringRunner.class</a:t>
+            </a:r>
+            <a:r>
+              <a:rPr lang="pl-PL" dirty="0" smtClean="0"/>
+              <a:t>) – określa </a:t>
+            </a:r>
+            <a:r>
+              <a:rPr lang="pl-PL" dirty="0" err="1" smtClean="0"/>
+              <a:t>Runner</a:t>
+            </a:r>
+            <a:r>
+              <a:rPr lang="pl-PL" dirty="0" smtClean="0"/>
+              <a:t>, który ma być wykorzystywany przez </a:t>
+            </a:r>
+            <a:r>
+              <a:rPr lang="pl-PL" dirty="0" err="1" smtClean="0"/>
+              <a:t>Junit</a:t>
+            </a:r>
+            <a:r>
+              <a:rPr lang="pl-PL" dirty="0" smtClean="0"/>
+              <a:t>. Klasa </a:t>
+            </a:r>
+            <a:r>
+              <a:rPr lang="pl-PL" dirty="0" err="1" smtClean="0"/>
+              <a:t>SpringRunner</a:t>
+            </a:r>
+            <a:r>
+              <a:rPr lang="pl-PL" dirty="0" smtClean="0"/>
+              <a:t> jest aliasem </a:t>
+            </a:r>
+            <a:r>
+              <a:rPr lang="pl-PL" dirty="0"/>
+              <a:t>do </a:t>
+            </a:r>
+            <a:r>
+              <a:rPr lang="pl-PL" dirty="0" smtClean="0"/>
+              <a:t>SpringJUnit4ClassRunner. Umożliwia korzystanie z testowego kontekstu </a:t>
+            </a:r>
+            <a:r>
+              <a:rPr lang="pl-PL" dirty="0" err="1" smtClean="0"/>
+              <a:t>Springa</a:t>
+            </a:r>
+            <a:r>
+              <a:rPr lang="pl-PL" dirty="0" smtClean="0"/>
+              <a:t>.</a:t>
+            </a:r>
+          </a:p>
+          <a:p>
+            <a:pPr marL="285750" indent="-285750">
+              <a:buFont typeface="Arial" panose="020B0604020202020204" pitchFamily="34" charset="0"/>
+              <a:buChar char="•"/>
+            </a:pPr>
+            <a:r>
+              <a:rPr lang="pl-PL" dirty="0" smtClean="0"/>
+              <a:t>@</a:t>
+            </a:r>
+            <a:r>
+              <a:rPr lang="pl-PL" dirty="0" err="1" smtClean="0"/>
+              <a:t>SpringBootTest</a:t>
+            </a:r>
+            <a:r>
+              <a:rPr lang="pl-PL" dirty="0" smtClean="0"/>
+              <a:t> </a:t>
+            </a:r>
+          </a:p>
+          <a:p>
+            <a:pPr marL="285750" indent="-285750">
+              <a:buFont typeface="Arial" panose="020B0604020202020204" pitchFamily="34" charset="0"/>
+              <a:buChar char="•"/>
+            </a:pPr>
+            <a:endParaRPr lang="pl-PL" dirty="0"/>
+          </a:p>
+          <a:p>
+            <a:pPr marL="285750" indent="-285750">
+              <a:buFont typeface="Arial" panose="020B0604020202020204" pitchFamily="34" charset="0"/>
+              <a:buChar char="•"/>
+            </a:pPr>
+            <a:r>
+              <a:rPr lang="pl-PL" dirty="0" smtClean="0"/>
+              <a:t>@</a:t>
+            </a:r>
+            <a:r>
+              <a:rPr lang="pl-PL" dirty="0" err="1" smtClean="0"/>
+              <a:t>AutoConfigureMockMvc</a:t>
+            </a:r>
+            <a:r>
+              <a:rPr lang="pl-PL" dirty="0" smtClean="0"/>
+              <a:t> -  Uruchamia automatyczną konfiguracje </a:t>
+            </a:r>
+            <a:r>
+              <a:rPr lang="pl-PL" dirty="0" err="1" smtClean="0"/>
+              <a:t>MockMvc</a:t>
+            </a:r>
+            <a:endParaRPr lang="pl-PL" dirty="0"/>
+          </a:p>
+        </p:txBody>
+      </p:sp>
+    </p:spTree>
+    <p:extLst>
+      <p:ext uri="{BB962C8B-B14F-4D97-AF65-F5344CB8AC3E}">
+        <p14:creationId xmlns:p14="http://schemas.microsoft.com/office/powerpoint/2010/main" val="1819539165"/>
+      </p:ext>
+    </p:extLst>
+  </p:cSld>
+  <p:clrMapOvr>
+    <a:masterClrMapping/>
+  </p:clrMapOvr>
+  <p:timing>
+    <p:tnLst>
+      <p:par>
+        <p:cTn id="1" dur="indefinite" restart="never" nodeType="tmRoot"/>
+      </p:par>
+    </p:tnLst>
+  </p:timing>
+</p:sld>
+</file>
+
+<file path=ppt/slides/slide19.xml><?xml version="1.0" encoding="utf-8"?>
 <p:sld xmlns:a="http://schemas.openxmlformats.org/drawingml/2006/main" xmlns:r="http://schemas.openxmlformats.org/officeDocument/2006/relationships" xmlns:p="http://schemas.openxmlformats.org/presentationml/2006/main">
   <p:cSld>
     <p:spTree>

--- a/Spring MVC.pptx
+++ b/Spring MVC.pptx
@@ -256,7 +256,7 @@
           <a:p>
             <a:fld id="{18DA1CCD-4AB1-40EE-B21B-789687229DC3}" type="datetimeFigureOut">
               <a:rPr lang="pl-PL" smtClean="0"/>
-              <a:t>2017-04-11</a:t>
+              <a:t>2017-04-12</a:t>
             </a:fld>
             <a:endParaRPr lang="pl-PL"/>
           </a:p>
@@ -4830,7 +4830,6 @@
               <a:rPr lang="pl-PL" dirty="0"/>
               <a:t>=5005"</a:t>
             </a:r>
-            <a:endParaRPr lang="pl-PL" dirty="0"/>
           </a:p>
         </p:txBody>
       </p:sp>
@@ -5190,15 +5189,17 @@
             <a:endParaRPr lang="pl-PL" dirty="0" smtClean="0"/>
           </a:p>
           <a:p>
-            <a:pPr algn="just"/>
-            <a:r>
-              <a:rPr lang="pl-PL" sz="1800" dirty="0">
+            <a:pPr marL="0" indent="0" algn="just">
+              <a:buNone/>
+            </a:pPr>
+            <a:r>
+              <a:rPr lang="pl-PL" sz="1800" dirty="0" smtClean="0">
                 <a:solidFill>
                   <a:srgbClr val="2D3E5C"/>
                 </a:solidFill>
                 <a:latin typeface=""/>
               </a:rPr>
-              <a:t>REST </a:t>
+              <a:t>      REST </a:t>
             </a:r>
             <a:r>
               <a:rPr lang="pl-PL" sz="1800" dirty="0" err="1" smtClean="0">

--- a/Spring MVC.pptx
+++ b/Spring MVC.pptx
@@ -5,7 +5,7 @@
     <p:sldMasterId id="2147483648" r:id="rId1"/>
   </p:sldMasterIdLst>
   <p:notesMasterIdLst>
-    <p:notesMasterId r:id="rId21"/>
+    <p:notesMasterId r:id="rId22"/>
   </p:notesMasterIdLst>
   <p:sldIdLst>
     <p:sldId id="319" r:id="rId2"/>
@@ -20,13 +20,14 @@
     <p:sldId id="387" r:id="rId11"/>
     <p:sldId id="395" r:id="rId12"/>
     <p:sldId id="396" r:id="rId13"/>
-    <p:sldId id="403" r:id="rId14"/>
-    <p:sldId id="400" r:id="rId15"/>
-    <p:sldId id="398" r:id="rId16"/>
-    <p:sldId id="399" r:id="rId17"/>
-    <p:sldId id="401" r:id="rId18"/>
-    <p:sldId id="402" r:id="rId19"/>
-    <p:sldId id="386" r:id="rId20"/>
+    <p:sldId id="404" r:id="rId14"/>
+    <p:sldId id="403" r:id="rId15"/>
+    <p:sldId id="400" r:id="rId16"/>
+    <p:sldId id="398" r:id="rId17"/>
+    <p:sldId id="399" r:id="rId18"/>
+    <p:sldId id="401" r:id="rId19"/>
+    <p:sldId id="402" r:id="rId20"/>
+    <p:sldId id="386" r:id="rId21"/>
   </p:sldIdLst>
   <p:sldSz cx="9144000" cy="6858000" type="screen4x3"/>
   <p:notesSz cx="6858000" cy="9144000"/>
@@ -142,6 +143,7 @@
             <p14:sldId id="387"/>
             <p14:sldId id="395"/>
             <p14:sldId id="396"/>
+            <p14:sldId id="404"/>
             <p14:sldId id="403"/>
             <p14:sldId id="400"/>
             <p14:sldId id="398"/>
@@ -4401,44 +4403,6 @@
           </a:p>
         </p:txBody>
       </p:sp>
-      <p:sp>
-        <p:nvSpPr>
-          <p:cNvPr id="3" name="pole tekstowe 2"/>
-          <p:cNvSpPr txBox="1"/>
-          <p:nvPr/>
-        </p:nvSpPr>
-        <p:spPr>
-          <a:xfrm>
-            <a:off x="1285336" y="1733909"/>
-            <a:ext cx="1681229" cy="369332"/>
-          </a:xfrm>
-          <a:prstGeom prst="rect">
-            <a:avLst/>
-          </a:prstGeom>
-          <a:noFill/>
-        </p:spPr>
-        <p:txBody>
-          <a:bodyPr wrap="none" rtlCol="0">
-            <a:spAutoFit/>
-          </a:bodyPr>
-          <a:lstStyle/>
-          <a:p>
-            <a:r>
-              <a:rPr lang="pl-PL" dirty="0"/>
-              <a:t>@</a:t>
-            </a:r>
-            <a:r>
-              <a:rPr lang="pl-PL" dirty="0" err="1" smtClean="0"/>
-              <a:t>PathVariable</a:t>
-            </a:r>
-            <a:r>
-              <a:rPr lang="pl-PL" dirty="0" smtClean="0"/>
-              <a:t>  </a:t>
-            </a:r>
-            <a:endParaRPr lang="pl-PL" dirty="0"/>
-          </a:p>
-        </p:txBody>
-      </p:sp>
       <p:pic>
         <p:nvPicPr>
           <p:cNvPr id="4" name="Obraz 3"/>
@@ -4455,7 +4419,7 @@
         </p:blipFill>
         <p:spPr>
           <a:xfrm>
-            <a:off x="492976" y="3248834"/>
+            <a:off x="492976" y="2489710"/>
             <a:ext cx="8158048" cy="1159264"/>
           </a:xfrm>
           <a:prstGeom prst="rect">
@@ -4544,50 +4508,12 @@
           <a:lstStyle/>
           <a:p>
             <a:r>
-              <a:rPr lang="pl-PL" dirty="0"/>
+              <a:rPr lang="pl-PL" dirty="0" smtClean="0"/>
               <a:t>@</a:t>
             </a:r>
             <a:r>
-              <a:rPr lang="pl-PL" dirty="0" err="1"/>
-              <a:t>RequestMapping</a:t>
-            </a:r>
-            <a:endParaRPr lang="pl-PL" dirty="0"/>
-          </a:p>
-        </p:txBody>
-      </p:sp>
-      <p:sp>
-        <p:nvSpPr>
-          <p:cNvPr id="3" name="pole tekstowe 2"/>
-          <p:cNvSpPr txBox="1"/>
-          <p:nvPr/>
-        </p:nvSpPr>
-        <p:spPr>
-          <a:xfrm>
-            <a:off x="1285336" y="1733909"/>
-            <a:ext cx="2109680" cy="369332"/>
-          </a:xfrm>
-          <a:prstGeom prst="rect">
-            <a:avLst/>
-          </a:prstGeom>
-          <a:noFill/>
-        </p:spPr>
-        <p:txBody>
-          <a:bodyPr wrap="none" rtlCol="0">
-            <a:spAutoFit/>
-          </a:bodyPr>
-          <a:lstStyle/>
-          <a:p>
-            <a:r>
-              <a:rPr lang="pl-PL" dirty="0"/>
-              <a:t>@</a:t>
-            </a:r>
-            <a:r>
-              <a:rPr lang="pl-PL" dirty="0" err="1"/>
-              <a:t>RequestMapping</a:t>
-            </a:r>
-            <a:r>
-              <a:rPr lang="pl-PL" dirty="0" smtClean="0"/>
-              <a:t>- </a:t>
+              <a:rPr lang="pl-PL" dirty="0" err="1" smtClean="0"/>
+              <a:t>RequestParam</a:t>
             </a:r>
             <a:endParaRPr lang="pl-PL" dirty="0"/>
           </a:p>
@@ -4637,7 +4563,7 @@
         </p:blipFill>
         <p:spPr>
           <a:xfrm>
-            <a:off x="552405" y="3254135"/>
+            <a:off x="552404" y="2278532"/>
             <a:ext cx="8039190" cy="1254142"/>
           </a:xfrm>
           <a:prstGeom prst="rect">
@@ -4699,7 +4625,11 @@
           <a:p>
             <a:r>
               <a:rPr lang="pl-PL" dirty="0" smtClean="0"/>
-              <a:t>Uruchomienie Aplikacji</a:t>
+              <a:t>@</a:t>
+            </a:r>
+            <a:r>
+              <a:rPr lang="pl-PL" dirty="0" err="1" smtClean="0"/>
+              <a:t>ResponseBody</a:t>
             </a:r>
             <a:endParaRPr lang="pl-PL" dirty="0"/>
           </a:p>
@@ -4713,8 +4643,8 @@
         </p:nvSpPr>
         <p:spPr>
           <a:xfrm>
-            <a:off x="465826" y="1043796"/>
-            <a:ext cx="8212347" cy="1477328"/>
+            <a:off x="120771" y="1871932"/>
+            <a:ext cx="7315200" cy="646331"/>
           </a:xfrm>
           <a:prstGeom prst="rect">
             <a:avLst/>
@@ -4728,139 +4658,16 @@
           <a:lstStyle/>
           <a:p>
             <a:r>
-              <a:rPr lang="pl-PL" dirty="0" smtClean="0"/>
-              <a:t>Uruchomienie Aplikacji : </a:t>
-            </a:r>
-          </a:p>
-          <a:p>
-            <a:pPr marL="285750" indent="-285750">
-              <a:buFont typeface="Arial" panose="020B0604020202020204" pitchFamily="34" charset="0"/>
-              <a:buChar char="•"/>
-            </a:pPr>
-            <a:r>
-              <a:rPr lang="pl-PL" dirty="0" err="1" smtClean="0"/>
-              <a:t>mvnw</a:t>
-            </a:r>
-            <a:r>
-              <a:rPr lang="pl-PL" dirty="0" smtClean="0"/>
-              <a:t> </a:t>
-            </a:r>
-            <a:r>
-              <a:rPr lang="pl-PL" dirty="0" err="1" smtClean="0"/>
-              <a:t>spring-boot:run</a:t>
-            </a:r>
-            <a:endParaRPr lang="pl-PL" dirty="0" smtClean="0"/>
-          </a:p>
-          <a:p>
-            <a:r>
-              <a:rPr lang="pl-PL" dirty="0" err="1" smtClean="0"/>
-              <a:t>Debug</a:t>
-            </a:r>
-            <a:r>
-              <a:rPr lang="pl-PL" dirty="0" smtClean="0"/>
-              <a:t>: </a:t>
-            </a:r>
-          </a:p>
-          <a:p>
-            <a:pPr marL="285750" indent="-285750">
-              <a:buFont typeface="Arial" panose="020B0604020202020204" pitchFamily="34" charset="0"/>
-              <a:buChar char="•"/>
-            </a:pPr>
-            <a:r>
-              <a:rPr lang="pl-PL" dirty="0" err="1"/>
-              <a:t>mvn</a:t>
-            </a:r>
-            <a:r>
               <a:rPr lang="pl-PL" dirty="0"/>
-              <a:t> </a:t>
-            </a:r>
-            <a:r>
-              <a:rPr lang="pl-PL" dirty="0" err="1"/>
-              <a:t>spring-boot:run</a:t>
-            </a:r>
-            <a:r>
-              <a:rPr lang="pl-PL" dirty="0"/>
-              <a:t> -</a:t>
-            </a:r>
-            <a:r>
-              <a:rPr lang="pl-PL" dirty="0" err="1"/>
-              <a:t>Drun.jvmArguments</a:t>
-            </a:r>
-            <a:r>
-              <a:rPr lang="pl-PL" dirty="0"/>
-              <a:t>="-</a:t>
-            </a:r>
-            <a:r>
-              <a:rPr lang="pl-PL" dirty="0" err="1"/>
-              <a:t>Xdebug</a:t>
-            </a:r>
-            <a:r>
-              <a:rPr lang="pl-PL" dirty="0"/>
-              <a:t> -</a:t>
-            </a:r>
-            <a:r>
-              <a:rPr lang="pl-PL" dirty="0" err="1"/>
-              <a:t>Xrunjdwp:transport</a:t>
-            </a:r>
-            <a:r>
-              <a:rPr lang="pl-PL" dirty="0"/>
-              <a:t>=</a:t>
-            </a:r>
-            <a:r>
-              <a:rPr lang="pl-PL" dirty="0" err="1"/>
-              <a:t>dt_socket,server</a:t>
-            </a:r>
-            <a:r>
-              <a:rPr lang="pl-PL" dirty="0"/>
-              <a:t>=</a:t>
-            </a:r>
-            <a:r>
-              <a:rPr lang="pl-PL" dirty="0" err="1"/>
-              <a:t>y,suspend</a:t>
-            </a:r>
-            <a:r>
-              <a:rPr lang="pl-PL" dirty="0"/>
-              <a:t>=</a:t>
-            </a:r>
-            <a:r>
-              <a:rPr lang="pl-PL" dirty="0" err="1"/>
-              <a:t>y,address</a:t>
-            </a:r>
-            <a:r>
-              <a:rPr lang="pl-PL" dirty="0"/>
-              <a:t>=5005"</a:t>
-            </a:r>
-          </a:p>
-        </p:txBody>
-      </p:sp>
-      <p:pic>
-        <p:nvPicPr>
-          <p:cNvPr id="8" name="Obraz 7"/>
-          <p:cNvPicPr>
-            <a:picLocks noChangeAspect="1"/>
-          </p:cNvPicPr>
-          <p:nvPr/>
-        </p:nvPicPr>
-        <p:blipFill>
-          <a:blip r:embed="rId2"/>
-          <a:stretch>
-            <a:fillRect/>
-          </a:stretch>
-        </p:blipFill>
-        <p:spPr>
-          <a:xfrm>
-            <a:off x="833009" y="2598762"/>
-            <a:ext cx="7477980" cy="3701971"/>
-          </a:xfrm>
-          <a:prstGeom prst="rect">
-            <a:avLst/>
-          </a:prstGeom>
-        </p:spPr>
-      </p:pic>
+              <a:t>http://stackoverflow.com/questions/11291933/requestbody-and-responsebody-annotations-in-spring</a:t>
+            </a:r>
+          </a:p>
+        </p:txBody>
+      </p:sp>
     </p:spTree>
     <p:extLst>
       <p:ext uri="{BB962C8B-B14F-4D97-AF65-F5344CB8AC3E}">
-        <p14:creationId xmlns:p14="http://schemas.microsoft.com/office/powerpoint/2010/main" val="2638960368"/>
+        <p14:creationId xmlns:p14="http://schemas.microsoft.com/office/powerpoint/2010/main" val="1652652966"/>
       </p:ext>
     </p:extLst>
   </p:cSld>
@@ -4911,326 +4718,147 @@
           <a:p>
             <a:r>
               <a:rPr lang="pl-PL" dirty="0" smtClean="0"/>
-              <a:t>REST </a:t>
-            </a:r>
+              <a:t>Uruchomienie/Debugowanie </a:t>
+            </a:r>
+            <a:r>
+              <a:rPr lang="pl-PL" dirty="0" smtClean="0"/>
+              <a:t>Aplikacji</a:t>
+            </a:r>
+            <a:endParaRPr lang="pl-PL" dirty="0"/>
+          </a:p>
+        </p:txBody>
+      </p:sp>
+      <p:sp>
+        <p:nvSpPr>
+          <p:cNvPr id="3" name="pole tekstowe 2"/>
+          <p:cNvSpPr txBox="1"/>
+          <p:nvPr/>
+        </p:nvSpPr>
+        <p:spPr>
+          <a:xfrm>
+            <a:off x="465826" y="1043796"/>
+            <a:ext cx="8212347" cy="1477328"/>
+          </a:xfrm>
+          <a:prstGeom prst="rect">
+            <a:avLst/>
+          </a:prstGeom>
+          <a:noFill/>
+        </p:spPr>
+        <p:txBody>
+          <a:bodyPr wrap="square" rtlCol="0">
+            <a:spAutoFit/>
+          </a:bodyPr>
+          <a:lstStyle/>
+          <a:p>
+            <a:r>
+              <a:rPr lang="pl-PL" dirty="0" smtClean="0"/>
+              <a:t>Uruchomienie Aplikacji : </a:t>
+            </a:r>
+          </a:p>
+          <a:p>
+            <a:pPr marL="285750" indent="-285750">
+              <a:buFont typeface="Arial" panose="020B0604020202020204" pitchFamily="34" charset="0"/>
+              <a:buChar char="•"/>
+            </a:pPr>
             <a:r>
               <a:rPr lang="pl-PL" dirty="0" err="1" smtClean="0"/>
-              <a:t>Template</a:t>
-            </a:r>
-            <a:endParaRPr lang="pl-PL" dirty="0"/>
-          </a:p>
-        </p:txBody>
-      </p:sp>
-      <p:sp>
-        <p:nvSpPr>
-          <p:cNvPr id="8" name="Symbol zastępczy tekstu 2"/>
-          <p:cNvSpPr txBox="1">
-            <a:spLocks/>
-          </p:cNvSpPr>
-          <p:nvPr/>
-        </p:nvSpPr>
-        <p:spPr>
-          <a:xfrm>
-            <a:off x="0" y="1228158"/>
-            <a:ext cx="9144000" cy="4846148"/>
-          </a:xfrm>
-          <a:prstGeom prst="rect">
-            <a:avLst/>
-          </a:prstGeom>
-        </p:spPr>
-        <p:txBody>
-          <a:bodyPr>
-            <a:normAutofit/>
-          </a:bodyPr>
-          <a:lstStyle>
-            <a:lvl1pPr marL="342900" indent="-342900" algn="l" defTabSz="457200" rtl="0" eaLnBrk="1" latinLnBrk="0" hangingPunct="1">
-              <a:spcBef>
-                <a:spcPct val="20000"/>
-              </a:spcBef>
-              <a:buFont typeface="Arial"/>
+              <a:t>mvnw</a:t>
+            </a:r>
+            <a:r>
+              <a:rPr lang="pl-PL" dirty="0" smtClean="0"/>
+              <a:t> </a:t>
+            </a:r>
+            <a:r>
+              <a:rPr lang="pl-PL" dirty="0" err="1" smtClean="0"/>
+              <a:t>spring-boot:run</a:t>
+            </a:r>
+            <a:endParaRPr lang="pl-PL" dirty="0" smtClean="0"/>
+          </a:p>
+          <a:p>
+            <a:r>
+              <a:rPr lang="pl-PL" dirty="0" err="1" smtClean="0"/>
+              <a:t>Debug</a:t>
+            </a:r>
+            <a:r>
+              <a:rPr lang="pl-PL" dirty="0" smtClean="0"/>
+              <a:t>: </a:t>
+            </a:r>
+          </a:p>
+          <a:p>
+            <a:pPr marL="285750" indent="-285750">
+              <a:buFont typeface="Arial" panose="020B0604020202020204" pitchFamily="34" charset="0"/>
               <a:buChar char="•"/>
-              <a:defRPr sz="3200" kern="1200">
-                <a:solidFill>
-                  <a:schemeClr val="tx1"/>
-                </a:solidFill>
-                <a:latin typeface="+mn-lt"/>
-                <a:ea typeface="+mn-ea"/>
-                <a:cs typeface="+mn-cs"/>
-              </a:defRPr>
-            </a:lvl1pPr>
-            <a:lvl2pPr marL="742950" indent="-285750" algn="l" defTabSz="457200" rtl="0" eaLnBrk="1" latinLnBrk="0" hangingPunct="1">
-              <a:spcBef>
-                <a:spcPct val="20000"/>
-              </a:spcBef>
-              <a:buFont typeface="Arial"/>
-              <a:buChar char="–"/>
-              <a:defRPr sz="2800" kern="1200">
-                <a:solidFill>
-                  <a:schemeClr val="tx1"/>
-                </a:solidFill>
-                <a:latin typeface="+mn-lt"/>
-                <a:ea typeface="+mn-ea"/>
-                <a:cs typeface="+mn-cs"/>
-              </a:defRPr>
-            </a:lvl2pPr>
-            <a:lvl3pPr marL="1143000" indent="-228600" algn="l" defTabSz="457200" rtl="0" eaLnBrk="1" latinLnBrk="0" hangingPunct="1">
-              <a:spcBef>
-                <a:spcPct val="20000"/>
-              </a:spcBef>
-              <a:buFont typeface="Arial"/>
-              <a:buChar char="•"/>
-              <a:defRPr sz="2400" kern="1200">
-                <a:solidFill>
-                  <a:schemeClr val="tx1"/>
-                </a:solidFill>
-                <a:latin typeface="+mn-lt"/>
-                <a:ea typeface="+mn-ea"/>
-                <a:cs typeface="+mn-cs"/>
-              </a:defRPr>
-            </a:lvl3pPr>
-            <a:lvl4pPr marL="1600200" indent="-228600" algn="l" defTabSz="457200" rtl="0" eaLnBrk="1" latinLnBrk="0" hangingPunct="1">
-              <a:spcBef>
-                <a:spcPct val="20000"/>
-              </a:spcBef>
-              <a:buFont typeface="Arial"/>
-              <a:buChar char="–"/>
-              <a:defRPr sz="2000" kern="1200">
-                <a:solidFill>
-                  <a:schemeClr val="tx1"/>
-                </a:solidFill>
-                <a:latin typeface="+mn-lt"/>
-                <a:ea typeface="+mn-ea"/>
-                <a:cs typeface="+mn-cs"/>
-              </a:defRPr>
-            </a:lvl4pPr>
-            <a:lvl5pPr marL="2057400" indent="-228600" algn="l" defTabSz="457200" rtl="0" eaLnBrk="1" latinLnBrk="0" hangingPunct="1">
-              <a:spcBef>
-                <a:spcPct val="20000"/>
-              </a:spcBef>
-              <a:buFont typeface="Arial"/>
-              <a:buChar char="»"/>
-              <a:defRPr sz="2000" kern="1200">
-                <a:solidFill>
-                  <a:schemeClr val="tx1"/>
-                </a:solidFill>
-                <a:latin typeface="+mn-lt"/>
-                <a:ea typeface="+mn-ea"/>
-                <a:cs typeface="+mn-cs"/>
-              </a:defRPr>
-            </a:lvl5pPr>
-            <a:lvl6pPr marL="2514600" indent="-228600" algn="l" defTabSz="457200" rtl="0" eaLnBrk="1" latinLnBrk="0" hangingPunct="1">
-              <a:spcBef>
-                <a:spcPct val="20000"/>
-              </a:spcBef>
-              <a:buFont typeface="Arial"/>
-              <a:buChar char="•"/>
-              <a:defRPr sz="2000" kern="1200">
-                <a:solidFill>
-                  <a:schemeClr val="tx1"/>
-                </a:solidFill>
-                <a:latin typeface="+mn-lt"/>
-                <a:ea typeface="+mn-ea"/>
-                <a:cs typeface="+mn-cs"/>
-              </a:defRPr>
-            </a:lvl6pPr>
-            <a:lvl7pPr marL="2971800" indent="-228600" algn="l" defTabSz="457200" rtl="0" eaLnBrk="1" latinLnBrk="0" hangingPunct="1">
-              <a:spcBef>
-                <a:spcPct val="20000"/>
-              </a:spcBef>
-              <a:buFont typeface="Arial"/>
-              <a:buChar char="•"/>
-              <a:defRPr sz="2000" kern="1200">
-                <a:solidFill>
-                  <a:schemeClr val="tx1"/>
-                </a:solidFill>
-                <a:latin typeface="+mn-lt"/>
-                <a:ea typeface="+mn-ea"/>
-                <a:cs typeface="+mn-cs"/>
-              </a:defRPr>
-            </a:lvl7pPr>
-            <a:lvl8pPr marL="3429000" indent="-228600" algn="l" defTabSz="457200" rtl="0" eaLnBrk="1" latinLnBrk="0" hangingPunct="1">
-              <a:spcBef>
-                <a:spcPct val="20000"/>
-              </a:spcBef>
-              <a:buFont typeface="Arial"/>
-              <a:buChar char="•"/>
-              <a:defRPr sz="2000" kern="1200">
-                <a:solidFill>
-                  <a:schemeClr val="tx1"/>
-                </a:solidFill>
-                <a:latin typeface="+mn-lt"/>
-                <a:ea typeface="+mn-ea"/>
-                <a:cs typeface="+mn-cs"/>
-              </a:defRPr>
-            </a:lvl8pPr>
-            <a:lvl9pPr marL="3886200" indent="-228600" algn="l" defTabSz="457200" rtl="0" eaLnBrk="1" latinLnBrk="0" hangingPunct="1">
-              <a:spcBef>
-                <a:spcPct val="20000"/>
-              </a:spcBef>
-              <a:buFont typeface="Arial"/>
-              <a:buChar char="•"/>
-              <a:defRPr sz="2000" kern="1200">
-                <a:solidFill>
-                  <a:schemeClr val="tx1"/>
-                </a:solidFill>
-                <a:latin typeface="+mn-lt"/>
-                <a:ea typeface="+mn-ea"/>
-                <a:cs typeface="+mn-cs"/>
-              </a:defRPr>
-            </a:lvl9pPr>
-          </a:lstStyle>
-          <a:p>
-            <a:pPr marL="198900" indent="0" algn="just">
-              <a:buFont typeface="Arial"/>
-              <a:buNone/>
             </a:pPr>
-            <a:endParaRPr lang="pl-PL" dirty="0" smtClean="0"/>
-          </a:p>
-          <a:p>
-            <a:pPr algn="just"/>
-            <a:r>
-              <a:rPr lang="pl-PL" sz="1800" dirty="0">
-                <a:solidFill>
-                  <a:srgbClr val="2D3E5C"/>
-                </a:solidFill>
-                <a:latin typeface=""/>
-              </a:rPr>
-              <a:t>Klasa wykorzystywana po stronie klienta do komunikacji </a:t>
-            </a:r>
-            <a:r>
-              <a:rPr lang="pl-PL" sz="1800" dirty="0" smtClean="0">
-                <a:solidFill>
-                  <a:srgbClr val="2D3E5C"/>
-                </a:solidFill>
-                <a:latin typeface=""/>
-              </a:rPr>
-              <a:t>serwerem </a:t>
-            </a:r>
-            <a:r>
-              <a:rPr lang="pl-PL" sz="1800" dirty="0">
-                <a:solidFill>
-                  <a:srgbClr val="2D3E5C"/>
-                </a:solidFill>
-                <a:latin typeface=""/>
-              </a:rPr>
-              <a:t>za pomocą protokołu HTTP</a:t>
-            </a:r>
-            <a:r>
-              <a:rPr lang="pl-PL" sz="1800" dirty="0" smtClean="0">
-                <a:solidFill>
-                  <a:srgbClr val="2D3E5C"/>
-                </a:solidFill>
-                <a:latin typeface=""/>
-              </a:rPr>
-              <a:t>.</a:t>
-            </a:r>
-          </a:p>
-          <a:p>
-            <a:pPr marL="0" indent="0" algn="just">
-              <a:buNone/>
-            </a:pPr>
-            <a:endParaRPr lang="pl-PL" sz="1800" dirty="0" smtClean="0">
-              <a:solidFill>
-                <a:srgbClr val="2D3E5C"/>
-              </a:solidFill>
-              <a:latin typeface=""/>
-            </a:endParaRPr>
-          </a:p>
-          <a:p>
-            <a:pPr algn="just"/>
-            <a:r>
-              <a:rPr lang="pl-PL" sz="1800" dirty="0">
-                <a:solidFill>
-                  <a:srgbClr val="2D3E5C"/>
-                </a:solidFill>
-                <a:latin typeface=""/>
-              </a:rPr>
-              <a:t>Żądania GET z wykorzystaniem metody </a:t>
-            </a:r>
-            <a:r>
-              <a:rPr lang="pl-PL" sz="1800" dirty="0" smtClean="0">
-                <a:solidFill>
-                  <a:srgbClr val="2D3E5C"/>
-                </a:solidFill>
-                <a:latin typeface=""/>
-              </a:rPr>
-              <a:t>„exchange”:</a:t>
-            </a:r>
-          </a:p>
-          <a:p>
-            <a:pPr algn="just"/>
-            <a:endParaRPr lang="pl-PL" sz="1800" dirty="0">
-              <a:solidFill>
-                <a:srgbClr val="2D3E5C"/>
-              </a:solidFill>
-              <a:latin typeface=""/>
-            </a:endParaRPr>
-          </a:p>
-          <a:p>
-            <a:pPr algn="just"/>
-            <a:endParaRPr lang="pl-PL" sz="1800" dirty="0">
-              <a:solidFill>
-                <a:srgbClr val="2D3E5C"/>
-              </a:solidFill>
-              <a:latin typeface=""/>
-            </a:endParaRPr>
-          </a:p>
-          <a:p>
-            <a:pPr algn="just"/>
-            <a:endParaRPr lang="pl-PL" sz="1800" dirty="0">
-              <a:solidFill>
-                <a:srgbClr val="2D3E5C"/>
-              </a:solidFill>
-              <a:latin typeface=""/>
-            </a:endParaRPr>
-          </a:p>
-          <a:p>
-            <a:pPr algn="just"/>
-            <a:endParaRPr lang="pl-PL" dirty="0" smtClean="0"/>
-          </a:p>
-          <a:p>
-            <a:pPr marL="0" indent="0" algn="just">
-              <a:buNone/>
-            </a:pPr>
-            <a:r>
-              <a:rPr lang="pl-PL" sz="1800" dirty="0" smtClean="0">
-                <a:solidFill>
-                  <a:srgbClr val="2D3E5C"/>
-                </a:solidFill>
-                <a:latin typeface=""/>
-              </a:rPr>
-              <a:t>      REST </a:t>
-            </a:r>
-            <a:r>
-              <a:rPr lang="pl-PL" sz="1800" dirty="0" err="1" smtClean="0">
-                <a:solidFill>
-                  <a:srgbClr val="2D3E5C"/>
-                </a:solidFill>
-                <a:latin typeface=""/>
-              </a:rPr>
-              <a:t>Template</a:t>
-            </a:r>
-            <a:r>
-              <a:rPr lang="pl-PL" sz="1800" dirty="0" smtClean="0">
-                <a:solidFill>
-                  <a:srgbClr val="2D3E5C"/>
-                </a:solidFill>
-                <a:latin typeface=""/>
-              </a:rPr>
-              <a:t> :</a:t>
-            </a:r>
-            <a:endParaRPr lang="pl-PL" sz="1800" dirty="0">
-              <a:solidFill>
-                <a:srgbClr val="2D3E5C"/>
-              </a:solidFill>
-              <a:latin typeface=""/>
-            </a:endParaRPr>
+            <a:r>
+              <a:rPr lang="pl-PL" dirty="0" err="1"/>
+              <a:t>mvn</a:t>
+            </a:r>
+            <a:r>
+              <a:rPr lang="pl-PL" dirty="0"/>
+              <a:t> </a:t>
+            </a:r>
+            <a:r>
+              <a:rPr lang="pl-PL" dirty="0" err="1"/>
+              <a:t>spring-boot:run</a:t>
+            </a:r>
+            <a:r>
+              <a:rPr lang="pl-PL" dirty="0"/>
+              <a:t> -</a:t>
+            </a:r>
+            <a:r>
+              <a:rPr lang="pl-PL" dirty="0" err="1"/>
+              <a:t>Drun.jvmArguments</a:t>
+            </a:r>
+            <a:r>
+              <a:rPr lang="pl-PL" dirty="0"/>
+              <a:t>="-</a:t>
+            </a:r>
+            <a:r>
+              <a:rPr lang="pl-PL" dirty="0" err="1"/>
+              <a:t>Xdebug</a:t>
+            </a:r>
+            <a:r>
+              <a:rPr lang="pl-PL" dirty="0"/>
+              <a:t> -</a:t>
+            </a:r>
+            <a:r>
+              <a:rPr lang="pl-PL" dirty="0" err="1"/>
+              <a:t>Xrunjdwp:transport</a:t>
+            </a:r>
+            <a:r>
+              <a:rPr lang="pl-PL" dirty="0"/>
+              <a:t>=</a:t>
+            </a:r>
+            <a:r>
+              <a:rPr lang="pl-PL" dirty="0" err="1"/>
+              <a:t>dt_socket,server</a:t>
+            </a:r>
+            <a:r>
+              <a:rPr lang="pl-PL" dirty="0"/>
+              <a:t>=</a:t>
+            </a:r>
+            <a:r>
+              <a:rPr lang="pl-PL" dirty="0" err="1"/>
+              <a:t>y,suspend</a:t>
+            </a:r>
+            <a:r>
+              <a:rPr lang="pl-PL" dirty="0"/>
+              <a:t>=</a:t>
+            </a:r>
+            <a:r>
+              <a:rPr lang="pl-PL" dirty="0" err="1"/>
+              <a:t>y,address</a:t>
+            </a:r>
+            <a:r>
+              <a:rPr lang="pl-PL" dirty="0"/>
+              <a:t>=5005"</a:t>
+            </a:r>
           </a:p>
         </p:txBody>
       </p:sp>
       <p:pic>
         <p:nvPicPr>
-          <p:cNvPr id="3" name="Obraz 2"/>
+          <p:cNvPr id="8" name="Obraz 7"/>
           <p:cNvPicPr>
             <a:picLocks noChangeAspect="1"/>
           </p:cNvPicPr>
@@ -5244,32 +4872,8 @@
         </p:blipFill>
         <p:spPr>
           <a:xfrm>
-            <a:off x="392905" y="5193632"/>
-            <a:ext cx="8358188" cy="779480"/>
-          </a:xfrm>
-          <a:prstGeom prst="rect">
-            <a:avLst/>
-          </a:prstGeom>
-        </p:spPr>
-      </p:pic>
-      <p:pic>
-        <p:nvPicPr>
-          <p:cNvPr id="4" name="Obraz 3"/>
-          <p:cNvPicPr>
-            <a:picLocks noChangeAspect="1"/>
-          </p:cNvPicPr>
-          <p:nvPr/>
-        </p:nvPicPr>
-        <p:blipFill>
-          <a:blip r:embed="rId3"/>
-          <a:stretch>
-            <a:fillRect/>
-          </a:stretch>
-        </p:blipFill>
-        <p:spPr>
-          <a:xfrm>
-            <a:off x="452391" y="3444198"/>
-            <a:ext cx="8239216" cy="971550"/>
+            <a:off x="833009" y="2598762"/>
+            <a:ext cx="7477980" cy="3701971"/>
           </a:xfrm>
           <a:prstGeom prst="rect">
             <a:avLst/>
@@ -5279,7 +4883,7 @@
     </p:spTree>
     <p:extLst>
       <p:ext uri="{BB962C8B-B14F-4D97-AF65-F5344CB8AC3E}">
-        <p14:creationId xmlns:p14="http://schemas.microsoft.com/office/powerpoint/2010/main" val="3204976087"/>
+        <p14:creationId xmlns:p14="http://schemas.microsoft.com/office/powerpoint/2010/main" val="2638960368"/>
       </p:ext>
     </p:extLst>
   </p:cSld>
@@ -5315,7 +4919,7 @@
       </p:grpSpPr>
       <p:sp>
         <p:nvSpPr>
-          <p:cNvPr id="7" name="Tytuł 6"/>
+          <p:cNvPr id="2" name="Tytuł 1"/>
           <p:cNvSpPr>
             <a:spLocks noGrp="1"/>
           </p:cNvSpPr>
@@ -5328,87 +4932,377 @@
           <a:bodyPr/>
           <a:lstStyle/>
           <a:p>
-            <a:endParaRPr lang="pl-PL"/>
-          </a:p>
-        </p:txBody>
-      </p:sp>
-      <p:sp>
-        <p:nvSpPr>
-          <p:cNvPr id="3" name="Symbol zastępczy tekstu 2"/>
-          <p:cNvSpPr>
-            <a:spLocks noGrp="1"/>
+            <a:r>
+              <a:rPr lang="pl-PL" dirty="0" smtClean="0"/>
+              <a:t>REST </a:t>
+            </a:r>
+            <a:r>
+              <a:rPr lang="pl-PL" dirty="0" err="1" smtClean="0"/>
+              <a:t>Template</a:t>
+            </a:r>
+            <a:endParaRPr lang="pl-PL" dirty="0"/>
+          </a:p>
+        </p:txBody>
+      </p:sp>
+      <p:sp>
+        <p:nvSpPr>
+          <p:cNvPr id="8" name="Symbol zastępczy tekstu 2"/>
+          <p:cNvSpPr txBox="1">
+            <a:spLocks/>
           </p:cNvSpPr>
-          <p:nvPr>
-            <p:ph type="body" sz="quarter" idx="10"/>
-          </p:nvPr>
-        </p:nvSpPr>
-        <p:spPr>
+          <p:nvPr/>
+        </p:nvSpPr>
+        <p:spPr>
+          <a:xfrm>
+            <a:off x="0" y="1228158"/>
+            <a:ext cx="9144000" cy="4846148"/>
+          </a:xfrm>
           <a:prstGeom prst="rect">
             <a:avLst/>
           </a:prstGeom>
         </p:spPr>
         <p:txBody>
           <a:bodyPr>
-            <a:noAutofit/>
+            <a:normAutofit/>
           </a:bodyPr>
-          <a:lstStyle/>
-          <a:p>
-            <a:pPr marL="198900" indent="0">
+          <a:lstStyle>
+            <a:lvl1pPr marL="342900" indent="-342900" algn="l" defTabSz="457200" rtl="0" eaLnBrk="1" latinLnBrk="0" hangingPunct="1">
+              <a:spcBef>
+                <a:spcPct val="20000"/>
+              </a:spcBef>
+              <a:buFont typeface="Arial"/>
+              <a:buChar char="•"/>
+              <a:defRPr sz="3200" kern="1200">
+                <a:solidFill>
+                  <a:schemeClr val="tx1"/>
+                </a:solidFill>
+                <a:latin typeface="+mn-lt"/>
+                <a:ea typeface="+mn-ea"/>
+                <a:cs typeface="+mn-cs"/>
+              </a:defRPr>
+            </a:lvl1pPr>
+            <a:lvl2pPr marL="742950" indent="-285750" algn="l" defTabSz="457200" rtl="0" eaLnBrk="1" latinLnBrk="0" hangingPunct="1">
+              <a:spcBef>
+                <a:spcPct val="20000"/>
+              </a:spcBef>
+              <a:buFont typeface="Arial"/>
+              <a:buChar char="–"/>
+              <a:defRPr sz="2800" kern="1200">
+                <a:solidFill>
+                  <a:schemeClr val="tx1"/>
+                </a:solidFill>
+                <a:latin typeface="+mn-lt"/>
+                <a:ea typeface="+mn-ea"/>
+                <a:cs typeface="+mn-cs"/>
+              </a:defRPr>
+            </a:lvl2pPr>
+            <a:lvl3pPr marL="1143000" indent="-228600" algn="l" defTabSz="457200" rtl="0" eaLnBrk="1" latinLnBrk="0" hangingPunct="1">
+              <a:spcBef>
+                <a:spcPct val="20000"/>
+              </a:spcBef>
+              <a:buFont typeface="Arial"/>
+              <a:buChar char="•"/>
+              <a:defRPr sz="2400" kern="1200">
+                <a:solidFill>
+                  <a:schemeClr val="tx1"/>
+                </a:solidFill>
+                <a:latin typeface="+mn-lt"/>
+                <a:ea typeface="+mn-ea"/>
+                <a:cs typeface="+mn-cs"/>
+              </a:defRPr>
+            </a:lvl3pPr>
+            <a:lvl4pPr marL="1600200" indent="-228600" algn="l" defTabSz="457200" rtl="0" eaLnBrk="1" latinLnBrk="0" hangingPunct="1">
+              <a:spcBef>
+                <a:spcPct val="20000"/>
+              </a:spcBef>
+              <a:buFont typeface="Arial"/>
+              <a:buChar char="–"/>
+              <a:defRPr sz="2000" kern="1200">
+                <a:solidFill>
+                  <a:schemeClr val="tx1"/>
+                </a:solidFill>
+                <a:latin typeface="+mn-lt"/>
+                <a:ea typeface="+mn-ea"/>
+                <a:cs typeface="+mn-cs"/>
+              </a:defRPr>
+            </a:lvl4pPr>
+            <a:lvl5pPr marL="2057400" indent="-228600" algn="l" defTabSz="457200" rtl="0" eaLnBrk="1" latinLnBrk="0" hangingPunct="1">
+              <a:spcBef>
+                <a:spcPct val="20000"/>
+              </a:spcBef>
+              <a:buFont typeface="Arial"/>
+              <a:buChar char="»"/>
+              <a:defRPr sz="2000" kern="1200">
+                <a:solidFill>
+                  <a:schemeClr val="tx1"/>
+                </a:solidFill>
+                <a:latin typeface="+mn-lt"/>
+                <a:ea typeface="+mn-ea"/>
+                <a:cs typeface="+mn-cs"/>
+              </a:defRPr>
+            </a:lvl5pPr>
+            <a:lvl6pPr marL="2514600" indent="-228600" algn="l" defTabSz="457200" rtl="0" eaLnBrk="1" latinLnBrk="0" hangingPunct="1">
+              <a:spcBef>
+                <a:spcPct val="20000"/>
+              </a:spcBef>
+              <a:buFont typeface="Arial"/>
+              <a:buChar char="•"/>
+              <a:defRPr sz="2000" kern="1200">
+                <a:solidFill>
+                  <a:schemeClr val="tx1"/>
+                </a:solidFill>
+                <a:latin typeface="+mn-lt"/>
+                <a:ea typeface="+mn-ea"/>
+                <a:cs typeface="+mn-cs"/>
+              </a:defRPr>
+            </a:lvl6pPr>
+            <a:lvl7pPr marL="2971800" indent="-228600" algn="l" defTabSz="457200" rtl="0" eaLnBrk="1" latinLnBrk="0" hangingPunct="1">
+              <a:spcBef>
+                <a:spcPct val="20000"/>
+              </a:spcBef>
+              <a:buFont typeface="Arial"/>
+              <a:buChar char="•"/>
+              <a:defRPr sz="2000" kern="1200">
+                <a:solidFill>
+                  <a:schemeClr val="tx1"/>
+                </a:solidFill>
+                <a:latin typeface="+mn-lt"/>
+                <a:ea typeface="+mn-ea"/>
+                <a:cs typeface="+mn-cs"/>
+              </a:defRPr>
+            </a:lvl7pPr>
+            <a:lvl8pPr marL="3429000" indent="-228600" algn="l" defTabSz="457200" rtl="0" eaLnBrk="1" latinLnBrk="0" hangingPunct="1">
+              <a:spcBef>
+                <a:spcPct val="20000"/>
+              </a:spcBef>
+              <a:buFont typeface="Arial"/>
+              <a:buChar char="•"/>
+              <a:defRPr sz="2000" kern="1200">
+                <a:solidFill>
+                  <a:schemeClr val="tx1"/>
+                </a:solidFill>
+                <a:latin typeface="+mn-lt"/>
+                <a:ea typeface="+mn-ea"/>
+                <a:cs typeface="+mn-cs"/>
+              </a:defRPr>
+            </a:lvl8pPr>
+            <a:lvl9pPr marL="3886200" indent="-228600" algn="l" defTabSz="457200" rtl="0" eaLnBrk="1" latinLnBrk="0" hangingPunct="1">
+              <a:spcBef>
+                <a:spcPct val="20000"/>
+              </a:spcBef>
+              <a:buFont typeface="Arial"/>
+              <a:buChar char="•"/>
+              <a:defRPr sz="2000" kern="1200">
+                <a:solidFill>
+                  <a:schemeClr val="tx1"/>
+                </a:solidFill>
+                <a:latin typeface="+mn-lt"/>
+                <a:ea typeface="+mn-ea"/>
+                <a:cs typeface="+mn-cs"/>
+              </a:defRPr>
+            </a:lvl9pPr>
+          </a:lstStyle>
+          <a:p>
+            <a:pPr marL="198900" indent="0" algn="just">
+              <a:buFont typeface="Arial"/>
               <a:buNone/>
             </a:pPr>
-            <a:r>
-              <a:rPr lang="pl-PL" sz="5000" dirty="0" smtClean="0"/>
-              <a:t>Pierwsze API</a:t>
-            </a:r>
-            <a:endParaRPr lang="pl-PL" sz="5000" dirty="0"/>
+            <a:endParaRPr lang="pl-PL" dirty="0" smtClean="0"/>
+          </a:p>
+          <a:p>
+            <a:pPr algn="just"/>
+            <a:r>
+              <a:rPr lang="pl-PL" sz="1800" dirty="0">
+                <a:solidFill>
+                  <a:srgbClr val="2D3E5C"/>
+                </a:solidFill>
+                <a:latin typeface=""/>
+              </a:rPr>
+              <a:t>Klasa wykorzystywana po stronie klienta do komunikacji </a:t>
+            </a:r>
+            <a:r>
+              <a:rPr lang="pl-PL" sz="1800" dirty="0" smtClean="0">
+                <a:solidFill>
+                  <a:srgbClr val="2D3E5C"/>
+                </a:solidFill>
+                <a:latin typeface=""/>
+              </a:rPr>
+              <a:t>serwerem </a:t>
+            </a:r>
+            <a:r>
+              <a:rPr lang="pl-PL" sz="1800" dirty="0">
+                <a:solidFill>
+                  <a:srgbClr val="2D3E5C"/>
+                </a:solidFill>
+                <a:latin typeface=""/>
+              </a:rPr>
+              <a:t>za pomocą protokołu HTTP</a:t>
+            </a:r>
+            <a:r>
+              <a:rPr lang="pl-PL" sz="1800" dirty="0" smtClean="0">
+                <a:solidFill>
+                  <a:srgbClr val="2D3E5C"/>
+                </a:solidFill>
+                <a:latin typeface=""/>
+              </a:rPr>
+              <a:t>.</a:t>
+            </a:r>
+          </a:p>
+          <a:p>
+            <a:pPr marL="0" indent="0" algn="just">
+              <a:buNone/>
+            </a:pPr>
+            <a:endParaRPr lang="pl-PL" sz="1800" dirty="0" smtClean="0">
+              <a:solidFill>
+                <a:srgbClr val="2D3E5C"/>
+              </a:solidFill>
+              <a:latin typeface=""/>
+            </a:endParaRPr>
+          </a:p>
+          <a:p>
+            <a:pPr algn="just"/>
+            <a:r>
+              <a:rPr lang="pl-PL" sz="1800" dirty="0">
+                <a:solidFill>
+                  <a:srgbClr val="2D3E5C"/>
+                </a:solidFill>
+                <a:latin typeface=""/>
+              </a:rPr>
+              <a:t>Żądania GET z wykorzystaniem metody </a:t>
+            </a:r>
+            <a:r>
+              <a:rPr lang="pl-PL" sz="1800" dirty="0" smtClean="0">
+                <a:solidFill>
+                  <a:srgbClr val="2D3E5C"/>
+                </a:solidFill>
+                <a:latin typeface=""/>
+              </a:rPr>
+              <a:t>„exchange”:</a:t>
+            </a:r>
+          </a:p>
+          <a:p>
+            <a:pPr algn="just"/>
+            <a:endParaRPr lang="pl-PL" sz="1800" dirty="0">
+              <a:solidFill>
+                <a:srgbClr val="2D3E5C"/>
+              </a:solidFill>
+              <a:latin typeface=""/>
+            </a:endParaRPr>
+          </a:p>
+          <a:p>
+            <a:pPr algn="just"/>
+            <a:endParaRPr lang="pl-PL" sz="1800" dirty="0">
+              <a:solidFill>
+                <a:srgbClr val="2D3E5C"/>
+              </a:solidFill>
+              <a:latin typeface=""/>
+            </a:endParaRPr>
+          </a:p>
+          <a:p>
+            <a:pPr algn="just"/>
+            <a:endParaRPr lang="pl-PL" sz="1800" dirty="0">
+              <a:solidFill>
+                <a:srgbClr val="2D3E5C"/>
+              </a:solidFill>
+              <a:latin typeface=""/>
+            </a:endParaRPr>
+          </a:p>
+          <a:p>
+            <a:pPr algn="just"/>
+            <a:endParaRPr lang="pl-PL" dirty="0" smtClean="0"/>
+          </a:p>
+          <a:p>
+            <a:pPr marL="0" indent="0" algn="just">
+              <a:buNone/>
+            </a:pPr>
+            <a:r>
+              <a:rPr lang="pl-PL" sz="1800" dirty="0" smtClean="0">
+                <a:solidFill>
+                  <a:srgbClr val="2D3E5C"/>
+                </a:solidFill>
+                <a:latin typeface=""/>
+              </a:rPr>
+              <a:t>      REST </a:t>
+            </a:r>
+            <a:r>
+              <a:rPr lang="pl-PL" sz="1800" dirty="0" err="1" smtClean="0">
+                <a:solidFill>
+                  <a:srgbClr val="2D3E5C"/>
+                </a:solidFill>
+                <a:latin typeface=""/>
+              </a:rPr>
+              <a:t>Template</a:t>
+            </a:r>
+            <a:r>
+              <a:rPr lang="pl-PL" sz="1800" dirty="0" smtClean="0">
+                <a:solidFill>
+                  <a:srgbClr val="2D3E5C"/>
+                </a:solidFill>
+                <a:latin typeface=""/>
+              </a:rPr>
+              <a:t> :</a:t>
+            </a:r>
+            <a:endParaRPr lang="pl-PL" sz="1800" dirty="0">
+              <a:solidFill>
+                <a:srgbClr val="2D3E5C"/>
+              </a:solidFill>
+              <a:latin typeface=""/>
+            </a:endParaRPr>
           </a:p>
         </p:txBody>
       </p:sp>
       <p:pic>
         <p:nvPicPr>
-          <p:cNvPr id="3074" name="Picture 2" descr="Znalezione obrazy dla zapytania junit"/>
+          <p:cNvPr id="3" name="Obraz 2"/>
           <p:cNvPicPr>
-            <a:picLocks noChangeAspect="1" noChangeArrowheads="1"/>
+            <a:picLocks noChangeAspect="1"/>
           </p:cNvPicPr>
           <p:nvPr/>
         </p:nvPicPr>
         <p:blipFill>
-          <a:blip r:embed="rId2">
-            <a:extLst>
-              <a:ext uri="{28A0092B-C50C-407E-A947-70E740481C1C}">
-                <a14:useLocalDpi xmlns:a14="http://schemas.microsoft.com/office/drawing/2010/main" val="0"/>
-              </a:ext>
-            </a:extLst>
-          </a:blip>
-          <a:srcRect/>
+          <a:blip r:embed="rId2"/>
           <a:stretch>
             <a:fillRect/>
           </a:stretch>
         </p:blipFill>
-        <p:spPr bwMode="auto">
-          <a:xfrm>
-            <a:off x="5528764" y="3071495"/>
-            <a:ext cx="2152650" cy="2124075"/>
+        <p:spPr>
+          <a:xfrm>
+            <a:off x="392905" y="5193632"/>
+            <a:ext cx="8358188" cy="779480"/>
           </a:xfrm>
           <a:prstGeom prst="rect">
             <a:avLst/>
           </a:prstGeom>
-          <a:noFill/>
-          <a:extLst>
-            <a:ext uri="{909E8E84-426E-40DD-AFC4-6F175D3DCCD1}">
-              <a14:hiddenFill xmlns:a14="http://schemas.microsoft.com/office/drawing/2010/main">
-                <a:solidFill>
-                  <a:srgbClr val="FFFFFF"/>
-                </a:solidFill>
-              </a14:hiddenFill>
-            </a:ext>
-          </a:extLst>
+        </p:spPr>
+      </p:pic>
+      <p:pic>
+        <p:nvPicPr>
+          <p:cNvPr id="4" name="Obraz 3"/>
+          <p:cNvPicPr>
+            <a:picLocks noChangeAspect="1"/>
+          </p:cNvPicPr>
+          <p:nvPr/>
+        </p:nvPicPr>
+        <p:blipFill>
+          <a:blip r:embed="rId3"/>
+          <a:stretch>
+            <a:fillRect/>
+          </a:stretch>
+        </p:blipFill>
+        <p:spPr>
+          <a:xfrm>
+            <a:off x="452391" y="3444198"/>
+            <a:ext cx="8239216" cy="971550"/>
+          </a:xfrm>
+          <a:prstGeom prst="rect">
+            <a:avLst/>
+          </a:prstGeom>
         </p:spPr>
       </p:pic>
     </p:spTree>
     <p:extLst>
       <p:ext uri="{BB962C8B-B14F-4D97-AF65-F5344CB8AC3E}">
-        <p14:creationId xmlns:p14="http://schemas.microsoft.com/office/powerpoint/2010/main" val="1028304070"/>
+        <p14:creationId xmlns:p14="http://schemas.microsoft.com/office/powerpoint/2010/main" val="3204976087"/>
       </p:ext>
     </p:extLst>
   </p:cSld>
@@ -5444,7 +5338,7 @@
       </p:grpSpPr>
       <p:sp>
         <p:nvSpPr>
-          <p:cNvPr id="2" name="Tytuł 1"/>
+          <p:cNvPr id="7" name="Tytuł 6"/>
           <p:cNvSpPr>
             <a:spLocks noGrp="1"/>
           </p:cNvSpPr>
@@ -5457,289 +5351,87 @@
           <a:bodyPr/>
           <a:lstStyle/>
           <a:p>
-            <a:r>
-              <a:rPr lang="en-US" dirty="0"/>
-              <a:t>Spring </a:t>
-            </a:r>
-            <a:r>
-              <a:rPr lang="en-US" dirty="0" err="1" smtClean="0"/>
-              <a:t>MockMVC</a:t>
-            </a:r>
-            <a:r>
-              <a:rPr lang="pl-PL" dirty="0" smtClean="0"/>
-              <a:t> </a:t>
-            </a:r>
-            <a:r>
-              <a:rPr lang="en-US" dirty="0" smtClean="0"/>
-              <a:t> </a:t>
-            </a:r>
-            <a:endParaRPr lang="pl-PL" dirty="0">
-              <a:latin typeface=""/>
-            </a:endParaRPr>
-          </a:p>
-        </p:txBody>
-      </p:sp>
-      <p:sp>
-        <p:nvSpPr>
-          <p:cNvPr id="4" name="pole tekstowe 3"/>
-          <p:cNvSpPr txBox="1"/>
-          <p:nvPr/>
-        </p:nvSpPr>
-        <p:spPr>
-          <a:xfrm>
-            <a:off x="862642" y="1233577"/>
-            <a:ext cx="6564701" cy="369332"/>
-          </a:xfrm>
+            <a:endParaRPr lang="pl-PL"/>
+          </a:p>
+        </p:txBody>
+      </p:sp>
+      <p:sp>
+        <p:nvSpPr>
+          <p:cNvPr id="3" name="Symbol zastępczy tekstu 2"/>
+          <p:cNvSpPr>
+            <a:spLocks noGrp="1"/>
+          </p:cNvSpPr>
+          <p:nvPr>
+            <p:ph type="body" sz="quarter" idx="10"/>
+          </p:nvPr>
+        </p:nvSpPr>
+        <p:spPr>
           <a:prstGeom prst="rect">
             <a:avLst/>
           </a:prstGeom>
-          <a:noFill/>
-        </p:spPr>
-        <p:txBody>
-          <a:bodyPr wrap="square" rtlCol="0">
-            <a:spAutoFit/>
+        </p:spPr>
+        <p:txBody>
+          <a:bodyPr>
+            <a:noAutofit/>
           </a:bodyPr>
           <a:lstStyle/>
           <a:p>
-            <a:endParaRPr lang="pl-PL" dirty="0"/>
-          </a:p>
-        </p:txBody>
-      </p:sp>
-      <p:sp>
-        <p:nvSpPr>
-          <p:cNvPr id="6" name="Symbol zastępczy tekstu 2"/>
-          <p:cNvSpPr txBox="1">
-            <a:spLocks/>
-          </p:cNvSpPr>
-          <p:nvPr/>
-        </p:nvSpPr>
-        <p:spPr>
-          <a:xfrm>
-            <a:off x="0" y="1228158"/>
-            <a:ext cx="9144000" cy="4846148"/>
-          </a:xfrm>
-          <a:prstGeom prst="rect">
-            <a:avLst/>
-          </a:prstGeom>
-        </p:spPr>
-        <p:txBody>
-          <a:bodyPr>
-            <a:normAutofit/>
-          </a:bodyPr>
-          <a:lstStyle>
-            <a:lvl1pPr marL="342900" indent="-342900" algn="l" defTabSz="457200" rtl="0" eaLnBrk="1" latinLnBrk="0" hangingPunct="1">
-              <a:spcBef>
-                <a:spcPct val="20000"/>
-              </a:spcBef>
-              <a:buFont typeface="Arial"/>
-              <a:buChar char="•"/>
-              <a:defRPr sz="3200" kern="1200">
-                <a:solidFill>
-                  <a:schemeClr val="tx1"/>
-                </a:solidFill>
-                <a:latin typeface="+mn-lt"/>
-                <a:ea typeface="+mn-ea"/>
-                <a:cs typeface="+mn-cs"/>
-              </a:defRPr>
-            </a:lvl1pPr>
-            <a:lvl2pPr marL="742950" indent="-285750" algn="l" defTabSz="457200" rtl="0" eaLnBrk="1" latinLnBrk="0" hangingPunct="1">
-              <a:spcBef>
-                <a:spcPct val="20000"/>
-              </a:spcBef>
-              <a:buFont typeface="Arial"/>
-              <a:buChar char="–"/>
-              <a:defRPr sz="2800" kern="1200">
-                <a:solidFill>
-                  <a:schemeClr val="tx1"/>
-                </a:solidFill>
-                <a:latin typeface="+mn-lt"/>
-                <a:ea typeface="+mn-ea"/>
-                <a:cs typeface="+mn-cs"/>
-              </a:defRPr>
-            </a:lvl2pPr>
-            <a:lvl3pPr marL="1143000" indent="-228600" algn="l" defTabSz="457200" rtl="0" eaLnBrk="1" latinLnBrk="0" hangingPunct="1">
-              <a:spcBef>
-                <a:spcPct val="20000"/>
-              </a:spcBef>
-              <a:buFont typeface="Arial"/>
-              <a:buChar char="•"/>
-              <a:defRPr sz="2400" kern="1200">
-                <a:solidFill>
-                  <a:schemeClr val="tx1"/>
-                </a:solidFill>
-                <a:latin typeface="+mn-lt"/>
-                <a:ea typeface="+mn-ea"/>
-                <a:cs typeface="+mn-cs"/>
-              </a:defRPr>
-            </a:lvl3pPr>
-            <a:lvl4pPr marL="1600200" indent="-228600" algn="l" defTabSz="457200" rtl="0" eaLnBrk="1" latinLnBrk="0" hangingPunct="1">
-              <a:spcBef>
-                <a:spcPct val="20000"/>
-              </a:spcBef>
-              <a:buFont typeface="Arial"/>
-              <a:buChar char="–"/>
-              <a:defRPr sz="2000" kern="1200">
-                <a:solidFill>
-                  <a:schemeClr val="tx1"/>
-                </a:solidFill>
-                <a:latin typeface="+mn-lt"/>
-                <a:ea typeface="+mn-ea"/>
-                <a:cs typeface="+mn-cs"/>
-              </a:defRPr>
-            </a:lvl4pPr>
-            <a:lvl5pPr marL="2057400" indent="-228600" algn="l" defTabSz="457200" rtl="0" eaLnBrk="1" latinLnBrk="0" hangingPunct="1">
-              <a:spcBef>
-                <a:spcPct val="20000"/>
-              </a:spcBef>
-              <a:buFont typeface="Arial"/>
-              <a:buChar char="»"/>
-              <a:defRPr sz="2000" kern="1200">
-                <a:solidFill>
-                  <a:schemeClr val="tx1"/>
-                </a:solidFill>
-                <a:latin typeface="+mn-lt"/>
-                <a:ea typeface="+mn-ea"/>
-                <a:cs typeface="+mn-cs"/>
-              </a:defRPr>
-            </a:lvl5pPr>
-            <a:lvl6pPr marL="2514600" indent="-228600" algn="l" defTabSz="457200" rtl="0" eaLnBrk="1" latinLnBrk="0" hangingPunct="1">
-              <a:spcBef>
-                <a:spcPct val="20000"/>
-              </a:spcBef>
-              <a:buFont typeface="Arial"/>
-              <a:buChar char="•"/>
-              <a:defRPr sz="2000" kern="1200">
-                <a:solidFill>
-                  <a:schemeClr val="tx1"/>
-                </a:solidFill>
-                <a:latin typeface="+mn-lt"/>
-                <a:ea typeface="+mn-ea"/>
-                <a:cs typeface="+mn-cs"/>
-              </a:defRPr>
-            </a:lvl6pPr>
-            <a:lvl7pPr marL="2971800" indent="-228600" algn="l" defTabSz="457200" rtl="0" eaLnBrk="1" latinLnBrk="0" hangingPunct="1">
-              <a:spcBef>
-                <a:spcPct val="20000"/>
-              </a:spcBef>
-              <a:buFont typeface="Arial"/>
-              <a:buChar char="•"/>
-              <a:defRPr sz="2000" kern="1200">
-                <a:solidFill>
-                  <a:schemeClr val="tx1"/>
-                </a:solidFill>
-                <a:latin typeface="+mn-lt"/>
-                <a:ea typeface="+mn-ea"/>
-                <a:cs typeface="+mn-cs"/>
-              </a:defRPr>
-            </a:lvl7pPr>
-            <a:lvl8pPr marL="3429000" indent="-228600" algn="l" defTabSz="457200" rtl="0" eaLnBrk="1" latinLnBrk="0" hangingPunct="1">
-              <a:spcBef>
-                <a:spcPct val="20000"/>
-              </a:spcBef>
-              <a:buFont typeface="Arial"/>
-              <a:buChar char="•"/>
-              <a:defRPr sz="2000" kern="1200">
-                <a:solidFill>
-                  <a:schemeClr val="tx1"/>
-                </a:solidFill>
-                <a:latin typeface="+mn-lt"/>
-                <a:ea typeface="+mn-ea"/>
-                <a:cs typeface="+mn-cs"/>
-              </a:defRPr>
-            </a:lvl8pPr>
-            <a:lvl9pPr marL="3886200" indent="-228600" algn="l" defTabSz="457200" rtl="0" eaLnBrk="1" latinLnBrk="0" hangingPunct="1">
-              <a:spcBef>
-                <a:spcPct val="20000"/>
-              </a:spcBef>
-              <a:buFont typeface="Arial"/>
-              <a:buChar char="•"/>
-              <a:defRPr sz="2000" kern="1200">
-                <a:solidFill>
-                  <a:schemeClr val="tx1"/>
-                </a:solidFill>
-                <a:latin typeface="+mn-lt"/>
-                <a:ea typeface="+mn-ea"/>
-                <a:cs typeface="+mn-cs"/>
-              </a:defRPr>
-            </a:lvl9pPr>
-          </a:lstStyle>
-          <a:p>
-            <a:pPr marL="198900" indent="0" algn="just">
-              <a:buFont typeface="Arial"/>
+            <a:pPr marL="198900" indent="0">
               <a:buNone/>
             </a:pPr>
-            <a:endParaRPr lang="pl-PL" dirty="0" smtClean="0"/>
-          </a:p>
-          <a:p>
-            <a:pPr algn="just"/>
-            <a:r>
-              <a:rPr lang="pl-PL" sz="2400" dirty="0" smtClean="0"/>
-              <a:t>Wykorzystywany do testowania serwerowej strony aplikacji.</a:t>
-            </a:r>
-          </a:p>
-          <a:p>
-            <a:pPr algn="just"/>
-            <a:r>
-              <a:rPr lang="pl-PL" sz="2400" dirty="0" smtClean="0"/>
-              <a:t>Tworzy infrastrukturę bardzo zbliżoną do tej, która pojawia przy faktycznym uruchomieniu programu</a:t>
-            </a:r>
-          </a:p>
-          <a:p>
-            <a:pPr algn="just"/>
-            <a:r>
-              <a:rPr lang="pl-PL" sz="2400" dirty="0" smtClean="0"/>
-              <a:t>Główna zasada działania opiera się o </a:t>
-            </a:r>
-            <a:r>
-              <a:rPr lang="pl-PL" sz="2400" dirty="0" err="1" smtClean="0"/>
-              <a:t>mockowanie</a:t>
-            </a:r>
-            <a:r>
-              <a:rPr lang="pl-PL" sz="2400" dirty="0" smtClean="0"/>
-              <a:t> żądania i odpowiedzi HTTP, które przychodzą od „spring-test”.</a:t>
-            </a:r>
-          </a:p>
-          <a:p>
-            <a:pPr algn="just"/>
-            <a:r>
-              <a:rPr lang="pl-PL" sz="2400" dirty="0" smtClean="0"/>
-              <a:t>Testy nie wymagają uruchomionego kontenera </a:t>
-            </a:r>
-            <a:r>
-              <a:rPr lang="pl-PL" sz="2400" dirty="0" err="1" smtClean="0"/>
-              <a:t>servletu</a:t>
-            </a:r>
-            <a:endParaRPr lang="pl-PL" sz="2400" dirty="0" smtClean="0"/>
-          </a:p>
-          <a:p>
-            <a:pPr algn="just"/>
-            <a:r>
-              <a:rPr lang="pl-PL" sz="2400" dirty="0" smtClean="0"/>
-              <a:t>Podczas wykonywania testu żądania obsługuje </a:t>
-            </a:r>
-            <a:r>
-              <a:rPr lang="pl-PL" sz="2400" dirty="0" err="1" smtClean="0"/>
-              <a:t>Dispatcher</a:t>
-            </a:r>
-            <a:r>
-              <a:rPr lang="pl-PL" sz="2400" dirty="0" smtClean="0"/>
-              <a:t> </a:t>
-            </a:r>
-            <a:r>
-              <a:rPr lang="pl-PL" sz="2400" dirty="0" err="1" smtClean="0"/>
-              <a:t>Servlet</a:t>
-            </a:r>
-            <a:r>
-              <a:rPr lang="pl-PL" sz="2400" dirty="0" smtClean="0"/>
-              <a:t> lecz nie zostaje nawiązane  rzeczywiste połączenie sieciowe.</a:t>
-            </a:r>
-          </a:p>
-        </p:txBody>
-      </p:sp>
+            <a:r>
+              <a:rPr lang="pl-PL" sz="5000" dirty="0" smtClean="0"/>
+              <a:t>Pierwsze API</a:t>
+            </a:r>
+            <a:endParaRPr lang="pl-PL" sz="5000" dirty="0"/>
+          </a:p>
+        </p:txBody>
+      </p:sp>
+      <p:pic>
+        <p:nvPicPr>
+          <p:cNvPr id="3074" name="Picture 2" descr="Znalezione obrazy dla zapytania junit"/>
+          <p:cNvPicPr>
+            <a:picLocks noChangeAspect="1" noChangeArrowheads="1"/>
+          </p:cNvPicPr>
+          <p:nvPr/>
+        </p:nvPicPr>
+        <p:blipFill>
+          <a:blip r:embed="rId2">
+            <a:extLst>
+              <a:ext uri="{28A0092B-C50C-407E-A947-70E740481C1C}">
+                <a14:useLocalDpi xmlns:a14="http://schemas.microsoft.com/office/drawing/2010/main" val="0"/>
+              </a:ext>
+            </a:extLst>
+          </a:blip>
+          <a:srcRect/>
+          <a:stretch>
+            <a:fillRect/>
+          </a:stretch>
+        </p:blipFill>
+        <p:spPr bwMode="auto">
+          <a:xfrm>
+            <a:off x="5528764" y="3071495"/>
+            <a:ext cx="2152650" cy="2124075"/>
+          </a:xfrm>
+          <a:prstGeom prst="rect">
+            <a:avLst/>
+          </a:prstGeom>
+          <a:noFill/>
+          <a:extLst>
+            <a:ext uri="{909E8E84-426E-40DD-AFC4-6F175D3DCCD1}">
+              <a14:hiddenFill xmlns:a14="http://schemas.microsoft.com/office/drawing/2010/main">
+                <a:solidFill>
+                  <a:srgbClr val="FFFFFF"/>
+                </a:solidFill>
+              </a14:hiddenFill>
+            </a:ext>
+          </a:extLst>
+        </p:spPr>
+      </p:pic>
     </p:spTree>
     <p:extLst>
       <p:ext uri="{BB962C8B-B14F-4D97-AF65-F5344CB8AC3E}">
-        <p14:creationId xmlns:p14="http://schemas.microsoft.com/office/powerpoint/2010/main" val="831594908"/>
+        <p14:creationId xmlns:p14="http://schemas.microsoft.com/office/powerpoint/2010/main" val="1028304070"/>
       </p:ext>
     </p:extLst>
   </p:cSld>
@@ -5798,7 +5490,7 @@
             </a:r>
             <a:r>
               <a:rPr lang="pl-PL" dirty="0" smtClean="0"/>
-              <a:t> - Konfiguracja</a:t>
+              <a:t> </a:t>
             </a:r>
             <a:r>
               <a:rPr lang="en-US" dirty="0" smtClean="0"/>
@@ -6001,173 +5693,76 @@
             </a:pPr>
             <a:endParaRPr lang="pl-PL" dirty="0" smtClean="0"/>
           </a:p>
-        </p:txBody>
-      </p:sp>
-      <p:pic>
-        <p:nvPicPr>
-          <p:cNvPr id="3" name="Obraz 2"/>
-          <p:cNvPicPr>
-            <a:picLocks noChangeAspect="1"/>
-          </p:cNvPicPr>
-          <p:nvPr/>
-        </p:nvPicPr>
-        <p:blipFill>
-          <a:blip r:embed="rId2"/>
-          <a:stretch>
-            <a:fillRect/>
-          </a:stretch>
-        </p:blipFill>
-        <p:spPr>
-          <a:xfrm>
-            <a:off x="1645379" y="1418243"/>
-            <a:ext cx="4999226" cy="1057538"/>
-          </a:xfrm>
-          <a:prstGeom prst="rect">
-            <a:avLst/>
-          </a:prstGeom>
-        </p:spPr>
-      </p:pic>
-      <p:sp>
-        <p:nvSpPr>
-          <p:cNvPr id="5" name="pole tekstowe 4"/>
-          <p:cNvSpPr txBox="1"/>
-          <p:nvPr/>
-        </p:nvSpPr>
-        <p:spPr>
-          <a:xfrm>
-            <a:off x="612474" y="3148642"/>
-            <a:ext cx="7789653" cy="2031325"/>
-          </a:xfrm>
-          <a:prstGeom prst="rect">
-            <a:avLst/>
-          </a:prstGeom>
-          <a:noFill/>
-        </p:spPr>
-        <p:txBody>
-          <a:bodyPr wrap="square" rtlCol="0">
-            <a:spAutoFit/>
-          </a:bodyPr>
-          <a:lstStyle/>
-          <a:p>
-            <a:pPr marL="285750" indent="-285750">
-              <a:buFont typeface="Arial" panose="020B0604020202020204" pitchFamily="34" charset="0"/>
-              <a:buChar char="•"/>
-            </a:pPr>
-            <a:r>
-              <a:rPr lang="pl-PL" dirty="0" smtClean="0"/>
-              <a:t>@</a:t>
-            </a:r>
-            <a:r>
-              <a:rPr lang="pl-PL" dirty="0" err="1" smtClean="0"/>
-              <a:t>RunWith</a:t>
-            </a:r>
-            <a:r>
-              <a:rPr lang="pl-PL" dirty="0" smtClean="0"/>
-              <a:t>(</a:t>
-            </a:r>
-            <a:r>
-              <a:rPr lang="pl-PL" dirty="0" err="1" smtClean="0"/>
-              <a:t>SpringRunner.class</a:t>
-            </a:r>
-            <a:r>
-              <a:rPr lang="pl-PL" dirty="0" smtClean="0"/>
-              <a:t>) – określa </a:t>
-            </a:r>
-            <a:r>
-              <a:rPr lang="pl-PL" dirty="0" err="1" smtClean="0"/>
-              <a:t>Runner</a:t>
-            </a:r>
-            <a:r>
-              <a:rPr lang="pl-PL" dirty="0" smtClean="0"/>
-              <a:t>, który ma być wykorzystywany przez </a:t>
-            </a:r>
-            <a:r>
-              <a:rPr lang="pl-PL" dirty="0" err="1" smtClean="0"/>
-              <a:t>Junit</a:t>
-            </a:r>
-            <a:r>
-              <a:rPr lang="pl-PL" dirty="0" smtClean="0"/>
-              <a:t>. Klasa </a:t>
-            </a:r>
-            <a:r>
-              <a:rPr lang="pl-PL" dirty="0" err="1" smtClean="0"/>
-              <a:t>SpringRunner</a:t>
-            </a:r>
-            <a:r>
-              <a:rPr lang="pl-PL" dirty="0" smtClean="0"/>
-              <a:t> jest aliasem </a:t>
-            </a:r>
-            <a:r>
-              <a:rPr lang="pl-PL" dirty="0"/>
-              <a:t>do </a:t>
-            </a:r>
-            <a:r>
-              <a:rPr lang="pl-PL" dirty="0" smtClean="0"/>
-              <a:t>SpringJUnit4ClassRunner. Umożliwia korzystanie z testowego kontekstu </a:t>
-            </a:r>
-            <a:r>
-              <a:rPr lang="pl-PL" dirty="0" err="1" smtClean="0"/>
-              <a:t>Springa</a:t>
-            </a:r>
-            <a:r>
-              <a:rPr lang="pl-PL" dirty="0" smtClean="0"/>
-              <a:t>.</a:t>
-            </a:r>
-          </a:p>
-          <a:p>
-            <a:pPr marL="285750" indent="-285750">
-              <a:buFont typeface="Arial" panose="020B0604020202020204" pitchFamily="34" charset="0"/>
-              <a:buChar char="•"/>
-            </a:pPr>
-            <a:r>
-              <a:rPr lang="pl-PL" dirty="0" smtClean="0"/>
-              <a:t>@</a:t>
-            </a:r>
-            <a:r>
-              <a:rPr lang="pl-PL" dirty="0" err="1" smtClean="0"/>
-              <a:t>SpringBootTest</a:t>
-            </a:r>
-            <a:r>
-              <a:rPr lang="pl-PL" dirty="0" smtClean="0"/>
+          <a:p>
+            <a:pPr algn="just"/>
+            <a:r>
+              <a:rPr lang="pl-PL" sz="2400" dirty="0" smtClean="0"/>
+              <a:t>Wykorzystywany do testowania serwerowej strony aplikacji.</a:t>
+            </a:r>
+          </a:p>
+          <a:p>
+            <a:pPr algn="just"/>
+            <a:r>
+              <a:rPr lang="pl-PL" sz="2400" dirty="0" smtClean="0"/>
+              <a:t>Tworzy infrastrukturę bardzo zbliżoną do tej, która pojawia przy faktycznym uruchomieniu programu</a:t>
+            </a:r>
+          </a:p>
+          <a:p>
+            <a:pPr algn="just"/>
+            <a:r>
+              <a:rPr lang="pl-PL" sz="2400" dirty="0" smtClean="0"/>
+              <a:t>Główna zasada działania opiera się o </a:t>
+            </a:r>
+            <a:r>
+              <a:rPr lang="pl-PL" sz="2400" dirty="0" err="1" smtClean="0"/>
+              <a:t>mockowanie</a:t>
+            </a:r>
+            <a:r>
+              <a:rPr lang="pl-PL" sz="2400" dirty="0" smtClean="0"/>
+              <a:t> żądania i odpowiedzi HTTP, które przychodzą od „spring-test”.</a:t>
+            </a:r>
+          </a:p>
+          <a:p>
+            <a:pPr algn="just"/>
+            <a:r>
+              <a:rPr lang="pl-PL" sz="2400" dirty="0" smtClean="0"/>
+              <a:t>Testy nie wymagają uruchomionego kontenera </a:t>
+            </a:r>
+            <a:r>
+              <a:rPr lang="pl-PL" sz="2400" dirty="0" err="1" smtClean="0"/>
+              <a:t>servletu</a:t>
+            </a:r>
+            <a:endParaRPr lang="pl-PL" sz="2400" dirty="0" smtClean="0"/>
+          </a:p>
+          <a:p>
+            <a:pPr algn="just"/>
+            <a:r>
+              <a:rPr lang="pl-PL" sz="2400" dirty="0" smtClean="0"/>
+              <a:t>Podczas wykonywania testu żądania obsługuje </a:t>
+            </a:r>
+            <a:r>
+              <a:rPr lang="pl-PL" sz="2400" dirty="0" err="1" smtClean="0"/>
+              <a:t>Dispatcher</a:t>
+            </a:r>
+            <a:r>
+              <a:rPr lang="pl-PL" sz="2400" dirty="0" smtClean="0"/>
               <a:t> </a:t>
             </a:r>
-          </a:p>
-          <a:p>
-            <a:pPr marL="285750" indent="-285750">
-              <a:buFont typeface="Arial" panose="020B0604020202020204" pitchFamily="34" charset="0"/>
-              <a:buChar char="•"/>
-            </a:pPr>
-            <a:endParaRPr lang="pl-PL" dirty="0"/>
-          </a:p>
-          <a:p>
-            <a:pPr marL="285750" indent="-285750">
-              <a:buFont typeface="Arial" panose="020B0604020202020204" pitchFamily="34" charset="0"/>
-              <a:buChar char="•"/>
-            </a:pPr>
-            <a:r>
-              <a:rPr lang="pl-PL" dirty="0" smtClean="0"/>
-              <a:t>@</a:t>
-            </a:r>
-            <a:r>
-              <a:rPr lang="pl-PL" dirty="0" err="1" smtClean="0"/>
-              <a:t>AutoConfigureMockMvc</a:t>
-            </a:r>
-            <a:r>
-              <a:rPr lang="pl-PL" dirty="0" smtClean="0"/>
-              <a:t> -  Uruchamia automatyczną konfiguracje </a:t>
-            </a:r>
-            <a:r>
-              <a:rPr lang="pl-PL" dirty="0" err="1" smtClean="0"/>
-              <a:t>MockMvc</a:t>
-            </a:r>
-            <a:endParaRPr lang="pl-PL" dirty="0"/>
+            <a:r>
+              <a:rPr lang="pl-PL" sz="2400" dirty="0" err="1" smtClean="0"/>
+              <a:t>Servlet</a:t>
+            </a:r>
+            <a:r>
+              <a:rPr lang="pl-PL" sz="2400" dirty="0" smtClean="0"/>
+              <a:t> lecz nie zostaje nawiązane  rzeczywiste połączenie sieciowe.</a:t>
+            </a:r>
           </a:p>
         </p:txBody>
       </p:sp>
     </p:spTree>
     <p:extLst>
       <p:ext uri="{BB962C8B-B14F-4D97-AF65-F5344CB8AC3E}">
-        <p14:creationId xmlns:p14="http://schemas.microsoft.com/office/powerpoint/2010/main" val="2884127231"/>
+        <p14:creationId xmlns:p14="http://schemas.microsoft.com/office/powerpoint/2010/main" val="831594908"/>
       </p:ext>
     </p:extLst>
   </p:cSld>
@@ -6431,6 +6026,30 @@
           </a:p>
         </p:txBody>
       </p:sp>
+      <p:pic>
+        <p:nvPicPr>
+          <p:cNvPr id="3" name="Obraz 2"/>
+          <p:cNvPicPr>
+            <a:picLocks noChangeAspect="1"/>
+          </p:cNvPicPr>
+          <p:nvPr/>
+        </p:nvPicPr>
+        <p:blipFill>
+          <a:blip r:embed="rId2"/>
+          <a:stretch>
+            <a:fillRect/>
+          </a:stretch>
+        </p:blipFill>
+        <p:spPr>
+          <a:xfrm>
+            <a:off x="1645379" y="1418243"/>
+            <a:ext cx="4999226" cy="1057538"/>
+          </a:xfrm>
+          <a:prstGeom prst="rect">
+            <a:avLst/>
+          </a:prstGeom>
+        </p:spPr>
+      </p:pic>
       <p:sp>
         <p:nvSpPr>
           <p:cNvPr id="5" name="pole tekstowe 4"/>
@@ -6439,7 +6058,7 @@
         </p:nvSpPr>
         <p:spPr>
           <a:xfrm>
-            <a:off x="677173" y="1228158"/>
+            <a:off x="612474" y="3148642"/>
             <a:ext cx="7789653" cy="2031325"/>
           </a:xfrm>
           <a:prstGeom prst="rect">
@@ -6571,7 +6190,7 @@
     </p:spTree>
     <p:extLst>
       <p:ext uri="{BB962C8B-B14F-4D97-AF65-F5344CB8AC3E}">
-        <p14:creationId xmlns:p14="http://schemas.microsoft.com/office/powerpoint/2010/main" val="1819539165"/>
+        <p14:creationId xmlns:p14="http://schemas.microsoft.com/office/powerpoint/2010/main" val="2884127231"/>
       </p:ext>
     </p:extLst>
   </p:cSld>
@@ -6620,83 +6239,375 @@
           <a:bodyPr/>
           <a:lstStyle/>
           <a:p>
-            <a:pPr algn="ctr"/>
-            <a:endParaRPr lang="pl-PL" dirty="0"/>
-          </a:p>
-        </p:txBody>
-      </p:sp>
-      <p:sp>
-        <p:nvSpPr>
-          <p:cNvPr id="3" name="Symbol zastępczy tekstu 2"/>
-          <p:cNvSpPr>
-            <a:spLocks noGrp="1"/>
-          </p:cNvSpPr>
-          <p:nvPr>
-            <p:ph type="body" sz="quarter" idx="10"/>
-          </p:nvPr>
-        </p:nvSpPr>
-        <p:spPr>
-          <a:xfrm>
-            <a:off x="871649" y="1793099"/>
-            <a:ext cx="7140237" cy="2221551"/>
-          </a:xfrm>
-        </p:spPr>
-        <p:txBody>
-          <a:bodyPr>
-            <a:noAutofit/>
+            <a:r>
+              <a:rPr lang="en-US" dirty="0"/>
+              <a:t>Spring </a:t>
+            </a:r>
+            <a:r>
+              <a:rPr lang="en-US" dirty="0" err="1" smtClean="0"/>
+              <a:t>MockMVC</a:t>
+            </a:r>
+            <a:r>
+              <a:rPr lang="pl-PL" dirty="0" smtClean="0"/>
+              <a:t> - Konfiguracja</a:t>
+            </a:r>
+            <a:r>
+              <a:rPr lang="en-US" dirty="0" smtClean="0"/>
+              <a:t> </a:t>
+            </a:r>
+            <a:endParaRPr lang="pl-PL" dirty="0">
+              <a:latin typeface=""/>
+            </a:endParaRPr>
+          </a:p>
+        </p:txBody>
+      </p:sp>
+      <p:sp>
+        <p:nvSpPr>
+          <p:cNvPr id="4" name="pole tekstowe 3"/>
+          <p:cNvSpPr txBox="1"/>
+          <p:nvPr/>
+        </p:nvSpPr>
+        <p:spPr>
+          <a:xfrm>
+            <a:off x="862642" y="1233577"/>
+            <a:ext cx="6564701" cy="369332"/>
+          </a:xfrm>
+          <a:prstGeom prst="rect">
+            <a:avLst/>
+          </a:prstGeom>
+          <a:noFill/>
+        </p:spPr>
+        <p:txBody>
+          <a:bodyPr wrap="square" rtlCol="0">
+            <a:spAutoFit/>
           </a:bodyPr>
           <a:lstStyle/>
           <a:p>
-            <a:pPr marL="198900" indent="0" algn="ctr">
+            <a:endParaRPr lang="pl-PL" dirty="0"/>
+          </a:p>
+        </p:txBody>
+      </p:sp>
+      <p:sp>
+        <p:nvSpPr>
+          <p:cNvPr id="6" name="Symbol zastępczy tekstu 2"/>
+          <p:cNvSpPr txBox="1">
+            <a:spLocks/>
+          </p:cNvSpPr>
+          <p:nvPr/>
+        </p:nvSpPr>
+        <p:spPr>
+          <a:xfrm>
+            <a:off x="0" y="1228158"/>
+            <a:ext cx="9144000" cy="4846148"/>
+          </a:xfrm>
+          <a:prstGeom prst="rect">
+            <a:avLst/>
+          </a:prstGeom>
+        </p:spPr>
+        <p:txBody>
+          <a:bodyPr>
+            <a:normAutofit/>
+          </a:bodyPr>
+          <a:lstStyle>
+            <a:lvl1pPr marL="342900" indent="-342900" algn="l" defTabSz="457200" rtl="0" eaLnBrk="1" latinLnBrk="0" hangingPunct="1">
+              <a:spcBef>
+                <a:spcPct val="20000"/>
+              </a:spcBef>
+              <a:buFont typeface="Arial"/>
+              <a:buChar char="•"/>
+              <a:defRPr sz="3200" kern="1200">
+                <a:solidFill>
+                  <a:schemeClr val="tx1"/>
+                </a:solidFill>
+                <a:latin typeface="+mn-lt"/>
+                <a:ea typeface="+mn-ea"/>
+                <a:cs typeface="+mn-cs"/>
+              </a:defRPr>
+            </a:lvl1pPr>
+            <a:lvl2pPr marL="742950" indent="-285750" algn="l" defTabSz="457200" rtl="0" eaLnBrk="1" latinLnBrk="0" hangingPunct="1">
+              <a:spcBef>
+                <a:spcPct val="20000"/>
+              </a:spcBef>
+              <a:buFont typeface="Arial"/>
+              <a:buChar char="–"/>
+              <a:defRPr sz="2800" kern="1200">
+                <a:solidFill>
+                  <a:schemeClr val="tx1"/>
+                </a:solidFill>
+                <a:latin typeface="+mn-lt"/>
+                <a:ea typeface="+mn-ea"/>
+                <a:cs typeface="+mn-cs"/>
+              </a:defRPr>
+            </a:lvl2pPr>
+            <a:lvl3pPr marL="1143000" indent="-228600" algn="l" defTabSz="457200" rtl="0" eaLnBrk="1" latinLnBrk="0" hangingPunct="1">
+              <a:spcBef>
+                <a:spcPct val="20000"/>
+              </a:spcBef>
+              <a:buFont typeface="Arial"/>
+              <a:buChar char="•"/>
+              <a:defRPr sz="2400" kern="1200">
+                <a:solidFill>
+                  <a:schemeClr val="tx1"/>
+                </a:solidFill>
+                <a:latin typeface="+mn-lt"/>
+                <a:ea typeface="+mn-ea"/>
+                <a:cs typeface="+mn-cs"/>
+              </a:defRPr>
+            </a:lvl3pPr>
+            <a:lvl4pPr marL="1600200" indent="-228600" algn="l" defTabSz="457200" rtl="0" eaLnBrk="1" latinLnBrk="0" hangingPunct="1">
+              <a:spcBef>
+                <a:spcPct val="20000"/>
+              </a:spcBef>
+              <a:buFont typeface="Arial"/>
+              <a:buChar char="–"/>
+              <a:defRPr sz="2000" kern="1200">
+                <a:solidFill>
+                  <a:schemeClr val="tx1"/>
+                </a:solidFill>
+                <a:latin typeface="+mn-lt"/>
+                <a:ea typeface="+mn-ea"/>
+                <a:cs typeface="+mn-cs"/>
+              </a:defRPr>
+            </a:lvl4pPr>
+            <a:lvl5pPr marL="2057400" indent="-228600" algn="l" defTabSz="457200" rtl="0" eaLnBrk="1" latinLnBrk="0" hangingPunct="1">
+              <a:spcBef>
+                <a:spcPct val="20000"/>
+              </a:spcBef>
+              <a:buFont typeface="Arial"/>
+              <a:buChar char="»"/>
+              <a:defRPr sz="2000" kern="1200">
+                <a:solidFill>
+                  <a:schemeClr val="tx1"/>
+                </a:solidFill>
+                <a:latin typeface="+mn-lt"/>
+                <a:ea typeface="+mn-ea"/>
+                <a:cs typeface="+mn-cs"/>
+              </a:defRPr>
+            </a:lvl5pPr>
+            <a:lvl6pPr marL="2514600" indent="-228600" algn="l" defTabSz="457200" rtl="0" eaLnBrk="1" latinLnBrk="0" hangingPunct="1">
+              <a:spcBef>
+                <a:spcPct val="20000"/>
+              </a:spcBef>
+              <a:buFont typeface="Arial"/>
+              <a:buChar char="•"/>
+              <a:defRPr sz="2000" kern="1200">
+                <a:solidFill>
+                  <a:schemeClr val="tx1"/>
+                </a:solidFill>
+                <a:latin typeface="+mn-lt"/>
+                <a:ea typeface="+mn-ea"/>
+                <a:cs typeface="+mn-cs"/>
+              </a:defRPr>
+            </a:lvl6pPr>
+            <a:lvl7pPr marL="2971800" indent="-228600" algn="l" defTabSz="457200" rtl="0" eaLnBrk="1" latinLnBrk="0" hangingPunct="1">
+              <a:spcBef>
+                <a:spcPct val="20000"/>
+              </a:spcBef>
+              <a:buFont typeface="Arial"/>
+              <a:buChar char="•"/>
+              <a:defRPr sz="2000" kern="1200">
+                <a:solidFill>
+                  <a:schemeClr val="tx1"/>
+                </a:solidFill>
+                <a:latin typeface="+mn-lt"/>
+                <a:ea typeface="+mn-ea"/>
+                <a:cs typeface="+mn-cs"/>
+              </a:defRPr>
+            </a:lvl7pPr>
+            <a:lvl8pPr marL="3429000" indent="-228600" algn="l" defTabSz="457200" rtl="0" eaLnBrk="1" latinLnBrk="0" hangingPunct="1">
+              <a:spcBef>
+                <a:spcPct val="20000"/>
+              </a:spcBef>
+              <a:buFont typeface="Arial"/>
+              <a:buChar char="•"/>
+              <a:defRPr sz="2000" kern="1200">
+                <a:solidFill>
+                  <a:schemeClr val="tx1"/>
+                </a:solidFill>
+                <a:latin typeface="+mn-lt"/>
+                <a:ea typeface="+mn-ea"/>
+                <a:cs typeface="+mn-cs"/>
+              </a:defRPr>
+            </a:lvl8pPr>
+            <a:lvl9pPr marL="3886200" indent="-228600" algn="l" defTabSz="457200" rtl="0" eaLnBrk="1" latinLnBrk="0" hangingPunct="1">
+              <a:spcBef>
+                <a:spcPct val="20000"/>
+              </a:spcBef>
+              <a:buFont typeface="Arial"/>
+              <a:buChar char="•"/>
+              <a:defRPr sz="2000" kern="1200">
+                <a:solidFill>
+                  <a:schemeClr val="tx1"/>
+                </a:solidFill>
+                <a:latin typeface="+mn-lt"/>
+                <a:ea typeface="+mn-ea"/>
+                <a:cs typeface="+mn-cs"/>
+              </a:defRPr>
+            </a:lvl9pPr>
+          </a:lstStyle>
+          <a:p>
+            <a:pPr marL="198900" indent="0" algn="just">
+              <a:buFont typeface="Arial"/>
               <a:buNone/>
             </a:pPr>
-            <a:r>
-              <a:rPr lang="pl-PL" sz="5000" dirty="0" smtClean="0"/>
-              <a:t>DZIĘKUJEMY </a:t>
-            </a:r>
-          </a:p>
-          <a:p>
-            <a:pPr marL="198900" indent="0" algn="ctr">
-              <a:buNone/>
+            <a:endParaRPr lang="pl-PL" dirty="0" smtClean="0"/>
+          </a:p>
+        </p:txBody>
+      </p:sp>
+      <p:sp>
+        <p:nvSpPr>
+          <p:cNvPr id="5" name="pole tekstowe 4"/>
+          <p:cNvSpPr txBox="1"/>
+          <p:nvPr/>
+        </p:nvSpPr>
+        <p:spPr>
+          <a:xfrm>
+            <a:off x="677173" y="1228158"/>
+            <a:ext cx="7789653" cy="2031325"/>
+          </a:xfrm>
+          <a:prstGeom prst="rect">
+            <a:avLst/>
+          </a:prstGeom>
+          <a:noFill/>
+        </p:spPr>
+        <p:txBody>
+          <a:bodyPr wrap="square" rtlCol="0">
+            <a:spAutoFit/>
+          </a:bodyPr>
+          <a:lstStyle/>
+          <a:p>
+            <a:pPr marL="285750" indent="-285750">
+              <a:buFont typeface="Arial" panose="020B0604020202020204" pitchFamily="34" charset="0"/>
+              <a:buChar char="•"/>
             </a:pPr>
             <a:r>
-              <a:rPr lang="pl-PL" sz="5000" dirty="0" smtClean="0"/>
-              <a:t>ZA </a:t>
-            </a:r>
-          </a:p>
-          <a:p>
-            <a:pPr marL="198900" indent="0" algn="ctr">
-              <a:buNone/>
+              <a:rPr lang="pl-PL" dirty="0" smtClean="0"/>
+              <a:t>@</a:t>
+            </a:r>
+            <a:r>
+              <a:rPr lang="pl-PL" dirty="0" err="1" smtClean="0"/>
+              <a:t>RunWith</a:t>
+            </a:r>
+            <a:r>
+              <a:rPr lang="pl-PL" dirty="0" smtClean="0"/>
+              <a:t>(</a:t>
+            </a:r>
+            <a:r>
+              <a:rPr lang="pl-PL" dirty="0" err="1" smtClean="0"/>
+              <a:t>SpringRunner.class</a:t>
+            </a:r>
+            <a:r>
+              <a:rPr lang="pl-PL" dirty="0" smtClean="0"/>
+              <a:t>) – określa </a:t>
+            </a:r>
+            <a:r>
+              <a:rPr lang="pl-PL" dirty="0" err="1" smtClean="0"/>
+              <a:t>Runner</a:t>
+            </a:r>
+            <a:r>
+              <a:rPr lang="pl-PL" dirty="0" smtClean="0"/>
+              <a:t>, który ma być wykorzystywany przez </a:t>
+            </a:r>
+            <a:r>
+              <a:rPr lang="pl-PL" dirty="0" err="1" smtClean="0"/>
+              <a:t>Junit</a:t>
+            </a:r>
+            <a:r>
+              <a:rPr lang="pl-PL" dirty="0" smtClean="0"/>
+              <a:t>. Klasa </a:t>
+            </a:r>
+            <a:r>
+              <a:rPr lang="pl-PL" dirty="0" err="1" smtClean="0"/>
+              <a:t>SpringRunner</a:t>
+            </a:r>
+            <a:r>
+              <a:rPr lang="pl-PL" dirty="0" smtClean="0"/>
+              <a:t> jest aliasem </a:t>
+            </a:r>
+            <a:r>
+              <a:rPr lang="pl-PL" dirty="0"/>
+              <a:t>do </a:t>
+            </a:r>
+            <a:r>
+              <a:rPr lang="pl-PL" dirty="0" smtClean="0"/>
+              <a:t>SpringJUnit4ClassRunner. Umożliwia korzystanie z testowego kontekstu </a:t>
+            </a:r>
+            <a:r>
+              <a:rPr lang="pl-PL" dirty="0" err="1" smtClean="0"/>
+              <a:t>Springa</a:t>
+            </a:r>
+            <a:r>
+              <a:rPr lang="pl-PL" dirty="0" smtClean="0"/>
+              <a:t>.</a:t>
+            </a:r>
+          </a:p>
+          <a:p>
+            <a:pPr marL="285750" indent="-285750">
+              <a:buFont typeface="Arial" panose="020B0604020202020204" pitchFamily="34" charset="0"/>
+              <a:buChar char="•"/>
             </a:pPr>
             <a:r>
-              <a:rPr lang="pl-PL" sz="5000" dirty="0" smtClean="0"/>
-              <a:t>UWAGĘ </a:t>
-            </a:r>
-          </a:p>
-          <a:p>
-            <a:pPr marL="198900" indent="0" algn="ctr">
-              <a:buNone/>
+              <a:rPr lang="pl-PL" dirty="0" smtClean="0"/>
+              <a:t>@</a:t>
+            </a:r>
+            <a:r>
+              <a:rPr lang="pl-PL" dirty="0" err="1" smtClean="0"/>
+              <a:t>SpringBootTest</a:t>
+            </a:r>
+            <a:r>
+              <a:rPr lang="pl-PL" dirty="0" smtClean="0"/>
+              <a:t> </a:t>
+            </a:r>
+          </a:p>
+          <a:p>
+            <a:pPr marL="285750" indent="-285750">
+              <a:buFont typeface="Arial" panose="020B0604020202020204" pitchFamily="34" charset="0"/>
+              <a:buChar char="•"/>
             </a:pPr>
-            <a:r>
-              <a:rPr lang="pl-PL" sz="5000" dirty="0" smtClean="0">
-                <a:sym typeface="Wingdings" panose="05000000000000000000" pitchFamily="2" charset="2"/>
-              </a:rPr>
-              <a:t></a:t>
-            </a:r>
-            <a:endParaRPr lang="pl-PL" sz="5000" dirty="0"/>
+            <a:endParaRPr lang="pl-PL" dirty="0"/>
+          </a:p>
+          <a:p>
+            <a:pPr marL="285750" indent="-285750">
+              <a:buFont typeface="Arial" panose="020B0604020202020204" pitchFamily="34" charset="0"/>
+              <a:buChar char="•"/>
+            </a:pPr>
+            <a:r>
+              <a:rPr lang="pl-PL" dirty="0" smtClean="0"/>
+              <a:t>@</a:t>
+            </a:r>
+            <a:r>
+              <a:rPr lang="pl-PL" dirty="0" err="1" smtClean="0"/>
+              <a:t>AutoConfigureMockMvc</a:t>
+            </a:r>
+            <a:r>
+              <a:rPr lang="pl-PL" dirty="0" smtClean="0"/>
+              <a:t> -  Uruchamia automatyczną konfiguracje </a:t>
+            </a:r>
+            <a:r>
+              <a:rPr lang="pl-PL" dirty="0" err="1" smtClean="0"/>
+              <a:t>MockMvc</a:t>
+            </a:r>
+            <a:endParaRPr lang="pl-PL" dirty="0"/>
           </a:p>
         </p:txBody>
       </p:sp>
     </p:spTree>
     <p:extLst>
       <p:ext uri="{BB962C8B-B14F-4D97-AF65-F5344CB8AC3E}">
-        <p14:creationId xmlns:p14="http://schemas.microsoft.com/office/powerpoint/2010/main" val="2679622656"/>
+        <p14:creationId xmlns:p14="http://schemas.microsoft.com/office/powerpoint/2010/main" val="1819539165"/>
       </p:ext>
     </p:extLst>
   </p:cSld>
   <p:clrMapOvr>
     <a:masterClrMapping/>
   </p:clrMapOvr>
+  <p:timing>
+    <p:tnLst>
+      <p:par>
+        <p:cTn id="1" dur="indefinite" restart="never" nodeType="tmRoot"/>
+      </p:par>
+    </p:tnLst>
+  </p:timing>
 </p:sld>
 </file>
 
@@ -6733,10 +6644,10 @@
           <a:lstStyle/>
           <a:p>
             <a:r>
-              <a:rPr lang="pl-PL" dirty="0" smtClean="0"/>
+              <a:rPr lang="pl-PL" b="1" dirty="0" smtClean="0"/>
               <a:t>Agenda</a:t>
             </a:r>
-            <a:endParaRPr lang="pl-PL" dirty="0"/>
+            <a:endParaRPr lang="pl-PL" b="1" dirty="0"/>
           </a:p>
         </p:txBody>
       </p:sp>
@@ -6762,7 +6673,7 @@
               <a:buAutoNum type="arabicPeriod"/>
             </a:pPr>
             <a:r>
-              <a:rPr lang="pl-PL" dirty="0" smtClean="0"/>
+              <a:rPr lang="pl-PL" b="1" dirty="0" smtClean="0"/>
               <a:t>MVC</a:t>
             </a:r>
           </a:p>
@@ -6772,8 +6683,16 @@
               <a:buAutoNum type="arabicPeriod"/>
             </a:pPr>
             <a:r>
-              <a:rPr lang="pl-PL" dirty="0" smtClean="0"/>
-              <a:t>Spring MVC</a:t>
+              <a:rPr lang="pl-PL" b="1" dirty="0" smtClean="0"/>
+              <a:t>Spring </a:t>
+            </a:r>
+            <a:r>
+              <a:rPr lang="pl-PL" b="1" dirty="0"/>
+              <a:t>MVC – Przetwarzanie </a:t>
+            </a:r>
+            <a:r>
+              <a:rPr lang="pl-PL" b="1" dirty="0" smtClean="0"/>
+              <a:t>żądania</a:t>
             </a:r>
           </a:p>
           <a:p>
@@ -6782,9 +6701,186 @@
               <a:buAutoNum type="arabicPeriod"/>
             </a:pPr>
             <a:r>
+              <a:rPr lang="pl-PL" b="1" dirty="0" smtClean="0"/>
+              <a:t>Spring MVC – podstawy</a:t>
+            </a:r>
+            <a:endParaRPr lang="pl-PL" b="1" dirty="0"/>
+          </a:p>
+          <a:p>
+            <a:pPr marL="702900" lvl="1" indent="-342900">
+              <a:buFont typeface="+mj-lt"/>
+              <a:buAutoNum type="arabicPeriod"/>
+            </a:pPr>
+            <a:r>
               <a:rPr lang="pl-PL" dirty="0" smtClean="0"/>
-              <a:t>Konfiguracja pierwszego projektu</a:t>
-            </a:r>
+              <a:t>@</a:t>
+            </a:r>
+            <a:r>
+              <a:rPr lang="pl-PL" dirty="0" err="1" smtClean="0"/>
+              <a:t>Controler</a:t>
+            </a:r>
+            <a:endParaRPr lang="pl-PL" dirty="0"/>
+          </a:p>
+          <a:p>
+            <a:pPr marL="702900" lvl="1" indent="-342900">
+              <a:buFont typeface="+mj-lt"/>
+              <a:buAutoNum type="arabicPeriod"/>
+            </a:pPr>
+            <a:r>
+              <a:rPr lang="pl-PL" dirty="0" smtClean="0"/>
+              <a:t>Model</a:t>
+            </a:r>
+            <a:endParaRPr lang="pl-PL" dirty="0"/>
+          </a:p>
+          <a:p>
+            <a:pPr marL="702900" lvl="1" indent="-342900">
+              <a:buFont typeface="+mj-lt"/>
+              <a:buAutoNum type="arabicPeriod"/>
+            </a:pPr>
+            <a:r>
+              <a:rPr lang="pl-PL" dirty="0" err="1" smtClean="0"/>
+              <a:t>ModelAndView</a:t>
+            </a:r>
+            <a:endParaRPr lang="pl-PL" dirty="0"/>
+          </a:p>
+          <a:p>
+            <a:pPr marL="702900" lvl="1" indent="-342900">
+              <a:buFont typeface="+mj-lt"/>
+              <a:buAutoNum type="arabicPeriod"/>
+            </a:pPr>
+            <a:r>
+              <a:rPr lang="pl-PL" dirty="0"/>
+              <a:t>@</a:t>
+            </a:r>
+            <a:r>
+              <a:rPr lang="pl-PL" dirty="0" err="1"/>
+              <a:t>RequestMapping</a:t>
+            </a:r>
+            <a:r>
+              <a:rPr lang="pl-PL" dirty="0"/>
+              <a:t> (@</a:t>
+            </a:r>
+            <a:r>
+              <a:rPr lang="pl-PL" dirty="0" err="1"/>
+              <a:t>GetMapping</a:t>
+            </a:r>
+            <a:r>
+              <a:rPr lang="pl-PL" dirty="0"/>
+              <a:t>, @</a:t>
+            </a:r>
+            <a:r>
+              <a:rPr lang="pl-PL" dirty="0" err="1"/>
+              <a:t>PostMapping</a:t>
+            </a:r>
+            <a:r>
+              <a:rPr lang="pl-PL" dirty="0"/>
+              <a:t>, @</a:t>
+            </a:r>
+            <a:r>
+              <a:rPr lang="pl-PL" dirty="0" err="1"/>
+              <a:t>PutMapping</a:t>
+            </a:r>
+            <a:r>
+              <a:rPr lang="pl-PL" dirty="0"/>
+              <a:t>, @</a:t>
+            </a:r>
+            <a:r>
+              <a:rPr lang="pl-PL" dirty="0" err="1" smtClean="0"/>
+              <a:t>DeleteMapping</a:t>
+            </a:r>
+            <a:r>
+              <a:rPr lang="pl-PL" dirty="0" smtClean="0"/>
+              <a:t>)</a:t>
+            </a:r>
+          </a:p>
+          <a:p>
+            <a:pPr marL="702900" lvl="1" indent="-342900">
+              <a:buFont typeface="+mj-lt"/>
+              <a:buAutoNum type="arabicPeriod"/>
+            </a:pPr>
+            <a:r>
+              <a:rPr lang="pl-PL" dirty="0" smtClean="0"/>
+              <a:t>@</a:t>
+            </a:r>
+            <a:r>
+              <a:rPr lang="pl-PL" dirty="0" err="1" smtClean="0"/>
+              <a:t>PathVariable</a:t>
+            </a:r>
+            <a:endParaRPr lang="pl-PL" dirty="0" smtClean="0"/>
+          </a:p>
+          <a:p>
+            <a:pPr marL="702900" lvl="1" indent="-342900">
+              <a:buFont typeface="+mj-lt"/>
+              <a:buAutoNum type="arabicPeriod"/>
+            </a:pPr>
+            <a:r>
+              <a:rPr lang="pl-PL" dirty="0" smtClean="0"/>
+              <a:t>@</a:t>
+            </a:r>
+            <a:r>
+              <a:rPr lang="pl-PL" dirty="0" err="1" smtClean="0"/>
+              <a:t>RequestParam</a:t>
+            </a:r>
+            <a:endParaRPr lang="pl-PL" dirty="0" smtClean="0"/>
+          </a:p>
+          <a:p>
+            <a:pPr marL="702900" lvl="1" indent="-342900">
+              <a:buFont typeface="+mj-lt"/>
+              <a:buAutoNum type="arabicPeriod"/>
+            </a:pPr>
+            <a:r>
+              <a:rPr lang="pl-PL" dirty="0"/>
+              <a:t>@</a:t>
+            </a:r>
+            <a:r>
+              <a:rPr lang="pl-PL" dirty="0" err="1"/>
+              <a:t>ResponseBody</a:t>
+            </a:r>
+            <a:endParaRPr lang="pl-PL" dirty="0"/>
+          </a:p>
+          <a:p>
+            <a:pPr marL="541800" indent="-342900">
+              <a:buFont typeface="+mj-lt"/>
+              <a:buAutoNum type="arabicPeriod"/>
+            </a:pPr>
+            <a:r>
+              <a:rPr lang="pl-PL" b="1" dirty="0" smtClean="0"/>
+              <a:t>Uruchomienie/Debugowanie Aplikacji</a:t>
+            </a:r>
+          </a:p>
+          <a:p>
+            <a:pPr marL="541800" indent="-342900">
+              <a:buFont typeface="+mj-lt"/>
+              <a:buAutoNum type="arabicPeriod"/>
+            </a:pPr>
+            <a:r>
+              <a:rPr lang="pl-PL" b="1" dirty="0" smtClean="0"/>
+              <a:t>REST </a:t>
+            </a:r>
+            <a:r>
+              <a:rPr lang="pl-PL" b="1" dirty="0" err="1" smtClean="0"/>
+              <a:t>Template</a:t>
+            </a:r>
+            <a:endParaRPr lang="pl-PL" b="1" dirty="0" smtClean="0"/>
+          </a:p>
+          <a:p>
+            <a:pPr marL="198900" indent="0">
+              <a:buNone/>
+            </a:pPr>
+            <a:endParaRPr lang="pl-PL" b="1" dirty="0"/>
+          </a:p>
+          <a:p>
+            <a:pPr marL="360000" lvl="1" indent="0">
+              <a:buNone/>
+            </a:pPr>
+            <a:endParaRPr lang="pl-PL" dirty="0" smtClean="0"/>
+          </a:p>
+          <a:p>
+            <a:pPr marL="541800" indent="-342900">
+              <a:buFont typeface="+mj-lt"/>
+              <a:buAutoNum type="arabicPeriod"/>
+            </a:pPr>
+            <a:endParaRPr lang="pl-PL" dirty="0" smtClean="0"/>
           </a:p>
         </p:txBody>
       </p:sp>
@@ -6808,6 +6904,118 @@
 </p:sld>
 </file>
 
+<file path=ppt/slides/slide20.xml><?xml version="1.0" encoding="utf-8"?>
+<p:sld xmlns:a="http://schemas.openxmlformats.org/drawingml/2006/main" xmlns:r="http://schemas.openxmlformats.org/officeDocument/2006/relationships" xmlns:p="http://schemas.openxmlformats.org/presentationml/2006/main">
+  <p:cSld>
+    <p:spTree>
+      <p:nvGrpSpPr>
+        <p:cNvPr id="1" name=""/>
+        <p:cNvGrpSpPr/>
+        <p:nvPr/>
+      </p:nvGrpSpPr>
+      <p:grpSpPr>
+        <a:xfrm>
+          <a:off x="0" y="0"/>
+          <a:ext cx="0" cy="0"/>
+          <a:chOff x="0" y="0"/>
+          <a:chExt cx="0" cy="0"/>
+        </a:xfrm>
+      </p:grpSpPr>
+      <p:sp>
+        <p:nvSpPr>
+          <p:cNvPr id="2" name="Tytuł 1"/>
+          <p:cNvSpPr>
+            <a:spLocks noGrp="1"/>
+          </p:cNvSpPr>
+          <p:nvPr>
+            <p:ph type="title"/>
+          </p:nvPr>
+        </p:nvSpPr>
+        <p:spPr/>
+        <p:txBody>
+          <a:bodyPr/>
+          <a:lstStyle/>
+          <a:p>
+            <a:pPr algn="ctr"/>
+            <a:endParaRPr lang="pl-PL" dirty="0"/>
+          </a:p>
+        </p:txBody>
+      </p:sp>
+      <p:sp>
+        <p:nvSpPr>
+          <p:cNvPr id="3" name="Symbol zastępczy tekstu 2"/>
+          <p:cNvSpPr>
+            <a:spLocks noGrp="1"/>
+          </p:cNvSpPr>
+          <p:nvPr>
+            <p:ph type="body" sz="quarter" idx="10"/>
+          </p:nvPr>
+        </p:nvSpPr>
+        <p:spPr>
+          <a:xfrm>
+            <a:off x="871649" y="1793099"/>
+            <a:ext cx="7140237" cy="2221551"/>
+          </a:xfrm>
+        </p:spPr>
+        <p:txBody>
+          <a:bodyPr>
+            <a:noAutofit/>
+          </a:bodyPr>
+          <a:lstStyle/>
+          <a:p>
+            <a:pPr marL="198900" indent="0" algn="ctr">
+              <a:buNone/>
+            </a:pPr>
+            <a:r>
+              <a:rPr lang="pl-PL" sz="5000" dirty="0" smtClean="0"/>
+              <a:t>DZIĘKUJEMY </a:t>
+            </a:r>
+          </a:p>
+          <a:p>
+            <a:pPr marL="198900" indent="0" algn="ctr">
+              <a:buNone/>
+            </a:pPr>
+            <a:r>
+              <a:rPr lang="pl-PL" sz="5000" dirty="0" smtClean="0"/>
+              <a:t>ZA </a:t>
+            </a:r>
+          </a:p>
+          <a:p>
+            <a:pPr marL="198900" indent="0" algn="ctr">
+              <a:buNone/>
+            </a:pPr>
+            <a:r>
+              <a:rPr lang="pl-PL" sz="5000" dirty="0" smtClean="0"/>
+              <a:t>UWAGĘ </a:t>
+            </a:r>
+          </a:p>
+          <a:p>
+            <a:pPr marL="198900" indent="0" algn="ctr">
+              <a:buNone/>
+            </a:pPr>
+            <a:r>
+              <a:rPr lang="pl-PL" sz="5000" dirty="0" smtClean="0">
+                <a:sym typeface="Wingdings" panose="05000000000000000000" pitchFamily="2" charset="2"/>
+              </a:rPr>
+              <a:t></a:t>
+            </a:r>
+            <a:endParaRPr lang="pl-PL" sz="5000" dirty="0"/>
+          </a:p>
+        </p:txBody>
+      </p:sp>
+    </p:spTree>
+    <p:extLst>
+      <p:ext uri="{BB962C8B-B14F-4D97-AF65-F5344CB8AC3E}">
+        <p14:creationId xmlns:p14="http://schemas.microsoft.com/office/powerpoint/2010/main" val="2679622656"/>
+      </p:ext>
+    </p:extLst>
+  </p:cSld>
+  <p:clrMapOvr>
+    <a:masterClrMapping/>
+  </p:clrMapOvr>
+</p:sld>
+</file>
+
 <file path=ppt/slides/slide3.xml><?xml version="1.0" encoding="utf-8"?>
 <p:sld xmlns:a="http://schemas.openxmlformats.org/drawingml/2006/main" xmlns:r="http://schemas.openxmlformats.org/officeDocument/2006/relationships" xmlns:p="http://schemas.openxmlformats.org/presentationml/2006/main">
   <p:cSld>
@@ -6864,6 +7072,53 @@
             <a:normAutofit/>
           </a:bodyPr>
           <a:lstStyle/>
+          <a:p>
+            <a:pPr marL="541800" indent="-342900">
+              <a:buFont typeface="+mj-lt"/>
+              <a:buAutoNum type="arabicPeriod"/>
+            </a:pPr>
+            <a:r>
+              <a:rPr lang="pl-PL" b="1" dirty="0" smtClean="0"/>
+              <a:t>Spring </a:t>
+            </a:r>
+            <a:r>
+              <a:rPr lang="pl-PL" b="1" dirty="0" err="1" smtClean="0"/>
+              <a:t>MockMVC</a:t>
+            </a:r>
+            <a:endParaRPr lang="pl-PL" b="1" dirty="0"/>
+          </a:p>
+          <a:p>
+            <a:pPr marL="702900" lvl="1" indent="-342900">
+              <a:buFont typeface="+mj-lt"/>
+              <a:buAutoNum type="arabicPeriod"/>
+            </a:pPr>
+            <a:r>
+              <a:rPr lang="pl-PL" dirty="0" smtClean="0"/>
+              <a:t>Na czym polega</a:t>
+            </a:r>
+            <a:endParaRPr lang="pl-PL" dirty="0"/>
+          </a:p>
+          <a:p>
+            <a:pPr marL="702900" lvl="1" indent="-342900">
+              <a:buFont typeface="+mj-lt"/>
+              <a:buAutoNum type="arabicPeriod"/>
+            </a:pPr>
+            <a:r>
+              <a:rPr lang="pl-PL" dirty="0" smtClean="0"/>
+              <a:t>Podstawowa Konfiguracja</a:t>
+            </a:r>
+          </a:p>
+          <a:p>
+            <a:pPr marL="702900" lvl="1" indent="-342900">
+              <a:buFont typeface="+mj-lt"/>
+              <a:buAutoNum type="arabicPeriod"/>
+            </a:pPr>
+            <a:r>
+              <a:rPr lang="pl-PL" dirty="0" smtClean="0"/>
+              <a:t>Przykładowy test</a:t>
+            </a:r>
+            <a:endParaRPr lang="pl-PL" dirty="0"/>
+          </a:p>
           <a:p>
             <a:pPr marL="702900" lvl="1" indent="-342900">
               <a:buFont typeface="+mj-lt"/>
@@ -6983,9 +7238,113 @@
           </a:p>
         </p:txBody>
       </p:sp>
+      <p:sp>
+        <p:nvSpPr>
+          <p:cNvPr id="7" name="pole tekstowe 6"/>
+          <p:cNvSpPr txBox="1"/>
+          <p:nvPr/>
+        </p:nvSpPr>
+        <p:spPr>
+          <a:xfrm>
+            <a:off x="189781" y="1940943"/>
+            <a:ext cx="4779034" cy="3693319"/>
+          </a:xfrm>
+          <a:prstGeom prst="rect">
+            <a:avLst/>
+          </a:prstGeom>
+          <a:noFill/>
+        </p:spPr>
+        <p:txBody>
+          <a:bodyPr wrap="square" rtlCol="0">
+            <a:spAutoFit/>
+          </a:bodyPr>
+          <a:lstStyle/>
+          <a:p>
+            <a:pPr marL="285750" indent="-285750">
+              <a:buFont typeface="Arial" panose="020B0604020202020204" pitchFamily="34" charset="0"/>
+              <a:buChar char="•"/>
+            </a:pPr>
+            <a:r>
+              <a:rPr lang="pl-PL" dirty="0"/>
+              <a:t>Model – Warstwa odpowiedzialna za zarządzanie danymi</a:t>
+            </a:r>
+            <a:r>
+              <a:rPr lang="pl-PL" dirty="0" smtClean="0"/>
+              <a:t>. </a:t>
+            </a:r>
+            <a:r>
+              <a:rPr lang="pl-PL" dirty="0" smtClean="0"/>
+              <a:t>Zawiera logikę aplikacji</a:t>
+            </a:r>
+            <a:endParaRPr lang="pl-PL" dirty="0" smtClean="0"/>
+          </a:p>
+          <a:p>
+            <a:pPr marL="285750" indent="-285750">
+              <a:buFont typeface="Arial" panose="020B0604020202020204" pitchFamily="34" charset="0"/>
+              <a:buChar char="•"/>
+            </a:pPr>
+            <a:r>
+              <a:rPr lang="pl-PL" dirty="0" err="1" smtClean="0"/>
+              <a:t>View</a:t>
+            </a:r>
+            <a:r>
+              <a:rPr lang="pl-PL" dirty="0" smtClean="0"/>
+              <a:t> – Odpowiedzialny </a:t>
+            </a:r>
+            <a:r>
+              <a:rPr lang="pl-PL" dirty="0"/>
+              <a:t>za wyświetlanie danych </a:t>
+            </a:r>
+            <a:r>
+              <a:rPr lang="pl-PL" dirty="0" smtClean="0"/>
+              <a:t>w określonej formie. </a:t>
+            </a:r>
+            <a:endParaRPr lang="pl-PL" dirty="0" smtClean="0"/>
+          </a:p>
+          <a:p>
+            <a:pPr marL="285750" indent="-285750">
+              <a:buFont typeface="Arial" panose="020B0604020202020204" pitchFamily="34" charset="0"/>
+              <a:buChar char="•"/>
+            </a:pPr>
+            <a:r>
+              <a:rPr lang="pl-PL" dirty="0"/>
+              <a:t>Controller – </a:t>
+            </a:r>
+            <a:r>
+              <a:rPr lang="pl-PL" dirty="0" smtClean="0"/>
+              <a:t>kontroluje przepływa danych do modelu i aktualizuje widok za każdym razem gdy model ulegnie zmianie. </a:t>
+            </a:r>
+          </a:p>
+          <a:p>
+            <a:pPr marL="285750" indent="-285750">
+              <a:buFont typeface="Arial" panose="020B0604020202020204" pitchFamily="34" charset="0"/>
+              <a:buChar char="•"/>
+            </a:pPr>
+            <a:endParaRPr lang="pl-PL" dirty="0"/>
+          </a:p>
+          <a:p>
+            <a:pPr marL="285750" indent="-285750">
+              <a:buFont typeface="Arial" panose="020B0604020202020204" pitchFamily="34" charset="0"/>
+              <a:buChar char="•"/>
+            </a:pPr>
+            <a:r>
+              <a:rPr lang="pl-PL" dirty="0" smtClean="0"/>
+              <a:t>Wzorzec MVC – Umożliwia odseparowanie od siebie elementów aplikacji dzięki czemu staje się ona bardziej elastyczna i łatwiejsza w zarządzaniu. </a:t>
+            </a:r>
+            <a:endParaRPr lang="pl-PL" dirty="0" smtClean="0"/>
+          </a:p>
+          <a:p>
+            <a:pPr marL="285750" indent="-285750">
+              <a:buFont typeface="Arial" panose="020B0604020202020204" pitchFamily="34" charset="0"/>
+              <a:buChar char="•"/>
+            </a:pPr>
+            <a:endParaRPr lang="pl-PL" dirty="0"/>
+          </a:p>
+        </p:txBody>
+      </p:sp>
       <p:pic>
         <p:nvPicPr>
-          <p:cNvPr id="4" name="Obraz 3"/>
+          <p:cNvPr id="5" name="Obraz 4"/>
           <p:cNvPicPr>
             <a:picLocks noChangeAspect="1"/>
           </p:cNvPicPr>
@@ -6999,113 +7358,14 @@
         </p:blipFill>
         <p:spPr>
           <a:xfrm>
-            <a:off x="5622355" y="1322369"/>
-            <a:ext cx="2695575" cy="4657725"/>
+            <a:off x="4968815" y="1992536"/>
+            <a:ext cx="4039204" cy="3183313"/>
           </a:xfrm>
           <a:prstGeom prst="rect">
             <a:avLst/>
           </a:prstGeom>
         </p:spPr>
       </p:pic>
-      <p:sp>
-        <p:nvSpPr>
-          <p:cNvPr id="7" name="pole tekstowe 6"/>
-          <p:cNvSpPr txBox="1"/>
-          <p:nvPr/>
-        </p:nvSpPr>
-        <p:spPr>
-          <a:xfrm>
-            <a:off x="189781" y="1940943"/>
-            <a:ext cx="4779034" cy="2862322"/>
-          </a:xfrm>
-          <a:prstGeom prst="rect">
-            <a:avLst/>
-          </a:prstGeom>
-          <a:noFill/>
-        </p:spPr>
-        <p:txBody>
-          <a:bodyPr wrap="square" rtlCol="0">
-            <a:spAutoFit/>
-          </a:bodyPr>
-          <a:lstStyle/>
-          <a:p>
-            <a:pPr marL="285750" indent="-285750">
-              <a:buFont typeface="Arial" panose="020B0604020202020204" pitchFamily="34" charset="0"/>
-              <a:buChar char="•"/>
-            </a:pPr>
-            <a:r>
-              <a:rPr lang="pl-PL" dirty="0"/>
-              <a:t>Model – Warstwa odpowiedzialna za zarządzanie danymi</a:t>
-            </a:r>
-            <a:r>
-              <a:rPr lang="pl-PL" dirty="0" smtClean="0"/>
-              <a:t>.</a:t>
-            </a:r>
-          </a:p>
-          <a:p>
-            <a:pPr marL="285750" indent="-285750">
-              <a:buFont typeface="Arial" panose="020B0604020202020204" pitchFamily="34" charset="0"/>
-              <a:buChar char="•"/>
-            </a:pPr>
-            <a:r>
-              <a:rPr lang="pl-PL" dirty="0" err="1" smtClean="0"/>
-              <a:t>View</a:t>
-            </a:r>
-            <a:r>
-              <a:rPr lang="pl-PL" dirty="0" smtClean="0"/>
-              <a:t> – Odpowiedzialny </a:t>
-            </a:r>
-            <a:r>
-              <a:rPr lang="pl-PL" dirty="0"/>
-              <a:t>za wyświetlanie danych dla użytkownika w odpowiedniej postaci</a:t>
-            </a:r>
-            <a:r>
-              <a:rPr lang="pl-PL" dirty="0" smtClean="0"/>
-              <a:t>.</a:t>
-            </a:r>
-          </a:p>
-          <a:p>
-            <a:pPr marL="285750" indent="-285750">
-              <a:buFont typeface="Arial" panose="020B0604020202020204" pitchFamily="34" charset="0"/>
-              <a:buChar char="•"/>
-            </a:pPr>
-            <a:r>
-              <a:rPr lang="pl-PL" dirty="0"/>
-              <a:t>Controller – nadzoruje interakcje pomiędzy widokiem i modelem</a:t>
-            </a:r>
-            <a:r>
-              <a:rPr lang="pl-PL" dirty="0" smtClean="0"/>
-              <a:t>.</a:t>
-            </a:r>
-          </a:p>
-          <a:p>
-            <a:pPr marL="285750" indent="-285750">
-              <a:buFont typeface="Arial" panose="020B0604020202020204" pitchFamily="34" charset="0"/>
-              <a:buChar char="•"/>
-            </a:pPr>
-            <a:r>
-              <a:rPr lang="pl-PL" dirty="0"/>
-              <a:t>Event – w przypadku aplikacji webowych </a:t>
-            </a:r>
-            <a:r>
-              <a:rPr lang="pl-PL" dirty="0" err="1"/>
-              <a:t>request</a:t>
-            </a:r>
-            <a:r>
-              <a:rPr lang="pl-PL" dirty="0"/>
-              <a:t> od przeglądarki</a:t>
-            </a:r>
-            <a:endParaRPr lang="pl-PL" dirty="0" smtClean="0"/>
-          </a:p>
-          <a:p>
-            <a:pPr marL="285750" indent="-285750">
-              <a:buFont typeface="Arial" panose="020B0604020202020204" pitchFamily="34" charset="0"/>
-              <a:buChar char="•"/>
-            </a:pPr>
-            <a:endParaRPr lang="pl-PL" dirty="0"/>
-          </a:p>
-        </p:txBody>
-      </p:sp>
     </p:spTree>
     <p:extLst>
       <p:ext uri="{BB962C8B-B14F-4D97-AF65-F5344CB8AC3E}">

--- a/Spring MVC.pptx
+++ b/Spring MVC.pptx
@@ -26,7 +26,7 @@
     <p:sldId id="398" r:id="rId17"/>
     <p:sldId id="399" r:id="rId18"/>
     <p:sldId id="401" r:id="rId19"/>
-    <p:sldId id="402" r:id="rId20"/>
+    <p:sldId id="405" r:id="rId20"/>
     <p:sldId id="386" r:id="rId21"/>
   </p:sldIdLst>
   <p:sldSz cx="9144000" cy="6858000" type="screen4x3"/>
@@ -149,7 +149,7 @@
             <p14:sldId id="398"/>
             <p14:sldId id="399"/>
             <p14:sldId id="401"/>
-            <p14:sldId id="402"/>
+            <p14:sldId id="405"/>
             <p14:sldId id="386"/>
           </p14:sldIdLst>
         </p14:section>
@@ -258,7 +258,7 @@
           <a:p>
             <a:fld id="{18DA1CCD-4AB1-40EE-B21B-789687229DC3}" type="datetimeFigureOut">
               <a:rPr lang="pl-PL" smtClean="0"/>
-              <a:t>2017-04-12</a:t>
+              <a:t>2017-04-13</a:t>
             </a:fld>
             <a:endParaRPr lang="pl-PL"/>
           </a:p>
@@ -4637,14 +4637,14 @@
       </p:sp>
       <p:sp>
         <p:nvSpPr>
-          <p:cNvPr id="3" name="pole tekstowe 2"/>
+          <p:cNvPr id="5" name="pole tekstowe 4"/>
           <p:cNvSpPr txBox="1"/>
           <p:nvPr/>
         </p:nvSpPr>
         <p:spPr>
           <a:xfrm>
-            <a:off x="120771" y="1871932"/>
-            <a:ext cx="7315200" cy="646331"/>
+            <a:off x="465826" y="1043796"/>
+            <a:ext cx="8212347" cy="646331"/>
           </a:xfrm>
           <a:prstGeom prst="rect">
             <a:avLst/>
@@ -4657,13 +4657,74 @@
           </a:bodyPr>
           <a:lstStyle/>
           <a:p>
-            <a:r>
-              <a:rPr lang="pl-PL" dirty="0"/>
-              <a:t>http://stackoverflow.com/questions/11291933/requestbody-and-responsebody-annotations-in-spring</a:t>
-            </a:r>
-          </a:p>
-        </p:txBody>
-      </p:sp>
+            <a:pPr marL="285750" indent="-285750">
+              <a:buFont typeface="Arial" panose="020B0604020202020204" pitchFamily="34" charset="0"/>
+              <a:buChar char="•"/>
+            </a:pPr>
+            <a:r>
+              <a:rPr lang="pl-PL" dirty="0" smtClean="0"/>
+              <a:t>Określa że wartość zwracana przez metodę ma zostać umieszczona bezpośrednio w „HTTP </a:t>
+            </a:r>
+            <a:r>
+              <a:rPr lang="pl-PL" dirty="0" err="1" smtClean="0"/>
+              <a:t>response</a:t>
+            </a:r>
+            <a:r>
+              <a:rPr lang="pl-PL" dirty="0" smtClean="0"/>
+              <a:t> body”.   </a:t>
+            </a:r>
+            <a:endParaRPr lang="pl-PL" dirty="0" smtClean="0"/>
+          </a:p>
+        </p:txBody>
+      </p:sp>
+      <p:pic>
+        <p:nvPicPr>
+          <p:cNvPr id="6" name="Obraz 5"/>
+          <p:cNvPicPr>
+            <a:picLocks noChangeAspect="1"/>
+          </p:cNvPicPr>
+          <p:nvPr/>
+        </p:nvPicPr>
+        <p:blipFill>
+          <a:blip r:embed="rId2"/>
+          <a:stretch>
+            <a:fillRect/>
+          </a:stretch>
+        </p:blipFill>
+        <p:spPr>
+          <a:xfrm>
+            <a:off x="561975" y="2447330"/>
+            <a:ext cx="8020050" cy="962025"/>
+          </a:xfrm>
+          <a:prstGeom prst="rect">
+            <a:avLst/>
+          </a:prstGeom>
+        </p:spPr>
+      </p:pic>
+      <p:pic>
+        <p:nvPicPr>
+          <p:cNvPr id="7" name="Obraz 6"/>
+          <p:cNvPicPr>
+            <a:picLocks noChangeAspect="1"/>
+          </p:cNvPicPr>
+          <p:nvPr/>
+        </p:nvPicPr>
+        <p:blipFill>
+          <a:blip r:embed="rId3"/>
+          <a:stretch>
+            <a:fillRect/>
+          </a:stretch>
+        </p:blipFill>
+        <p:spPr>
+          <a:xfrm>
+            <a:off x="2214561" y="3841271"/>
+            <a:ext cx="4714875" cy="1866900"/>
+          </a:xfrm>
+          <a:prstGeom prst="rect">
+            <a:avLst/>
+          </a:prstGeom>
+        </p:spPr>
+      </p:pic>
     </p:spTree>
     <p:extLst>
       <p:ext uri="{BB962C8B-B14F-4D97-AF65-F5344CB8AC3E}">
@@ -4718,11 +4779,7 @@
           <a:p>
             <a:r>
               <a:rPr lang="pl-PL" dirty="0" smtClean="0"/>
-              <a:t>Uruchomienie/Debugowanie </a:t>
-            </a:r>
-            <a:r>
-              <a:rPr lang="pl-PL" dirty="0" smtClean="0"/>
-              <a:t>Aplikacji</a:t>
+              <a:t>Uruchomienie/Debugowanie Aplikacji</a:t>
             </a:r>
             <a:endParaRPr lang="pl-PL" dirty="0"/>
           </a:p>
@@ -6026,9 +6083,144 @@
           </a:p>
         </p:txBody>
       </p:sp>
+      <p:sp>
+        <p:nvSpPr>
+          <p:cNvPr id="5" name="pole tekstowe 4"/>
+          <p:cNvSpPr txBox="1"/>
+          <p:nvPr/>
+        </p:nvSpPr>
+        <p:spPr>
+          <a:xfrm>
+            <a:off x="677173" y="3864634"/>
+            <a:ext cx="7789653" cy="1754326"/>
+          </a:xfrm>
+          <a:prstGeom prst="rect">
+            <a:avLst/>
+          </a:prstGeom>
+          <a:noFill/>
+        </p:spPr>
+        <p:txBody>
+          <a:bodyPr wrap="square" rtlCol="0">
+            <a:spAutoFit/>
+          </a:bodyPr>
+          <a:lstStyle/>
+          <a:p>
+            <a:pPr marL="285750" indent="-285750">
+              <a:buFont typeface="Arial" panose="020B0604020202020204" pitchFamily="34" charset="0"/>
+              <a:buChar char="•"/>
+            </a:pPr>
+            <a:r>
+              <a:rPr lang="pl-PL" dirty="0" smtClean="0"/>
+              <a:t>@</a:t>
+            </a:r>
+            <a:r>
+              <a:rPr lang="pl-PL" dirty="0" err="1" smtClean="0"/>
+              <a:t>RunWith</a:t>
+            </a:r>
+            <a:r>
+              <a:rPr lang="pl-PL" dirty="0" smtClean="0"/>
+              <a:t>(</a:t>
+            </a:r>
+            <a:r>
+              <a:rPr lang="pl-PL" dirty="0" err="1" smtClean="0"/>
+              <a:t>SpringRunner.class</a:t>
+            </a:r>
+            <a:r>
+              <a:rPr lang="pl-PL" dirty="0" smtClean="0"/>
+              <a:t>) – określa </a:t>
+            </a:r>
+            <a:r>
+              <a:rPr lang="pl-PL" dirty="0" err="1" smtClean="0"/>
+              <a:t>Runner</a:t>
+            </a:r>
+            <a:r>
+              <a:rPr lang="pl-PL" dirty="0" smtClean="0"/>
+              <a:t>, który ma być wykorzystywany przez </a:t>
+            </a:r>
+            <a:r>
+              <a:rPr lang="pl-PL" dirty="0" err="1" smtClean="0"/>
+              <a:t>Junit</a:t>
+            </a:r>
+            <a:r>
+              <a:rPr lang="pl-PL" dirty="0" smtClean="0"/>
+              <a:t>. Klasa </a:t>
+            </a:r>
+            <a:r>
+              <a:rPr lang="pl-PL" dirty="0" err="1" smtClean="0"/>
+              <a:t>SpringRunner</a:t>
+            </a:r>
+            <a:r>
+              <a:rPr lang="pl-PL" dirty="0" smtClean="0"/>
+              <a:t> jest aliasem </a:t>
+            </a:r>
+            <a:r>
+              <a:rPr lang="pl-PL" dirty="0"/>
+              <a:t>do </a:t>
+            </a:r>
+            <a:r>
+              <a:rPr lang="pl-PL" dirty="0" smtClean="0"/>
+              <a:t>SpringJUnit4ClassRunner. Umożliwia korzystanie z testowego kontekstu </a:t>
+            </a:r>
+            <a:r>
+              <a:rPr lang="pl-PL" dirty="0" err="1" smtClean="0"/>
+              <a:t>Springa</a:t>
+            </a:r>
+            <a:r>
+              <a:rPr lang="pl-PL" dirty="0" smtClean="0"/>
+              <a:t>.</a:t>
+            </a:r>
+          </a:p>
+          <a:p>
+            <a:pPr marL="285750" indent="-285750">
+              <a:buFont typeface="Arial" panose="020B0604020202020204" pitchFamily="34" charset="0"/>
+              <a:buChar char="•"/>
+            </a:pPr>
+            <a:r>
+              <a:rPr lang="pl-PL" dirty="0" smtClean="0"/>
+              <a:t>@</a:t>
+            </a:r>
+            <a:r>
+              <a:rPr lang="pl-PL" dirty="0" err="1" smtClean="0"/>
+              <a:t>SpringBootTest</a:t>
+            </a:r>
+            <a:r>
+              <a:rPr lang="pl-PL" dirty="0" smtClean="0"/>
+              <a:t> </a:t>
+            </a:r>
+            <a:r>
+              <a:rPr lang="pl-PL" dirty="0" smtClean="0"/>
+              <a:t>– Umieszczona nad klasę określa ją jako testową</a:t>
+            </a:r>
+            <a:endParaRPr lang="pl-PL" dirty="0"/>
+          </a:p>
+          <a:p>
+            <a:pPr marL="285750" indent="-285750">
+              <a:buFont typeface="Arial" panose="020B0604020202020204" pitchFamily="34" charset="0"/>
+              <a:buChar char="•"/>
+            </a:pPr>
+            <a:r>
+              <a:rPr lang="pl-PL" dirty="0" smtClean="0"/>
+              <a:t>@</a:t>
+            </a:r>
+            <a:r>
+              <a:rPr lang="pl-PL" dirty="0" err="1" smtClean="0"/>
+              <a:t>AutoConfigureMockMvc</a:t>
+            </a:r>
+            <a:r>
+              <a:rPr lang="pl-PL" dirty="0" smtClean="0"/>
+              <a:t> -  Uruchamia automatyczną konfiguracje </a:t>
+            </a:r>
+            <a:r>
+              <a:rPr lang="pl-PL" dirty="0" err="1" smtClean="0"/>
+              <a:t>MockMvc</a:t>
+            </a:r>
+            <a:endParaRPr lang="pl-PL" dirty="0"/>
+          </a:p>
+        </p:txBody>
+      </p:sp>
       <p:pic>
         <p:nvPicPr>
-          <p:cNvPr id="3" name="Obraz 2"/>
+          <p:cNvPr id="7" name="Obraz 6"/>
           <p:cNvPicPr>
             <a:picLocks noChangeAspect="1"/>
           </p:cNvPicPr>
@@ -6042,151 +6234,14 @@
         </p:blipFill>
         <p:spPr>
           <a:xfrm>
-            <a:off x="1645379" y="1418243"/>
-            <a:ext cx="4999226" cy="1057538"/>
+            <a:off x="1799775" y="1555697"/>
+            <a:ext cx="4690434" cy="1645575"/>
           </a:xfrm>
           <a:prstGeom prst="rect">
             <a:avLst/>
           </a:prstGeom>
         </p:spPr>
       </p:pic>
-      <p:sp>
-        <p:nvSpPr>
-          <p:cNvPr id="5" name="pole tekstowe 4"/>
-          <p:cNvSpPr txBox="1"/>
-          <p:nvPr/>
-        </p:nvSpPr>
-        <p:spPr>
-          <a:xfrm>
-            <a:off x="612474" y="3148642"/>
-            <a:ext cx="7789653" cy="2031325"/>
-          </a:xfrm>
-          <a:prstGeom prst="rect">
-            <a:avLst/>
-          </a:prstGeom>
-          <a:noFill/>
-        </p:spPr>
-        <p:txBody>
-          <a:bodyPr wrap="square" rtlCol="0">
-            <a:spAutoFit/>
-          </a:bodyPr>
-          <a:lstStyle/>
-          <a:p>
-            <a:pPr marL="285750" indent="-285750">
-              <a:buFont typeface="Arial" panose="020B0604020202020204" pitchFamily="34" charset="0"/>
-              <a:buChar char="•"/>
-            </a:pPr>
-            <a:r>
-              <a:rPr lang="pl-PL" dirty="0" smtClean="0"/>
-              <a:t>@</a:t>
-            </a:r>
-            <a:r>
-              <a:rPr lang="pl-PL" dirty="0" err="1" smtClean="0"/>
-              <a:t>RunWith</a:t>
-            </a:r>
-            <a:r>
-              <a:rPr lang="pl-PL" dirty="0" smtClean="0"/>
-              <a:t>(</a:t>
-            </a:r>
-            <a:r>
-              <a:rPr lang="pl-PL" dirty="0" err="1" smtClean="0"/>
-              <a:t>SpringRunner.class</a:t>
-            </a:r>
-            <a:r>
-              <a:rPr lang="pl-PL" dirty="0" smtClean="0"/>
-              <a:t>) – określa </a:t>
-            </a:r>
-            <a:r>
-              <a:rPr lang="pl-PL" dirty="0" err="1" smtClean="0"/>
-              <a:t>Runner</a:t>
-            </a:r>
-            <a:r>
-              <a:rPr lang="pl-PL" dirty="0" smtClean="0"/>
-              <a:t>, który ma być wykorzystywany przez </a:t>
-            </a:r>
-            <a:r>
-              <a:rPr lang="pl-PL" dirty="0" err="1" smtClean="0"/>
-              <a:t>Junit</a:t>
-            </a:r>
-            <a:r>
-              <a:rPr lang="pl-PL" dirty="0" smtClean="0"/>
-              <a:t>. Klasa </a:t>
-            </a:r>
-            <a:r>
-              <a:rPr lang="pl-PL" dirty="0" err="1" smtClean="0"/>
-              <a:t>SpringRunner</a:t>
-            </a:r>
-            <a:r>
-              <a:rPr lang="pl-PL" dirty="0" smtClean="0"/>
-              <a:t> jest aliasem </a:t>
-            </a:r>
-            <a:r>
-              <a:rPr lang="pl-PL" dirty="0"/>
-              <a:t>do </a:t>
-            </a:r>
-            <a:r>
-              <a:rPr lang="pl-PL" dirty="0" smtClean="0"/>
-              <a:t>SpringJUnit4ClassRunner. Umożliwia korzystanie z testowego kontekstu </a:t>
-            </a:r>
-            <a:r>
-              <a:rPr lang="pl-PL" dirty="0" err="1" smtClean="0"/>
-              <a:t>Springa</a:t>
-            </a:r>
-            <a:r>
-              <a:rPr lang="pl-PL" dirty="0" smtClean="0"/>
-              <a:t>.</a:t>
-            </a:r>
-          </a:p>
-          <a:p>
-            <a:pPr marL="285750" indent="-285750">
-              <a:buFont typeface="Arial" panose="020B0604020202020204" pitchFamily="34" charset="0"/>
-              <a:buChar char="•"/>
-            </a:pPr>
-            <a:r>
-              <a:rPr lang="pl-PL" dirty="0" smtClean="0"/>
-              <a:t>@</a:t>
-            </a:r>
-            <a:r>
-              <a:rPr lang="pl-PL" dirty="0" err="1" smtClean="0"/>
-              <a:t>SpringBootTest</a:t>
-            </a:r>
-            <a:r>
-              <a:rPr lang="pl-PL" dirty="0" smtClean="0"/>
-              <a:t> </a:t>
-            </a:r>
-          </a:p>
-          <a:p>
-            <a:pPr marL="285750" indent="-285750">
-              <a:buFont typeface="Arial" panose="020B0604020202020204" pitchFamily="34" charset="0"/>
-              <a:buChar char="•"/>
-            </a:pPr>
-            <a:endParaRPr lang="pl-PL" dirty="0"/>
-          </a:p>
-          <a:p>
-            <a:pPr marL="285750" indent="-285750">
-              <a:buFont typeface="Arial" panose="020B0604020202020204" pitchFamily="34" charset="0"/>
-              <a:buChar char="•"/>
-            </a:pPr>
-            <a:r>
-              <a:rPr lang="pl-PL" dirty="0" smtClean="0"/>
-              <a:t>@</a:t>
-            </a:r>
-            <a:r>
-              <a:rPr lang="pl-PL" dirty="0" err="1" smtClean="0"/>
-              <a:t>AutoConfigureMockMvc</a:t>
-            </a:r>
-            <a:r>
-              <a:rPr lang="pl-PL" dirty="0" smtClean="0"/>
-              <a:t> -  Uruchamia automatyczną konfiguracje </a:t>
-            </a:r>
-            <a:r>
-              <a:rPr lang="pl-PL" dirty="0" err="1" smtClean="0"/>
-              <a:t>MockMvc</a:t>
-            </a:r>
-            <a:endParaRPr lang="pl-PL" dirty="0"/>
-          </a:p>
-        </p:txBody>
-      </p:sp>
     </p:spTree>
     <p:extLst>
       <p:ext uri="{BB962C8B-B14F-4D97-AF65-F5344CB8AC3E}">
@@ -6240,50 +6295,12 @@
           <a:lstStyle/>
           <a:p>
             <a:r>
-              <a:rPr lang="en-US" dirty="0"/>
-              <a:t>Spring </a:t>
-            </a:r>
-            <a:r>
-              <a:rPr lang="en-US" dirty="0" err="1" smtClean="0"/>
-              <a:t>MockMVC</a:t>
-            </a:r>
-            <a:r>
               <a:rPr lang="pl-PL" dirty="0" smtClean="0"/>
-              <a:t> - Konfiguracja</a:t>
-            </a:r>
-            <a:r>
-              <a:rPr lang="en-US" dirty="0" smtClean="0"/>
-              <a:t> </a:t>
+              <a:t>Przykładowy test</a:t>
             </a:r>
             <a:endParaRPr lang="pl-PL" dirty="0">
               <a:latin typeface=""/>
             </a:endParaRPr>
-          </a:p>
-        </p:txBody>
-      </p:sp>
-      <p:sp>
-        <p:nvSpPr>
-          <p:cNvPr id="4" name="pole tekstowe 3"/>
-          <p:cNvSpPr txBox="1"/>
-          <p:nvPr/>
-        </p:nvSpPr>
-        <p:spPr>
-          <a:xfrm>
-            <a:off x="862642" y="1233577"/>
-            <a:ext cx="6564701" cy="369332"/>
-          </a:xfrm>
-          <a:prstGeom prst="rect">
-            <a:avLst/>
-          </a:prstGeom>
-          <a:noFill/>
-        </p:spPr>
-        <p:txBody>
-          <a:bodyPr wrap="square" rtlCol="0">
-            <a:spAutoFit/>
-          </a:bodyPr>
-          <a:lstStyle/>
-          <a:p>
-            <a:endParaRPr lang="pl-PL" dirty="0"/>
           </a:p>
         </p:txBody>
       </p:sp>
@@ -6454,147 +6471,34 @@
           </a:p>
         </p:txBody>
       </p:sp>
-      <p:sp>
-        <p:nvSpPr>
-          <p:cNvPr id="5" name="pole tekstowe 4"/>
-          <p:cNvSpPr txBox="1"/>
+      <p:pic>
+        <p:nvPicPr>
+          <p:cNvPr id="7" name="Obraz 6"/>
+          <p:cNvPicPr>
+            <a:picLocks noChangeAspect="1"/>
+          </p:cNvPicPr>
           <p:nvPr/>
-        </p:nvSpPr>
-        <p:spPr>
-          <a:xfrm>
-            <a:off x="677173" y="1228158"/>
-            <a:ext cx="7789653" cy="2031325"/>
+        </p:nvPicPr>
+        <p:blipFill>
+          <a:blip r:embed="rId2"/>
+          <a:stretch>
+            <a:fillRect/>
+          </a:stretch>
+        </p:blipFill>
+        <p:spPr>
+          <a:xfrm>
+            <a:off x="223837" y="2466975"/>
+            <a:ext cx="8696325" cy="1924050"/>
           </a:xfrm>
           <a:prstGeom prst="rect">
             <a:avLst/>
           </a:prstGeom>
-          <a:noFill/>
-        </p:spPr>
-        <p:txBody>
-          <a:bodyPr wrap="square" rtlCol="0">
-            <a:spAutoFit/>
-          </a:bodyPr>
-          <a:lstStyle/>
-          <a:p>
-            <a:pPr marL="285750" indent="-285750">
-              <a:buFont typeface="Arial" panose="020B0604020202020204" pitchFamily="34" charset="0"/>
-              <a:buChar char="•"/>
-            </a:pPr>
-            <a:r>
-              <a:rPr lang="pl-PL" dirty="0" smtClean="0"/>
-              <a:t>@</a:t>
-            </a:r>
-            <a:r>
-              <a:rPr lang="pl-PL" dirty="0" err="1" smtClean="0"/>
-              <a:t>RunWith</a:t>
-            </a:r>
-            <a:r>
-              <a:rPr lang="pl-PL" dirty="0" smtClean="0"/>
-              <a:t>(</a:t>
-            </a:r>
-            <a:r>
-              <a:rPr lang="pl-PL" dirty="0" err="1" smtClean="0"/>
-              <a:t>SpringRunner.class</a:t>
-            </a:r>
-            <a:r>
-              <a:rPr lang="pl-PL" dirty="0" smtClean="0"/>
-              <a:t>) – określa </a:t>
-            </a:r>
-            <a:r>
-              <a:rPr lang="pl-PL" dirty="0" err="1" smtClean="0"/>
-              <a:t>Runner</a:t>
-            </a:r>
-            <a:r>
-              <a:rPr lang="pl-PL" dirty="0" smtClean="0"/>
-              <a:t>, który ma być wykorzystywany przez </a:t>
-            </a:r>
-            <a:r>
-              <a:rPr lang="pl-PL" dirty="0" err="1" smtClean="0"/>
-              <a:t>Junit</a:t>
-            </a:r>
-            <a:r>
-              <a:rPr lang="pl-PL" dirty="0" smtClean="0"/>
-              <a:t>. Klasa </a:t>
-            </a:r>
-            <a:r>
-              <a:rPr lang="pl-PL" dirty="0" err="1" smtClean="0"/>
-              <a:t>SpringRunner</a:t>
-            </a:r>
-            <a:r>
-              <a:rPr lang="pl-PL" dirty="0" smtClean="0"/>
-              <a:t> jest aliasem </a:t>
-            </a:r>
-            <a:r>
-              <a:rPr lang="pl-PL" dirty="0"/>
-              <a:t>do </a:t>
-            </a:r>
-            <a:r>
-              <a:rPr lang="pl-PL" dirty="0" smtClean="0"/>
-              <a:t>SpringJUnit4ClassRunner. Umożliwia korzystanie z testowego kontekstu </a:t>
-            </a:r>
-            <a:r>
-              <a:rPr lang="pl-PL" dirty="0" err="1" smtClean="0"/>
-              <a:t>Springa</a:t>
-            </a:r>
-            <a:r>
-              <a:rPr lang="pl-PL" dirty="0" smtClean="0"/>
-              <a:t>.</a:t>
-            </a:r>
-          </a:p>
-          <a:p>
-            <a:pPr marL="285750" indent="-285750">
-              <a:buFont typeface="Arial" panose="020B0604020202020204" pitchFamily="34" charset="0"/>
-              <a:buChar char="•"/>
-            </a:pPr>
-            <a:r>
-              <a:rPr lang="pl-PL" dirty="0" smtClean="0"/>
-              <a:t>@</a:t>
-            </a:r>
-            <a:r>
-              <a:rPr lang="pl-PL" dirty="0" err="1" smtClean="0"/>
-              <a:t>SpringBootTest</a:t>
-            </a:r>
-            <a:r>
-              <a:rPr lang="pl-PL" dirty="0" smtClean="0"/>
-              <a:t> </a:t>
-            </a:r>
-          </a:p>
-          <a:p>
-            <a:pPr marL="285750" indent="-285750">
-              <a:buFont typeface="Arial" panose="020B0604020202020204" pitchFamily="34" charset="0"/>
-              <a:buChar char="•"/>
-            </a:pPr>
-            <a:endParaRPr lang="pl-PL" dirty="0"/>
-          </a:p>
-          <a:p>
-            <a:pPr marL="285750" indent="-285750">
-              <a:buFont typeface="Arial" panose="020B0604020202020204" pitchFamily="34" charset="0"/>
-              <a:buChar char="•"/>
-            </a:pPr>
-            <a:r>
-              <a:rPr lang="pl-PL" dirty="0" smtClean="0"/>
-              <a:t>@</a:t>
-            </a:r>
-            <a:r>
-              <a:rPr lang="pl-PL" dirty="0" err="1" smtClean="0"/>
-              <a:t>AutoConfigureMockMvc</a:t>
-            </a:r>
-            <a:r>
-              <a:rPr lang="pl-PL" dirty="0" smtClean="0"/>
-              <a:t> -  Uruchamia automatyczną konfiguracje </a:t>
-            </a:r>
-            <a:r>
-              <a:rPr lang="pl-PL" dirty="0" err="1" smtClean="0"/>
-              <a:t>MockMvc</a:t>
-            </a:r>
-            <a:endParaRPr lang="pl-PL" dirty="0"/>
-          </a:p>
-        </p:txBody>
-      </p:sp>
+        </p:spPr>
+      </p:pic>
     </p:spTree>
     <p:extLst>
       <p:ext uri="{BB962C8B-B14F-4D97-AF65-F5344CB8AC3E}">
-        <p14:creationId xmlns:p14="http://schemas.microsoft.com/office/powerpoint/2010/main" val="1819539165"/>
+        <p14:creationId xmlns:p14="http://schemas.microsoft.com/office/powerpoint/2010/main" val="1123431881"/>
       </p:ext>
     </p:extLst>
   </p:cSld>
@@ -7270,13 +7174,8 @@
             </a:r>
             <a:r>
               <a:rPr lang="pl-PL" dirty="0" smtClean="0"/>
-              <a:t>. </a:t>
-            </a:r>
-            <a:r>
-              <a:rPr lang="pl-PL" dirty="0" smtClean="0"/>
-              <a:t>Zawiera logikę aplikacji</a:t>
-            </a:r>
-            <a:endParaRPr lang="pl-PL" dirty="0" smtClean="0"/>
+              <a:t>. Zawiera logikę aplikacji</a:t>
+            </a:r>
           </a:p>
           <a:p>
             <a:pPr marL="285750" indent="-285750">
@@ -7299,7 +7198,6 @@
               <a:rPr lang="pl-PL" dirty="0" smtClean="0"/>
               <a:t>w określonej formie. </a:t>
             </a:r>
-            <a:endParaRPr lang="pl-PL" dirty="0" smtClean="0"/>
           </a:p>
           <a:p>
             <a:pPr marL="285750" indent="-285750">
@@ -7331,7 +7229,6 @@
               <a:rPr lang="pl-PL" dirty="0" smtClean="0"/>
               <a:t>Wzorzec MVC – Umożliwia odseparowanie od siebie elementów aplikacji dzięki czemu staje się ona bardziej elastyczna i łatwiejsza w zarządzaniu. </a:t>
             </a:r>
-            <a:endParaRPr lang="pl-PL" dirty="0" smtClean="0"/>
           </a:p>
           <a:p>
             <a:pPr marL="285750" indent="-285750">

--- a/Spring MVC.pptx
+++ b/Spring MVC.pptx
@@ -5,7 +5,7 @@
     <p:sldMasterId id="2147483648" r:id="rId1"/>
   </p:sldMasterIdLst>
   <p:notesMasterIdLst>
-    <p:notesMasterId r:id="rId22"/>
+    <p:notesMasterId r:id="rId23"/>
   </p:notesMasterIdLst>
   <p:sldIdLst>
     <p:sldId id="319" r:id="rId2"/>
@@ -16,18 +16,19 @@
     <p:sldId id="355" r:id="rId7"/>
     <p:sldId id="364" r:id="rId8"/>
     <p:sldId id="393" r:id="rId9"/>
-    <p:sldId id="394" r:id="rId10"/>
-    <p:sldId id="387" r:id="rId11"/>
-    <p:sldId id="395" r:id="rId12"/>
-    <p:sldId id="396" r:id="rId13"/>
-    <p:sldId id="404" r:id="rId14"/>
-    <p:sldId id="403" r:id="rId15"/>
-    <p:sldId id="400" r:id="rId16"/>
-    <p:sldId id="398" r:id="rId17"/>
-    <p:sldId id="399" r:id="rId18"/>
-    <p:sldId id="401" r:id="rId19"/>
-    <p:sldId id="405" r:id="rId20"/>
-    <p:sldId id="386" r:id="rId21"/>
+    <p:sldId id="406" r:id="rId10"/>
+    <p:sldId id="394" r:id="rId11"/>
+    <p:sldId id="387" r:id="rId12"/>
+    <p:sldId id="395" r:id="rId13"/>
+    <p:sldId id="396" r:id="rId14"/>
+    <p:sldId id="404" r:id="rId15"/>
+    <p:sldId id="403" r:id="rId16"/>
+    <p:sldId id="400" r:id="rId17"/>
+    <p:sldId id="398" r:id="rId18"/>
+    <p:sldId id="399" r:id="rId19"/>
+    <p:sldId id="401" r:id="rId20"/>
+    <p:sldId id="405" r:id="rId21"/>
+    <p:sldId id="386" r:id="rId22"/>
   </p:sldIdLst>
   <p:sldSz cx="9144000" cy="6858000" type="screen4x3"/>
   <p:notesSz cx="6858000" cy="9144000"/>
@@ -139,6 +140,7 @@
             <p14:sldId id="355"/>
             <p14:sldId id="364"/>
             <p14:sldId id="393"/>
+            <p14:sldId id="406"/>
             <p14:sldId id="394"/>
             <p14:sldId id="387"/>
             <p14:sldId id="395"/>
@@ -258,7 +260,7 @@
           <a:p>
             <a:fld id="{18DA1CCD-4AB1-40EE-B21B-789687229DC3}" type="datetimeFigureOut">
               <a:rPr lang="pl-PL" smtClean="0"/>
-              <a:t>2017-04-13</a:t>
+              <a:t>2017-04-18</a:t>
             </a:fld>
             <a:endParaRPr lang="pl-PL"/>
           </a:p>
@@ -4308,47 +4310,135 @@
           <a:lstStyle/>
           <a:p>
             <a:r>
+              <a:rPr lang="pl-PL" dirty="0"/>
+              <a:t>Mapowanie żądania</a:t>
+            </a:r>
+            <a:endParaRPr lang="pl-PL" dirty="0"/>
+          </a:p>
+        </p:txBody>
+      </p:sp>
+      <p:sp>
+        <p:nvSpPr>
+          <p:cNvPr id="3" name="Symbol zastępczy tekstu 2"/>
+          <p:cNvSpPr>
+            <a:spLocks noGrp="1"/>
+          </p:cNvSpPr>
+          <p:nvPr>
+            <p:ph type="body" sz="quarter" idx="10"/>
+          </p:nvPr>
+        </p:nvSpPr>
+        <p:spPr/>
+        <p:txBody>
+          <a:bodyPr>
+            <a:normAutofit/>
+          </a:bodyPr>
+          <a:lstStyle/>
+          <a:p>
+            <a:pPr marL="198900" indent="0" algn="just">
+              <a:buNone/>
+            </a:pPr>
+            <a:endParaRPr lang="pl-PL" dirty="0" smtClean="0"/>
+          </a:p>
+          <a:p>
+            <a:pPr algn="just"/>
+            <a:r>
+              <a:rPr lang="pl-PL" dirty="0"/>
+              <a:t>@</a:t>
+            </a:r>
+            <a:r>
+              <a:rPr lang="pl-PL" dirty="0" err="1" smtClean="0"/>
+              <a:t>GetMapping</a:t>
+            </a:r>
+            <a:endParaRPr lang="pl-PL" dirty="0" smtClean="0"/>
+          </a:p>
+          <a:p>
+            <a:pPr algn="just"/>
+            <a:endParaRPr lang="pl-PL" dirty="0" smtClean="0"/>
+          </a:p>
+          <a:p>
+            <a:pPr algn="just"/>
+            <a:r>
               <a:rPr lang="pl-PL" dirty="0" smtClean="0"/>
-              <a:t>Mapowanie żądania</a:t>
-            </a:r>
-            <a:endParaRPr lang="pl-PL" dirty="0"/>
-          </a:p>
-        </p:txBody>
-      </p:sp>
-      <p:pic>
-        <p:nvPicPr>
-          <p:cNvPr id="6" name="Obraz 5"/>
-          <p:cNvPicPr>
-            <a:picLocks noChangeAspect="1"/>
-          </p:cNvPicPr>
-          <p:nvPr/>
-        </p:nvPicPr>
-        <p:blipFill>
-          <a:blip r:embed="rId2"/>
-          <a:stretch>
-            <a:fillRect/>
-          </a:stretch>
-        </p:blipFill>
-        <p:spPr>
-          <a:xfrm>
-            <a:off x="1033462" y="1809750"/>
-            <a:ext cx="7077075" cy="3238500"/>
-          </a:xfrm>
-          <a:prstGeom prst="rect">
-            <a:avLst/>
-          </a:prstGeom>
-        </p:spPr>
-      </p:pic>
+              <a:t>@</a:t>
+            </a:r>
+            <a:r>
+              <a:rPr lang="pl-PL" dirty="0" err="1" smtClean="0"/>
+              <a:t>PostMapping</a:t>
+            </a:r>
+            <a:endParaRPr lang="pl-PL" dirty="0" smtClean="0"/>
+          </a:p>
+          <a:p>
+            <a:pPr algn="just"/>
+            <a:endParaRPr lang="pl-PL" dirty="0" smtClean="0"/>
+          </a:p>
+          <a:p>
+            <a:pPr algn="just"/>
+            <a:r>
+              <a:rPr lang="pl-PL" dirty="0" smtClean="0"/>
+              <a:t>@</a:t>
+            </a:r>
+            <a:r>
+              <a:rPr lang="pl-PL" dirty="0" err="1" smtClean="0"/>
+              <a:t>PutMapping</a:t>
+            </a:r>
+            <a:endParaRPr lang="pl-PL" dirty="0" smtClean="0"/>
+          </a:p>
+          <a:p>
+            <a:pPr algn="just"/>
+            <a:endParaRPr lang="pl-PL" dirty="0" smtClean="0"/>
+          </a:p>
+          <a:p>
+            <a:pPr algn="just"/>
+            <a:r>
+              <a:rPr lang="pl-PL" dirty="0" smtClean="0"/>
+              <a:t>@</a:t>
+            </a:r>
+            <a:r>
+              <a:rPr lang="pl-PL" dirty="0" err="1" smtClean="0"/>
+              <a:t>DeleteMapping</a:t>
+            </a:r>
+            <a:endParaRPr lang="pl-PL" dirty="0" smtClean="0"/>
+          </a:p>
+          <a:p>
+            <a:pPr algn="just"/>
+            <a:endParaRPr lang="pl-PL" dirty="0" smtClean="0"/>
+          </a:p>
+          <a:p>
+            <a:pPr algn="just"/>
+            <a:r>
+              <a:rPr lang="pl-PL" dirty="0" smtClean="0"/>
+              <a:t>@</a:t>
+            </a:r>
+            <a:r>
+              <a:rPr lang="pl-PL" dirty="0" err="1"/>
+              <a:t>RequestMapping</a:t>
+            </a:r>
+            <a:r>
+              <a:rPr lang="pl-PL" dirty="0"/>
+              <a:t> </a:t>
+            </a:r>
+            <a:endParaRPr lang="pl-PL" dirty="0" smtClean="0"/>
+          </a:p>
+        </p:txBody>
+      </p:sp>
     </p:spTree>
     <p:extLst>
       <p:ext uri="{BB962C8B-B14F-4D97-AF65-F5344CB8AC3E}">
-        <p14:creationId xmlns:p14="http://schemas.microsoft.com/office/powerpoint/2010/main" val="1993655208"/>
+        <p14:creationId xmlns:p14="http://schemas.microsoft.com/office/powerpoint/2010/main" val="1597571101"/>
       </p:ext>
     </p:extLst>
   </p:cSld>
   <p:clrMapOvr>
     <a:masterClrMapping/>
   </p:clrMapOvr>
+  <mc:AlternateContent xmlns:mc="http://schemas.openxmlformats.org/markup-compatibility/2006" xmlns:p14="http://schemas.microsoft.com/office/powerpoint/2010/main">
+    <mc:Choice Requires="p14">
+      <p:transition spd="slow" p14:dur="2000"/>
+    </mc:Choice>
+    <mc:Fallback xmlns="">
+      <p:transition spd="slow"/>
+    </mc:Fallback>
+  </mc:AlternateContent>
   <p:timing>
     <p:tnLst>
       <p:par>
@@ -4392,12 +4482,8 @@
           <a:lstStyle/>
           <a:p>
             <a:r>
-              <a:rPr lang="pl-PL" dirty="0"/>
-              <a:t>@</a:t>
-            </a:r>
-            <a:r>
-              <a:rPr lang="pl-PL" dirty="0" err="1"/>
-              <a:t>PathVariable</a:t>
+              <a:rPr lang="pl-PL" dirty="0" smtClean="0"/>
+              <a:t>Mapowanie żądania</a:t>
             </a:r>
             <a:endParaRPr lang="pl-PL" dirty="0"/>
           </a:p>
@@ -4405,7 +4491,7 @@
       </p:sp>
       <p:pic>
         <p:nvPicPr>
-          <p:cNvPr id="4" name="Obraz 3"/>
+          <p:cNvPr id="3" name="Obraz 2"/>
           <p:cNvPicPr>
             <a:picLocks noChangeAspect="1"/>
           </p:cNvPicPr>
@@ -4419,46 +4505,42 @@
         </p:blipFill>
         <p:spPr>
           <a:xfrm>
-            <a:off x="492976" y="2489710"/>
-            <a:ext cx="8158048" cy="1159264"/>
+            <a:off x="671512" y="3920795"/>
+            <a:ext cx="7800975" cy="1552575"/>
           </a:xfrm>
           <a:prstGeom prst="rect">
             <a:avLst/>
           </a:prstGeom>
         </p:spPr>
       </p:pic>
-      <p:sp>
-        <p:nvSpPr>
-          <p:cNvPr id="7" name="Prostokąt 6"/>
-          <p:cNvSpPr/>
+      <p:pic>
+        <p:nvPicPr>
+          <p:cNvPr id="4" name="Obraz 3"/>
+          <p:cNvPicPr>
+            <a:picLocks noChangeAspect="1"/>
+          </p:cNvPicPr>
           <p:nvPr/>
-        </p:nvSpPr>
-        <p:spPr>
-          <a:xfrm>
-            <a:off x="2282143" y="4874726"/>
-            <a:ext cx="4579715" cy="369332"/>
+        </p:nvPicPr>
+        <p:blipFill>
+          <a:blip r:embed="rId3"/>
+          <a:stretch>
+            <a:fillRect/>
+          </a:stretch>
+        </p:blipFill>
+        <p:spPr>
+          <a:xfrm>
+            <a:off x="671512" y="1498030"/>
+            <a:ext cx="7800975" cy="1452204"/>
           </a:xfrm>
           <a:prstGeom prst="rect">
             <a:avLst/>
           </a:prstGeom>
         </p:spPr>
-        <p:txBody>
-          <a:bodyPr wrap="none">
-            <a:spAutoFit/>
-          </a:bodyPr>
-          <a:lstStyle/>
-          <a:p>
-            <a:r>
-              <a:rPr lang="pl-PL" dirty="0"/>
-              <a:t>http://localhost:8080/pathVariable/1/Kowalski</a:t>
-            </a:r>
-          </a:p>
-        </p:txBody>
-      </p:sp>
+      </p:pic>
     </p:spTree>
     <p:extLst>
       <p:ext uri="{BB962C8B-B14F-4D97-AF65-F5344CB8AC3E}">
-        <p14:creationId xmlns:p14="http://schemas.microsoft.com/office/powerpoint/2010/main" val="3857613098"/>
+        <p14:creationId xmlns:p14="http://schemas.microsoft.com/office/powerpoint/2010/main" val="1993655208"/>
       </p:ext>
     </p:extLst>
   </p:cSld>
@@ -4508,12 +4590,12 @@
           <a:lstStyle/>
           <a:p>
             <a:r>
-              <a:rPr lang="pl-PL" dirty="0" smtClean="0"/>
+              <a:rPr lang="pl-PL" dirty="0"/>
               <a:t>@</a:t>
             </a:r>
             <a:r>
-              <a:rPr lang="pl-PL" dirty="0" err="1" smtClean="0"/>
-              <a:t>RequestParam</a:t>
+              <a:rPr lang="pl-PL" dirty="0" err="1"/>
+              <a:t>PathVariable</a:t>
             </a:r>
             <a:endParaRPr lang="pl-PL" dirty="0"/>
           </a:p>
@@ -4527,8 +4609,8 @@
         </p:nvSpPr>
         <p:spPr>
           <a:xfrm>
-            <a:off x="1451594" y="4927286"/>
-            <a:ext cx="6240811" cy="369332"/>
+            <a:off x="1885880" y="4203060"/>
+            <a:ext cx="5112169" cy="369332"/>
           </a:xfrm>
           <a:prstGeom prst="rect">
             <a:avLst/>
@@ -4542,14 +4624,19 @@
           <a:p>
             <a:r>
               <a:rPr lang="pl-PL" dirty="0"/>
-              <a:t>http://localhost:8080/requestParam?id=testId&amp;name=testName</a:t>
-            </a:r>
+              <a:t>http://</a:t>
+            </a:r>
+            <a:r>
+              <a:rPr lang="pl-PL" dirty="0" smtClean="0"/>
+              <a:t>localhost:8080/pathVariableExample/1/User1</a:t>
+            </a:r>
+            <a:endParaRPr lang="pl-PL" dirty="0"/>
           </a:p>
         </p:txBody>
       </p:sp>
       <p:pic>
         <p:nvPicPr>
-          <p:cNvPr id="5" name="Obraz 4"/>
+          <p:cNvPr id="3" name="Obraz 2"/>
           <p:cNvPicPr>
             <a:picLocks noChangeAspect="1"/>
           </p:cNvPicPr>
@@ -4563,8 +4650,8 @@
         </p:blipFill>
         <p:spPr>
           <a:xfrm>
-            <a:off x="552404" y="2278532"/>
-            <a:ext cx="8039190" cy="1254142"/>
+            <a:off x="374400" y="2087593"/>
+            <a:ext cx="8395200" cy="1228566"/>
           </a:xfrm>
           <a:prstGeom prst="rect">
             <a:avLst/>
@@ -4574,7 +4661,7 @@
     </p:spTree>
     <p:extLst>
       <p:ext uri="{BB962C8B-B14F-4D97-AF65-F5344CB8AC3E}">
-        <p14:creationId xmlns:p14="http://schemas.microsoft.com/office/powerpoint/2010/main" val="2683136683"/>
+        <p14:creationId xmlns:p14="http://schemas.microsoft.com/office/powerpoint/2010/main" val="3857613098"/>
       </p:ext>
     </p:extLst>
   </p:cSld>
@@ -4629,7 +4716,7 @@
             </a:r>
             <a:r>
               <a:rPr lang="pl-PL" dirty="0" err="1" smtClean="0"/>
-              <a:t>ResponseBody</a:t>
+              <a:t>RequestParam</a:t>
             </a:r>
             <a:endParaRPr lang="pl-PL" dirty="0"/>
           </a:p>
@@ -4637,49 +4724,40 @@
       </p:sp>
       <p:sp>
         <p:nvSpPr>
-          <p:cNvPr id="5" name="pole tekstowe 4"/>
-          <p:cNvSpPr txBox="1"/>
+          <p:cNvPr id="7" name="Prostokąt 6"/>
+          <p:cNvSpPr/>
           <p:nvPr/>
         </p:nvSpPr>
         <p:spPr>
           <a:xfrm>
-            <a:off x="465826" y="1043796"/>
-            <a:ext cx="8212347" cy="646331"/>
+            <a:off x="1051020" y="4396194"/>
+            <a:ext cx="7033336" cy="369332"/>
           </a:xfrm>
           <a:prstGeom prst="rect">
             <a:avLst/>
           </a:prstGeom>
-          <a:noFill/>
-        </p:spPr>
-        <p:txBody>
-          <a:bodyPr wrap="square" rtlCol="0">
+        </p:spPr>
+        <p:txBody>
+          <a:bodyPr wrap="none">
             <a:spAutoFit/>
           </a:bodyPr>
           <a:lstStyle/>
           <a:p>
-            <a:pPr marL="285750" indent="-285750">
-              <a:buFont typeface="Arial" panose="020B0604020202020204" pitchFamily="34" charset="0"/>
-              <a:buChar char="•"/>
-            </a:pPr>
+            <a:r>
+              <a:rPr lang="pl-PL" dirty="0"/>
+              <a:t>http://</a:t>
+            </a:r>
             <a:r>
               <a:rPr lang="pl-PL" dirty="0" smtClean="0"/>
-              <a:t>Określa że wartość zwracana przez metodę ma zostać umieszczona bezpośrednio w „HTTP </a:t>
-            </a:r>
-            <a:r>
-              <a:rPr lang="pl-PL" dirty="0" err="1" smtClean="0"/>
-              <a:t>response</a:t>
-            </a:r>
-            <a:r>
-              <a:rPr lang="pl-PL" dirty="0" smtClean="0"/>
-              <a:t> body”.   </a:t>
-            </a:r>
-            <a:endParaRPr lang="pl-PL" dirty="0" smtClean="0"/>
+              <a:t>localhost:8080/requestParamExample?id=testId&amp;name=testName</a:t>
+            </a:r>
+            <a:endParaRPr lang="pl-PL" dirty="0"/>
           </a:p>
         </p:txBody>
       </p:sp>
       <p:pic>
         <p:nvPicPr>
-          <p:cNvPr id="6" name="Obraz 5"/>
+          <p:cNvPr id="3" name="Obraz 2"/>
           <p:cNvPicPr>
             <a:picLocks noChangeAspect="1"/>
           </p:cNvPicPr>
@@ -4693,32 +4771,8 @@
         </p:blipFill>
         <p:spPr>
           <a:xfrm>
-            <a:off x="561975" y="2447330"/>
-            <a:ext cx="8020050" cy="962025"/>
-          </a:xfrm>
-          <a:prstGeom prst="rect">
-            <a:avLst/>
-          </a:prstGeom>
-        </p:spPr>
-      </p:pic>
-      <p:pic>
-        <p:nvPicPr>
-          <p:cNvPr id="7" name="Obraz 6"/>
-          <p:cNvPicPr>
-            <a:picLocks noChangeAspect="1"/>
-          </p:cNvPicPr>
-          <p:nvPr/>
-        </p:nvPicPr>
-        <p:blipFill>
-          <a:blip r:embed="rId3"/>
-          <a:stretch>
-            <a:fillRect/>
-          </a:stretch>
-        </p:blipFill>
-        <p:spPr>
-          <a:xfrm>
-            <a:off x="2214561" y="3841271"/>
-            <a:ext cx="4714875" cy="1866900"/>
+            <a:off x="370937" y="2054421"/>
+            <a:ext cx="8393502" cy="1340324"/>
           </a:xfrm>
           <a:prstGeom prst="rect">
             <a:avLst/>
@@ -4728,7 +4782,7 @@
     </p:spTree>
     <p:extLst>
       <p:ext uri="{BB962C8B-B14F-4D97-AF65-F5344CB8AC3E}">
-        <p14:creationId xmlns:p14="http://schemas.microsoft.com/office/powerpoint/2010/main" val="1652652966"/>
+        <p14:creationId xmlns:p14="http://schemas.microsoft.com/office/powerpoint/2010/main" val="2683136683"/>
       </p:ext>
     </p:extLst>
   </p:cSld>
@@ -4779,7 +4833,11 @@
           <a:p>
             <a:r>
               <a:rPr lang="pl-PL" dirty="0" smtClean="0"/>
-              <a:t>Uruchomienie/Debugowanie Aplikacji</a:t>
+              <a:t>@</a:t>
+            </a:r>
+            <a:r>
+              <a:rPr lang="pl-PL" dirty="0" err="1" smtClean="0"/>
+              <a:t>ResponseBody</a:t>
             </a:r>
             <a:endParaRPr lang="pl-PL" dirty="0"/>
           </a:p>
@@ -4787,14 +4845,14 @@
       </p:sp>
       <p:sp>
         <p:nvSpPr>
-          <p:cNvPr id="3" name="pole tekstowe 2"/>
+          <p:cNvPr id="5" name="pole tekstowe 4"/>
           <p:cNvSpPr txBox="1"/>
           <p:nvPr/>
         </p:nvSpPr>
         <p:spPr>
           <a:xfrm>
             <a:off x="465826" y="1043796"/>
-            <a:ext cx="8212347" cy="1477328"/>
+            <a:ext cx="8212347" cy="646331"/>
           </a:xfrm>
           <a:prstGeom prst="rect">
             <a:avLst/>
@@ -4807,115 +4865,28 @@
           </a:bodyPr>
           <a:lstStyle/>
           <a:p>
-            <a:r>
-              <a:rPr lang="pl-PL" dirty="0" smtClean="0"/>
-              <a:t>Uruchomienie Aplikacji : </a:t>
-            </a:r>
-          </a:p>
-          <a:p>
             <a:pPr marL="285750" indent="-285750">
               <a:buFont typeface="Arial" panose="020B0604020202020204" pitchFamily="34" charset="0"/>
               <a:buChar char="•"/>
             </a:pPr>
             <a:r>
+              <a:rPr lang="pl-PL" dirty="0" smtClean="0"/>
+              <a:t>Określa że wartość zwracana przez metodę ma zostać umieszczona bezpośrednio w „HTTP </a:t>
+            </a:r>
+            <a:r>
               <a:rPr lang="pl-PL" dirty="0" err="1" smtClean="0"/>
-              <a:t>mvnw</a:t>
+              <a:t>response</a:t>
             </a:r>
             <a:r>
               <a:rPr lang="pl-PL" dirty="0" smtClean="0"/>
-              <a:t> </a:t>
-            </a:r>
-            <a:r>
-              <a:rPr lang="pl-PL" dirty="0" err="1" smtClean="0"/>
-              <a:t>spring-boot:run</a:t>
-            </a:r>
-            <a:endParaRPr lang="pl-PL" dirty="0" smtClean="0"/>
-          </a:p>
-          <a:p>
-            <a:r>
-              <a:rPr lang="pl-PL" dirty="0" err="1" smtClean="0"/>
-              <a:t>Debug</a:t>
-            </a:r>
-            <a:r>
-              <a:rPr lang="pl-PL" dirty="0" smtClean="0"/>
-              <a:t>: </a:t>
-            </a:r>
-          </a:p>
-          <a:p>
-            <a:pPr marL="285750" indent="-285750">
-              <a:buFont typeface="Arial" panose="020B0604020202020204" pitchFamily="34" charset="0"/>
-              <a:buChar char="•"/>
-            </a:pPr>
-            <a:r>
-              <a:rPr lang="pl-PL" dirty="0" err="1"/>
-              <a:t>mvn</a:t>
-            </a:r>
-            <a:r>
-              <a:rPr lang="pl-PL" dirty="0"/>
-              <a:t> </a:t>
-            </a:r>
-            <a:r>
-              <a:rPr lang="pl-PL" dirty="0" err="1"/>
-              <a:t>spring-boot:run</a:t>
-            </a:r>
-            <a:r>
-              <a:rPr lang="pl-PL" dirty="0"/>
-              <a:t> -</a:t>
-            </a:r>
-            <a:r>
-              <a:rPr lang="pl-PL" dirty="0" err="1"/>
-              <a:t>Drun.jvmArguments</a:t>
-            </a:r>
-            <a:r>
-              <a:rPr lang="pl-PL" dirty="0"/>
-              <a:t>="-</a:t>
-            </a:r>
-            <a:r>
-              <a:rPr lang="pl-PL" dirty="0" err="1"/>
-              <a:t>Xdebug</a:t>
-            </a:r>
-            <a:r>
-              <a:rPr lang="pl-PL" dirty="0"/>
-              <a:t> -</a:t>
-            </a:r>
-            <a:r>
-              <a:rPr lang="pl-PL" dirty="0" err="1"/>
-              <a:t>Xrunjdwp:transport</a:t>
-            </a:r>
-            <a:r>
-              <a:rPr lang="pl-PL" dirty="0"/>
-              <a:t>=</a:t>
-            </a:r>
-            <a:r>
-              <a:rPr lang="pl-PL" dirty="0" err="1"/>
-              <a:t>dt_socket,server</a:t>
-            </a:r>
-            <a:r>
-              <a:rPr lang="pl-PL" dirty="0"/>
-              <a:t>=</a:t>
-            </a:r>
-            <a:r>
-              <a:rPr lang="pl-PL" dirty="0" err="1"/>
-              <a:t>y,suspend</a:t>
-            </a:r>
-            <a:r>
-              <a:rPr lang="pl-PL" dirty="0"/>
-              <a:t>=</a:t>
-            </a:r>
-            <a:r>
-              <a:rPr lang="pl-PL" dirty="0" err="1"/>
-              <a:t>y,address</a:t>
-            </a:r>
-            <a:r>
-              <a:rPr lang="pl-PL" dirty="0"/>
-              <a:t>=5005"</a:t>
+              <a:t> body”.   </a:t>
             </a:r>
           </a:p>
         </p:txBody>
       </p:sp>
       <p:pic>
         <p:nvPicPr>
-          <p:cNvPr id="8" name="Obraz 7"/>
+          <p:cNvPr id="6" name="Obraz 5"/>
           <p:cNvPicPr>
             <a:picLocks noChangeAspect="1"/>
           </p:cNvPicPr>
@@ -4929,8 +4900,32 @@
         </p:blipFill>
         <p:spPr>
           <a:xfrm>
-            <a:off x="833009" y="2598762"/>
-            <a:ext cx="7477980" cy="3701971"/>
+            <a:off x="561975" y="2447330"/>
+            <a:ext cx="8020050" cy="962025"/>
+          </a:xfrm>
+          <a:prstGeom prst="rect">
+            <a:avLst/>
+          </a:prstGeom>
+        </p:spPr>
+      </p:pic>
+      <p:pic>
+        <p:nvPicPr>
+          <p:cNvPr id="7" name="Obraz 6"/>
+          <p:cNvPicPr>
+            <a:picLocks noChangeAspect="1"/>
+          </p:cNvPicPr>
+          <p:nvPr/>
+        </p:nvPicPr>
+        <p:blipFill>
+          <a:blip r:embed="rId3"/>
+          <a:stretch>
+            <a:fillRect/>
+          </a:stretch>
+        </p:blipFill>
+        <p:spPr>
+          <a:xfrm>
+            <a:off x="2214561" y="3841271"/>
+            <a:ext cx="4714875" cy="1866900"/>
           </a:xfrm>
           <a:prstGeom prst="rect">
             <a:avLst/>
@@ -4940,7 +4935,7 @@
     </p:spTree>
     <p:extLst>
       <p:ext uri="{BB962C8B-B14F-4D97-AF65-F5344CB8AC3E}">
-        <p14:creationId xmlns:p14="http://schemas.microsoft.com/office/powerpoint/2010/main" val="2638960368"/>
+        <p14:creationId xmlns:p14="http://schemas.microsoft.com/office/powerpoint/2010/main" val="1652652966"/>
       </p:ext>
     </p:extLst>
   </p:cSld>
@@ -4991,326 +4986,143 @@
           <a:p>
             <a:r>
               <a:rPr lang="pl-PL" dirty="0" smtClean="0"/>
-              <a:t>REST </a:t>
-            </a:r>
+              <a:t>Uruchomienie/Debugowanie Aplikacji</a:t>
+            </a:r>
+            <a:endParaRPr lang="pl-PL" dirty="0"/>
+          </a:p>
+        </p:txBody>
+      </p:sp>
+      <p:sp>
+        <p:nvSpPr>
+          <p:cNvPr id="3" name="pole tekstowe 2"/>
+          <p:cNvSpPr txBox="1"/>
+          <p:nvPr/>
+        </p:nvSpPr>
+        <p:spPr>
+          <a:xfrm>
+            <a:off x="465826" y="1043796"/>
+            <a:ext cx="8212347" cy="1477328"/>
+          </a:xfrm>
+          <a:prstGeom prst="rect">
+            <a:avLst/>
+          </a:prstGeom>
+          <a:noFill/>
+        </p:spPr>
+        <p:txBody>
+          <a:bodyPr wrap="square" rtlCol="0">
+            <a:spAutoFit/>
+          </a:bodyPr>
+          <a:lstStyle/>
+          <a:p>
+            <a:r>
+              <a:rPr lang="pl-PL" dirty="0" smtClean="0"/>
+              <a:t>Uruchomienie Aplikacji : </a:t>
+            </a:r>
+          </a:p>
+          <a:p>
+            <a:pPr marL="285750" indent="-285750">
+              <a:buFont typeface="Arial" panose="020B0604020202020204" pitchFamily="34" charset="0"/>
+              <a:buChar char="•"/>
+            </a:pPr>
             <a:r>
               <a:rPr lang="pl-PL" dirty="0" err="1" smtClean="0"/>
-              <a:t>Template</a:t>
-            </a:r>
-            <a:endParaRPr lang="pl-PL" dirty="0"/>
-          </a:p>
-        </p:txBody>
-      </p:sp>
-      <p:sp>
-        <p:nvSpPr>
-          <p:cNvPr id="8" name="Symbol zastępczy tekstu 2"/>
-          <p:cNvSpPr txBox="1">
-            <a:spLocks/>
-          </p:cNvSpPr>
-          <p:nvPr/>
-        </p:nvSpPr>
-        <p:spPr>
-          <a:xfrm>
-            <a:off x="0" y="1228158"/>
-            <a:ext cx="9144000" cy="4846148"/>
-          </a:xfrm>
-          <a:prstGeom prst="rect">
-            <a:avLst/>
-          </a:prstGeom>
-        </p:spPr>
-        <p:txBody>
-          <a:bodyPr>
-            <a:normAutofit/>
-          </a:bodyPr>
-          <a:lstStyle>
-            <a:lvl1pPr marL="342900" indent="-342900" algn="l" defTabSz="457200" rtl="0" eaLnBrk="1" latinLnBrk="0" hangingPunct="1">
-              <a:spcBef>
-                <a:spcPct val="20000"/>
-              </a:spcBef>
-              <a:buFont typeface="Arial"/>
+              <a:t>mvnw</a:t>
+            </a:r>
+            <a:r>
+              <a:rPr lang="pl-PL" dirty="0" smtClean="0"/>
+              <a:t> </a:t>
+            </a:r>
+            <a:r>
+              <a:rPr lang="pl-PL" dirty="0" err="1" smtClean="0"/>
+              <a:t>spring-boot:run</a:t>
+            </a:r>
+            <a:endParaRPr lang="pl-PL" dirty="0" smtClean="0"/>
+          </a:p>
+          <a:p>
+            <a:r>
+              <a:rPr lang="pl-PL" dirty="0" err="1" smtClean="0"/>
+              <a:t>Debug</a:t>
+            </a:r>
+            <a:r>
+              <a:rPr lang="pl-PL" dirty="0" smtClean="0"/>
+              <a:t>: </a:t>
+            </a:r>
+          </a:p>
+          <a:p>
+            <a:pPr marL="285750" indent="-285750">
+              <a:buFont typeface="Arial" panose="020B0604020202020204" pitchFamily="34" charset="0"/>
               <a:buChar char="•"/>
-              <a:defRPr sz="3200" kern="1200">
-                <a:solidFill>
-                  <a:schemeClr val="tx1"/>
-                </a:solidFill>
-                <a:latin typeface="+mn-lt"/>
-                <a:ea typeface="+mn-ea"/>
-                <a:cs typeface="+mn-cs"/>
-              </a:defRPr>
-            </a:lvl1pPr>
-            <a:lvl2pPr marL="742950" indent="-285750" algn="l" defTabSz="457200" rtl="0" eaLnBrk="1" latinLnBrk="0" hangingPunct="1">
-              <a:spcBef>
-                <a:spcPct val="20000"/>
-              </a:spcBef>
-              <a:buFont typeface="Arial"/>
-              <a:buChar char="–"/>
-              <a:defRPr sz="2800" kern="1200">
-                <a:solidFill>
-                  <a:schemeClr val="tx1"/>
-                </a:solidFill>
-                <a:latin typeface="+mn-lt"/>
-                <a:ea typeface="+mn-ea"/>
-                <a:cs typeface="+mn-cs"/>
-              </a:defRPr>
-            </a:lvl2pPr>
-            <a:lvl3pPr marL="1143000" indent="-228600" algn="l" defTabSz="457200" rtl="0" eaLnBrk="1" latinLnBrk="0" hangingPunct="1">
-              <a:spcBef>
-                <a:spcPct val="20000"/>
-              </a:spcBef>
-              <a:buFont typeface="Arial"/>
-              <a:buChar char="•"/>
-              <a:defRPr sz="2400" kern="1200">
-                <a:solidFill>
-                  <a:schemeClr val="tx1"/>
-                </a:solidFill>
-                <a:latin typeface="+mn-lt"/>
-                <a:ea typeface="+mn-ea"/>
-                <a:cs typeface="+mn-cs"/>
-              </a:defRPr>
-            </a:lvl3pPr>
-            <a:lvl4pPr marL="1600200" indent="-228600" algn="l" defTabSz="457200" rtl="0" eaLnBrk="1" latinLnBrk="0" hangingPunct="1">
-              <a:spcBef>
-                <a:spcPct val="20000"/>
-              </a:spcBef>
-              <a:buFont typeface="Arial"/>
-              <a:buChar char="–"/>
-              <a:defRPr sz="2000" kern="1200">
-                <a:solidFill>
-                  <a:schemeClr val="tx1"/>
-                </a:solidFill>
-                <a:latin typeface="+mn-lt"/>
-                <a:ea typeface="+mn-ea"/>
-                <a:cs typeface="+mn-cs"/>
-              </a:defRPr>
-            </a:lvl4pPr>
-            <a:lvl5pPr marL="2057400" indent="-228600" algn="l" defTabSz="457200" rtl="0" eaLnBrk="1" latinLnBrk="0" hangingPunct="1">
-              <a:spcBef>
-                <a:spcPct val="20000"/>
-              </a:spcBef>
-              <a:buFont typeface="Arial"/>
-              <a:buChar char="»"/>
-              <a:defRPr sz="2000" kern="1200">
-                <a:solidFill>
-                  <a:schemeClr val="tx1"/>
-                </a:solidFill>
-                <a:latin typeface="+mn-lt"/>
-                <a:ea typeface="+mn-ea"/>
-                <a:cs typeface="+mn-cs"/>
-              </a:defRPr>
-            </a:lvl5pPr>
-            <a:lvl6pPr marL="2514600" indent="-228600" algn="l" defTabSz="457200" rtl="0" eaLnBrk="1" latinLnBrk="0" hangingPunct="1">
-              <a:spcBef>
-                <a:spcPct val="20000"/>
-              </a:spcBef>
-              <a:buFont typeface="Arial"/>
-              <a:buChar char="•"/>
-              <a:defRPr sz="2000" kern="1200">
-                <a:solidFill>
-                  <a:schemeClr val="tx1"/>
-                </a:solidFill>
-                <a:latin typeface="+mn-lt"/>
-                <a:ea typeface="+mn-ea"/>
-                <a:cs typeface="+mn-cs"/>
-              </a:defRPr>
-            </a:lvl6pPr>
-            <a:lvl7pPr marL="2971800" indent="-228600" algn="l" defTabSz="457200" rtl="0" eaLnBrk="1" latinLnBrk="0" hangingPunct="1">
-              <a:spcBef>
-                <a:spcPct val="20000"/>
-              </a:spcBef>
-              <a:buFont typeface="Arial"/>
-              <a:buChar char="•"/>
-              <a:defRPr sz="2000" kern="1200">
-                <a:solidFill>
-                  <a:schemeClr val="tx1"/>
-                </a:solidFill>
-                <a:latin typeface="+mn-lt"/>
-                <a:ea typeface="+mn-ea"/>
-                <a:cs typeface="+mn-cs"/>
-              </a:defRPr>
-            </a:lvl7pPr>
-            <a:lvl8pPr marL="3429000" indent="-228600" algn="l" defTabSz="457200" rtl="0" eaLnBrk="1" latinLnBrk="0" hangingPunct="1">
-              <a:spcBef>
-                <a:spcPct val="20000"/>
-              </a:spcBef>
-              <a:buFont typeface="Arial"/>
-              <a:buChar char="•"/>
-              <a:defRPr sz="2000" kern="1200">
-                <a:solidFill>
-                  <a:schemeClr val="tx1"/>
-                </a:solidFill>
-                <a:latin typeface="+mn-lt"/>
-                <a:ea typeface="+mn-ea"/>
-                <a:cs typeface="+mn-cs"/>
-              </a:defRPr>
-            </a:lvl8pPr>
-            <a:lvl9pPr marL="3886200" indent="-228600" algn="l" defTabSz="457200" rtl="0" eaLnBrk="1" latinLnBrk="0" hangingPunct="1">
-              <a:spcBef>
-                <a:spcPct val="20000"/>
-              </a:spcBef>
-              <a:buFont typeface="Arial"/>
-              <a:buChar char="•"/>
-              <a:defRPr sz="2000" kern="1200">
-                <a:solidFill>
-                  <a:schemeClr val="tx1"/>
-                </a:solidFill>
-                <a:latin typeface="+mn-lt"/>
-                <a:ea typeface="+mn-ea"/>
-                <a:cs typeface="+mn-cs"/>
-              </a:defRPr>
-            </a:lvl9pPr>
-          </a:lstStyle>
-          <a:p>
-            <a:pPr marL="198900" indent="0" algn="just">
-              <a:buFont typeface="Arial"/>
-              <a:buNone/>
             </a:pPr>
-            <a:endParaRPr lang="pl-PL" dirty="0" smtClean="0"/>
-          </a:p>
-          <a:p>
-            <a:pPr algn="just"/>
-            <a:r>
-              <a:rPr lang="pl-PL" sz="1800" dirty="0">
-                <a:solidFill>
-                  <a:srgbClr val="2D3E5C"/>
-                </a:solidFill>
-                <a:latin typeface=""/>
-              </a:rPr>
-              <a:t>Klasa wykorzystywana po stronie klienta do komunikacji </a:t>
-            </a:r>
-            <a:r>
-              <a:rPr lang="pl-PL" sz="1800" dirty="0" smtClean="0">
-                <a:solidFill>
-                  <a:srgbClr val="2D3E5C"/>
-                </a:solidFill>
-                <a:latin typeface=""/>
-              </a:rPr>
-              <a:t>serwerem </a:t>
-            </a:r>
-            <a:r>
-              <a:rPr lang="pl-PL" sz="1800" dirty="0">
-                <a:solidFill>
-                  <a:srgbClr val="2D3E5C"/>
-                </a:solidFill>
-                <a:latin typeface=""/>
-              </a:rPr>
-              <a:t>za pomocą protokołu HTTP</a:t>
-            </a:r>
-            <a:r>
-              <a:rPr lang="pl-PL" sz="1800" dirty="0" smtClean="0">
-                <a:solidFill>
-                  <a:srgbClr val="2D3E5C"/>
-                </a:solidFill>
-                <a:latin typeface=""/>
-              </a:rPr>
-              <a:t>.</a:t>
-            </a:r>
-          </a:p>
-          <a:p>
-            <a:pPr marL="0" indent="0" algn="just">
-              <a:buNone/>
-            </a:pPr>
-            <a:endParaRPr lang="pl-PL" sz="1800" dirty="0" smtClean="0">
-              <a:solidFill>
-                <a:srgbClr val="2D3E5C"/>
-              </a:solidFill>
-              <a:latin typeface=""/>
-            </a:endParaRPr>
-          </a:p>
-          <a:p>
-            <a:pPr algn="just"/>
-            <a:r>
-              <a:rPr lang="pl-PL" sz="1800" dirty="0">
-                <a:solidFill>
-                  <a:srgbClr val="2D3E5C"/>
-                </a:solidFill>
-                <a:latin typeface=""/>
-              </a:rPr>
-              <a:t>Żądania GET z wykorzystaniem metody </a:t>
-            </a:r>
-            <a:r>
-              <a:rPr lang="pl-PL" sz="1800" dirty="0" smtClean="0">
-                <a:solidFill>
-                  <a:srgbClr val="2D3E5C"/>
-                </a:solidFill>
-                <a:latin typeface=""/>
-              </a:rPr>
-              <a:t>„exchange”:</a:t>
-            </a:r>
-          </a:p>
-          <a:p>
-            <a:pPr algn="just"/>
-            <a:endParaRPr lang="pl-PL" sz="1800" dirty="0">
-              <a:solidFill>
-                <a:srgbClr val="2D3E5C"/>
-              </a:solidFill>
-              <a:latin typeface=""/>
-            </a:endParaRPr>
-          </a:p>
-          <a:p>
-            <a:pPr algn="just"/>
-            <a:endParaRPr lang="pl-PL" sz="1800" dirty="0">
-              <a:solidFill>
-                <a:srgbClr val="2D3E5C"/>
-              </a:solidFill>
-              <a:latin typeface=""/>
-            </a:endParaRPr>
-          </a:p>
-          <a:p>
-            <a:pPr algn="just"/>
-            <a:endParaRPr lang="pl-PL" sz="1800" dirty="0">
-              <a:solidFill>
-                <a:srgbClr val="2D3E5C"/>
-              </a:solidFill>
-              <a:latin typeface=""/>
-            </a:endParaRPr>
-          </a:p>
-          <a:p>
-            <a:pPr algn="just"/>
-            <a:endParaRPr lang="pl-PL" dirty="0" smtClean="0"/>
-          </a:p>
-          <a:p>
-            <a:pPr marL="0" indent="0" algn="just">
-              <a:buNone/>
-            </a:pPr>
-            <a:r>
-              <a:rPr lang="pl-PL" sz="1800" dirty="0" smtClean="0">
-                <a:solidFill>
-                  <a:srgbClr val="2D3E5C"/>
-                </a:solidFill>
-                <a:latin typeface=""/>
-              </a:rPr>
-              <a:t>      REST </a:t>
-            </a:r>
-            <a:r>
-              <a:rPr lang="pl-PL" sz="1800" dirty="0" err="1" smtClean="0">
-                <a:solidFill>
-                  <a:srgbClr val="2D3E5C"/>
-                </a:solidFill>
-                <a:latin typeface=""/>
-              </a:rPr>
-              <a:t>Template</a:t>
-            </a:r>
-            <a:r>
-              <a:rPr lang="pl-PL" sz="1800" dirty="0" smtClean="0">
-                <a:solidFill>
-                  <a:srgbClr val="2D3E5C"/>
-                </a:solidFill>
-                <a:latin typeface=""/>
-              </a:rPr>
-              <a:t> :</a:t>
-            </a:r>
-            <a:endParaRPr lang="pl-PL" sz="1800" dirty="0">
-              <a:solidFill>
-                <a:srgbClr val="2D3E5C"/>
-              </a:solidFill>
-              <a:latin typeface=""/>
-            </a:endParaRPr>
+            <a:r>
+              <a:rPr lang="pl-PL" dirty="0" err="1"/>
+              <a:t>mvn</a:t>
+            </a:r>
+            <a:r>
+              <a:rPr lang="pl-PL" dirty="0"/>
+              <a:t> </a:t>
+            </a:r>
+            <a:r>
+              <a:rPr lang="pl-PL" dirty="0" err="1"/>
+              <a:t>spring-boot:run</a:t>
+            </a:r>
+            <a:r>
+              <a:rPr lang="pl-PL" dirty="0"/>
+              <a:t> -</a:t>
+            </a:r>
+            <a:r>
+              <a:rPr lang="pl-PL" dirty="0" err="1"/>
+              <a:t>Drun.jvmArguments</a:t>
+            </a:r>
+            <a:r>
+              <a:rPr lang="pl-PL" dirty="0"/>
+              <a:t>="-</a:t>
+            </a:r>
+            <a:r>
+              <a:rPr lang="pl-PL" dirty="0" err="1"/>
+              <a:t>Xdebug</a:t>
+            </a:r>
+            <a:r>
+              <a:rPr lang="pl-PL" dirty="0"/>
+              <a:t> -</a:t>
+            </a:r>
+            <a:r>
+              <a:rPr lang="pl-PL" dirty="0" err="1"/>
+              <a:t>Xrunjdwp:transport</a:t>
+            </a:r>
+            <a:r>
+              <a:rPr lang="pl-PL" dirty="0"/>
+              <a:t>=</a:t>
+            </a:r>
+            <a:r>
+              <a:rPr lang="pl-PL" dirty="0" err="1"/>
+              <a:t>dt_socket,server</a:t>
+            </a:r>
+            <a:r>
+              <a:rPr lang="pl-PL" dirty="0"/>
+              <a:t>=</a:t>
+            </a:r>
+            <a:r>
+              <a:rPr lang="pl-PL" dirty="0" err="1"/>
+              <a:t>y,suspend</a:t>
+            </a:r>
+            <a:r>
+              <a:rPr lang="pl-PL" dirty="0"/>
+              <a:t>=</a:t>
+            </a:r>
+            <a:r>
+              <a:rPr lang="pl-PL" dirty="0" err="1"/>
+              <a:t>y,address</a:t>
+            </a:r>
+            <a:r>
+              <a:rPr lang="pl-PL" dirty="0"/>
+              <a:t>=5005"</a:t>
+            </a:r>
           </a:p>
         </p:txBody>
       </p:sp>
       <p:pic>
         <p:nvPicPr>
-          <p:cNvPr id="3" name="Obraz 2"/>
+          <p:cNvPr id="8" name="Obraz 7"/>
           <p:cNvPicPr>
             <a:picLocks noChangeAspect="1"/>
           </p:cNvPicPr>
@@ -5324,32 +5136,8 @@
         </p:blipFill>
         <p:spPr>
           <a:xfrm>
-            <a:off x="392905" y="5193632"/>
-            <a:ext cx="8358188" cy="779480"/>
-          </a:xfrm>
-          <a:prstGeom prst="rect">
-            <a:avLst/>
-          </a:prstGeom>
-        </p:spPr>
-      </p:pic>
-      <p:pic>
-        <p:nvPicPr>
-          <p:cNvPr id="4" name="Obraz 3"/>
-          <p:cNvPicPr>
-            <a:picLocks noChangeAspect="1"/>
-          </p:cNvPicPr>
-          <p:nvPr/>
-        </p:nvPicPr>
-        <p:blipFill>
-          <a:blip r:embed="rId3"/>
-          <a:stretch>
-            <a:fillRect/>
-          </a:stretch>
-        </p:blipFill>
-        <p:spPr>
-          <a:xfrm>
-            <a:off x="452391" y="3444198"/>
-            <a:ext cx="8239216" cy="971550"/>
+            <a:off x="833009" y="2598762"/>
+            <a:ext cx="7477980" cy="3701971"/>
           </a:xfrm>
           <a:prstGeom prst="rect">
             <a:avLst/>
@@ -5359,7 +5147,7 @@
     </p:spTree>
     <p:extLst>
       <p:ext uri="{BB962C8B-B14F-4D97-AF65-F5344CB8AC3E}">
-        <p14:creationId xmlns:p14="http://schemas.microsoft.com/office/powerpoint/2010/main" val="3204976087"/>
+        <p14:creationId xmlns:p14="http://schemas.microsoft.com/office/powerpoint/2010/main" val="2638960368"/>
       </p:ext>
     </p:extLst>
   </p:cSld>
@@ -5395,7 +5183,7 @@
       </p:grpSpPr>
       <p:sp>
         <p:nvSpPr>
-          <p:cNvPr id="7" name="Tytuł 6"/>
+          <p:cNvPr id="2" name="Tytuł 1"/>
           <p:cNvSpPr>
             <a:spLocks noGrp="1"/>
           </p:cNvSpPr>
@@ -5408,87 +5196,377 @@
           <a:bodyPr/>
           <a:lstStyle/>
           <a:p>
-            <a:endParaRPr lang="pl-PL"/>
-          </a:p>
-        </p:txBody>
-      </p:sp>
-      <p:sp>
-        <p:nvSpPr>
-          <p:cNvPr id="3" name="Symbol zastępczy tekstu 2"/>
-          <p:cNvSpPr>
-            <a:spLocks noGrp="1"/>
+            <a:r>
+              <a:rPr lang="pl-PL" dirty="0" smtClean="0"/>
+              <a:t>REST </a:t>
+            </a:r>
+            <a:r>
+              <a:rPr lang="pl-PL" dirty="0" err="1" smtClean="0"/>
+              <a:t>Template</a:t>
+            </a:r>
+            <a:endParaRPr lang="pl-PL" dirty="0"/>
+          </a:p>
+        </p:txBody>
+      </p:sp>
+      <p:sp>
+        <p:nvSpPr>
+          <p:cNvPr id="8" name="Symbol zastępczy tekstu 2"/>
+          <p:cNvSpPr txBox="1">
+            <a:spLocks/>
           </p:cNvSpPr>
-          <p:nvPr>
-            <p:ph type="body" sz="quarter" idx="10"/>
-          </p:nvPr>
-        </p:nvSpPr>
-        <p:spPr>
+          <p:nvPr/>
+        </p:nvSpPr>
+        <p:spPr>
+          <a:xfrm>
+            <a:off x="0" y="1228158"/>
+            <a:ext cx="9144000" cy="4846148"/>
+          </a:xfrm>
           <a:prstGeom prst="rect">
             <a:avLst/>
           </a:prstGeom>
         </p:spPr>
         <p:txBody>
           <a:bodyPr>
-            <a:noAutofit/>
+            <a:normAutofit/>
           </a:bodyPr>
-          <a:lstStyle/>
-          <a:p>
-            <a:pPr marL="198900" indent="0">
+          <a:lstStyle>
+            <a:lvl1pPr marL="342900" indent="-342900" algn="l" defTabSz="457200" rtl="0" eaLnBrk="1" latinLnBrk="0" hangingPunct="1">
+              <a:spcBef>
+                <a:spcPct val="20000"/>
+              </a:spcBef>
+              <a:buFont typeface="Arial"/>
+              <a:buChar char="•"/>
+              <a:defRPr sz="3200" kern="1200">
+                <a:solidFill>
+                  <a:schemeClr val="tx1"/>
+                </a:solidFill>
+                <a:latin typeface="+mn-lt"/>
+                <a:ea typeface="+mn-ea"/>
+                <a:cs typeface="+mn-cs"/>
+              </a:defRPr>
+            </a:lvl1pPr>
+            <a:lvl2pPr marL="742950" indent="-285750" algn="l" defTabSz="457200" rtl="0" eaLnBrk="1" latinLnBrk="0" hangingPunct="1">
+              <a:spcBef>
+                <a:spcPct val="20000"/>
+              </a:spcBef>
+              <a:buFont typeface="Arial"/>
+              <a:buChar char="–"/>
+              <a:defRPr sz="2800" kern="1200">
+                <a:solidFill>
+                  <a:schemeClr val="tx1"/>
+                </a:solidFill>
+                <a:latin typeface="+mn-lt"/>
+                <a:ea typeface="+mn-ea"/>
+                <a:cs typeface="+mn-cs"/>
+              </a:defRPr>
+            </a:lvl2pPr>
+            <a:lvl3pPr marL="1143000" indent="-228600" algn="l" defTabSz="457200" rtl="0" eaLnBrk="1" latinLnBrk="0" hangingPunct="1">
+              <a:spcBef>
+                <a:spcPct val="20000"/>
+              </a:spcBef>
+              <a:buFont typeface="Arial"/>
+              <a:buChar char="•"/>
+              <a:defRPr sz="2400" kern="1200">
+                <a:solidFill>
+                  <a:schemeClr val="tx1"/>
+                </a:solidFill>
+                <a:latin typeface="+mn-lt"/>
+                <a:ea typeface="+mn-ea"/>
+                <a:cs typeface="+mn-cs"/>
+              </a:defRPr>
+            </a:lvl3pPr>
+            <a:lvl4pPr marL="1600200" indent="-228600" algn="l" defTabSz="457200" rtl="0" eaLnBrk="1" latinLnBrk="0" hangingPunct="1">
+              <a:spcBef>
+                <a:spcPct val="20000"/>
+              </a:spcBef>
+              <a:buFont typeface="Arial"/>
+              <a:buChar char="–"/>
+              <a:defRPr sz="2000" kern="1200">
+                <a:solidFill>
+                  <a:schemeClr val="tx1"/>
+                </a:solidFill>
+                <a:latin typeface="+mn-lt"/>
+                <a:ea typeface="+mn-ea"/>
+                <a:cs typeface="+mn-cs"/>
+              </a:defRPr>
+            </a:lvl4pPr>
+            <a:lvl5pPr marL="2057400" indent="-228600" algn="l" defTabSz="457200" rtl="0" eaLnBrk="1" latinLnBrk="0" hangingPunct="1">
+              <a:spcBef>
+                <a:spcPct val="20000"/>
+              </a:spcBef>
+              <a:buFont typeface="Arial"/>
+              <a:buChar char="»"/>
+              <a:defRPr sz="2000" kern="1200">
+                <a:solidFill>
+                  <a:schemeClr val="tx1"/>
+                </a:solidFill>
+                <a:latin typeface="+mn-lt"/>
+                <a:ea typeface="+mn-ea"/>
+                <a:cs typeface="+mn-cs"/>
+              </a:defRPr>
+            </a:lvl5pPr>
+            <a:lvl6pPr marL="2514600" indent="-228600" algn="l" defTabSz="457200" rtl="0" eaLnBrk="1" latinLnBrk="0" hangingPunct="1">
+              <a:spcBef>
+                <a:spcPct val="20000"/>
+              </a:spcBef>
+              <a:buFont typeface="Arial"/>
+              <a:buChar char="•"/>
+              <a:defRPr sz="2000" kern="1200">
+                <a:solidFill>
+                  <a:schemeClr val="tx1"/>
+                </a:solidFill>
+                <a:latin typeface="+mn-lt"/>
+                <a:ea typeface="+mn-ea"/>
+                <a:cs typeface="+mn-cs"/>
+              </a:defRPr>
+            </a:lvl6pPr>
+            <a:lvl7pPr marL="2971800" indent="-228600" algn="l" defTabSz="457200" rtl="0" eaLnBrk="1" latinLnBrk="0" hangingPunct="1">
+              <a:spcBef>
+                <a:spcPct val="20000"/>
+              </a:spcBef>
+              <a:buFont typeface="Arial"/>
+              <a:buChar char="•"/>
+              <a:defRPr sz="2000" kern="1200">
+                <a:solidFill>
+                  <a:schemeClr val="tx1"/>
+                </a:solidFill>
+                <a:latin typeface="+mn-lt"/>
+                <a:ea typeface="+mn-ea"/>
+                <a:cs typeface="+mn-cs"/>
+              </a:defRPr>
+            </a:lvl7pPr>
+            <a:lvl8pPr marL="3429000" indent="-228600" algn="l" defTabSz="457200" rtl="0" eaLnBrk="1" latinLnBrk="0" hangingPunct="1">
+              <a:spcBef>
+                <a:spcPct val="20000"/>
+              </a:spcBef>
+              <a:buFont typeface="Arial"/>
+              <a:buChar char="•"/>
+              <a:defRPr sz="2000" kern="1200">
+                <a:solidFill>
+                  <a:schemeClr val="tx1"/>
+                </a:solidFill>
+                <a:latin typeface="+mn-lt"/>
+                <a:ea typeface="+mn-ea"/>
+                <a:cs typeface="+mn-cs"/>
+              </a:defRPr>
+            </a:lvl8pPr>
+            <a:lvl9pPr marL="3886200" indent="-228600" algn="l" defTabSz="457200" rtl="0" eaLnBrk="1" latinLnBrk="0" hangingPunct="1">
+              <a:spcBef>
+                <a:spcPct val="20000"/>
+              </a:spcBef>
+              <a:buFont typeface="Arial"/>
+              <a:buChar char="•"/>
+              <a:defRPr sz="2000" kern="1200">
+                <a:solidFill>
+                  <a:schemeClr val="tx1"/>
+                </a:solidFill>
+                <a:latin typeface="+mn-lt"/>
+                <a:ea typeface="+mn-ea"/>
+                <a:cs typeface="+mn-cs"/>
+              </a:defRPr>
+            </a:lvl9pPr>
+          </a:lstStyle>
+          <a:p>
+            <a:pPr marL="198900" indent="0" algn="just">
+              <a:buFont typeface="Arial"/>
               <a:buNone/>
             </a:pPr>
-            <a:r>
-              <a:rPr lang="pl-PL" sz="5000" dirty="0" smtClean="0"/>
-              <a:t>Pierwsze API</a:t>
-            </a:r>
-            <a:endParaRPr lang="pl-PL" sz="5000" dirty="0"/>
+            <a:endParaRPr lang="pl-PL" dirty="0" smtClean="0"/>
+          </a:p>
+          <a:p>
+            <a:pPr algn="just"/>
+            <a:r>
+              <a:rPr lang="pl-PL" sz="1800" dirty="0">
+                <a:solidFill>
+                  <a:srgbClr val="2D3E5C"/>
+                </a:solidFill>
+                <a:latin typeface=""/>
+              </a:rPr>
+              <a:t>Klasa wykorzystywana po stronie klienta do komunikacji </a:t>
+            </a:r>
+            <a:r>
+              <a:rPr lang="pl-PL" sz="1800" dirty="0" smtClean="0">
+                <a:solidFill>
+                  <a:srgbClr val="2D3E5C"/>
+                </a:solidFill>
+                <a:latin typeface=""/>
+              </a:rPr>
+              <a:t>serwerem </a:t>
+            </a:r>
+            <a:r>
+              <a:rPr lang="pl-PL" sz="1800" dirty="0">
+                <a:solidFill>
+                  <a:srgbClr val="2D3E5C"/>
+                </a:solidFill>
+                <a:latin typeface=""/>
+              </a:rPr>
+              <a:t>za pomocą protokołu HTTP</a:t>
+            </a:r>
+            <a:r>
+              <a:rPr lang="pl-PL" sz="1800" dirty="0" smtClean="0">
+                <a:solidFill>
+                  <a:srgbClr val="2D3E5C"/>
+                </a:solidFill>
+                <a:latin typeface=""/>
+              </a:rPr>
+              <a:t>.</a:t>
+            </a:r>
+          </a:p>
+          <a:p>
+            <a:pPr marL="0" indent="0" algn="just">
+              <a:buNone/>
+            </a:pPr>
+            <a:endParaRPr lang="pl-PL" sz="1800" dirty="0" smtClean="0">
+              <a:solidFill>
+                <a:srgbClr val="2D3E5C"/>
+              </a:solidFill>
+              <a:latin typeface=""/>
+            </a:endParaRPr>
+          </a:p>
+          <a:p>
+            <a:pPr algn="just"/>
+            <a:r>
+              <a:rPr lang="pl-PL" sz="1800" dirty="0">
+                <a:solidFill>
+                  <a:srgbClr val="2D3E5C"/>
+                </a:solidFill>
+                <a:latin typeface=""/>
+              </a:rPr>
+              <a:t>Żądania GET z wykorzystaniem metody </a:t>
+            </a:r>
+            <a:r>
+              <a:rPr lang="pl-PL" sz="1800" dirty="0" smtClean="0">
+                <a:solidFill>
+                  <a:srgbClr val="2D3E5C"/>
+                </a:solidFill>
+                <a:latin typeface=""/>
+              </a:rPr>
+              <a:t>„exchange”:</a:t>
+            </a:r>
+          </a:p>
+          <a:p>
+            <a:pPr algn="just"/>
+            <a:endParaRPr lang="pl-PL" sz="1800" dirty="0">
+              <a:solidFill>
+                <a:srgbClr val="2D3E5C"/>
+              </a:solidFill>
+              <a:latin typeface=""/>
+            </a:endParaRPr>
+          </a:p>
+          <a:p>
+            <a:pPr algn="just"/>
+            <a:endParaRPr lang="pl-PL" sz="1800" dirty="0">
+              <a:solidFill>
+                <a:srgbClr val="2D3E5C"/>
+              </a:solidFill>
+              <a:latin typeface=""/>
+            </a:endParaRPr>
+          </a:p>
+          <a:p>
+            <a:pPr algn="just"/>
+            <a:endParaRPr lang="pl-PL" sz="1800" dirty="0">
+              <a:solidFill>
+                <a:srgbClr val="2D3E5C"/>
+              </a:solidFill>
+              <a:latin typeface=""/>
+            </a:endParaRPr>
+          </a:p>
+          <a:p>
+            <a:pPr algn="just"/>
+            <a:endParaRPr lang="pl-PL" dirty="0" smtClean="0"/>
+          </a:p>
+          <a:p>
+            <a:pPr marL="0" indent="0" algn="just">
+              <a:buNone/>
+            </a:pPr>
+            <a:r>
+              <a:rPr lang="pl-PL" sz="1800" dirty="0" smtClean="0">
+                <a:solidFill>
+                  <a:srgbClr val="2D3E5C"/>
+                </a:solidFill>
+                <a:latin typeface=""/>
+              </a:rPr>
+              <a:t>      REST </a:t>
+            </a:r>
+            <a:r>
+              <a:rPr lang="pl-PL" sz="1800" dirty="0" err="1" smtClean="0">
+                <a:solidFill>
+                  <a:srgbClr val="2D3E5C"/>
+                </a:solidFill>
+                <a:latin typeface=""/>
+              </a:rPr>
+              <a:t>Template</a:t>
+            </a:r>
+            <a:r>
+              <a:rPr lang="pl-PL" sz="1800" dirty="0" smtClean="0">
+                <a:solidFill>
+                  <a:srgbClr val="2D3E5C"/>
+                </a:solidFill>
+                <a:latin typeface=""/>
+              </a:rPr>
+              <a:t> :</a:t>
+            </a:r>
+            <a:endParaRPr lang="pl-PL" sz="1800" dirty="0">
+              <a:solidFill>
+                <a:srgbClr val="2D3E5C"/>
+              </a:solidFill>
+              <a:latin typeface=""/>
+            </a:endParaRPr>
           </a:p>
         </p:txBody>
       </p:sp>
       <p:pic>
         <p:nvPicPr>
-          <p:cNvPr id="3074" name="Picture 2" descr="Znalezione obrazy dla zapytania junit"/>
+          <p:cNvPr id="4" name="Obraz 3"/>
           <p:cNvPicPr>
-            <a:picLocks noChangeAspect="1" noChangeArrowheads="1"/>
+            <a:picLocks noChangeAspect="1"/>
           </p:cNvPicPr>
           <p:nvPr/>
         </p:nvPicPr>
         <p:blipFill>
-          <a:blip r:embed="rId2">
-            <a:extLst>
-              <a:ext uri="{28A0092B-C50C-407E-A947-70E740481C1C}">
-                <a14:useLocalDpi xmlns:a14="http://schemas.microsoft.com/office/drawing/2010/main" val="0"/>
-              </a:ext>
-            </a:extLst>
-          </a:blip>
-          <a:srcRect/>
+          <a:blip r:embed="rId2"/>
           <a:stretch>
             <a:fillRect/>
           </a:stretch>
         </p:blipFill>
-        <p:spPr bwMode="auto">
-          <a:xfrm>
-            <a:off x="5528764" y="3071495"/>
-            <a:ext cx="2152650" cy="2124075"/>
+        <p:spPr>
+          <a:xfrm>
+            <a:off x="452391" y="3444198"/>
+            <a:ext cx="8239216" cy="971550"/>
           </a:xfrm>
           <a:prstGeom prst="rect">
             <a:avLst/>
           </a:prstGeom>
-          <a:noFill/>
-          <a:extLst>
-            <a:ext uri="{909E8E84-426E-40DD-AFC4-6F175D3DCCD1}">
-              <a14:hiddenFill xmlns:a14="http://schemas.microsoft.com/office/drawing/2010/main">
-                <a:solidFill>
-                  <a:srgbClr val="FFFFFF"/>
-                </a:solidFill>
-              </a14:hiddenFill>
-            </a:ext>
-          </a:extLst>
+        </p:spPr>
+      </p:pic>
+      <p:pic>
+        <p:nvPicPr>
+          <p:cNvPr id="5" name="Obraz 4"/>
+          <p:cNvPicPr>
+            <a:picLocks noChangeAspect="1"/>
+          </p:cNvPicPr>
+          <p:nvPr/>
+        </p:nvPicPr>
+        <p:blipFill>
+          <a:blip r:embed="rId3"/>
+          <a:stretch>
+            <a:fillRect/>
+          </a:stretch>
+        </p:blipFill>
+        <p:spPr>
+          <a:xfrm>
+            <a:off x="331621" y="5279367"/>
+            <a:ext cx="8480755" cy="728776"/>
+          </a:xfrm>
+          <a:prstGeom prst="rect">
+            <a:avLst/>
+          </a:prstGeom>
         </p:spPr>
       </p:pic>
     </p:spTree>
     <p:extLst>
       <p:ext uri="{BB962C8B-B14F-4D97-AF65-F5344CB8AC3E}">
-        <p14:creationId xmlns:p14="http://schemas.microsoft.com/office/powerpoint/2010/main" val="1028304070"/>
+        <p14:creationId xmlns:p14="http://schemas.microsoft.com/office/powerpoint/2010/main" val="3204976087"/>
       </p:ext>
     </p:extLst>
   </p:cSld>
@@ -5524,7 +5602,7 @@
       </p:grpSpPr>
       <p:sp>
         <p:nvSpPr>
-          <p:cNvPr id="2" name="Tytuł 1"/>
+          <p:cNvPr id="7" name="Tytuł 6"/>
           <p:cNvSpPr>
             <a:spLocks noGrp="1"/>
           </p:cNvSpPr>
@@ -5537,289 +5615,87 @@
           <a:bodyPr/>
           <a:lstStyle/>
           <a:p>
-            <a:r>
-              <a:rPr lang="en-US" dirty="0"/>
-              <a:t>Spring </a:t>
-            </a:r>
-            <a:r>
-              <a:rPr lang="en-US" dirty="0" err="1" smtClean="0"/>
-              <a:t>MockMVC</a:t>
-            </a:r>
-            <a:r>
-              <a:rPr lang="pl-PL" dirty="0" smtClean="0"/>
-              <a:t> </a:t>
-            </a:r>
-            <a:r>
-              <a:rPr lang="en-US" dirty="0" smtClean="0"/>
-              <a:t> </a:t>
-            </a:r>
-            <a:endParaRPr lang="pl-PL" dirty="0">
-              <a:latin typeface=""/>
-            </a:endParaRPr>
-          </a:p>
-        </p:txBody>
-      </p:sp>
-      <p:sp>
-        <p:nvSpPr>
-          <p:cNvPr id="4" name="pole tekstowe 3"/>
-          <p:cNvSpPr txBox="1"/>
-          <p:nvPr/>
-        </p:nvSpPr>
-        <p:spPr>
-          <a:xfrm>
-            <a:off x="862642" y="1233577"/>
-            <a:ext cx="6564701" cy="369332"/>
-          </a:xfrm>
+            <a:endParaRPr lang="pl-PL"/>
+          </a:p>
+        </p:txBody>
+      </p:sp>
+      <p:sp>
+        <p:nvSpPr>
+          <p:cNvPr id="3" name="Symbol zastępczy tekstu 2"/>
+          <p:cNvSpPr>
+            <a:spLocks noGrp="1"/>
+          </p:cNvSpPr>
+          <p:nvPr>
+            <p:ph type="body" sz="quarter" idx="10"/>
+          </p:nvPr>
+        </p:nvSpPr>
+        <p:spPr>
           <a:prstGeom prst="rect">
             <a:avLst/>
           </a:prstGeom>
-          <a:noFill/>
-        </p:spPr>
-        <p:txBody>
-          <a:bodyPr wrap="square" rtlCol="0">
-            <a:spAutoFit/>
+        </p:spPr>
+        <p:txBody>
+          <a:bodyPr>
+            <a:noAutofit/>
           </a:bodyPr>
           <a:lstStyle/>
           <a:p>
-            <a:endParaRPr lang="pl-PL" dirty="0"/>
-          </a:p>
-        </p:txBody>
-      </p:sp>
-      <p:sp>
-        <p:nvSpPr>
-          <p:cNvPr id="6" name="Symbol zastępczy tekstu 2"/>
-          <p:cNvSpPr txBox="1">
-            <a:spLocks/>
-          </p:cNvSpPr>
-          <p:nvPr/>
-        </p:nvSpPr>
-        <p:spPr>
-          <a:xfrm>
-            <a:off x="0" y="1228158"/>
-            <a:ext cx="9144000" cy="4846148"/>
-          </a:xfrm>
-          <a:prstGeom prst="rect">
-            <a:avLst/>
-          </a:prstGeom>
-        </p:spPr>
-        <p:txBody>
-          <a:bodyPr>
-            <a:normAutofit/>
-          </a:bodyPr>
-          <a:lstStyle>
-            <a:lvl1pPr marL="342900" indent="-342900" algn="l" defTabSz="457200" rtl="0" eaLnBrk="1" latinLnBrk="0" hangingPunct="1">
-              <a:spcBef>
-                <a:spcPct val="20000"/>
-              </a:spcBef>
-              <a:buFont typeface="Arial"/>
-              <a:buChar char="•"/>
-              <a:defRPr sz="3200" kern="1200">
-                <a:solidFill>
-                  <a:schemeClr val="tx1"/>
-                </a:solidFill>
-                <a:latin typeface="+mn-lt"/>
-                <a:ea typeface="+mn-ea"/>
-                <a:cs typeface="+mn-cs"/>
-              </a:defRPr>
-            </a:lvl1pPr>
-            <a:lvl2pPr marL="742950" indent="-285750" algn="l" defTabSz="457200" rtl="0" eaLnBrk="1" latinLnBrk="0" hangingPunct="1">
-              <a:spcBef>
-                <a:spcPct val="20000"/>
-              </a:spcBef>
-              <a:buFont typeface="Arial"/>
-              <a:buChar char="–"/>
-              <a:defRPr sz="2800" kern="1200">
-                <a:solidFill>
-                  <a:schemeClr val="tx1"/>
-                </a:solidFill>
-                <a:latin typeface="+mn-lt"/>
-                <a:ea typeface="+mn-ea"/>
-                <a:cs typeface="+mn-cs"/>
-              </a:defRPr>
-            </a:lvl2pPr>
-            <a:lvl3pPr marL="1143000" indent="-228600" algn="l" defTabSz="457200" rtl="0" eaLnBrk="1" latinLnBrk="0" hangingPunct="1">
-              <a:spcBef>
-                <a:spcPct val="20000"/>
-              </a:spcBef>
-              <a:buFont typeface="Arial"/>
-              <a:buChar char="•"/>
-              <a:defRPr sz="2400" kern="1200">
-                <a:solidFill>
-                  <a:schemeClr val="tx1"/>
-                </a:solidFill>
-                <a:latin typeface="+mn-lt"/>
-                <a:ea typeface="+mn-ea"/>
-                <a:cs typeface="+mn-cs"/>
-              </a:defRPr>
-            </a:lvl3pPr>
-            <a:lvl4pPr marL="1600200" indent="-228600" algn="l" defTabSz="457200" rtl="0" eaLnBrk="1" latinLnBrk="0" hangingPunct="1">
-              <a:spcBef>
-                <a:spcPct val="20000"/>
-              </a:spcBef>
-              <a:buFont typeface="Arial"/>
-              <a:buChar char="–"/>
-              <a:defRPr sz="2000" kern="1200">
-                <a:solidFill>
-                  <a:schemeClr val="tx1"/>
-                </a:solidFill>
-                <a:latin typeface="+mn-lt"/>
-                <a:ea typeface="+mn-ea"/>
-                <a:cs typeface="+mn-cs"/>
-              </a:defRPr>
-            </a:lvl4pPr>
-            <a:lvl5pPr marL="2057400" indent="-228600" algn="l" defTabSz="457200" rtl="0" eaLnBrk="1" latinLnBrk="0" hangingPunct="1">
-              <a:spcBef>
-                <a:spcPct val="20000"/>
-              </a:spcBef>
-              <a:buFont typeface="Arial"/>
-              <a:buChar char="»"/>
-              <a:defRPr sz="2000" kern="1200">
-                <a:solidFill>
-                  <a:schemeClr val="tx1"/>
-                </a:solidFill>
-                <a:latin typeface="+mn-lt"/>
-                <a:ea typeface="+mn-ea"/>
-                <a:cs typeface="+mn-cs"/>
-              </a:defRPr>
-            </a:lvl5pPr>
-            <a:lvl6pPr marL="2514600" indent="-228600" algn="l" defTabSz="457200" rtl="0" eaLnBrk="1" latinLnBrk="0" hangingPunct="1">
-              <a:spcBef>
-                <a:spcPct val="20000"/>
-              </a:spcBef>
-              <a:buFont typeface="Arial"/>
-              <a:buChar char="•"/>
-              <a:defRPr sz="2000" kern="1200">
-                <a:solidFill>
-                  <a:schemeClr val="tx1"/>
-                </a:solidFill>
-                <a:latin typeface="+mn-lt"/>
-                <a:ea typeface="+mn-ea"/>
-                <a:cs typeface="+mn-cs"/>
-              </a:defRPr>
-            </a:lvl6pPr>
-            <a:lvl7pPr marL="2971800" indent="-228600" algn="l" defTabSz="457200" rtl="0" eaLnBrk="1" latinLnBrk="0" hangingPunct="1">
-              <a:spcBef>
-                <a:spcPct val="20000"/>
-              </a:spcBef>
-              <a:buFont typeface="Arial"/>
-              <a:buChar char="•"/>
-              <a:defRPr sz="2000" kern="1200">
-                <a:solidFill>
-                  <a:schemeClr val="tx1"/>
-                </a:solidFill>
-                <a:latin typeface="+mn-lt"/>
-                <a:ea typeface="+mn-ea"/>
-                <a:cs typeface="+mn-cs"/>
-              </a:defRPr>
-            </a:lvl7pPr>
-            <a:lvl8pPr marL="3429000" indent="-228600" algn="l" defTabSz="457200" rtl="0" eaLnBrk="1" latinLnBrk="0" hangingPunct="1">
-              <a:spcBef>
-                <a:spcPct val="20000"/>
-              </a:spcBef>
-              <a:buFont typeface="Arial"/>
-              <a:buChar char="•"/>
-              <a:defRPr sz="2000" kern="1200">
-                <a:solidFill>
-                  <a:schemeClr val="tx1"/>
-                </a:solidFill>
-                <a:latin typeface="+mn-lt"/>
-                <a:ea typeface="+mn-ea"/>
-                <a:cs typeface="+mn-cs"/>
-              </a:defRPr>
-            </a:lvl8pPr>
-            <a:lvl9pPr marL="3886200" indent="-228600" algn="l" defTabSz="457200" rtl="0" eaLnBrk="1" latinLnBrk="0" hangingPunct="1">
-              <a:spcBef>
-                <a:spcPct val="20000"/>
-              </a:spcBef>
-              <a:buFont typeface="Arial"/>
-              <a:buChar char="•"/>
-              <a:defRPr sz="2000" kern="1200">
-                <a:solidFill>
-                  <a:schemeClr val="tx1"/>
-                </a:solidFill>
-                <a:latin typeface="+mn-lt"/>
-                <a:ea typeface="+mn-ea"/>
-                <a:cs typeface="+mn-cs"/>
-              </a:defRPr>
-            </a:lvl9pPr>
-          </a:lstStyle>
-          <a:p>
-            <a:pPr marL="198900" indent="0" algn="just">
-              <a:buFont typeface="Arial"/>
+            <a:pPr marL="198900" indent="0">
               <a:buNone/>
             </a:pPr>
-            <a:endParaRPr lang="pl-PL" dirty="0" smtClean="0"/>
-          </a:p>
-          <a:p>
-            <a:pPr algn="just"/>
-            <a:r>
-              <a:rPr lang="pl-PL" sz="2400" dirty="0" smtClean="0"/>
-              <a:t>Wykorzystywany do testowania serwerowej strony aplikacji.</a:t>
-            </a:r>
-          </a:p>
-          <a:p>
-            <a:pPr algn="just"/>
-            <a:r>
-              <a:rPr lang="pl-PL" sz="2400" dirty="0" smtClean="0"/>
-              <a:t>Tworzy infrastrukturę bardzo zbliżoną do tej, która pojawia przy faktycznym uruchomieniu programu</a:t>
-            </a:r>
-          </a:p>
-          <a:p>
-            <a:pPr algn="just"/>
-            <a:r>
-              <a:rPr lang="pl-PL" sz="2400" dirty="0" smtClean="0"/>
-              <a:t>Główna zasada działania opiera się o </a:t>
-            </a:r>
-            <a:r>
-              <a:rPr lang="pl-PL" sz="2400" dirty="0" err="1" smtClean="0"/>
-              <a:t>mockowanie</a:t>
-            </a:r>
-            <a:r>
-              <a:rPr lang="pl-PL" sz="2400" dirty="0" smtClean="0"/>
-              <a:t> żądania i odpowiedzi HTTP, które przychodzą od „spring-test”.</a:t>
-            </a:r>
-          </a:p>
-          <a:p>
-            <a:pPr algn="just"/>
-            <a:r>
-              <a:rPr lang="pl-PL" sz="2400" dirty="0" smtClean="0"/>
-              <a:t>Testy nie wymagają uruchomionego kontenera </a:t>
-            </a:r>
-            <a:r>
-              <a:rPr lang="pl-PL" sz="2400" dirty="0" err="1" smtClean="0"/>
-              <a:t>servletu</a:t>
-            </a:r>
-            <a:endParaRPr lang="pl-PL" sz="2400" dirty="0" smtClean="0"/>
-          </a:p>
-          <a:p>
-            <a:pPr algn="just"/>
-            <a:r>
-              <a:rPr lang="pl-PL" sz="2400" dirty="0" smtClean="0"/>
-              <a:t>Podczas wykonywania testu żądania obsługuje </a:t>
-            </a:r>
-            <a:r>
-              <a:rPr lang="pl-PL" sz="2400" dirty="0" err="1" smtClean="0"/>
-              <a:t>Dispatcher</a:t>
-            </a:r>
-            <a:r>
-              <a:rPr lang="pl-PL" sz="2400" dirty="0" smtClean="0"/>
-              <a:t> </a:t>
-            </a:r>
-            <a:r>
-              <a:rPr lang="pl-PL" sz="2400" dirty="0" err="1" smtClean="0"/>
-              <a:t>Servlet</a:t>
-            </a:r>
-            <a:r>
-              <a:rPr lang="pl-PL" sz="2400" dirty="0" smtClean="0"/>
-              <a:t> lecz nie zostaje nawiązane  rzeczywiste połączenie sieciowe.</a:t>
-            </a:r>
-          </a:p>
-        </p:txBody>
-      </p:sp>
+            <a:r>
+              <a:rPr lang="pl-PL" sz="5000" dirty="0" smtClean="0"/>
+              <a:t>Pierwsze API</a:t>
+            </a:r>
+            <a:endParaRPr lang="pl-PL" sz="5000" dirty="0"/>
+          </a:p>
+        </p:txBody>
+      </p:sp>
+      <p:pic>
+        <p:nvPicPr>
+          <p:cNvPr id="3074" name="Picture 2" descr="Znalezione obrazy dla zapytania junit"/>
+          <p:cNvPicPr>
+            <a:picLocks noChangeAspect="1" noChangeArrowheads="1"/>
+          </p:cNvPicPr>
+          <p:nvPr/>
+        </p:nvPicPr>
+        <p:blipFill>
+          <a:blip r:embed="rId2">
+            <a:extLst>
+              <a:ext uri="{28A0092B-C50C-407E-A947-70E740481C1C}">
+                <a14:useLocalDpi xmlns:a14="http://schemas.microsoft.com/office/drawing/2010/main" val="0"/>
+              </a:ext>
+            </a:extLst>
+          </a:blip>
+          <a:srcRect/>
+          <a:stretch>
+            <a:fillRect/>
+          </a:stretch>
+        </p:blipFill>
+        <p:spPr bwMode="auto">
+          <a:xfrm>
+            <a:off x="5528764" y="3071495"/>
+            <a:ext cx="2152650" cy="2124075"/>
+          </a:xfrm>
+          <a:prstGeom prst="rect">
+            <a:avLst/>
+          </a:prstGeom>
+          <a:noFill/>
+          <a:extLst>
+            <a:ext uri="{909E8E84-426E-40DD-AFC4-6F175D3DCCD1}">
+              <a14:hiddenFill xmlns:a14="http://schemas.microsoft.com/office/drawing/2010/main">
+                <a:solidFill>
+                  <a:srgbClr val="FFFFFF"/>
+                </a:solidFill>
+              </a14:hiddenFill>
+            </a:ext>
+          </a:extLst>
+        </p:spPr>
+      </p:pic>
     </p:spTree>
     <p:extLst>
       <p:ext uri="{BB962C8B-B14F-4D97-AF65-F5344CB8AC3E}">
-        <p14:creationId xmlns:p14="http://schemas.microsoft.com/office/powerpoint/2010/main" val="831594908"/>
+        <p14:creationId xmlns:p14="http://schemas.microsoft.com/office/powerpoint/2010/main" val="1028304070"/>
       </p:ext>
     </p:extLst>
   </p:cSld>
@@ -5878,7 +5754,7 @@
             </a:r>
             <a:r>
               <a:rPr lang="pl-PL" dirty="0" smtClean="0"/>
-              <a:t> - Konfiguracja</a:t>
+              <a:t> </a:t>
             </a:r>
             <a:r>
               <a:rPr lang="en-US" dirty="0" smtClean="0"/>
@@ -6081,171 +5957,76 @@
             </a:pPr>
             <a:endParaRPr lang="pl-PL" dirty="0" smtClean="0"/>
           </a:p>
-        </p:txBody>
-      </p:sp>
-      <p:sp>
-        <p:nvSpPr>
-          <p:cNvPr id="5" name="pole tekstowe 4"/>
-          <p:cNvSpPr txBox="1"/>
-          <p:nvPr/>
-        </p:nvSpPr>
-        <p:spPr>
-          <a:xfrm>
-            <a:off x="677173" y="3864634"/>
-            <a:ext cx="7789653" cy="1754326"/>
-          </a:xfrm>
-          <a:prstGeom prst="rect">
-            <a:avLst/>
-          </a:prstGeom>
-          <a:noFill/>
-        </p:spPr>
-        <p:txBody>
-          <a:bodyPr wrap="square" rtlCol="0">
-            <a:spAutoFit/>
-          </a:bodyPr>
-          <a:lstStyle/>
-          <a:p>
-            <a:pPr marL="285750" indent="-285750">
-              <a:buFont typeface="Arial" panose="020B0604020202020204" pitchFamily="34" charset="0"/>
-              <a:buChar char="•"/>
-            </a:pPr>
-            <a:r>
-              <a:rPr lang="pl-PL" dirty="0" smtClean="0"/>
-              <a:t>@</a:t>
-            </a:r>
-            <a:r>
-              <a:rPr lang="pl-PL" dirty="0" err="1" smtClean="0"/>
-              <a:t>RunWith</a:t>
-            </a:r>
-            <a:r>
-              <a:rPr lang="pl-PL" dirty="0" smtClean="0"/>
-              <a:t>(</a:t>
-            </a:r>
-            <a:r>
-              <a:rPr lang="pl-PL" dirty="0" err="1" smtClean="0"/>
-              <a:t>SpringRunner.class</a:t>
-            </a:r>
-            <a:r>
-              <a:rPr lang="pl-PL" dirty="0" smtClean="0"/>
-              <a:t>) – określa </a:t>
-            </a:r>
-            <a:r>
-              <a:rPr lang="pl-PL" dirty="0" err="1" smtClean="0"/>
-              <a:t>Runner</a:t>
-            </a:r>
-            <a:r>
-              <a:rPr lang="pl-PL" dirty="0" smtClean="0"/>
-              <a:t>, który ma być wykorzystywany przez </a:t>
-            </a:r>
-            <a:r>
-              <a:rPr lang="pl-PL" dirty="0" err="1" smtClean="0"/>
-              <a:t>Junit</a:t>
-            </a:r>
-            <a:r>
-              <a:rPr lang="pl-PL" dirty="0" smtClean="0"/>
-              <a:t>. Klasa </a:t>
-            </a:r>
-            <a:r>
-              <a:rPr lang="pl-PL" dirty="0" err="1" smtClean="0"/>
-              <a:t>SpringRunner</a:t>
-            </a:r>
-            <a:r>
-              <a:rPr lang="pl-PL" dirty="0" smtClean="0"/>
-              <a:t> jest aliasem </a:t>
-            </a:r>
-            <a:r>
-              <a:rPr lang="pl-PL" dirty="0"/>
-              <a:t>do </a:t>
-            </a:r>
-            <a:r>
-              <a:rPr lang="pl-PL" dirty="0" smtClean="0"/>
-              <a:t>SpringJUnit4ClassRunner. Umożliwia korzystanie z testowego kontekstu </a:t>
-            </a:r>
-            <a:r>
-              <a:rPr lang="pl-PL" dirty="0" err="1" smtClean="0"/>
-              <a:t>Springa</a:t>
-            </a:r>
-            <a:r>
-              <a:rPr lang="pl-PL" dirty="0" smtClean="0"/>
-              <a:t>.</a:t>
-            </a:r>
-          </a:p>
-          <a:p>
-            <a:pPr marL="285750" indent="-285750">
-              <a:buFont typeface="Arial" panose="020B0604020202020204" pitchFamily="34" charset="0"/>
-              <a:buChar char="•"/>
-            </a:pPr>
-            <a:r>
-              <a:rPr lang="pl-PL" dirty="0" smtClean="0"/>
-              <a:t>@</a:t>
-            </a:r>
-            <a:r>
-              <a:rPr lang="pl-PL" dirty="0" err="1" smtClean="0"/>
-              <a:t>SpringBootTest</a:t>
-            </a:r>
-            <a:r>
-              <a:rPr lang="pl-PL" dirty="0" smtClean="0"/>
+          <a:p>
+            <a:pPr algn="just"/>
+            <a:r>
+              <a:rPr lang="pl-PL" sz="2400" dirty="0" smtClean="0"/>
+              <a:t>Wykorzystywany do testowania serwerowej strony aplikacji.</a:t>
+            </a:r>
+          </a:p>
+          <a:p>
+            <a:pPr algn="just"/>
+            <a:r>
+              <a:rPr lang="pl-PL" sz="2400" dirty="0" smtClean="0"/>
+              <a:t>Tworzy infrastrukturę bardzo zbliżoną do tej, która pojawia przy faktycznym uruchomieniu programu</a:t>
+            </a:r>
+          </a:p>
+          <a:p>
+            <a:pPr algn="just"/>
+            <a:r>
+              <a:rPr lang="pl-PL" sz="2400" dirty="0" smtClean="0"/>
+              <a:t>Główna zasada działania opiera się o </a:t>
+            </a:r>
+            <a:r>
+              <a:rPr lang="pl-PL" sz="2400" dirty="0" err="1" smtClean="0"/>
+              <a:t>mockowanie</a:t>
+            </a:r>
+            <a:r>
+              <a:rPr lang="pl-PL" sz="2400" dirty="0" smtClean="0"/>
+              <a:t> żądania i odpowiedzi HTTP, które przychodzą od „spring-test”.</a:t>
+            </a:r>
+          </a:p>
+          <a:p>
+            <a:pPr algn="just"/>
+            <a:r>
+              <a:rPr lang="pl-PL" sz="2400" dirty="0" smtClean="0"/>
+              <a:t>Testy nie wymagają uruchomionego kontenera </a:t>
+            </a:r>
+            <a:r>
+              <a:rPr lang="pl-PL" sz="2400" dirty="0" err="1" smtClean="0"/>
+              <a:t>servletu</a:t>
+            </a:r>
+            <a:endParaRPr lang="pl-PL" sz="2400" dirty="0" smtClean="0"/>
+          </a:p>
+          <a:p>
+            <a:pPr algn="just"/>
+            <a:r>
+              <a:rPr lang="pl-PL" sz="2400" dirty="0" smtClean="0"/>
+              <a:t>Podczas wykonywania testu żądania obsługuje </a:t>
+            </a:r>
+            <a:r>
+              <a:rPr lang="pl-PL" sz="2400" dirty="0" err="1" smtClean="0"/>
+              <a:t>Dispatcher</a:t>
+            </a:r>
+            <a:r>
+              <a:rPr lang="pl-PL" sz="2400" dirty="0" smtClean="0"/>
               <a:t> </a:t>
             </a:r>
             <a:r>
-              <a:rPr lang="pl-PL" dirty="0" smtClean="0"/>
-              <a:t>– Umieszczona nad klasę określa ją jako testową</a:t>
-            </a:r>
-            <a:endParaRPr lang="pl-PL" dirty="0"/>
-          </a:p>
-          <a:p>
-            <a:pPr marL="285750" indent="-285750">
-              <a:buFont typeface="Arial" panose="020B0604020202020204" pitchFamily="34" charset="0"/>
-              <a:buChar char="•"/>
-            </a:pPr>
-            <a:r>
-              <a:rPr lang="pl-PL" dirty="0" smtClean="0"/>
-              <a:t>@</a:t>
-            </a:r>
-            <a:r>
-              <a:rPr lang="pl-PL" dirty="0" err="1" smtClean="0"/>
-              <a:t>AutoConfigureMockMvc</a:t>
-            </a:r>
-            <a:r>
-              <a:rPr lang="pl-PL" dirty="0" smtClean="0"/>
-              <a:t> -  Uruchamia automatyczną konfiguracje </a:t>
-            </a:r>
-            <a:r>
-              <a:rPr lang="pl-PL" dirty="0" err="1" smtClean="0"/>
-              <a:t>MockMvc</a:t>
-            </a:r>
-            <a:endParaRPr lang="pl-PL" dirty="0"/>
-          </a:p>
-        </p:txBody>
-      </p:sp>
-      <p:pic>
-        <p:nvPicPr>
-          <p:cNvPr id="7" name="Obraz 6"/>
-          <p:cNvPicPr>
-            <a:picLocks noChangeAspect="1"/>
-          </p:cNvPicPr>
-          <p:nvPr/>
-        </p:nvPicPr>
-        <p:blipFill>
-          <a:blip r:embed="rId2"/>
-          <a:stretch>
-            <a:fillRect/>
-          </a:stretch>
-        </p:blipFill>
-        <p:spPr>
-          <a:xfrm>
-            <a:off x="1799775" y="1555697"/>
-            <a:ext cx="4690434" cy="1645575"/>
-          </a:xfrm>
-          <a:prstGeom prst="rect">
-            <a:avLst/>
-          </a:prstGeom>
-        </p:spPr>
-      </p:pic>
+              <a:rPr lang="pl-PL" sz="2400" dirty="0" err="1" smtClean="0"/>
+              <a:t>Servlet</a:t>
+            </a:r>
+            <a:r>
+              <a:rPr lang="pl-PL" sz="2400" dirty="0" smtClean="0"/>
+              <a:t> lecz nie zostaje nawiązane  rzeczywiste połączenie sieciowe.</a:t>
+            </a:r>
+          </a:p>
+        </p:txBody>
+      </p:sp>
     </p:spTree>
     <p:extLst>
       <p:ext uri="{BB962C8B-B14F-4D97-AF65-F5344CB8AC3E}">
-        <p14:creationId xmlns:p14="http://schemas.microsoft.com/office/powerpoint/2010/main" val="2884127231"/>
+        <p14:creationId xmlns:p14="http://schemas.microsoft.com/office/powerpoint/2010/main" val="831594908"/>
       </p:ext>
     </p:extLst>
   </p:cSld>
@@ -6295,12 +6076,50 @@
           <a:lstStyle/>
           <a:p>
             <a:r>
+              <a:rPr lang="en-US" dirty="0"/>
+              <a:t>Spring </a:t>
+            </a:r>
+            <a:r>
+              <a:rPr lang="en-US" dirty="0" err="1" smtClean="0"/>
+              <a:t>MockMVC</a:t>
+            </a:r>
+            <a:r>
               <a:rPr lang="pl-PL" dirty="0" smtClean="0"/>
-              <a:t>Przykładowy test</a:t>
+              <a:t> - Konfiguracja</a:t>
+            </a:r>
+            <a:r>
+              <a:rPr lang="en-US" dirty="0" smtClean="0"/>
+              <a:t> </a:t>
             </a:r>
             <a:endParaRPr lang="pl-PL" dirty="0">
               <a:latin typeface=""/>
             </a:endParaRPr>
+          </a:p>
+        </p:txBody>
+      </p:sp>
+      <p:sp>
+        <p:nvSpPr>
+          <p:cNvPr id="4" name="pole tekstowe 3"/>
+          <p:cNvSpPr txBox="1"/>
+          <p:nvPr/>
+        </p:nvSpPr>
+        <p:spPr>
+          <a:xfrm>
+            <a:off x="862642" y="1233577"/>
+            <a:ext cx="6564701" cy="369332"/>
+          </a:xfrm>
+          <a:prstGeom prst="rect">
+            <a:avLst/>
+          </a:prstGeom>
+          <a:noFill/>
+        </p:spPr>
+        <p:txBody>
+          <a:bodyPr wrap="square" rtlCol="0">
+            <a:spAutoFit/>
+          </a:bodyPr>
+          <a:lstStyle/>
+          <a:p>
+            <a:endParaRPr lang="pl-PL" dirty="0"/>
           </a:p>
         </p:txBody>
       </p:sp>
@@ -6468,6 +6287,137 @@
               <a:buNone/>
             </a:pPr>
             <a:endParaRPr lang="pl-PL" dirty="0" smtClean="0"/>
+          </a:p>
+        </p:txBody>
+      </p:sp>
+      <p:sp>
+        <p:nvSpPr>
+          <p:cNvPr id="5" name="pole tekstowe 4"/>
+          <p:cNvSpPr txBox="1"/>
+          <p:nvPr/>
+        </p:nvSpPr>
+        <p:spPr>
+          <a:xfrm>
+            <a:off x="677173" y="3864634"/>
+            <a:ext cx="7789653" cy="1754326"/>
+          </a:xfrm>
+          <a:prstGeom prst="rect">
+            <a:avLst/>
+          </a:prstGeom>
+          <a:noFill/>
+        </p:spPr>
+        <p:txBody>
+          <a:bodyPr wrap="square" rtlCol="0">
+            <a:spAutoFit/>
+          </a:bodyPr>
+          <a:lstStyle/>
+          <a:p>
+            <a:pPr marL="285750" indent="-285750">
+              <a:buFont typeface="Arial" panose="020B0604020202020204" pitchFamily="34" charset="0"/>
+              <a:buChar char="•"/>
+            </a:pPr>
+            <a:r>
+              <a:rPr lang="pl-PL" dirty="0" smtClean="0"/>
+              <a:t>@</a:t>
+            </a:r>
+            <a:r>
+              <a:rPr lang="pl-PL" dirty="0" err="1" smtClean="0"/>
+              <a:t>RunWith</a:t>
+            </a:r>
+            <a:r>
+              <a:rPr lang="pl-PL" dirty="0" smtClean="0"/>
+              <a:t>(</a:t>
+            </a:r>
+            <a:r>
+              <a:rPr lang="pl-PL" dirty="0" err="1" smtClean="0"/>
+              <a:t>SpringRunner.class</a:t>
+            </a:r>
+            <a:r>
+              <a:rPr lang="pl-PL" dirty="0" smtClean="0"/>
+              <a:t>) – określa </a:t>
+            </a:r>
+            <a:r>
+              <a:rPr lang="pl-PL" dirty="0" err="1" smtClean="0"/>
+              <a:t>Runner</a:t>
+            </a:r>
+            <a:r>
+              <a:rPr lang="pl-PL" dirty="0" smtClean="0"/>
+              <a:t>, który ma być wykorzystywany przez </a:t>
+            </a:r>
+            <a:r>
+              <a:rPr lang="pl-PL" dirty="0" err="1" smtClean="0"/>
+              <a:t>Junit</a:t>
+            </a:r>
+            <a:r>
+              <a:rPr lang="pl-PL" dirty="0" smtClean="0"/>
+              <a:t>. Klasa </a:t>
+            </a:r>
+            <a:r>
+              <a:rPr lang="pl-PL" dirty="0" err="1" smtClean="0"/>
+              <a:t>SpringRunner</a:t>
+            </a:r>
+            <a:r>
+              <a:rPr lang="pl-PL" dirty="0" smtClean="0"/>
+              <a:t> jest aliasem </a:t>
+            </a:r>
+            <a:r>
+              <a:rPr lang="pl-PL" dirty="0"/>
+              <a:t>do </a:t>
+            </a:r>
+            <a:r>
+              <a:rPr lang="pl-PL" dirty="0" smtClean="0"/>
+              <a:t>SpringJUnit4ClassRunner. Umożliwia korzystanie z testowego kontekstu </a:t>
+            </a:r>
+            <a:r>
+              <a:rPr lang="pl-PL" dirty="0" err="1" smtClean="0"/>
+              <a:t>Springa</a:t>
+            </a:r>
+            <a:r>
+              <a:rPr lang="pl-PL" dirty="0" smtClean="0"/>
+              <a:t>.</a:t>
+            </a:r>
+          </a:p>
+          <a:p>
+            <a:pPr marL="285750" indent="-285750">
+              <a:buFont typeface="Arial" panose="020B0604020202020204" pitchFamily="34" charset="0"/>
+              <a:buChar char="•"/>
+            </a:pPr>
+            <a:r>
+              <a:rPr lang="pl-PL" dirty="0" smtClean="0"/>
+              <a:t>@</a:t>
+            </a:r>
+            <a:r>
+              <a:rPr lang="pl-PL" dirty="0" err="1" smtClean="0"/>
+              <a:t>SpringBootTest</a:t>
+            </a:r>
+            <a:r>
+              <a:rPr lang="pl-PL" dirty="0" smtClean="0"/>
+              <a:t> – Umieszczona nad klasę określa ją jako testową</a:t>
+            </a:r>
+            <a:endParaRPr lang="pl-PL" dirty="0"/>
+          </a:p>
+          <a:p>
+            <a:pPr marL="285750" indent="-285750">
+              <a:buFont typeface="Arial" panose="020B0604020202020204" pitchFamily="34" charset="0"/>
+              <a:buChar char="•"/>
+            </a:pPr>
+            <a:r>
+              <a:rPr lang="pl-PL" dirty="0" smtClean="0"/>
+              <a:t>@</a:t>
+            </a:r>
+            <a:r>
+              <a:rPr lang="pl-PL" dirty="0" err="1" smtClean="0"/>
+              <a:t>AutoConfigureMockMvc</a:t>
+            </a:r>
+            <a:r>
+              <a:rPr lang="pl-PL" dirty="0" smtClean="0"/>
+              <a:t> -  Uruchamia automatyczną konfiguracje </a:t>
+            </a:r>
+            <a:r>
+              <a:rPr lang="pl-PL" dirty="0" err="1" smtClean="0"/>
+              <a:t>MockMvc</a:t>
+            </a:r>
+            <a:endParaRPr lang="pl-PL" dirty="0"/>
           </a:p>
         </p:txBody>
       </p:sp>
@@ -6487,8 +6437,8 @@
         </p:blipFill>
         <p:spPr>
           <a:xfrm>
-            <a:off x="223837" y="2466975"/>
-            <a:ext cx="8696325" cy="1924050"/>
+            <a:off x="1799775" y="1555697"/>
+            <a:ext cx="4690434" cy="1645575"/>
           </a:xfrm>
           <a:prstGeom prst="rect">
             <a:avLst/>
@@ -6498,7 +6448,7 @@
     </p:spTree>
     <p:extLst>
       <p:ext uri="{BB962C8B-B14F-4D97-AF65-F5344CB8AC3E}">
-        <p14:creationId xmlns:p14="http://schemas.microsoft.com/office/powerpoint/2010/main" val="1123431881"/>
+        <p14:creationId xmlns:p14="http://schemas.microsoft.com/office/powerpoint/2010/main" val="2884127231"/>
       </p:ext>
     </p:extLst>
   </p:cSld>
@@ -6809,6 +6759,259 @@
 </file>
 
 <file path=ppt/slides/slide20.xml><?xml version="1.0" encoding="utf-8"?>
+<p:sld xmlns:a="http://schemas.openxmlformats.org/drawingml/2006/main" xmlns:r="http://schemas.openxmlformats.org/officeDocument/2006/relationships" xmlns:p="http://schemas.openxmlformats.org/presentationml/2006/main">
+  <p:cSld>
+    <p:spTree>
+      <p:nvGrpSpPr>
+        <p:cNvPr id="1" name=""/>
+        <p:cNvGrpSpPr/>
+        <p:nvPr/>
+      </p:nvGrpSpPr>
+      <p:grpSpPr>
+        <a:xfrm>
+          <a:off x="0" y="0"/>
+          <a:ext cx="0" cy="0"/>
+          <a:chOff x="0" y="0"/>
+          <a:chExt cx="0" cy="0"/>
+        </a:xfrm>
+      </p:grpSpPr>
+      <p:sp>
+        <p:nvSpPr>
+          <p:cNvPr id="2" name="Tytuł 1"/>
+          <p:cNvSpPr>
+            <a:spLocks noGrp="1"/>
+          </p:cNvSpPr>
+          <p:nvPr>
+            <p:ph type="title"/>
+          </p:nvPr>
+        </p:nvSpPr>
+        <p:spPr/>
+        <p:txBody>
+          <a:bodyPr/>
+          <a:lstStyle/>
+          <a:p>
+            <a:r>
+              <a:rPr lang="pl-PL" dirty="0" smtClean="0"/>
+              <a:t>Przykładowy test</a:t>
+            </a:r>
+            <a:endParaRPr lang="pl-PL" dirty="0">
+              <a:latin typeface=""/>
+            </a:endParaRPr>
+          </a:p>
+        </p:txBody>
+      </p:sp>
+      <p:sp>
+        <p:nvSpPr>
+          <p:cNvPr id="6" name="Symbol zastępczy tekstu 2"/>
+          <p:cNvSpPr txBox="1">
+            <a:spLocks/>
+          </p:cNvSpPr>
+          <p:nvPr/>
+        </p:nvSpPr>
+        <p:spPr>
+          <a:xfrm>
+            <a:off x="0" y="1228158"/>
+            <a:ext cx="9144000" cy="4846148"/>
+          </a:xfrm>
+          <a:prstGeom prst="rect">
+            <a:avLst/>
+          </a:prstGeom>
+        </p:spPr>
+        <p:txBody>
+          <a:bodyPr>
+            <a:normAutofit/>
+          </a:bodyPr>
+          <a:lstStyle>
+            <a:lvl1pPr marL="342900" indent="-342900" algn="l" defTabSz="457200" rtl="0" eaLnBrk="1" latinLnBrk="0" hangingPunct="1">
+              <a:spcBef>
+                <a:spcPct val="20000"/>
+              </a:spcBef>
+              <a:buFont typeface="Arial"/>
+              <a:buChar char="•"/>
+              <a:defRPr sz="3200" kern="1200">
+                <a:solidFill>
+                  <a:schemeClr val="tx1"/>
+                </a:solidFill>
+                <a:latin typeface="+mn-lt"/>
+                <a:ea typeface="+mn-ea"/>
+                <a:cs typeface="+mn-cs"/>
+              </a:defRPr>
+            </a:lvl1pPr>
+            <a:lvl2pPr marL="742950" indent="-285750" algn="l" defTabSz="457200" rtl="0" eaLnBrk="1" latinLnBrk="0" hangingPunct="1">
+              <a:spcBef>
+                <a:spcPct val="20000"/>
+              </a:spcBef>
+              <a:buFont typeface="Arial"/>
+              <a:buChar char="–"/>
+              <a:defRPr sz="2800" kern="1200">
+                <a:solidFill>
+                  <a:schemeClr val="tx1"/>
+                </a:solidFill>
+                <a:latin typeface="+mn-lt"/>
+                <a:ea typeface="+mn-ea"/>
+                <a:cs typeface="+mn-cs"/>
+              </a:defRPr>
+            </a:lvl2pPr>
+            <a:lvl3pPr marL="1143000" indent="-228600" algn="l" defTabSz="457200" rtl="0" eaLnBrk="1" latinLnBrk="0" hangingPunct="1">
+              <a:spcBef>
+                <a:spcPct val="20000"/>
+              </a:spcBef>
+              <a:buFont typeface="Arial"/>
+              <a:buChar char="•"/>
+              <a:defRPr sz="2400" kern="1200">
+                <a:solidFill>
+                  <a:schemeClr val="tx1"/>
+                </a:solidFill>
+                <a:latin typeface="+mn-lt"/>
+                <a:ea typeface="+mn-ea"/>
+                <a:cs typeface="+mn-cs"/>
+              </a:defRPr>
+            </a:lvl3pPr>
+            <a:lvl4pPr marL="1600200" indent="-228600" algn="l" defTabSz="457200" rtl="0" eaLnBrk="1" latinLnBrk="0" hangingPunct="1">
+              <a:spcBef>
+                <a:spcPct val="20000"/>
+              </a:spcBef>
+              <a:buFont typeface="Arial"/>
+              <a:buChar char="–"/>
+              <a:defRPr sz="2000" kern="1200">
+                <a:solidFill>
+                  <a:schemeClr val="tx1"/>
+                </a:solidFill>
+                <a:latin typeface="+mn-lt"/>
+                <a:ea typeface="+mn-ea"/>
+                <a:cs typeface="+mn-cs"/>
+              </a:defRPr>
+            </a:lvl4pPr>
+            <a:lvl5pPr marL="2057400" indent="-228600" algn="l" defTabSz="457200" rtl="0" eaLnBrk="1" latinLnBrk="0" hangingPunct="1">
+              <a:spcBef>
+                <a:spcPct val="20000"/>
+              </a:spcBef>
+              <a:buFont typeface="Arial"/>
+              <a:buChar char="»"/>
+              <a:defRPr sz="2000" kern="1200">
+                <a:solidFill>
+                  <a:schemeClr val="tx1"/>
+                </a:solidFill>
+                <a:latin typeface="+mn-lt"/>
+                <a:ea typeface="+mn-ea"/>
+                <a:cs typeface="+mn-cs"/>
+              </a:defRPr>
+            </a:lvl5pPr>
+            <a:lvl6pPr marL="2514600" indent="-228600" algn="l" defTabSz="457200" rtl="0" eaLnBrk="1" latinLnBrk="0" hangingPunct="1">
+              <a:spcBef>
+                <a:spcPct val="20000"/>
+              </a:spcBef>
+              <a:buFont typeface="Arial"/>
+              <a:buChar char="•"/>
+              <a:defRPr sz="2000" kern="1200">
+                <a:solidFill>
+                  <a:schemeClr val="tx1"/>
+                </a:solidFill>
+                <a:latin typeface="+mn-lt"/>
+                <a:ea typeface="+mn-ea"/>
+                <a:cs typeface="+mn-cs"/>
+              </a:defRPr>
+            </a:lvl6pPr>
+            <a:lvl7pPr marL="2971800" indent="-228600" algn="l" defTabSz="457200" rtl="0" eaLnBrk="1" latinLnBrk="0" hangingPunct="1">
+              <a:spcBef>
+                <a:spcPct val="20000"/>
+              </a:spcBef>
+              <a:buFont typeface="Arial"/>
+              <a:buChar char="•"/>
+              <a:defRPr sz="2000" kern="1200">
+                <a:solidFill>
+                  <a:schemeClr val="tx1"/>
+                </a:solidFill>
+                <a:latin typeface="+mn-lt"/>
+                <a:ea typeface="+mn-ea"/>
+                <a:cs typeface="+mn-cs"/>
+              </a:defRPr>
+            </a:lvl7pPr>
+            <a:lvl8pPr marL="3429000" indent="-228600" algn="l" defTabSz="457200" rtl="0" eaLnBrk="1" latinLnBrk="0" hangingPunct="1">
+              <a:spcBef>
+                <a:spcPct val="20000"/>
+              </a:spcBef>
+              <a:buFont typeface="Arial"/>
+              <a:buChar char="•"/>
+              <a:defRPr sz="2000" kern="1200">
+                <a:solidFill>
+                  <a:schemeClr val="tx1"/>
+                </a:solidFill>
+                <a:latin typeface="+mn-lt"/>
+                <a:ea typeface="+mn-ea"/>
+                <a:cs typeface="+mn-cs"/>
+              </a:defRPr>
+            </a:lvl8pPr>
+            <a:lvl9pPr marL="3886200" indent="-228600" algn="l" defTabSz="457200" rtl="0" eaLnBrk="1" latinLnBrk="0" hangingPunct="1">
+              <a:spcBef>
+                <a:spcPct val="20000"/>
+              </a:spcBef>
+              <a:buFont typeface="Arial"/>
+              <a:buChar char="•"/>
+              <a:defRPr sz="2000" kern="1200">
+                <a:solidFill>
+                  <a:schemeClr val="tx1"/>
+                </a:solidFill>
+                <a:latin typeface="+mn-lt"/>
+                <a:ea typeface="+mn-ea"/>
+                <a:cs typeface="+mn-cs"/>
+              </a:defRPr>
+            </a:lvl9pPr>
+          </a:lstStyle>
+          <a:p>
+            <a:pPr marL="198900" indent="0" algn="just">
+              <a:buFont typeface="Arial"/>
+              <a:buNone/>
+            </a:pPr>
+            <a:endParaRPr lang="pl-PL" dirty="0" smtClean="0"/>
+          </a:p>
+        </p:txBody>
+      </p:sp>
+      <p:pic>
+        <p:nvPicPr>
+          <p:cNvPr id="7" name="Obraz 6"/>
+          <p:cNvPicPr>
+            <a:picLocks noChangeAspect="1"/>
+          </p:cNvPicPr>
+          <p:nvPr/>
+        </p:nvPicPr>
+        <p:blipFill>
+          <a:blip r:embed="rId2"/>
+          <a:stretch>
+            <a:fillRect/>
+          </a:stretch>
+        </p:blipFill>
+        <p:spPr>
+          <a:xfrm>
+            <a:off x="223837" y="2466975"/>
+            <a:ext cx="8696325" cy="1924050"/>
+          </a:xfrm>
+          <a:prstGeom prst="rect">
+            <a:avLst/>
+          </a:prstGeom>
+        </p:spPr>
+      </p:pic>
+    </p:spTree>
+    <p:extLst>
+      <p:ext uri="{BB962C8B-B14F-4D97-AF65-F5344CB8AC3E}">
+        <p14:creationId xmlns:p14="http://schemas.microsoft.com/office/powerpoint/2010/main" val="1123431881"/>
+      </p:ext>
+    </p:extLst>
+  </p:cSld>
+  <p:clrMapOvr>
+    <a:masterClrMapping/>
+  </p:clrMapOvr>
+  <p:timing>
+    <p:tnLst>
+      <p:par>
+        <p:cTn id="1" dur="indefinite" restart="never" nodeType="tmRoot"/>
+      </p:par>
+    </p:tnLst>
+  </p:timing>
+</p:sld>
+</file>
+
+<file path=ppt/slides/slide21.xml><?xml version="1.0" encoding="utf-8"?>
 <p:sld xmlns:a="http://schemas.openxmlformats.org/drawingml/2006/main" xmlns:r="http://schemas.openxmlformats.org/officeDocument/2006/relationships" xmlns:p="http://schemas.openxmlformats.org/presentationml/2006/main">
   <p:cSld>
     <p:spTree>
@@ -7650,7 +7853,7 @@
         <p:spPr>
           <a:xfrm>
             <a:off x="862642" y="1233577"/>
-            <a:ext cx="6564701" cy="2031325"/>
+            <a:ext cx="6564701" cy="2308324"/>
           </a:xfrm>
           <a:prstGeom prst="rect">
             <a:avLst/>
@@ -7668,12 +7871,8 @@
               <a:t>@</a:t>
             </a:r>
             <a:r>
-              <a:rPr lang="pl-PL" b="1" dirty="0" err="1" smtClean="0"/>
-              <a:t>Controler</a:t>
-            </a:r>
-            <a:r>
               <a:rPr lang="pl-PL" b="1" dirty="0" smtClean="0"/>
-              <a:t> </a:t>
+              <a:t>Controller </a:t>
             </a:r>
             <a:r>
               <a:rPr lang="pl-PL" dirty="0" smtClean="0"/>
@@ -7956,132 +8155,77 @@
           <a:bodyPr/>
           <a:lstStyle/>
           <a:p>
-            <a:endParaRPr lang="pl-PL" dirty="0"/>
-          </a:p>
-        </p:txBody>
-      </p:sp>
-      <p:sp>
-        <p:nvSpPr>
-          <p:cNvPr id="3" name="Symbol zastępczy tekstu 2"/>
-          <p:cNvSpPr>
-            <a:spLocks noGrp="1"/>
-          </p:cNvSpPr>
-          <p:nvPr>
-            <p:ph type="body" sz="quarter" idx="10"/>
-          </p:nvPr>
-        </p:nvSpPr>
-        <p:spPr/>
-        <p:txBody>
-          <a:bodyPr>
-            <a:normAutofit/>
+            <a:r>
+              <a:rPr lang="pl-PL" dirty="0"/>
+              <a:t>Spring MVC - podstawy</a:t>
+            </a:r>
+          </a:p>
+        </p:txBody>
+      </p:sp>
+      <p:pic>
+        <p:nvPicPr>
+          <p:cNvPr id="5" name="Obraz 4"/>
+          <p:cNvPicPr>
+            <a:picLocks noChangeAspect="1"/>
+          </p:cNvPicPr>
+          <p:nvPr/>
+        </p:nvPicPr>
+        <p:blipFill>
+          <a:blip r:embed="rId2"/>
+          <a:stretch>
+            <a:fillRect/>
+          </a:stretch>
+        </p:blipFill>
+        <p:spPr>
+          <a:xfrm>
+            <a:off x="933450" y="2457450"/>
+            <a:ext cx="7277100" cy="1943100"/>
+          </a:xfrm>
+          <a:prstGeom prst="rect">
+            <a:avLst/>
+          </a:prstGeom>
+        </p:spPr>
+      </p:pic>
+      <p:sp>
+        <p:nvSpPr>
+          <p:cNvPr id="6" name="pole tekstowe 5"/>
+          <p:cNvSpPr txBox="1"/>
+          <p:nvPr/>
+        </p:nvSpPr>
+        <p:spPr>
+          <a:xfrm>
+            <a:off x="1216325" y="1664898"/>
+            <a:ext cx="1483932" cy="369332"/>
+          </a:xfrm>
+          <a:prstGeom prst="rect">
+            <a:avLst/>
+          </a:prstGeom>
+          <a:noFill/>
+        </p:spPr>
+        <p:txBody>
+          <a:bodyPr wrap="none" rtlCol="0">
+            <a:spAutoFit/>
           </a:bodyPr>
           <a:lstStyle/>
           <a:p>
-            <a:pPr marL="198900" indent="0" algn="just">
-              <a:buNone/>
-            </a:pPr>
-            <a:endParaRPr lang="pl-PL" dirty="0" smtClean="0"/>
-          </a:p>
-          <a:p>
-            <a:pPr algn="just"/>
-            <a:r>
-              <a:rPr lang="pl-PL" dirty="0"/>
-              <a:t>@</a:t>
-            </a:r>
-            <a:r>
-              <a:rPr lang="pl-PL" dirty="0" err="1" smtClean="0"/>
-              <a:t>GetMapping</a:t>
-            </a:r>
-            <a:endParaRPr lang="pl-PL" dirty="0" smtClean="0"/>
-          </a:p>
-          <a:p>
-            <a:pPr algn="just"/>
-            <a:endParaRPr lang="pl-PL" dirty="0" smtClean="0"/>
-          </a:p>
-          <a:p>
-            <a:pPr algn="just"/>
             <a:r>
               <a:rPr lang="pl-PL" dirty="0" smtClean="0"/>
-              <a:t>@</a:t>
-            </a:r>
-            <a:r>
-              <a:rPr lang="pl-PL" dirty="0" err="1" smtClean="0"/>
-              <a:t>PostMapping</a:t>
-            </a:r>
-            <a:endParaRPr lang="pl-PL" dirty="0" smtClean="0"/>
-          </a:p>
-          <a:p>
-            <a:pPr algn="just"/>
-            <a:endParaRPr lang="pl-PL" dirty="0" smtClean="0"/>
-          </a:p>
-          <a:p>
-            <a:pPr algn="just"/>
-            <a:r>
-              <a:rPr lang="pl-PL" dirty="0" smtClean="0"/>
-              <a:t>@</a:t>
-            </a:r>
-            <a:r>
-              <a:rPr lang="pl-PL" dirty="0" err="1" smtClean="0"/>
-              <a:t>PutMapping</a:t>
-            </a:r>
-            <a:endParaRPr lang="pl-PL" dirty="0" smtClean="0"/>
-          </a:p>
-          <a:p>
-            <a:pPr algn="just"/>
-            <a:endParaRPr lang="pl-PL" dirty="0" smtClean="0"/>
-          </a:p>
-          <a:p>
-            <a:pPr algn="just"/>
-            <a:r>
-              <a:rPr lang="pl-PL" dirty="0" smtClean="0"/>
-              <a:t>@</a:t>
-            </a:r>
-            <a:r>
-              <a:rPr lang="pl-PL" dirty="0" err="1" smtClean="0"/>
-              <a:t>DeleteMapping</a:t>
-            </a:r>
-            <a:endParaRPr lang="pl-PL" dirty="0" smtClean="0"/>
-          </a:p>
-          <a:p>
-            <a:pPr algn="just"/>
-            <a:endParaRPr lang="pl-PL" dirty="0" smtClean="0"/>
-          </a:p>
-          <a:p>
-            <a:pPr algn="just"/>
-            <a:r>
-              <a:rPr lang="pl-PL" dirty="0" smtClean="0"/>
-              <a:t>@</a:t>
-            </a:r>
-            <a:r>
-              <a:rPr lang="pl-PL" dirty="0" err="1"/>
-              <a:t>RequestMapping</a:t>
-            </a:r>
-            <a:r>
-              <a:rPr lang="pl-PL" dirty="0"/>
-              <a:t> </a:t>
-            </a:r>
-            <a:endParaRPr lang="pl-PL" dirty="0" smtClean="0"/>
+              <a:t>infoPage.html</a:t>
+            </a:r>
+            <a:endParaRPr lang="pl-PL" dirty="0"/>
           </a:p>
         </p:txBody>
       </p:sp>
     </p:spTree>
     <p:extLst>
       <p:ext uri="{BB962C8B-B14F-4D97-AF65-F5344CB8AC3E}">
-        <p14:creationId xmlns:p14="http://schemas.microsoft.com/office/powerpoint/2010/main" val="1597571101"/>
+        <p14:creationId xmlns:p14="http://schemas.microsoft.com/office/powerpoint/2010/main" val="3301623970"/>
       </p:ext>
     </p:extLst>
   </p:cSld>
   <p:clrMapOvr>
     <a:masterClrMapping/>
   </p:clrMapOvr>
-  <mc:AlternateContent xmlns:mc="http://schemas.openxmlformats.org/markup-compatibility/2006" xmlns:p14="http://schemas.microsoft.com/office/powerpoint/2010/main">
-    <mc:Choice Requires="p14">
-      <p:transition spd="slow" p14:dur="2000"/>
-    </mc:Choice>
-    <mc:Fallback xmlns="">
-      <p:transition spd="slow"/>
-    </mc:Fallback>
-  </mc:AlternateContent>
   <p:timing>
     <p:tnLst>
       <p:par>

--- a/Spring MVC.pptx
+++ b/Spring MVC.pptx
@@ -5,30 +5,29 @@
     <p:sldMasterId id="2147483648" r:id="rId1"/>
   </p:sldMasterIdLst>
   <p:notesMasterIdLst>
-    <p:notesMasterId r:id="rId23"/>
+    <p:notesMasterId r:id="rId22"/>
   </p:notesMasterIdLst>
   <p:sldIdLst>
     <p:sldId id="319" r:id="rId2"/>
     <p:sldId id="350" r:id="rId3"/>
-    <p:sldId id="351" r:id="rId4"/>
-    <p:sldId id="327" r:id="rId5"/>
-    <p:sldId id="320" r:id="rId6"/>
-    <p:sldId id="355" r:id="rId7"/>
-    <p:sldId id="364" r:id="rId8"/>
-    <p:sldId id="393" r:id="rId9"/>
-    <p:sldId id="406" r:id="rId10"/>
-    <p:sldId id="394" r:id="rId11"/>
-    <p:sldId id="387" r:id="rId12"/>
-    <p:sldId id="395" r:id="rId13"/>
-    <p:sldId id="396" r:id="rId14"/>
-    <p:sldId id="404" r:id="rId15"/>
-    <p:sldId id="403" r:id="rId16"/>
-    <p:sldId id="400" r:id="rId17"/>
-    <p:sldId id="398" r:id="rId18"/>
-    <p:sldId id="399" r:id="rId19"/>
-    <p:sldId id="401" r:id="rId20"/>
-    <p:sldId id="405" r:id="rId21"/>
-    <p:sldId id="386" r:id="rId22"/>
+    <p:sldId id="327" r:id="rId4"/>
+    <p:sldId id="320" r:id="rId5"/>
+    <p:sldId id="355" r:id="rId6"/>
+    <p:sldId id="364" r:id="rId7"/>
+    <p:sldId id="393" r:id="rId8"/>
+    <p:sldId id="406" r:id="rId9"/>
+    <p:sldId id="394" r:id="rId10"/>
+    <p:sldId id="387" r:id="rId11"/>
+    <p:sldId id="395" r:id="rId12"/>
+    <p:sldId id="396" r:id="rId13"/>
+    <p:sldId id="404" r:id="rId14"/>
+    <p:sldId id="400" r:id="rId15"/>
+    <p:sldId id="407" r:id="rId16"/>
+    <p:sldId id="398" r:id="rId17"/>
+    <p:sldId id="399" r:id="rId18"/>
+    <p:sldId id="401" r:id="rId19"/>
+    <p:sldId id="405" r:id="rId20"/>
+    <p:sldId id="386" r:id="rId21"/>
   </p:sldIdLst>
   <p:sldSz cx="9144000" cy="6858000" type="screen4x3"/>
   <p:notesSz cx="6858000" cy="9144000"/>
@@ -134,7 +133,6 @@
           <p14:sldIdLst>
             <p14:sldId id="319"/>
             <p14:sldId id="350"/>
-            <p14:sldId id="351"/>
             <p14:sldId id="327"/>
             <p14:sldId id="320"/>
             <p14:sldId id="355"/>
@@ -146,8 +144,8 @@
             <p14:sldId id="395"/>
             <p14:sldId id="396"/>
             <p14:sldId id="404"/>
-            <p14:sldId id="403"/>
             <p14:sldId id="400"/>
+            <p14:sldId id="407"/>
             <p14:sldId id="398"/>
             <p14:sldId id="399"/>
             <p14:sldId id="401"/>
@@ -260,7 +258,7 @@
           <a:p>
             <a:fld id="{18DA1CCD-4AB1-40EE-B21B-789687229DC3}" type="datetimeFigureOut">
               <a:rPr lang="pl-PL" smtClean="0"/>
-              <a:t>2017-04-18</a:t>
+              <a:t>2017-04-19</a:t>
             </a:fld>
             <a:endParaRPr lang="pl-PL"/>
           </a:p>
@@ -4310,135 +4308,71 @@
           <a:lstStyle/>
           <a:p>
             <a:r>
-              <a:rPr lang="pl-PL" dirty="0"/>
+              <a:rPr lang="pl-PL" dirty="0" smtClean="0"/>
               <a:t>Mapowanie żądania</a:t>
             </a:r>
             <a:endParaRPr lang="pl-PL" dirty="0"/>
           </a:p>
         </p:txBody>
       </p:sp>
-      <p:sp>
-        <p:nvSpPr>
-          <p:cNvPr id="3" name="Symbol zastępczy tekstu 2"/>
-          <p:cNvSpPr>
-            <a:spLocks noGrp="1"/>
-          </p:cNvSpPr>
-          <p:nvPr>
-            <p:ph type="body" sz="quarter" idx="10"/>
-          </p:nvPr>
-        </p:nvSpPr>
-        <p:spPr/>
-        <p:txBody>
-          <a:bodyPr>
-            <a:normAutofit/>
-          </a:bodyPr>
-          <a:lstStyle/>
-          <a:p>
-            <a:pPr marL="198900" indent="0" algn="just">
-              <a:buNone/>
-            </a:pPr>
-            <a:endParaRPr lang="pl-PL" dirty="0" smtClean="0"/>
-          </a:p>
-          <a:p>
-            <a:pPr algn="just"/>
-            <a:r>
-              <a:rPr lang="pl-PL" dirty="0"/>
-              <a:t>@</a:t>
-            </a:r>
-            <a:r>
-              <a:rPr lang="pl-PL" dirty="0" err="1" smtClean="0"/>
-              <a:t>GetMapping</a:t>
-            </a:r>
-            <a:endParaRPr lang="pl-PL" dirty="0" smtClean="0"/>
-          </a:p>
-          <a:p>
-            <a:pPr algn="just"/>
-            <a:endParaRPr lang="pl-PL" dirty="0" smtClean="0"/>
-          </a:p>
-          <a:p>
-            <a:pPr algn="just"/>
-            <a:r>
-              <a:rPr lang="pl-PL" dirty="0" smtClean="0"/>
-              <a:t>@</a:t>
-            </a:r>
-            <a:r>
-              <a:rPr lang="pl-PL" dirty="0" err="1" smtClean="0"/>
-              <a:t>PostMapping</a:t>
-            </a:r>
-            <a:endParaRPr lang="pl-PL" dirty="0" smtClean="0"/>
-          </a:p>
-          <a:p>
-            <a:pPr algn="just"/>
-            <a:endParaRPr lang="pl-PL" dirty="0" smtClean="0"/>
-          </a:p>
-          <a:p>
-            <a:pPr algn="just"/>
-            <a:r>
-              <a:rPr lang="pl-PL" dirty="0" smtClean="0"/>
-              <a:t>@</a:t>
-            </a:r>
-            <a:r>
-              <a:rPr lang="pl-PL" dirty="0" err="1" smtClean="0"/>
-              <a:t>PutMapping</a:t>
-            </a:r>
-            <a:endParaRPr lang="pl-PL" dirty="0" smtClean="0"/>
-          </a:p>
-          <a:p>
-            <a:pPr algn="just"/>
-            <a:endParaRPr lang="pl-PL" dirty="0" smtClean="0"/>
-          </a:p>
-          <a:p>
-            <a:pPr algn="just"/>
-            <a:r>
-              <a:rPr lang="pl-PL" dirty="0" smtClean="0"/>
-              <a:t>@</a:t>
-            </a:r>
-            <a:r>
-              <a:rPr lang="pl-PL" dirty="0" err="1" smtClean="0"/>
-              <a:t>DeleteMapping</a:t>
-            </a:r>
-            <a:endParaRPr lang="pl-PL" dirty="0" smtClean="0"/>
-          </a:p>
-          <a:p>
-            <a:pPr algn="just"/>
-            <a:endParaRPr lang="pl-PL" dirty="0" smtClean="0"/>
-          </a:p>
-          <a:p>
-            <a:pPr algn="just"/>
-            <a:r>
-              <a:rPr lang="pl-PL" dirty="0" smtClean="0"/>
-              <a:t>@</a:t>
-            </a:r>
-            <a:r>
-              <a:rPr lang="pl-PL" dirty="0" err="1"/>
-              <a:t>RequestMapping</a:t>
-            </a:r>
-            <a:r>
-              <a:rPr lang="pl-PL" dirty="0"/>
-              <a:t> </a:t>
-            </a:r>
-            <a:endParaRPr lang="pl-PL" dirty="0" smtClean="0"/>
-          </a:p>
-        </p:txBody>
-      </p:sp>
+      <p:pic>
+        <p:nvPicPr>
+          <p:cNvPr id="4" name="Obraz 3"/>
+          <p:cNvPicPr>
+            <a:picLocks noChangeAspect="1"/>
+          </p:cNvPicPr>
+          <p:nvPr/>
+        </p:nvPicPr>
+        <p:blipFill>
+          <a:blip r:embed="rId2"/>
+          <a:stretch>
+            <a:fillRect/>
+          </a:stretch>
+        </p:blipFill>
+        <p:spPr>
+          <a:xfrm>
+            <a:off x="671512" y="1498030"/>
+            <a:ext cx="7800975" cy="1452204"/>
+          </a:xfrm>
+          <a:prstGeom prst="rect">
+            <a:avLst/>
+          </a:prstGeom>
+        </p:spPr>
+      </p:pic>
+      <p:pic>
+        <p:nvPicPr>
+          <p:cNvPr id="6" name="Obraz 5"/>
+          <p:cNvPicPr>
+            <a:picLocks noChangeAspect="1"/>
+          </p:cNvPicPr>
+          <p:nvPr/>
+        </p:nvPicPr>
+        <p:blipFill>
+          <a:blip r:embed="rId3"/>
+          <a:stretch>
+            <a:fillRect/>
+          </a:stretch>
+        </p:blipFill>
+        <p:spPr>
+          <a:xfrm>
+            <a:off x="550080" y="3693739"/>
+            <a:ext cx="7801200" cy="1512698"/>
+          </a:xfrm>
+          <a:prstGeom prst="rect">
+            <a:avLst/>
+          </a:prstGeom>
+        </p:spPr>
+      </p:pic>
     </p:spTree>
     <p:extLst>
       <p:ext uri="{BB962C8B-B14F-4D97-AF65-F5344CB8AC3E}">
-        <p14:creationId xmlns:p14="http://schemas.microsoft.com/office/powerpoint/2010/main" val="1597571101"/>
+        <p14:creationId xmlns:p14="http://schemas.microsoft.com/office/powerpoint/2010/main" val="1993655208"/>
       </p:ext>
     </p:extLst>
   </p:cSld>
   <p:clrMapOvr>
     <a:masterClrMapping/>
   </p:clrMapOvr>
-  <mc:AlternateContent xmlns:mc="http://schemas.openxmlformats.org/markup-compatibility/2006" xmlns:p14="http://schemas.microsoft.com/office/powerpoint/2010/main">
-    <mc:Choice Requires="p14">
-      <p:transition spd="slow" p14:dur="2000"/>
-    </mc:Choice>
-    <mc:Fallback xmlns="">
-      <p:transition spd="slow"/>
-    </mc:Fallback>
-  </mc:AlternateContent>
   <p:timing>
     <p:tnLst>
       <p:par>
@@ -4482,8 +4416,46 @@
           <a:lstStyle/>
           <a:p>
             <a:r>
+              <a:rPr lang="pl-PL" dirty="0"/>
+              <a:t>@</a:t>
+            </a:r>
+            <a:r>
+              <a:rPr lang="pl-PL" dirty="0" err="1"/>
+              <a:t>PathVariable</a:t>
+            </a:r>
+            <a:endParaRPr lang="pl-PL" dirty="0"/>
+          </a:p>
+        </p:txBody>
+      </p:sp>
+      <p:sp>
+        <p:nvSpPr>
+          <p:cNvPr id="7" name="Prostokąt 6"/>
+          <p:cNvSpPr/>
+          <p:nvPr/>
+        </p:nvSpPr>
+        <p:spPr>
+          <a:xfrm>
+            <a:off x="2015913" y="2792626"/>
+            <a:ext cx="5112169" cy="369332"/>
+          </a:xfrm>
+          <a:prstGeom prst="rect">
+            <a:avLst/>
+          </a:prstGeom>
+        </p:spPr>
+        <p:txBody>
+          <a:bodyPr wrap="none">
+            <a:spAutoFit/>
+          </a:bodyPr>
+          <a:lstStyle/>
+          <a:p>
+            <a:pPr algn="ctr"/>
+            <a:r>
+              <a:rPr lang="pl-PL" dirty="0"/>
+              <a:t>http://</a:t>
+            </a:r>
+            <a:r>
               <a:rPr lang="pl-PL" dirty="0" smtClean="0"/>
-              <a:t>Mapowanie żądania</a:t>
+              <a:t>localhost:8080/pathVariableExample/1/User1</a:t>
             </a:r>
             <a:endParaRPr lang="pl-PL" dirty="0"/>
           </a:p>
@@ -4491,7 +4463,7 @@
       </p:sp>
       <p:pic>
         <p:nvPicPr>
-          <p:cNvPr id="3" name="Obraz 2"/>
+          <p:cNvPr id="5" name="Obraz 4"/>
           <p:cNvPicPr>
             <a:picLocks noChangeAspect="1"/>
           </p:cNvPicPr>
@@ -4505,17 +4477,48 @@
         </p:blipFill>
         <p:spPr>
           <a:xfrm>
-            <a:off x="671512" y="3920795"/>
-            <a:ext cx="7800975" cy="1552575"/>
+            <a:off x="187199" y="3696419"/>
+            <a:ext cx="8769600" cy="1030150"/>
           </a:xfrm>
           <a:prstGeom prst="rect">
             <a:avLst/>
           </a:prstGeom>
         </p:spPr>
       </p:pic>
+      <p:sp>
+        <p:nvSpPr>
+          <p:cNvPr id="6" name="pole tekstowe 5"/>
+          <p:cNvSpPr txBox="1"/>
+          <p:nvPr/>
+        </p:nvSpPr>
+        <p:spPr>
+          <a:xfrm>
+            <a:off x="1923741" y="4975328"/>
+            <a:ext cx="5296515" cy="369332"/>
+          </a:xfrm>
+          <a:prstGeom prst="rect">
+            <a:avLst/>
+          </a:prstGeom>
+          <a:noFill/>
+        </p:spPr>
+        <p:txBody>
+          <a:bodyPr wrap="none" rtlCol="0">
+            <a:spAutoFit/>
+          </a:bodyPr>
+          <a:lstStyle/>
+          <a:p>
+            <a:pPr algn="ctr"/>
+            <a:r>
+              <a:rPr lang="pl-PL" dirty="0"/>
+              <a:t>http://localhost:8080/pathVariableExample2/1&amp;User1</a:t>
+            </a:r>
+            <a:endParaRPr lang="pl-PL" dirty="0"/>
+          </a:p>
+        </p:txBody>
+      </p:sp>
       <p:pic>
         <p:nvPicPr>
-          <p:cNvPr id="4" name="Obraz 3"/>
+          <p:cNvPr id="8" name="Obraz 7"/>
           <p:cNvPicPr>
             <a:picLocks noChangeAspect="1"/>
           </p:cNvPicPr>
@@ -4529,8 +4532,8 @@
         </p:blipFill>
         <p:spPr>
           <a:xfrm>
-            <a:off x="671512" y="1498030"/>
-            <a:ext cx="7800975" cy="1452204"/>
+            <a:off x="187198" y="1386224"/>
+            <a:ext cx="8769600" cy="1111358"/>
           </a:xfrm>
           <a:prstGeom prst="rect">
             <a:avLst/>
@@ -4540,7 +4543,7 @@
     </p:spTree>
     <p:extLst>
       <p:ext uri="{BB962C8B-B14F-4D97-AF65-F5344CB8AC3E}">
-        <p14:creationId xmlns:p14="http://schemas.microsoft.com/office/powerpoint/2010/main" val="1993655208"/>
+        <p14:creationId xmlns:p14="http://schemas.microsoft.com/office/powerpoint/2010/main" val="3857613098"/>
       </p:ext>
     </p:extLst>
   </p:cSld>
@@ -4590,12 +4593,12 @@
           <a:lstStyle/>
           <a:p>
             <a:r>
-              <a:rPr lang="pl-PL" dirty="0"/>
+              <a:rPr lang="pl-PL" dirty="0" smtClean="0"/>
               <a:t>@</a:t>
             </a:r>
             <a:r>
-              <a:rPr lang="pl-PL" dirty="0" err="1"/>
-              <a:t>PathVariable</a:t>
+              <a:rPr lang="pl-PL" dirty="0" err="1" smtClean="0"/>
+              <a:t>RequestParam</a:t>
             </a:r>
             <a:endParaRPr lang="pl-PL" dirty="0"/>
           </a:p>
@@ -4609,8 +4612,8 @@
         </p:nvSpPr>
         <p:spPr>
           <a:xfrm>
-            <a:off x="1885880" y="4203060"/>
-            <a:ext cx="5112169" cy="369332"/>
+            <a:off x="1051020" y="4396194"/>
+            <a:ext cx="7033336" cy="369332"/>
           </a:xfrm>
           <a:prstGeom prst="rect">
             <a:avLst/>
@@ -4628,7 +4631,7 @@
             </a:r>
             <a:r>
               <a:rPr lang="pl-PL" dirty="0" smtClean="0"/>
-              <a:t>localhost:8080/pathVariableExample/1/User1</a:t>
+              <a:t>localhost:8080/requestParamExample?id=testId&amp;name=testName</a:t>
             </a:r>
             <a:endParaRPr lang="pl-PL" dirty="0"/>
           </a:p>
@@ -4650,8 +4653,8 @@
         </p:blipFill>
         <p:spPr>
           <a:xfrm>
-            <a:off x="374400" y="2087593"/>
-            <a:ext cx="8395200" cy="1228566"/>
+            <a:off x="370937" y="2054421"/>
+            <a:ext cx="8393502" cy="1340324"/>
           </a:xfrm>
           <a:prstGeom prst="rect">
             <a:avLst/>
@@ -4661,7 +4664,7 @@
     </p:spTree>
     <p:extLst>
       <p:ext uri="{BB962C8B-B14F-4D97-AF65-F5344CB8AC3E}">
-        <p14:creationId xmlns:p14="http://schemas.microsoft.com/office/powerpoint/2010/main" val="3857613098"/>
+        <p14:creationId xmlns:p14="http://schemas.microsoft.com/office/powerpoint/2010/main" val="2683136683"/>
       </p:ext>
     </p:extLst>
   </p:cSld>
@@ -4716,7 +4719,7 @@
             </a:r>
             <a:r>
               <a:rPr lang="pl-PL" dirty="0" err="1" smtClean="0"/>
-              <a:t>RequestParam</a:t>
+              <a:t>ResponseBody</a:t>
             </a:r>
             <a:endParaRPr lang="pl-PL" dirty="0"/>
           </a:p>
@@ -4724,40 +4727,48 @@
       </p:sp>
       <p:sp>
         <p:nvSpPr>
-          <p:cNvPr id="7" name="Prostokąt 6"/>
-          <p:cNvSpPr/>
+          <p:cNvPr id="5" name="pole tekstowe 4"/>
+          <p:cNvSpPr txBox="1"/>
           <p:nvPr/>
         </p:nvSpPr>
         <p:spPr>
           <a:xfrm>
-            <a:off x="1051020" y="4396194"/>
-            <a:ext cx="7033336" cy="369332"/>
-          </a:xfrm>
-          <a:prstGeom prst="rect">
-            <a:avLst/>
-          </a:prstGeom>
-        </p:spPr>
-        <p:txBody>
-          <a:bodyPr wrap="none">
+            <a:off x="465826" y="1043796"/>
+            <a:ext cx="8212347" cy="646331"/>
+          </a:xfrm>
+          <a:prstGeom prst="rect">
+            <a:avLst/>
+          </a:prstGeom>
+          <a:noFill/>
+        </p:spPr>
+        <p:txBody>
+          <a:bodyPr wrap="square" rtlCol="0">
             <a:spAutoFit/>
           </a:bodyPr>
           <a:lstStyle/>
           <a:p>
-            <a:r>
-              <a:rPr lang="pl-PL" dirty="0"/>
-              <a:t>http://</a:t>
-            </a:r>
+            <a:pPr marL="285750" indent="-285750">
+              <a:buFont typeface="Arial" panose="020B0604020202020204" pitchFamily="34" charset="0"/>
+              <a:buChar char="•"/>
+            </a:pPr>
             <a:r>
               <a:rPr lang="pl-PL" dirty="0" smtClean="0"/>
-              <a:t>localhost:8080/requestParamExample?id=testId&amp;name=testName</a:t>
-            </a:r>
-            <a:endParaRPr lang="pl-PL" dirty="0"/>
+              <a:t>Określa że wartość zwracana przez metodę ma zostać umieszczona bezpośrednio w „HTTP </a:t>
+            </a:r>
+            <a:r>
+              <a:rPr lang="pl-PL" dirty="0" err="1" smtClean="0"/>
+              <a:t>response</a:t>
+            </a:r>
+            <a:r>
+              <a:rPr lang="pl-PL" dirty="0" smtClean="0"/>
+              <a:t> body”.   </a:t>
+            </a:r>
           </a:p>
         </p:txBody>
       </p:sp>
       <p:pic>
         <p:nvPicPr>
-          <p:cNvPr id="3" name="Obraz 2"/>
+          <p:cNvPr id="6" name="Obraz 5"/>
           <p:cNvPicPr>
             <a:picLocks noChangeAspect="1"/>
           </p:cNvPicPr>
@@ -4771,8 +4782,32 @@
         </p:blipFill>
         <p:spPr>
           <a:xfrm>
-            <a:off x="370937" y="2054421"/>
-            <a:ext cx="8393502" cy="1340324"/>
+            <a:off x="561975" y="2447330"/>
+            <a:ext cx="8020050" cy="962025"/>
+          </a:xfrm>
+          <a:prstGeom prst="rect">
+            <a:avLst/>
+          </a:prstGeom>
+        </p:spPr>
+      </p:pic>
+      <p:pic>
+        <p:nvPicPr>
+          <p:cNvPr id="7" name="Obraz 6"/>
+          <p:cNvPicPr>
+            <a:picLocks noChangeAspect="1"/>
+          </p:cNvPicPr>
+          <p:nvPr/>
+        </p:nvPicPr>
+        <p:blipFill>
+          <a:blip r:embed="rId3"/>
+          <a:stretch>
+            <a:fillRect/>
+          </a:stretch>
+        </p:blipFill>
+        <p:spPr>
+          <a:xfrm>
+            <a:off x="2214561" y="3841271"/>
+            <a:ext cx="4714875" cy="1866900"/>
           </a:xfrm>
           <a:prstGeom prst="rect">
             <a:avLst/>
@@ -4782,7 +4817,7 @@
     </p:spTree>
     <p:extLst>
       <p:ext uri="{BB962C8B-B14F-4D97-AF65-F5344CB8AC3E}">
-        <p14:creationId xmlns:p14="http://schemas.microsoft.com/office/powerpoint/2010/main" val="2683136683"/>
+        <p14:creationId xmlns:p14="http://schemas.microsoft.com/office/powerpoint/2010/main" val="1652652966"/>
       </p:ext>
     </p:extLst>
   </p:cSld>
@@ -4833,11 +4868,11 @@
           <a:p>
             <a:r>
               <a:rPr lang="pl-PL" dirty="0" smtClean="0"/>
-              <a:t>@</a:t>
+              <a:t>REST </a:t>
             </a:r>
             <a:r>
               <a:rPr lang="pl-PL" dirty="0" err="1" smtClean="0"/>
-              <a:t>ResponseBody</a:t>
+              <a:t>Template</a:t>
             </a:r>
             <a:endParaRPr lang="pl-PL" dirty="0"/>
           </a:p>
@@ -4845,48 +4880,332 @@
       </p:sp>
       <p:sp>
         <p:nvSpPr>
-          <p:cNvPr id="5" name="pole tekstowe 4"/>
-          <p:cNvSpPr txBox="1"/>
+          <p:cNvPr id="8" name="Symbol zastępczy tekstu 2"/>
+          <p:cNvSpPr txBox="1">
+            <a:spLocks/>
+          </p:cNvSpPr>
           <p:nvPr/>
         </p:nvSpPr>
         <p:spPr>
           <a:xfrm>
-            <a:off x="465826" y="1043796"/>
-            <a:ext cx="8212347" cy="646331"/>
-          </a:xfrm>
-          <a:prstGeom prst="rect">
-            <a:avLst/>
-          </a:prstGeom>
-          <a:noFill/>
-        </p:spPr>
-        <p:txBody>
-          <a:bodyPr wrap="square" rtlCol="0">
-            <a:spAutoFit/>
+            <a:off x="0" y="1228158"/>
+            <a:ext cx="9144000" cy="4846148"/>
+          </a:xfrm>
+          <a:prstGeom prst="rect">
+            <a:avLst/>
+          </a:prstGeom>
+        </p:spPr>
+        <p:txBody>
+          <a:bodyPr>
+            <a:normAutofit/>
           </a:bodyPr>
-          <a:lstStyle/>
-          <a:p>
-            <a:pPr marL="285750" indent="-285750">
-              <a:buFont typeface="Arial" panose="020B0604020202020204" pitchFamily="34" charset="0"/>
+          <a:lstStyle>
+            <a:lvl1pPr marL="342900" indent="-342900" algn="l" defTabSz="457200" rtl="0" eaLnBrk="1" latinLnBrk="0" hangingPunct="1">
+              <a:spcBef>
+                <a:spcPct val="20000"/>
+              </a:spcBef>
+              <a:buFont typeface="Arial"/>
               <a:buChar char="•"/>
+              <a:defRPr sz="3200" kern="1200">
+                <a:solidFill>
+                  <a:schemeClr val="tx1"/>
+                </a:solidFill>
+                <a:latin typeface="+mn-lt"/>
+                <a:ea typeface="+mn-ea"/>
+                <a:cs typeface="+mn-cs"/>
+              </a:defRPr>
+            </a:lvl1pPr>
+            <a:lvl2pPr marL="742950" indent="-285750" algn="l" defTabSz="457200" rtl="0" eaLnBrk="1" latinLnBrk="0" hangingPunct="1">
+              <a:spcBef>
+                <a:spcPct val="20000"/>
+              </a:spcBef>
+              <a:buFont typeface="Arial"/>
+              <a:buChar char="–"/>
+              <a:defRPr sz="2800" kern="1200">
+                <a:solidFill>
+                  <a:schemeClr val="tx1"/>
+                </a:solidFill>
+                <a:latin typeface="+mn-lt"/>
+                <a:ea typeface="+mn-ea"/>
+                <a:cs typeface="+mn-cs"/>
+              </a:defRPr>
+            </a:lvl2pPr>
+            <a:lvl3pPr marL="1143000" indent="-228600" algn="l" defTabSz="457200" rtl="0" eaLnBrk="1" latinLnBrk="0" hangingPunct="1">
+              <a:spcBef>
+                <a:spcPct val="20000"/>
+              </a:spcBef>
+              <a:buFont typeface="Arial"/>
+              <a:buChar char="•"/>
+              <a:defRPr sz="2400" kern="1200">
+                <a:solidFill>
+                  <a:schemeClr val="tx1"/>
+                </a:solidFill>
+                <a:latin typeface="+mn-lt"/>
+                <a:ea typeface="+mn-ea"/>
+                <a:cs typeface="+mn-cs"/>
+              </a:defRPr>
+            </a:lvl3pPr>
+            <a:lvl4pPr marL="1600200" indent="-228600" algn="l" defTabSz="457200" rtl="0" eaLnBrk="1" latinLnBrk="0" hangingPunct="1">
+              <a:spcBef>
+                <a:spcPct val="20000"/>
+              </a:spcBef>
+              <a:buFont typeface="Arial"/>
+              <a:buChar char="–"/>
+              <a:defRPr sz="2000" kern="1200">
+                <a:solidFill>
+                  <a:schemeClr val="tx1"/>
+                </a:solidFill>
+                <a:latin typeface="+mn-lt"/>
+                <a:ea typeface="+mn-ea"/>
+                <a:cs typeface="+mn-cs"/>
+              </a:defRPr>
+            </a:lvl4pPr>
+            <a:lvl5pPr marL="2057400" indent="-228600" algn="l" defTabSz="457200" rtl="0" eaLnBrk="1" latinLnBrk="0" hangingPunct="1">
+              <a:spcBef>
+                <a:spcPct val="20000"/>
+              </a:spcBef>
+              <a:buFont typeface="Arial"/>
+              <a:buChar char="»"/>
+              <a:defRPr sz="2000" kern="1200">
+                <a:solidFill>
+                  <a:schemeClr val="tx1"/>
+                </a:solidFill>
+                <a:latin typeface="+mn-lt"/>
+                <a:ea typeface="+mn-ea"/>
+                <a:cs typeface="+mn-cs"/>
+              </a:defRPr>
+            </a:lvl5pPr>
+            <a:lvl6pPr marL="2514600" indent="-228600" algn="l" defTabSz="457200" rtl="0" eaLnBrk="1" latinLnBrk="0" hangingPunct="1">
+              <a:spcBef>
+                <a:spcPct val="20000"/>
+              </a:spcBef>
+              <a:buFont typeface="Arial"/>
+              <a:buChar char="•"/>
+              <a:defRPr sz="2000" kern="1200">
+                <a:solidFill>
+                  <a:schemeClr val="tx1"/>
+                </a:solidFill>
+                <a:latin typeface="+mn-lt"/>
+                <a:ea typeface="+mn-ea"/>
+                <a:cs typeface="+mn-cs"/>
+              </a:defRPr>
+            </a:lvl6pPr>
+            <a:lvl7pPr marL="2971800" indent="-228600" algn="l" defTabSz="457200" rtl="0" eaLnBrk="1" latinLnBrk="0" hangingPunct="1">
+              <a:spcBef>
+                <a:spcPct val="20000"/>
+              </a:spcBef>
+              <a:buFont typeface="Arial"/>
+              <a:buChar char="•"/>
+              <a:defRPr sz="2000" kern="1200">
+                <a:solidFill>
+                  <a:schemeClr val="tx1"/>
+                </a:solidFill>
+                <a:latin typeface="+mn-lt"/>
+                <a:ea typeface="+mn-ea"/>
+                <a:cs typeface="+mn-cs"/>
+              </a:defRPr>
+            </a:lvl7pPr>
+            <a:lvl8pPr marL="3429000" indent="-228600" algn="l" defTabSz="457200" rtl="0" eaLnBrk="1" latinLnBrk="0" hangingPunct="1">
+              <a:spcBef>
+                <a:spcPct val="20000"/>
+              </a:spcBef>
+              <a:buFont typeface="Arial"/>
+              <a:buChar char="•"/>
+              <a:defRPr sz="2000" kern="1200">
+                <a:solidFill>
+                  <a:schemeClr val="tx1"/>
+                </a:solidFill>
+                <a:latin typeface="+mn-lt"/>
+                <a:ea typeface="+mn-ea"/>
+                <a:cs typeface="+mn-cs"/>
+              </a:defRPr>
+            </a:lvl8pPr>
+            <a:lvl9pPr marL="3886200" indent="-228600" algn="l" defTabSz="457200" rtl="0" eaLnBrk="1" latinLnBrk="0" hangingPunct="1">
+              <a:spcBef>
+                <a:spcPct val="20000"/>
+              </a:spcBef>
+              <a:buFont typeface="Arial"/>
+              <a:buChar char="•"/>
+              <a:defRPr sz="2000" kern="1200">
+                <a:solidFill>
+                  <a:schemeClr val="tx1"/>
+                </a:solidFill>
+                <a:latin typeface="+mn-lt"/>
+                <a:ea typeface="+mn-ea"/>
+                <a:cs typeface="+mn-cs"/>
+              </a:defRPr>
+            </a:lvl9pPr>
+          </a:lstStyle>
+          <a:p>
+            <a:pPr marL="198900" indent="0" algn="just">
+              <a:buFont typeface="Arial"/>
+              <a:buNone/>
             </a:pPr>
-            <a:r>
-              <a:rPr lang="pl-PL" dirty="0" smtClean="0"/>
-              <a:t>Określa że wartość zwracana przez metodę ma zostać umieszczona bezpośrednio w „HTTP </a:t>
-            </a:r>
-            <a:r>
-              <a:rPr lang="pl-PL" dirty="0" err="1" smtClean="0"/>
-              <a:t>response</a:t>
-            </a:r>
-            <a:r>
-              <a:rPr lang="pl-PL" dirty="0" smtClean="0"/>
-              <a:t> body”.   </a:t>
-            </a:r>
+            <a:endParaRPr lang="pl-PL" dirty="0" smtClean="0"/>
+          </a:p>
+          <a:p>
+            <a:pPr algn="just"/>
+            <a:r>
+              <a:rPr lang="pl-PL" sz="1800" dirty="0">
+                <a:solidFill>
+                  <a:srgbClr val="2D3E5C"/>
+                </a:solidFill>
+                <a:latin typeface=""/>
+              </a:rPr>
+              <a:t>Klasa wykorzystywana po stronie klienta do komunikacji </a:t>
+            </a:r>
+            <a:r>
+              <a:rPr lang="pl-PL" sz="1800" dirty="0" smtClean="0">
+                <a:solidFill>
+                  <a:srgbClr val="2D3E5C"/>
+                </a:solidFill>
+                <a:latin typeface=""/>
+              </a:rPr>
+              <a:t>serwerem </a:t>
+            </a:r>
+            <a:r>
+              <a:rPr lang="pl-PL" sz="1800" dirty="0">
+                <a:solidFill>
+                  <a:srgbClr val="2D3E5C"/>
+                </a:solidFill>
+                <a:latin typeface=""/>
+              </a:rPr>
+              <a:t>za pomocą protokołu HTTP</a:t>
+            </a:r>
+            <a:r>
+              <a:rPr lang="pl-PL" sz="1800" dirty="0" smtClean="0">
+                <a:solidFill>
+                  <a:srgbClr val="2D3E5C"/>
+                </a:solidFill>
+                <a:latin typeface=""/>
+              </a:rPr>
+              <a:t>.</a:t>
+            </a:r>
+          </a:p>
+          <a:p>
+            <a:pPr marL="0" indent="0" algn="just">
+              <a:buNone/>
+            </a:pPr>
+            <a:endParaRPr lang="pl-PL" sz="1800" dirty="0" smtClean="0">
+              <a:solidFill>
+                <a:srgbClr val="2D3E5C"/>
+              </a:solidFill>
+              <a:latin typeface=""/>
+            </a:endParaRPr>
+          </a:p>
+          <a:p>
+            <a:pPr algn="just"/>
+            <a:r>
+              <a:rPr lang="pl-PL" sz="1800" dirty="0">
+                <a:solidFill>
+                  <a:srgbClr val="2D3E5C"/>
+                </a:solidFill>
+                <a:latin typeface=""/>
+              </a:rPr>
+              <a:t>Żądania GET z wykorzystaniem metody </a:t>
+            </a:r>
+            <a:r>
+              <a:rPr lang="pl-PL" sz="1800" dirty="0" smtClean="0">
+                <a:solidFill>
+                  <a:srgbClr val="2D3E5C"/>
+                </a:solidFill>
+                <a:latin typeface=""/>
+              </a:rPr>
+              <a:t>„</a:t>
+            </a:r>
+            <a:r>
+              <a:rPr lang="pl-PL" sz="1800" dirty="0" err="1" smtClean="0">
+                <a:solidFill>
+                  <a:srgbClr val="2D3E5C"/>
+                </a:solidFill>
+                <a:latin typeface=""/>
+              </a:rPr>
+              <a:t>getForEntity</a:t>
+            </a:r>
+            <a:r>
+              <a:rPr lang="pl-PL" sz="1800" dirty="0" smtClean="0">
+                <a:solidFill>
+                  <a:srgbClr val="2D3E5C"/>
+                </a:solidFill>
+                <a:latin typeface=""/>
+              </a:rPr>
+              <a:t>”:</a:t>
+            </a:r>
+          </a:p>
+          <a:p>
+            <a:pPr algn="just"/>
+            <a:endParaRPr lang="pl-PL" sz="1800" dirty="0">
+              <a:solidFill>
+                <a:srgbClr val="2D3E5C"/>
+              </a:solidFill>
+              <a:latin typeface=""/>
+            </a:endParaRPr>
+          </a:p>
+          <a:p>
+            <a:pPr algn="just"/>
+            <a:endParaRPr lang="pl-PL" sz="1800" dirty="0">
+              <a:solidFill>
+                <a:srgbClr val="2D3E5C"/>
+              </a:solidFill>
+              <a:latin typeface=""/>
+            </a:endParaRPr>
+          </a:p>
+          <a:p>
+            <a:pPr algn="just"/>
+            <a:endParaRPr lang="pl-PL" sz="1800" dirty="0">
+              <a:solidFill>
+                <a:srgbClr val="2D3E5C"/>
+              </a:solidFill>
+              <a:latin typeface=""/>
+            </a:endParaRPr>
+          </a:p>
+          <a:p>
+            <a:pPr algn="just"/>
+            <a:endParaRPr lang="pl-PL" dirty="0" smtClean="0"/>
+          </a:p>
+          <a:p>
+            <a:pPr marL="0" indent="0" algn="just">
+              <a:buNone/>
+            </a:pPr>
+            <a:r>
+              <a:rPr lang="pl-PL" sz="1800" dirty="0" smtClean="0">
+                <a:solidFill>
+                  <a:srgbClr val="2D3E5C"/>
+                </a:solidFill>
+                <a:latin typeface=""/>
+              </a:rPr>
+              <a:t>      REST </a:t>
+            </a:r>
+            <a:r>
+              <a:rPr lang="pl-PL" sz="1800" dirty="0" err="1" smtClean="0">
+                <a:solidFill>
+                  <a:srgbClr val="2D3E5C"/>
+                </a:solidFill>
+                <a:latin typeface=""/>
+              </a:rPr>
+              <a:t>Template</a:t>
+            </a:r>
+            <a:r>
+              <a:rPr lang="pl-PL" sz="1800" dirty="0" smtClean="0">
+                <a:solidFill>
+                  <a:srgbClr val="2D3E5C"/>
+                </a:solidFill>
+                <a:latin typeface=""/>
+              </a:rPr>
+              <a:t> :</a:t>
+            </a:r>
+            <a:endParaRPr lang="pl-PL" sz="1800" dirty="0">
+              <a:solidFill>
+                <a:srgbClr val="2D3E5C"/>
+              </a:solidFill>
+              <a:latin typeface=""/>
+            </a:endParaRPr>
           </a:p>
         </p:txBody>
       </p:sp>
       <p:pic>
         <p:nvPicPr>
-          <p:cNvPr id="6" name="Obraz 5"/>
+          <p:cNvPr id="4" name="Obraz 3"/>
           <p:cNvPicPr>
             <a:picLocks noChangeAspect="1"/>
           </p:cNvPicPr>
@@ -4900,8 +5219,8 @@
         </p:blipFill>
         <p:spPr>
           <a:xfrm>
-            <a:off x="561975" y="2447330"/>
-            <a:ext cx="8020050" cy="962025"/>
+            <a:off x="452391" y="3444198"/>
+            <a:ext cx="8239216" cy="971550"/>
           </a:xfrm>
           <a:prstGeom prst="rect">
             <a:avLst/>
@@ -4910,7 +5229,7 @@
       </p:pic>
       <p:pic>
         <p:nvPicPr>
-          <p:cNvPr id="7" name="Obraz 6"/>
+          <p:cNvPr id="5" name="Obraz 4"/>
           <p:cNvPicPr>
             <a:picLocks noChangeAspect="1"/>
           </p:cNvPicPr>
@@ -4924,8 +5243,8 @@
         </p:blipFill>
         <p:spPr>
           <a:xfrm>
-            <a:off x="2214561" y="3841271"/>
-            <a:ext cx="4714875" cy="1866900"/>
+            <a:off x="331621" y="5279367"/>
+            <a:ext cx="8480755" cy="728776"/>
           </a:xfrm>
           <a:prstGeom prst="rect">
             <a:avLst/>
@@ -4935,7 +5254,7 @@
     </p:spTree>
     <p:extLst>
       <p:ext uri="{BB962C8B-B14F-4D97-AF65-F5344CB8AC3E}">
-        <p14:creationId xmlns:p14="http://schemas.microsoft.com/office/powerpoint/2010/main" val="1652652966"/>
+        <p14:creationId xmlns:p14="http://schemas.microsoft.com/office/powerpoint/2010/main" val="3204976087"/>
       </p:ext>
     </p:extLst>
   </p:cSld>
@@ -5147,7 +5466,7 @@
     </p:spTree>
     <p:extLst>
       <p:ext uri="{BB962C8B-B14F-4D97-AF65-F5344CB8AC3E}">
-        <p14:creationId xmlns:p14="http://schemas.microsoft.com/office/powerpoint/2010/main" val="2638960368"/>
+        <p14:creationId xmlns:p14="http://schemas.microsoft.com/office/powerpoint/2010/main" val="671766725"/>
       </p:ext>
     </p:extLst>
   </p:cSld>
@@ -5183,7 +5502,7 @@
       </p:grpSpPr>
       <p:sp>
         <p:nvSpPr>
-          <p:cNvPr id="2" name="Tytuł 1"/>
+          <p:cNvPr id="7" name="Tytuł 6"/>
           <p:cNvSpPr>
             <a:spLocks noGrp="1"/>
           </p:cNvSpPr>
@@ -5196,377 +5515,87 @@
           <a:bodyPr/>
           <a:lstStyle/>
           <a:p>
-            <a:r>
-              <a:rPr lang="pl-PL" dirty="0" smtClean="0"/>
-              <a:t>REST </a:t>
-            </a:r>
-            <a:r>
-              <a:rPr lang="pl-PL" dirty="0" err="1" smtClean="0"/>
-              <a:t>Template</a:t>
-            </a:r>
-            <a:endParaRPr lang="pl-PL" dirty="0"/>
-          </a:p>
-        </p:txBody>
-      </p:sp>
-      <p:sp>
-        <p:nvSpPr>
-          <p:cNvPr id="8" name="Symbol zastępczy tekstu 2"/>
-          <p:cNvSpPr txBox="1">
-            <a:spLocks/>
+            <a:endParaRPr lang="pl-PL"/>
+          </a:p>
+        </p:txBody>
+      </p:sp>
+      <p:sp>
+        <p:nvSpPr>
+          <p:cNvPr id="3" name="Symbol zastępczy tekstu 2"/>
+          <p:cNvSpPr>
+            <a:spLocks noGrp="1"/>
           </p:cNvSpPr>
-          <p:nvPr/>
-        </p:nvSpPr>
-        <p:spPr>
-          <a:xfrm>
-            <a:off x="0" y="1228158"/>
-            <a:ext cx="9144000" cy="4846148"/>
-          </a:xfrm>
+          <p:nvPr>
+            <p:ph type="body" sz="quarter" idx="10"/>
+          </p:nvPr>
+        </p:nvSpPr>
+        <p:spPr>
           <a:prstGeom prst="rect">
             <a:avLst/>
           </a:prstGeom>
         </p:spPr>
         <p:txBody>
           <a:bodyPr>
-            <a:normAutofit/>
+            <a:noAutofit/>
           </a:bodyPr>
-          <a:lstStyle>
-            <a:lvl1pPr marL="342900" indent="-342900" algn="l" defTabSz="457200" rtl="0" eaLnBrk="1" latinLnBrk="0" hangingPunct="1">
-              <a:spcBef>
-                <a:spcPct val="20000"/>
-              </a:spcBef>
-              <a:buFont typeface="Arial"/>
-              <a:buChar char="•"/>
-              <a:defRPr sz="3200" kern="1200">
-                <a:solidFill>
-                  <a:schemeClr val="tx1"/>
-                </a:solidFill>
-                <a:latin typeface="+mn-lt"/>
-                <a:ea typeface="+mn-ea"/>
-                <a:cs typeface="+mn-cs"/>
-              </a:defRPr>
-            </a:lvl1pPr>
-            <a:lvl2pPr marL="742950" indent="-285750" algn="l" defTabSz="457200" rtl="0" eaLnBrk="1" latinLnBrk="0" hangingPunct="1">
-              <a:spcBef>
-                <a:spcPct val="20000"/>
-              </a:spcBef>
-              <a:buFont typeface="Arial"/>
-              <a:buChar char="–"/>
-              <a:defRPr sz="2800" kern="1200">
-                <a:solidFill>
-                  <a:schemeClr val="tx1"/>
-                </a:solidFill>
-                <a:latin typeface="+mn-lt"/>
-                <a:ea typeface="+mn-ea"/>
-                <a:cs typeface="+mn-cs"/>
-              </a:defRPr>
-            </a:lvl2pPr>
-            <a:lvl3pPr marL="1143000" indent="-228600" algn="l" defTabSz="457200" rtl="0" eaLnBrk="1" latinLnBrk="0" hangingPunct="1">
-              <a:spcBef>
-                <a:spcPct val="20000"/>
-              </a:spcBef>
-              <a:buFont typeface="Arial"/>
-              <a:buChar char="•"/>
-              <a:defRPr sz="2400" kern="1200">
-                <a:solidFill>
-                  <a:schemeClr val="tx1"/>
-                </a:solidFill>
-                <a:latin typeface="+mn-lt"/>
-                <a:ea typeface="+mn-ea"/>
-                <a:cs typeface="+mn-cs"/>
-              </a:defRPr>
-            </a:lvl3pPr>
-            <a:lvl4pPr marL="1600200" indent="-228600" algn="l" defTabSz="457200" rtl="0" eaLnBrk="1" latinLnBrk="0" hangingPunct="1">
-              <a:spcBef>
-                <a:spcPct val="20000"/>
-              </a:spcBef>
-              <a:buFont typeface="Arial"/>
-              <a:buChar char="–"/>
-              <a:defRPr sz="2000" kern="1200">
-                <a:solidFill>
-                  <a:schemeClr val="tx1"/>
-                </a:solidFill>
-                <a:latin typeface="+mn-lt"/>
-                <a:ea typeface="+mn-ea"/>
-                <a:cs typeface="+mn-cs"/>
-              </a:defRPr>
-            </a:lvl4pPr>
-            <a:lvl5pPr marL="2057400" indent="-228600" algn="l" defTabSz="457200" rtl="0" eaLnBrk="1" latinLnBrk="0" hangingPunct="1">
-              <a:spcBef>
-                <a:spcPct val="20000"/>
-              </a:spcBef>
-              <a:buFont typeface="Arial"/>
-              <a:buChar char="»"/>
-              <a:defRPr sz="2000" kern="1200">
-                <a:solidFill>
-                  <a:schemeClr val="tx1"/>
-                </a:solidFill>
-                <a:latin typeface="+mn-lt"/>
-                <a:ea typeface="+mn-ea"/>
-                <a:cs typeface="+mn-cs"/>
-              </a:defRPr>
-            </a:lvl5pPr>
-            <a:lvl6pPr marL="2514600" indent="-228600" algn="l" defTabSz="457200" rtl="0" eaLnBrk="1" latinLnBrk="0" hangingPunct="1">
-              <a:spcBef>
-                <a:spcPct val="20000"/>
-              </a:spcBef>
-              <a:buFont typeface="Arial"/>
-              <a:buChar char="•"/>
-              <a:defRPr sz="2000" kern="1200">
-                <a:solidFill>
-                  <a:schemeClr val="tx1"/>
-                </a:solidFill>
-                <a:latin typeface="+mn-lt"/>
-                <a:ea typeface="+mn-ea"/>
-                <a:cs typeface="+mn-cs"/>
-              </a:defRPr>
-            </a:lvl6pPr>
-            <a:lvl7pPr marL="2971800" indent="-228600" algn="l" defTabSz="457200" rtl="0" eaLnBrk="1" latinLnBrk="0" hangingPunct="1">
-              <a:spcBef>
-                <a:spcPct val="20000"/>
-              </a:spcBef>
-              <a:buFont typeface="Arial"/>
-              <a:buChar char="•"/>
-              <a:defRPr sz="2000" kern="1200">
-                <a:solidFill>
-                  <a:schemeClr val="tx1"/>
-                </a:solidFill>
-                <a:latin typeface="+mn-lt"/>
-                <a:ea typeface="+mn-ea"/>
-                <a:cs typeface="+mn-cs"/>
-              </a:defRPr>
-            </a:lvl7pPr>
-            <a:lvl8pPr marL="3429000" indent="-228600" algn="l" defTabSz="457200" rtl="0" eaLnBrk="1" latinLnBrk="0" hangingPunct="1">
-              <a:spcBef>
-                <a:spcPct val="20000"/>
-              </a:spcBef>
-              <a:buFont typeface="Arial"/>
-              <a:buChar char="•"/>
-              <a:defRPr sz="2000" kern="1200">
-                <a:solidFill>
-                  <a:schemeClr val="tx1"/>
-                </a:solidFill>
-                <a:latin typeface="+mn-lt"/>
-                <a:ea typeface="+mn-ea"/>
-                <a:cs typeface="+mn-cs"/>
-              </a:defRPr>
-            </a:lvl8pPr>
-            <a:lvl9pPr marL="3886200" indent="-228600" algn="l" defTabSz="457200" rtl="0" eaLnBrk="1" latinLnBrk="0" hangingPunct="1">
-              <a:spcBef>
-                <a:spcPct val="20000"/>
-              </a:spcBef>
-              <a:buFont typeface="Arial"/>
-              <a:buChar char="•"/>
-              <a:defRPr sz="2000" kern="1200">
-                <a:solidFill>
-                  <a:schemeClr val="tx1"/>
-                </a:solidFill>
-                <a:latin typeface="+mn-lt"/>
-                <a:ea typeface="+mn-ea"/>
-                <a:cs typeface="+mn-cs"/>
-              </a:defRPr>
-            </a:lvl9pPr>
-          </a:lstStyle>
-          <a:p>
-            <a:pPr marL="198900" indent="0" algn="just">
-              <a:buFont typeface="Arial"/>
+          <a:lstStyle/>
+          <a:p>
+            <a:pPr marL="198900" indent="0">
               <a:buNone/>
             </a:pPr>
-            <a:endParaRPr lang="pl-PL" dirty="0" smtClean="0"/>
-          </a:p>
-          <a:p>
-            <a:pPr algn="just"/>
-            <a:r>
-              <a:rPr lang="pl-PL" sz="1800" dirty="0">
-                <a:solidFill>
-                  <a:srgbClr val="2D3E5C"/>
-                </a:solidFill>
-                <a:latin typeface=""/>
-              </a:rPr>
-              <a:t>Klasa wykorzystywana po stronie klienta do komunikacji </a:t>
-            </a:r>
-            <a:r>
-              <a:rPr lang="pl-PL" sz="1800" dirty="0" smtClean="0">
-                <a:solidFill>
-                  <a:srgbClr val="2D3E5C"/>
-                </a:solidFill>
-                <a:latin typeface=""/>
-              </a:rPr>
-              <a:t>serwerem </a:t>
-            </a:r>
-            <a:r>
-              <a:rPr lang="pl-PL" sz="1800" dirty="0">
-                <a:solidFill>
-                  <a:srgbClr val="2D3E5C"/>
-                </a:solidFill>
-                <a:latin typeface=""/>
-              </a:rPr>
-              <a:t>za pomocą protokołu HTTP</a:t>
-            </a:r>
-            <a:r>
-              <a:rPr lang="pl-PL" sz="1800" dirty="0" smtClean="0">
-                <a:solidFill>
-                  <a:srgbClr val="2D3E5C"/>
-                </a:solidFill>
-                <a:latin typeface=""/>
-              </a:rPr>
-              <a:t>.</a:t>
-            </a:r>
-          </a:p>
-          <a:p>
-            <a:pPr marL="0" indent="0" algn="just">
-              <a:buNone/>
-            </a:pPr>
-            <a:endParaRPr lang="pl-PL" sz="1800" dirty="0" smtClean="0">
-              <a:solidFill>
-                <a:srgbClr val="2D3E5C"/>
-              </a:solidFill>
-              <a:latin typeface=""/>
-            </a:endParaRPr>
-          </a:p>
-          <a:p>
-            <a:pPr algn="just"/>
-            <a:r>
-              <a:rPr lang="pl-PL" sz="1800" dirty="0">
-                <a:solidFill>
-                  <a:srgbClr val="2D3E5C"/>
-                </a:solidFill>
-                <a:latin typeface=""/>
-              </a:rPr>
-              <a:t>Żądania GET z wykorzystaniem metody </a:t>
-            </a:r>
-            <a:r>
-              <a:rPr lang="pl-PL" sz="1800" dirty="0" smtClean="0">
-                <a:solidFill>
-                  <a:srgbClr val="2D3E5C"/>
-                </a:solidFill>
-                <a:latin typeface=""/>
-              </a:rPr>
-              <a:t>„exchange”:</a:t>
-            </a:r>
-          </a:p>
-          <a:p>
-            <a:pPr algn="just"/>
-            <a:endParaRPr lang="pl-PL" sz="1800" dirty="0">
-              <a:solidFill>
-                <a:srgbClr val="2D3E5C"/>
-              </a:solidFill>
-              <a:latin typeface=""/>
-            </a:endParaRPr>
-          </a:p>
-          <a:p>
-            <a:pPr algn="just"/>
-            <a:endParaRPr lang="pl-PL" sz="1800" dirty="0">
-              <a:solidFill>
-                <a:srgbClr val="2D3E5C"/>
-              </a:solidFill>
-              <a:latin typeface=""/>
-            </a:endParaRPr>
-          </a:p>
-          <a:p>
-            <a:pPr algn="just"/>
-            <a:endParaRPr lang="pl-PL" sz="1800" dirty="0">
-              <a:solidFill>
-                <a:srgbClr val="2D3E5C"/>
-              </a:solidFill>
-              <a:latin typeface=""/>
-            </a:endParaRPr>
-          </a:p>
-          <a:p>
-            <a:pPr algn="just"/>
-            <a:endParaRPr lang="pl-PL" dirty="0" smtClean="0"/>
-          </a:p>
-          <a:p>
-            <a:pPr marL="0" indent="0" algn="just">
-              <a:buNone/>
-            </a:pPr>
-            <a:r>
-              <a:rPr lang="pl-PL" sz="1800" dirty="0" smtClean="0">
-                <a:solidFill>
-                  <a:srgbClr val="2D3E5C"/>
-                </a:solidFill>
-                <a:latin typeface=""/>
-              </a:rPr>
-              <a:t>      REST </a:t>
-            </a:r>
-            <a:r>
-              <a:rPr lang="pl-PL" sz="1800" dirty="0" err="1" smtClean="0">
-                <a:solidFill>
-                  <a:srgbClr val="2D3E5C"/>
-                </a:solidFill>
-                <a:latin typeface=""/>
-              </a:rPr>
-              <a:t>Template</a:t>
-            </a:r>
-            <a:r>
-              <a:rPr lang="pl-PL" sz="1800" dirty="0" smtClean="0">
-                <a:solidFill>
-                  <a:srgbClr val="2D3E5C"/>
-                </a:solidFill>
-                <a:latin typeface=""/>
-              </a:rPr>
-              <a:t> :</a:t>
-            </a:r>
-            <a:endParaRPr lang="pl-PL" sz="1800" dirty="0">
-              <a:solidFill>
-                <a:srgbClr val="2D3E5C"/>
-              </a:solidFill>
-              <a:latin typeface=""/>
-            </a:endParaRPr>
+            <a:r>
+              <a:rPr lang="pl-PL" sz="5000" dirty="0" smtClean="0"/>
+              <a:t>Pierwsze API</a:t>
+            </a:r>
+            <a:endParaRPr lang="pl-PL" sz="5000" dirty="0"/>
           </a:p>
         </p:txBody>
       </p:sp>
       <p:pic>
         <p:nvPicPr>
-          <p:cNvPr id="4" name="Obraz 3"/>
+          <p:cNvPr id="3074" name="Picture 2" descr="Znalezione obrazy dla zapytania junit"/>
           <p:cNvPicPr>
-            <a:picLocks noChangeAspect="1"/>
+            <a:picLocks noChangeAspect="1" noChangeArrowheads="1"/>
           </p:cNvPicPr>
           <p:nvPr/>
         </p:nvPicPr>
         <p:blipFill>
-          <a:blip r:embed="rId2"/>
+          <a:blip r:embed="rId2">
+            <a:extLst>
+              <a:ext uri="{28A0092B-C50C-407E-A947-70E740481C1C}">
+                <a14:useLocalDpi xmlns:a14="http://schemas.microsoft.com/office/drawing/2010/main" val="0"/>
+              </a:ext>
+            </a:extLst>
+          </a:blip>
+          <a:srcRect/>
           <a:stretch>
             <a:fillRect/>
           </a:stretch>
         </p:blipFill>
-        <p:spPr>
-          <a:xfrm>
-            <a:off x="452391" y="3444198"/>
-            <a:ext cx="8239216" cy="971550"/>
-          </a:xfrm>
-          <a:prstGeom prst="rect">
-            <a:avLst/>
-          </a:prstGeom>
-        </p:spPr>
-      </p:pic>
-      <p:pic>
-        <p:nvPicPr>
-          <p:cNvPr id="5" name="Obraz 4"/>
-          <p:cNvPicPr>
-            <a:picLocks noChangeAspect="1"/>
-          </p:cNvPicPr>
-          <p:nvPr/>
-        </p:nvPicPr>
-        <p:blipFill>
-          <a:blip r:embed="rId3"/>
-          <a:stretch>
-            <a:fillRect/>
-          </a:stretch>
-        </p:blipFill>
-        <p:spPr>
-          <a:xfrm>
-            <a:off x="331621" y="5279367"/>
-            <a:ext cx="8480755" cy="728776"/>
-          </a:xfrm>
-          <a:prstGeom prst="rect">
-            <a:avLst/>
-          </a:prstGeom>
+        <p:spPr bwMode="auto">
+          <a:xfrm>
+            <a:off x="5528764" y="3071495"/>
+            <a:ext cx="2152650" cy="2124075"/>
+          </a:xfrm>
+          <a:prstGeom prst="rect">
+            <a:avLst/>
+          </a:prstGeom>
+          <a:noFill/>
+          <a:extLst>
+            <a:ext uri="{909E8E84-426E-40DD-AFC4-6F175D3DCCD1}">
+              <a14:hiddenFill xmlns:a14="http://schemas.microsoft.com/office/drawing/2010/main">
+                <a:solidFill>
+                  <a:srgbClr val="FFFFFF"/>
+                </a:solidFill>
+              </a14:hiddenFill>
+            </a:ext>
+          </a:extLst>
         </p:spPr>
       </p:pic>
     </p:spTree>
     <p:extLst>
       <p:ext uri="{BB962C8B-B14F-4D97-AF65-F5344CB8AC3E}">
-        <p14:creationId xmlns:p14="http://schemas.microsoft.com/office/powerpoint/2010/main" val="3204976087"/>
+        <p14:creationId xmlns:p14="http://schemas.microsoft.com/office/powerpoint/2010/main" val="1028304070"/>
       </p:ext>
     </p:extLst>
   </p:cSld>
@@ -5602,7 +5631,7 @@
       </p:grpSpPr>
       <p:sp>
         <p:nvSpPr>
-          <p:cNvPr id="7" name="Tytuł 6"/>
+          <p:cNvPr id="2" name="Tytuł 1"/>
           <p:cNvSpPr>
             <a:spLocks noGrp="1"/>
           </p:cNvSpPr>
@@ -5615,87 +5644,289 @@
           <a:bodyPr/>
           <a:lstStyle/>
           <a:p>
-            <a:endParaRPr lang="pl-PL"/>
-          </a:p>
-        </p:txBody>
-      </p:sp>
-      <p:sp>
-        <p:nvSpPr>
-          <p:cNvPr id="3" name="Symbol zastępczy tekstu 2"/>
-          <p:cNvSpPr>
-            <a:spLocks noGrp="1"/>
-          </p:cNvSpPr>
-          <p:nvPr>
-            <p:ph type="body" sz="quarter" idx="10"/>
-          </p:nvPr>
-        </p:nvSpPr>
-        <p:spPr>
-          <a:prstGeom prst="rect">
-            <a:avLst/>
-          </a:prstGeom>
-        </p:spPr>
-        <p:txBody>
-          <a:bodyPr>
-            <a:noAutofit/>
+            <a:r>
+              <a:rPr lang="en-US" dirty="0"/>
+              <a:t>Spring </a:t>
+            </a:r>
+            <a:r>
+              <a:rPr lang="en-US" dirty="0" err="1" smtClean="0"/>
+              <a:t>MockMVC</a:t>
+            </a:r>
+            <a:r>
+              <a:rPr lang="pl-PL" dirty="0" smtClean="0"/>
+              <a:t> </a:t>
+            </a:r>
+            <a:r>
+              <a:rPr lang="en-US" dirty="0" smtClean="0"/>
+              <a:t> </a:t>
+            </a:r>
+            <a:endParaRPr lang="pl-PL" dirty="0">
+              <a:latin typeface=""/>
+            </a:endParaRPr>
+          </a:p>
+        </p:txBody>
+      </p:sp>
+      <p:sp>
+        <p:nvSpPr>
+          <p:cNvPr id="4" name="pole tekstowe 3"/>
+          <p:cNvSpPr txBox="1"/>
+          <p:nvPr/>
+        </p:nvSpPr>
+        <p:spPr>
+          <a:xfrm>
+            <a:off x="862642" y="1233577"/>
+            <a:ext cx="6564701" cy="369332"/>
+          </a:xfrm>
+          <a:prstGeom prst="rect">
+            <a:avLst/>
+          </a:prstGeom>
+          <a:noFill/>
+        </p:spPr>
+        <p:txBody>
+          <a:bodyPr wrap="square" rtlCol="0">
+            <a:spAutoFit/>
           </a:bodyPr>
           <a:lstStyle/>
           <a:p>
-            <a:pPr marL="198900" indent="0">
+            <a:endParaRPr lang="pl-PL" dirty="0"/>
+          </a:p>
+        </p:txBody>
+      </p:sp>
+      <p:sp>
+        <p:nvSpPr>
+          <p:cNvPr id="6" name="Symbol zastępczy tekstu 2"/>
+          <p:cNvSpPr txBox="1">
+            <a:spLocks/>
+          </p:cNvSpPr>
+          <p:nvPr/>
+        </p:nvSpPr>
+        <p:spPr>
+          <a:xfrm>
+            <a:off x="0" y="1228158"/>
+            <a:ext cx="9144000" cy="4846148"/>
+          </a:xfrm>
+          <a:prstGeom prst="rect">
+            <a:avLst/>
+          </a:prstGeom>
+        </p:spPr>
+        <p:txBody>
+          <a:bodyPr>
+            <a:normAutofit/>
+          </a:bodyPr>
+          <a:lstStyle>
+            <a:lvl1pPr marL="342900" indent="-342900" algn="l" defTabSz="457200" rtl="0" eaLnBrk="1" latinLnBrk="0" hangingPunct="1">
+              <a:spcBef>
+                <a:spcPct val="20000"/>
+              </a:spcBef>
+              <a:buFont typeface="Arial"/>
+              <a:buChar char="•"/>
+              <a:defRPr sz="3200" kern="1200">
+                <a:solidFill>
+                  <a:schemeClr val="tx1"/>
+                </a:solidFill>
+                <a:latin typeface="+mn-lt"/>
+                <a:ea typeface="+mn-ea"/>
+                <a:cs typeface="+mn-cs"/>
+              </a:defRPr>
+            </a:lvl1pPr>
+            <a:lvl2pPr marL="742950" indent="-285750" algn="l" defTabSz="457200" rtl="0" eaLnBrk="1" latinLnBrk="0" hangingPunct="1">
+              <a:spcBef>
+                <a:spcPct val="20000"/>
+              </a:spcBef>
+              <a:buFont typeface="Arial"/>
+              <a:buChar char="–"/>
+              <a:defRPr sz="2800" kern="1200">
+                <a:solidFill>
+                  <a:schemeClr val="tx1"/>
+                </a:solidFill>
+                <a:latin typeface="+mn-lt"/>
+                <a:ea typeface="+mn-ea"/>
+                <a:cs typeface="+mn-cs"/>
+              </a:defRPr>
+            </a:lvl2pPr>
+            <a:lvl3pPr marL="1143000" indent="-228600" algn="l" defTabSz="457200" rtl="0" eaLnBrk="1" latinLnBrk="0" hangingPunct="1">
+              <a:spcBef>
+                <a:spcPct val="20000"/>
+              </a:spcBef>
+              <a:buFont typeface="Arial"/>
+              <a:buChar char="•"/>
+              <a:defRPr sz="2400" kern="1200">
+                <a:solidFill>
+                  <a:schemeClr val="tx1"/>
+                </a:solidFill>
+                <a:latin typeface="+mn-lt"/>
+                <a:ea typeface="+mn-ea"/>
+                <a:cs typeface="+mn-cs"/>
+              </a:defRPr>
+            </a:lvl3pPr>
+            <a:lvl4pPr marL="1600200" indent="-228600" algn="l" defTabSz="457200" rtl="0" eaLnBrk="1" latinLnBrk="0" hangingPunct="1">
+              <a:spcBef>
+                <a:spcPct val="20000"/>
+              </a:spcBef>
+              <a:buFont typeface="Arial"/>
+              <a:buChar char="–"/>
+              <a:defRPr sz="2000" kern="1200">
+                <a:solidFill>
+                  <a:schemeClr val="tx1"/>
+                </a:solidFill>
+                <a:latin typeface="+mn-lt"/>
+                <a:ea typeface="+mn-ea"/>
+                <a:cs typeface="+mn-cs"/>
+              </a:defRPr>
+            </a:lvl4pPr>
+            <a:lvl5pPr marL="2057400" indent="-228600" algn="l" defTabSz="457200" rtl="0" eaLnBrk="1" latinLnBrk="0" hangingPunct="1">
+              <a:spcBef>
+                <a:spcPct val="20000"/>
+              </a:spcBef>
+              <a:buFont typeface="Arial"/>
+              <a:buChar char="»"/>
+              <a:defRPr sz="2000" kern="1200">
+                <a:solidFill>
+                  <a:schemeClr val="tx1"/>
+                </a:solidFill>
+                <a:latin typeface="+mn-lt"/>
+                <a:ea typeface="+mn-ea"/>
+                <a:cs typeface="+mn-cs"/>
+              </a:defRPr>
+            </a:lvl5pPr>
+            <a:lvl6pPr marL="2514600" indent="-228600" algn="l" defTabSz="457200" rtl="0" eaLnBrk="1" latinLnBrk="0" hangingPunct="1">
+              <a:spcBef>
+                <a:spcPct val="20000"/>
+              </a:spcBef>
+              <a:buFont typeface="Arial"/>
+              <a:buChar char="•"/>
+              <a:defRPr sz="2000" kern="1200">
+                <a:solidFill>
+                  <a:schemeClr val="tx1"/>
+                </a:solidFill>
+                <a:latin typeface="+mn-lt"/>
+                <a:ea typeface="+mn-ea"/>
+                <a:cs typeface="+mn-cs"/>
+              </a:defRPr>
+            </a:lvl6pPr>
+            <a:lvl7pPr marL="2971800" indent="-228600" algn="l" defTabSz="457200" rtl="0" eaLnBrk="1" latinLnBrk="0" hangingPunct="1">
+              <a:spcBef>
+                <a:spcPct val="20000"/>
+              </a:spcBef>
+              <a:buFont typeface="Arial"/>
+              <a:buChar char="•"/>
+              <a:defRPr sz="2000" kern="1200">
+                <a:solidFill>
+                  <a:schemeClr val="tx1"/>
+                </a:solidFill>
+                <a:latin typeface="+mn-lt"/>
+                <a:ea typeface="+mn-ea"/>
+                <a:cs typeface="+mn-cs"/>
+              </a:defRPr>
+            </a:lvl7pPr>
+            <a:lvl8pPr marL="3429000" indent="-228600" algn="l" defTabSz="457200" rtl="0" eaLnBrk="1" latinLnBrk="0" hangingPunct="1">
+              <a:spcBef>
+                <a:spcPct val="20000"/>
+              </a:spcBef>
+              <a:buFont typeface="Arial"/>
+              <a:buChar char="•"/>
+              <a:defRPr sz="2000" kern="1200">
+                <a:solidFill>
+                  <a:schemeClr val="tx1"/>
+                </a:solidFill>
+                <a:latin typeface="+mn-lt"/>
+                <a:ea typeface="+mn-ea"/>
+                <a:cs typeface="+mn-cs"/>
+              </a:defRPr>
+            </a:lvl8pPr>
+            <a:lvl9pPr marL="3886200" indent="-228600" algn="l" defTabSz="457200" rtl="0" eaLnBrk="1" latinLnBrk="0" hangingPunct="1">
+              <a:spcBef>
+                <a:spcPct val="20000"/>
+              </a:spcBef>
+              <a:buFont typeface="Arial"/>
+              <a:buChar char="•"/>
+              <a:defRPr sz="2000" kern="1200">
+                <a:solidFill>
+                  <a:schemeClr val="tx1"/>
+                </a:solidFill>
+                <a:latin typeface="+mn-lt"/>
+                <a:ea typeface="+mn-ea"/>
+                <a:cs typeface="+mn-cs"/>
+              </a:defRPr>
+            </a:lvl9pPr>
+          </a:lstStyle>
+          <a:p>
+            <a:pPr marL="198900" indent="0" algn="just">
+              <a:buFont typeface="Arial"/>
               <a:buNone/>
             </a:pPr>
-            <a:r>
-              <a:rPr lang="pl-PL" sz="5000" dirty="0" smtClean="0"/>
-              <a:t>Pierwsze API</a:t>
-            </a:r>
-            <a:endParaRPr lang="pl-PL" sz="5000" dirty="0"/>
-          </a:p>
-        </p:txBody>
-      </p:sp>
-      <p:pic>
-        <p:nvPicPr>
-          <p:cNvPr id="3074" name="Picture 2" descr="Znalezione obrazy dla zapytania junit"/>
-          <p:cNvPicPr>
-            <a:picLocks noChangeAspect="1" noChangeArrowheads="1"/>
-          </p:cNvPicPr>
-          <p:nvPr/>
-        </p:nvPicPr>
-        <p:blipFill>
-          <a:blip r:embed="rId2">
-            <a:extLst>
-              <a:ext uri="{28A0092B-C50C-407E-A947-70E740481C1C}">
-                <a14:useLocalDpi xmlns:a14="http://schemas.microsoft.com/office/drawing/2010/main" val="0"/>
-              </a:ext>
-            </a:extLst>
-          </a:blip>
-          <a:srcRect/>
-          <a:stretch>
-            <a:fillRect/>
-          </a:stretch>
-        </p:blipFill>
-        <p:spPr bwMode="auto">
-          <a:xfrm>
-            <a:off x="5528764" y="3071495"/>
-            <a:ext cx="2152650" cy="2124075"/>
-          </a:xfrm>
-          <a:prstGeom prst="rect">
-            <a:avLst/>
-          </a:prstGeom>
-          <a:noFill/>
-          <a:extLst>
-            <a:ext uri="{909E8E84-426E-40DD-AFC4-6F175D3DCCD1}">
-              <a14:hiddenFill xmlns:a14="http://schemas.microsoft.com/office/drawing/2010/main">
-                <a:solidFill>
-                  <a:srgbClr val="FFFFFF"/>
-                </a:solidFill>
-              </a14:hiddenFill>
-            </a:ext>
-          </a:extLst>
-        </p:spPr>
-      </p:pic>
+            <a:endParaRPr lang="pl-PL" dirty="0" smtClean="0"/>
+          </a:p>
+          <a:p>
+            <a:pPr algn="just"/>
+            <a:r>
+              <a:rPr lang="pl-PL" sz="2400" dirty="0" smtClean="0"/>
+              <a:t>Wykorzystywany do testowania serwerowej strony aplikacji.</a:t>
+            </a:r>
+          </a:p>
+          <a:p>
+            <a:pPr algn="just"/>
+            <a:r>
+              <a:rPr lang="pl-PL" sz="2400" dirty="0" smtClean="0"/>
+              <a:t>Tworzy infrastrukturę bardzo zbliżoną do tej, która pojawia przy faktycznym uruchomieniu programu</a:t>
+            </a:r>
+          </a:p>
+          <a:p>
+            <a:pPr algn="just"/>
+            <a:r>
+              <a:rPr lang="pl-PL" sz="2400" dirty="0" smtClean="0"/>
+              <a:t>Główna zasada działania opiera się o </a:t>
+            </a:r>
+            <a:r>
+              <a:rPr lang="pl-PL" sz="2400" dirty="0" err="1" smtClean="0"/>
+              <a:t>mockowanie</a:t>
+            </a:r>
+            <a:r>
+              <a:rPr lang="pl-PL" sz="2400" dirty="0" smtClean="0"/>
+              <a:t> żądania i odpowiedzi HTTP, które przychodzą od „spring-test”.</a:t>
+            </a:r>
+          </a:p>
+          <a:p>
+            <a:pPr algn="just"/>
+            <a:r>
+              <a:rPr lang="pl-PL" sz="2400" dirty="0" smtClean="0"/>
+              <a:t>Testy nie wymagają uruchomionego kontenera </a:t>
+            </a:r>
+            <a:r>
+              <a:rPr lang="pl-PL" sz="2400" dirty="0" err="1" smtClean="0"/>
+              <a:t>servletu</a:t>
+            </a:r>
+            <a:endParaRPr lang="pl-PL" sz="2400" dirty="0" smtClean="0"/>
+          </a:p>
+          <a:p>
+            <a:pPr algn="just"/>
+            <a:r>
+              <a:rPr lang="pl-PL" sz="2400" dirty="0" smtClean="0"/>
+              <a:t>Podczas wykonywania testu żądania obsługuje </a:t>
+            </a:r>
+            <a:r>
+              <a:rPr lang="pl-PL" sz="2400" dirty="0" err="1" smtClean="0"/>
+              <a:t>Dispatcher</a:t>
+            </a:r>
+            <a:r>
+              <a:rPr lang="pl-PL" sz="2400" dirty="0" smtClean="0"/>
+              <a:t> </a:t>
+            </a:r>
+            <a:r>
+              <a:rPr lang="pl-PL" sz="2400" dirty="0" err="1" smtClean="0"/>
+              <a:t>Servlet</a:t>
+            </a:r>
+            <a:r>
+              <a:rPr lang="pl-PL" sz="2400" dirty="0" smtClean="0"/>
+              <a:t> lecz nie zostaje nawiązane  rzeczywiste połączenie sieciowe.</a:t>
+            </a:r>
+          </a:p>
+        </p:txBody>
+      </p:sp>
     </p:spTree>
     <p:extLst>
       <p:ext uri="{BB962C8B-B14F-4D97-AF65-F5344CB8AC3E}">
-        <p14:creationId xmlns:p14="http://schemas.microsoft.com/office/powerpoint/2010/main" val="1028304070"/>
+        <p14:creationId xmlns:p14="http://schemas.microsoft.com/office/powerpoint/2010/main" val="831594908"/>
       </p:ext>
     </p:extLst>
   </p:cSld>
@@ -5754,7 +5985,7 @@
             </a:r>
             <a:r>
               <a:rPr lang="pl-PL" dirty="0" smtClean="0"/>
-              <a:t> </a:t>
+              <a:t> - Konfiguracja</a:t>
             </a:r>
             <a:r>
               <a:rPr lang="en-US" dirty="0" smtClean="0"/>
@@ -5957,76 +6188,167 @@
             </a:pPr>
             <a:endParaRPr lang="pl-PL" dirty="0" smtClean="0"/>
           </a:p>
-          <a:p>
-            <a:pPr algn="just"/>
-            <a:r>
-              <a:rPr lang="pl-PL" sz="2400" dirty="0" smtClean="0"/>
-              <a:t>Wykorzystywany do testowania serwerowej strony aplikacji.</a:t>
-            </a:r>
-          </a:p>
-          <a:p>
-            <a:pPr algn="just"/>
-            <a:r>
-              <a:rPr lang="pl-PL" sz="2400" dirty="0" smtClean="0"/>
-              <a:t>Tworzy infrastrukturę bardzo zbliżoną do tej, która pojawia przy faktycznym uruchomieniu programu</a:t>
-            </a:r>
-          </a:p>
-          <a:p>
-            <a:pPr algn="just"/>
-            <a:r>
-              <a:rPr lang="pl-PL" sz="2400" dirty="0" smtClean="0"/>
-              <a:t>Główna zasada działania opiera się o </a:t>
-            </a:r>
-            <a:r>
-              <a:rPr lang="pl-PL" sz="2400" dirty="0" err="1" smtClean="0"/>
-              <a:t>mockowanie</a:t>
-            </a:r>
-            <a:r>
-              <a:rPr lang="pl-PL" sz="2400" dirty="0" smtClean="0"/>
-              <a:t> żądania i odpowiedzi HTTP, które przychodzą od „spring-test”.</a:t>
-            </a:r>
-          </a:p>
-          <a:p>
-            <a:pPr algn="just"/>
-            <a:r>
-              <a:rPr lang="pl-PL" sz="2400" dirty="0" smtClean="0"/>
-              <a:t>Testy nie wymagają uruchomionego kontenera </a:t>
-            </a:r>
-            <a:r>
-              <a:rPr lang="pl-PL" sz="2400" dirty="0" err="1" smtClean="0"/>
-              <a:t>servletu</a:t>
-            </a:r>
-            <a:endParaRPr lang="pl-PL" sz="2400" dirty="0" smtClean="0"/>
-          </a:p>
-          <a:p>
-            <a:pPr algn="just"/>
-            <a:r>
-              <a:rPr lang="pl-PL" sz="2400" dirty="0" smtClean="0"/>
-              <a:t>Podczas wykonywania testu żądania obsługuje </a:t>
-            </a:r>
-            <a:r>
-              <a:rPr lang="pl-PL" sz="2400" dirty="0" err="1" smtClean="0"/>
-              <a:t>Dispatcher</a:t>
-            </a:r>
-            <a:r>
-              <a:rPr lang="pl-PL" sz="2400" dirty="0" smtClean="0"/>
-              <a:t> </a:t>
-            </a:r>
-            <a:r>
-              <a:rPr lang="pl-PL" sz="2400" dirty="0" err="1" smtClean="0"/>
-              <a:t>Servlet</a:t>
-            </a:r>
-            <a:r>
-              <a:rPr lang="pl-PL" sz="2400" dirty="0" smtClean="0"/>
-              <a:t> lecz nie zostaje nawiązane  rzeczywiste połączenie sieciowe.</a:t>
-            </a:r>
-          </a:p>
-        </p:txBody>
-      </p:sp>
+        </p:txBody>
+      </p:sp>
+      <p:sp>
+        <p:nvSpPr>
+          <p:cNvPr id="5" name="pole tekstowe 4"/>
+          <p:cNvSpPr txBox="1"/>
+          <p:nvPr/>
+        </p:nvSpPr>
+        <p:spPr>
+          <a:xfrm>
+            <a:off x="677173" y="3864634"/>
+            <a:ext cx="7789653" cy="1754326"/>
+          </a:xfrm>
+          <a:prstGeom prst="rect">
+            <a:avLst/>
+          </a:prstGeom>
+          <a:noFill/>
+        </p:spPr>
+        <p:txBody>
+          <a:bodyPr wrap="square" rtlCol="0">
+            <a:spAutoFit/>
+          </a:bodyPr>
+          <a:lstStyle/>
+          <a:p>
+            <a:pPr marL="285750" indent="-285750">
+              <a:buFont typeface="Arial" panose="020B0604020202020204" pitchFamily="34" charset="0"/>
+              <a:buChar char="•"/>
+            </a:pPr>
+            <a:r>
+              <a:rPr lang="pl-PL" dirty="0" smtClean="0"/>
+              <a:t>@</a:t>
+            </a:r>
+            <a:r>
+              <a:rPr lang="pl-PL" dirty="0" err="1" smtClean="0"/>
+              <a:t>RunWith</a:t>
+            </a:r>
+            <a:r>
+              <a:rPr lang="pl-PL" dirty="0" smtClean="0"/>
+              <a:t>(</a:t>
+            </a:r>
+            <a:r>
+              <a:rPr lang="pl-PL" dirty="0" err="1" smtClean="0"/>
+              <a:t>SpringRunner.class</a:t>
+            </a:r>
+            <a:r>
+              <a:rPr lang="pl-PL" dirty="0" smtClean="0"/>
+              <a:t>) – określa </a:t>
+            </a:r>
+            <a:r>
+              <a:rPr lang="pl-PL" dirty="0" err="1" smtClean="0"/>
+              <a:t>Runner</a:t>
+            </a:r>
+            <a:r>
+              <a:rPr lang="pl-PL" dirty="0" smtClean="0"/>
+              <a:t>, który ma być wykorzystywany przez </a:t>
+            </a:r>
+            <a:r>
+              <a:rPr lang="pl-PL" dirty="0" err="1" smtClean="0"/>
+              <a:t>Junit</a:t>
+            </a:r>
+            <a:r>
+              <a:rPr lang="pl-PL" dirty="0" smtClean="0"/>
+              <a:t>. Klasa </a:t>
+            </a:r>
+            <a:r>
+              <a:rPr lang="pl-PL" dirty="0" err="1" smtClean="0"/>
+              <a:t>SpringRunner</a:t>
+            </a:r>
+            <a:r>
+              <a:rPr lang="pl-PL" dirty="0" smtClean="0"/>
+              <a:t> jest aliasem </a:t>
+            </a:r>
+            <a:r>
+              <a:rPr lang="pl-PL" dirty="0"/>
+              <a:t>do </a:t>
+            </a:r>
+            <a:r>
+              <a:rPr lang="pl-PL" dirty="0" smtClean="0"/>
+              <a:t>SpringJUnit4ClassRunner. Umożliwia korzystanie z testowego kontekstu </a:t>
+            </a:r>
+            <a:r>
+              <a:rPr lang="pl-PL" dirty="0" err="1" smtClean="0"/>
+              <a:t>Springa</a:t>
+            </a:r>
+            <a:r>
+              <a:rPr lang="pl-PL" dirty="0" smtClean="0"/>
+              <a:t>.</a:t>
+            </a:r>
+          </a:p>
+          <a:p>
+            <a:pPr marL="285750" indent="-285750">
+              <a:buFont typeface="Arial" panose="020B0604020202020204" pitchFamily="34" charset="0"/>
+              <a:buChar char="•"/>
+            </a:pPr>
+            <a:r>
+              <a:rPr lang="pl-PL" dirty="0" smtClean="0"/>
+              <a:t>@</a:t>
+            </a:r>
+            <a:r>
+              <a:rPr lang="pl-PL" dirty="0" err="1" smtClean="0"/>
+              <a:t>SpringBootTest</a:t>
+            </a:r>
+            <a:r>
+              <a:rPr lang="pl-PL" dirty="0" smtClean="0"/>
+              <a:t> – Umieszczona nad klasę określa ją jako testową</a:t>
+            </a:r>
+            <a:endParaRPr lang="pl-PL" dirty="0"/>
+          </a:p>
+          <a:p>
+            <a:pPr marL="285750" indent="-285750">
+              <a:buFont typeface="Arial" panose="020B0604020202020204" pitchFamily="34" charset="0"/>
+              <a:buChar char="•"/>
+            </a:pPr>
+            <a:r>
+              <a:rPr lang="pl-PL" dirty="0" smtClean="0"/>
+              <a:t>@</a:t>
+            </a:r>
+            <a:r>
+              <a:rPr lang="pl-PL" dirty="0" err="1" smtClean="0"/>
+              <a:t>AutoConfigureMockMvc</a:t>
+            </a:r>
+            <a:r>
+              <a:rPr lang="pl-PL" dirty="0" smtClean="0"/>
+              <a:t> -  Uruchamia automatyczną konfiguracje </a:t>
+            </a:r>
+            <a:r>
+              <a:rPr lang="pl-PL" dirty="0" err="1" smtClean="0"/>
+              <a:t>MockMvc</a:t>
+            </a:r>
+            <a:endParaRPr lang="pl-PL" dirty="0"/>
+          </a:p>
+        </p:txBody>
+      </p:sp>
+      <p:pic>
+        <p:nvPicPr>
+          <p:cNvPr id="7" name="Obraz 6"/>
+          <p:cNvPicPr>
+            <a:picLocks noChangeAspect="1"/>
+          </p:cNvPicPr>
+          <p:nvPr/>
+        </p:nvPicPr>
+        <p:blipFill>
+          <a:blip r:embed="rId2"/>
+          <a:stretch>
+            <a:fillRect/>
+          </a:stretch>
+        </p:blipFill>
+        <p:spPr>
+          <a:xfrm>
+            <a:off x="1799775" y="1555697"/>
+            <a:ext cx="4690434" cy="1645575"/>
+          </a:xfrm>
+          <a:prstGeom prst="rect">
+            <a:avLst/>
+          </a:prstGeom>
+        </p:spPr>
+      </p:pic>
     </p:spTree>
     <p:extLst>
       <p:ext uri="{BB962C8B-B14F-4D97-AF65-F5344CB8AC3E}">
-        <p14:creationId xmlns:p14="http://schemas.microsoft.com/office/powerpoint/2010/main" val="831594908"/>
+        <p14:creationId xmlns:p14="http://schemas.microsoft.com/office/powerpoint/2010/main" val="2884127231"/>
       </p:ext>
     </p:extLst>
   </p:cSld>
@@ -6076,50 +6398,12 @@
           <a:lstStyle/>
           <a:p>
             <a:r>
-              <a:rPr lang="en-US" dirty="0"/>
-              <a:t>Spring </a:t>
-            </a:r>
-            <a:r>
-              <a:rPr lang="en-US" dirty="0" err="1" smtClean="0"/>
-              <a:t>MockMVC</a:t>
-            </a:r>
-            <a:r>
               <a:rPr lang="pl-PL" dirty="0" smtClean="0"/>
-              <a:t> - Konfiguracja</a:t>
-            </a:r>
-            <a:r>
-              <a:rPr lang="en-US" dirty="0" smtClean="0"/>
-              <a:t> </a:t>
+              <a:t>Przykładowy test</a:t>
             </a:r>
             <a:endParaRPr lang="pl-PL" dirty="0">
               <a:latin typeface=""/>
             </a:endParaRPr>
-          </a:p>
-        </p:txBody>
-      </p:sp>
-      <p:sp>
-        <p:nvSpPr>
-          <p:cNvPr id="4" name="pole tekstowe 3"/>
-          <p:cNvSpPr txBox="1"/>
-          <p:nvPr/>
-        </p:nvSpPr>
-        <p:spPr>
-          <a:xfrm>
-            <a:off x="862642" y="1233577"/>
-            <a:ext cx="6564701" cy="369332"/>
-          </a:xfrm>
-          <a:prstGeom prst="rect">
-            <a:avLst/>
-          </a:prstGeom>
-          <a:noFill/>
-        </p:spPr>
-        <p:txBody>
-          <a:bodyPr wrap="square" rtlCol="0">
-            <a:spAutoFit/>
-          </a:bodyPr>
-          <a:lstStyle/>
-          <a:p>
-            <a:endParaRPr lang="pl-PL" dirty="0"/>
           </a:p>
         </p:txBody>
       </p:sp>
@@ -6287,137 +6571,6 @@
               <a:buNone/>
             </a:pPr>
             <a:endParaRPr lang="pl-PL" dirty="0" smtClean="0"/>
-          </a:p>
-        </p:txBody>
-      </p:sp>
-      <p:sp>
-        <p:nvSpPr>
-          <p:cNvPr id="5" name="pole tekstowe 4"/>
-          <p:cNvSpPr txBox="1"/>
-          <p:nvPr/>
-        </p:nvSpPr>
-        <p:spPr>
-          <a:xfrm>
-            <a:off x="677173" y="3864634"/>
-            <a:ext cx="7789653" cy="1754326"/>
-          </a:xfrm>
-          <a:prstGeom prst="rect">
-            <a:avLst/>
-          </a:prstGeom>
-          <a:noFill/>
-        </p:spPr>
-        <p:txBody>
-          <a:bodyPr wrap="square" rtlCol="0">
-            <a:spAutoFit/>
-          </a:bodyPr>
-          <a:lstStyle/>
-          <a:p>
-            <a:pPr marL="285750" indent="-285750">
-              <a:buFont typeface="Arial" panose="020B0604020202020204" pitchFamily="34" charset="0"/>
-              <a:buChar char="•"/>
-            </a:pPr>
-            <a:r>
-              <a:rPr lang="pl-PL" dirty="0" smtClean="0"/>
-              <a:t>@</a:t>
-            </a:r>
-            <a:r>
-              <a:rPr lang="pl-PL" dirty="0" err="1" smtClean="0"/>
-              <a:t>RunWith</a:t>
-            </a:r>
-            <a:r>
-              <a:rPr lang="pl-PL" dirty="0" smtClean="0"/>
-              <a:t>(</a:t>
-            </a:r>
-            <a:r>
-              <a:rPr lang="pl-PL" dirty="0" err="1" smtClean="0"/>
-              <a:t>SpringRunner.class</a:t>
-            </a:r>
-            <a:r>
-              <a:rPr lang="pl-PL" dirty="0" smtClean="0"/>
-              <a:t>) – określa </a:t>
-            </a:r>
-            <a:r>
-              <a:rPr lang="pl-PL" dirty="0" err="1" smtClean="0"/>
-              <a:t>Runner</a:t>
-            </a:r>
-            <a:r>
-              <a:rPr lang="pl-PL" dirty="0" smtClean="0"/>
-              <a:t>, który ma być wykorzystywany przez </a:t>
-            </a:r>
-            <a:r>
-              <a:rPr lang="pl-PL" dirty="0" err="1" smtClean="0"/>
-              <a:t>Junit</a:t>
-            </a:r>
-            <a:r>
-              <a:rPr lang="pl-PL" dirty="0" smtClean="0"/>
-              <a:t>. Klasa </a:t>
-            </a:r>
-            <a:r>
-              <a:rPr lang="pl-PL" dirty="0" err="1" smtClean="0"/>
-              <a:t>SpringRunner</a:t>
-            </a:r>
-            <a:r>
-              <a:rPr lang="pl-PL" dirty="0" smtClean="0"/>
-              <a:t> jest aliasem </a:t>
-            </a:r>
-            <a:r>
-              <a:rPr lang="pl-PL" dirty="0"/>
-              <a:t>do </a:t>
-            </a:r>
-            <a:r>
-              <a:rPr lang="pl-PL" dirty="0" smtClean="0"/>
-              <a:t>SpringJUnit4ClassRunner. Umożliwia korzystanie z testowego kontekstu </a:t>
-            </a:r>
-            <a:r>
-              <a:rPr lang="pl-PL" dirty="0" err="1" smtClean="0"/>
-              <a:t>Springa</a:t>
-            </a:r>
-            <a:r>
-              <a:rPr lang="pl-PL" dirty="0" smtClean="0"/>
-              <a:t>.</a:t>
-            </a:r>
-          </a:p>
-          <a:p>
-            <a:pPr marL="285750" indent="-285750">
-              <a:buFont typeface="Arial" panose="020B0604020202020204" pitchFamily="34" charset="0"/>
-              <a:buChar char="•"/>
-            </a:pPr>
-            <a:r>
-              <a:rPr lang="pl-PL" dirty="0" smtClean="0"/>
-              <a:t>@</a:t>
-            </a:r>
-            <a:r>
-              <a:rPr lang="pl-PL" dirty="0" err="1" smtClean="0"/>
-              <a:t>SpringBootTest</a:t>
-            </a:r>
-            <a:r>
-              <a:rPr lang="pl-PL" dirty="0" smtClean="0"/>
-              <a:t> – Umieszczona nad klasę określa ją jako testową</a:t>
-            </a:r>
-            <a:endParaRPr lang="pl-PL" dirty="0"/>
-          </a:p>
-          <a:p>
-            <a:pPr marL="285750" indent="-285750">
-              <a:buFont typeface="Arial" panose="020B0604020202020204" pitchFamily="34" charset="0"/>
-              <a:buChar char="•"/>
-            </a:pPr>
-            <a:r>
-              <a:rPr lang="pl-PL" dirty="0" smtClean="0"/>
-              <a:t>@</a:t>
-            </a:r>
-            <a:r>
-              <a:rPr lang="pl-PL" dirty="0" err="1" smtClean="0"/>
-              <a:t>AutoConfigureMockMvc</a:t>
-            </a:r>
-            <a:r>
-              <a:rPr lang="pl-PL" dirty="0" smtClean="0"/>
-              <a:t> -  Uruchamia automatyczną konfiguracje </a:t>
-            </a:r>
-            <a:r>
-              <a:rPr lang="pl-PL" dirty="0" err="1" smtClean="0"/>
-              <a:t>MockMvc</a:t>
-            </a:r>
-            <a:endParaRPr lang="pl-PL" dirty="0"/>
           </a:p>
         </p:txBody>
       </p:sp>
@@ -6437,8 +6590,8 @@
         </p:blipFill>
         <p:spPr>
           <a:xfrm>
-            <a:off x="1799775" y="1555697"/>
-            <a:ext cx="4690434" cy="1645575"/>
+            <a:off x="223837" y="2466975"/>
+            <a:ext cx="8696325" cy="1924050"/>
           </a:xfrm>
           <a:prstGeom prst="rect">
             <a:avLst/>
@@ -6448,7 +6601,7 @@
     </p:spTree>
     <p:extLst>
       <p:ext uri="{BB962C8B-B14F-4D97-AF65-F5344CB8AC3E}">
-        <p14:creationId xmlns:p14="http://schemas.microsoft.com/office/powerpoint/2010/main" val="2884127231"/>
+        <p14:creationId xmlns:p14="http://schemas.microsoft.com/office/powerpoint/2010/main" val="1123431881"/>
       </p:ext>
     </p:extLst>
   </p:cSld>
@@ -6699,8 +6852,13 @@
             </a:pPr>
             <a:r>
               <a:rPr lang="pl-PL" b="1" dirty="0" smtClean="0"/>
-              <a:t>Uruchomienie/Debugowanie Aplikacji</a:t>
-            </a:r>
+              <a:t>REST </a:t>
+            </a:r>
+            <a:r>
+              <a:rPr lang="pl-PL" b="1" dirty="0" err="1" smtClean="0"/>
+              <a:t>Template</a:t>
+            </a:r>
+            <a:endParaRPr lang="pl-PL" b="1" dirty="0" smtClean="0"/>
           </a:p>
           <a:p>
             <a:pPr marL="541800" indent="-342900">
@@ -6708,13 +6866,48 @@
               <a:buAutoNum type="arabicPeriod"/>
             </a:pPr>
             <a:r>
+              <a:rPr lang="pl-PL" b="1" dirty="0"/>
+              <a:t>Uruchomienie/Debugowanie </a:t>
+            </a:r>
+            <a:r>
               <a:rPr lang="pl-PL" b="1" dirty="0" smtClean="0"/>
-              <a:t>REST </a:t>
-            </a:r>
-            <a:r>
-              <a:rPr lang="pl-PL" b="1" dirty="0" err="1" smtClean="0"/>
-              <a:t>Template</a:t>
-            </a:r>
+              <a:t>Aplikacji</a:t>
+            </a:r>
+          </a:p>
+          <a:p>
+            <a:pPr marL="541800" indent="-342900">
+              <a:buFont typeface="+mj-lt"/>
+              <a:buAutoNum type="arabicPeriod"/>
+            </a:pPr>
+            <a:r>
+              <a:rPr lang="pl-PL" b="1" dirty="0"/>
+              <a:t>Spring </a:t>
+            </a:r>
+            <a:r>
+              <a:rPr lang="pl-PL" b="1" dirty="0" err="1"/>
+              <a:t>MockMVC</a:t>
+            </a:r>
+            <a:endParaRPr lang="pl-PL" b="1" dirty="0"/>
+          </a:p>
+          <a:p>
+            <a:pPr marL="541800" indent="-342900">
+              <a:buFont typeface="+mj-lt"/>
+              <a:buAutoNum type="arabicPeriod"/>
+            </a:pPr>
+            <a:endParaRPr lang="pl-PL" b="1" dirty="0" smtClean="0"/>
+          </a:p>
+          <a:p>
+            <a:pPr marL="541800" indent="-342900">
+              <a:buFont typeface="+mj-lt"/>
+              <a:buAutoNum type="arabicPeriod"/>
+            </a:pPr>
+            <a:endParaRPr lang="pl-PL" b="1" dirty="0"/>
+          </a:p>
+          <a:p>
+            <a:pPr marL="541800" indent="-342900">
+              <a:buFont typeface="+mj-lt"/>
+              <a:buAutoNum type="arabicPeriod"/>
+            </a:pPr>
             <a:endParaRPr lang="pl-PL" b="1" dirty="0" smtClean="0"/>
           </a:p>
           <a:p>
@@ -6790,259 +6983,6 @@
           <a:bodyPr/>
           <a:lstStyle/>
           <a:p>
-            <a:r>
-              <a:rPr lang="pl-PL" dirty="0" smtClean="0"/>
-              <a:t>Przykładowy test</a:t>
-            </a:r>
-            <a:endParaRPr lang="pl-PL" dirty="0">
-              <a:latin typeface=""/>
-            </a:endParaRPr>
-          </a:p>
-        </p:txBody>
-      </p:sp>
-      <p:sp>
-        <p:nvSpPr>
-          <p:cNvPr id="6" name="Symbol zastępczy tekstu 2"/>
-          <p:cNvSpPr txBox="1">
-            <a:spLocks/>
-          </p:cNvSpPr>
-          <p:nvPr/>
-        </p:nvSpPr>
-        <p:spPr>
-          <a:xfrm>
-            <a:off x="0" y="1228158"/>
-            <a:ext cx="9144000" cy="4846148"/>
-          </a:xfrm>
-          <a:prstGeom prst="rect">
-            <a:avLst/>
-          </a:prstGeom>
-        </p:spPr>
-        <p:txBody>
-          <a:bodyPr>
-            <a:normAutofit/>
-          </a:bodyPr>
-          <a:lstStyle>
-            <a:lvl1pPr marL="342900" indent="-342900" algn="l" defTabSz="457200" rtl="0" eaLnBrk="1" latinLnBrk="0" hangingPunct="1">
-              <a:spcBef>
-                <a:spcPct val="20000"/>
-              </a:spcBef>
-              <a:buFont typeface="Arial"/>
-              <a:buChar char="•"/>
-              <a:defRPr sz="3200" kern="1200">
-                <a:solidFill>
-                  <a:schemeClr val="tx1"/>
-                </a:solidFill>
-                <a:latin typeface="+mn-lt"/>
-                <a:ea typeface="+mn-ea"/>
-                <a:cs typeface="+mn-cs"/>
-              </a:defRPr>
-            </a:lvl1pPr>
-            <a:lvl2pPr marL="742950" indent="-285750" algn="l" defTabSz="457200" rtl="0" eaLnBrk="1" latinLnBrk="0" hangingPunct="1">
-              <a:spcBef>
-                <a:spcPct val="20000"/>
-              </a:spcBef>
-              <a:buFont typeface="Arial"/>
-              <a:buChar char="–"/>
-              <a:defRPr sz="2800" kern="1200">
-                <a:solidFill>
-                  <a:schemeClr val="tx1"/>
-                </a:solidFill>
-                <a:latin typeface="+mn-lt"/>
-                <a:ea typeface="+mn-ea"/>
-                <a:cs typeface="+mn-cs"/>
-              </a:defRPr>
-            </a:lvl2pPr>
-            <a:lvl3pPr marL="1143000" indent="-228600" algn="l" defTabSz="457200" rtl="0" eaLnBrk="1" latinLnBrk="0" hangingPunct="1">
-              <a:spcBef>
-                <a:spcPct val="20000"/>
-              </a:spcBef>
-              <a:buFont typeface="Arial"/>
-              <a:buChar char="•"/>
-              <a:defRPr sz="2400" kern="1200">
-                <a:solidFill>
-                  <a:schemeClr val="tx1"/>
-                </a:solidFill>
-                <a:latin typeface="+mn-lt"/>
-                <a:ea typeface="+mn-ea"/>
-                <a:cs typeface="+mn-cs"/>
-              </a:defRPr>
-            </a:lvl3pPr>
-            <a:lvl4pPr marL="1600200" indent="-228600" algn="l" defTabSz="457200" rtl="0" eaLnBrk="1" latinLnBrk="0" hangingPunct="1">
-              <a:spcBef>
-                <a:spcPct val="20000"/>
-              </a:spcBef>
-              <a:buFont typeface="Arial"/>
-              <a:buChar char="–"/>
-              <a:defRPr sz="2000" kern="1200">
-                <a:solidFill>
-                  <a:schemeClr val="tx1"/>
-                </a:solidFill>
-                <a:latin typeface="+mn-lt"/>
-                <a:ea typeface="+mn-ea"/>
-                <a:cs typeface="+mn-cs"/>
-              </a:defRPr>
-            </a:lvl4pPr>
-            <a:lvl5pPr marL="2057400" indent="-228600" algn="l" defTabSz="457200" rtl="0" eaLnBrk="1" latinLnBrk="0" hangingPunct="1">
-              <a:spcBef>
-                <a:spcPct val="20000"/>
-              </a:spcBef>
-              <a:buFont typeface="Arial"/>
-              <a:buChar char="»"/>
-              <a:defRPr sz="2000" kern="1200">
-                <a:solidFill>
-                  <a:schemeClr val="tx1"/>
-                </a:solidFill>
-                <a:latin typeface="+mn-lt"/>
-                <a:ea typeface="+mn-ea"/>
-                <a:cs typeface="+mn-cs"/>
-              </a:defRPr>
-            </a:lvl5pPr>
-            <a:lvl6pPr marL="2514600" indent="-228600" algn="l" defTabSz="457200" rtl="0" eaLnBrk="1" latinLnBrk="0" hangingPunct="1">
-              <a:spcBef>
-                <a:spcPct val="20000"/>
-              </a:spcBef>
-              <a:buFont typeface="Arial"/>
-              <a:buChar char="•"/>
-              <a:defRPr sz="2000" kern="1200">
-                <a:solidFill>
-                  <a:schemeClr val="tx1"/>
-                </a:solidFill>
-                <a:latin typeface="+mn-lt"/>
-                <a:ea typeface="+mn-ea"/>
-                <a:cs typeface="+mn-cs"/>
-              </a:defRPr>
-            </a:lvl6pPr>
-            <a:lvl7pPr marL="2971800" indent="-228600" algn="l" defTabSz="457200" rtl="0" eaLnBrk="1" latinLnBrk="0" hangingPunct="1">
-              <a:spcBef>
-                <a:spcPct val="20000"/>
-              </a:spcBef>
-              <a:buFont typeface="Arial"/>
-              <a:buChar char="•"/>
-              <a:defRPr sz="2000" kern="1200">
-                <a:solidFill>
-                  <a:schemeClr val="tx1"/>
-                </a:solidFill>
-                <a:latin typeface="+mn-lt"/>
-                <a:ea typeface="+mn-ea"/>
-                <a:cs typeface="+mn-cs"/>
-              </a:defRPr>
-            </a:lvl7pPr>
-            <a:lvl8pPr marL="3429000" indent="-228600" algn="l" defTabSz="457200" rtl="0" eaLnBrk="1" latinLnBrk="0" hangingPunct="1">
-              <a:spcBef>
-                <a:spcPct val="20000"/>
-              </a:spcBef>
-              <a:buFont typeface="Arial"/>
-              <a:buChar char="•"/>
-              <a:defRPr sz="2000" kern="1200">
-                <a:solidFill>
-                  <a:schemeClr val="tx1"/>
-                </a:solidFill>
-                <a:latin typeface="+mn-lt"/>
-                <a:ea typeface="+mn-ea"/>
-                <a:cs typeface="+mn-cs"/>
-              </a:defRPr>
-            </a:lvl8pPr>
-            <a:lvl9pPr marL="3886200" indent="-228600" algn="l" defTabSz="457200" rtl="0" eaLnBrk="1" latinLnBrk="0" hangingPunct="1">
-              <a:spcBef>
-                <a:spcPct val="20000"/>
-              </a:spcBef>
-              <a:buFont typeface="Arial"/>
-              <a:buChar char="•"/>
-              <a:defRPr sz="2000" kern="1200">
-                <a:solidFill>
-                  <a:schemeClr val="tx1"/>
-                </a:solidFill>
-                <a:latin typeface="+mn-lt"/>
-                <a:ea typeface="+mn-ea"/>
-                <a:cs typeface="+mn-cs"/>
-              </a:defRPr>
-            </a:lvl9pPr>
-          </a:lstStyle>
-          <a:p>
-            <a:pPr marL="198900" indent="0" algn="just">
-              <a:buFont typeface="Arial"/>
-              <a:buNone/>
-            </a:pPr>
-            <a:endParaRPr lang="pl-PL" dirty="0" smtClean="0"/>
-          </a:p>
-        </p:txBody>
-      </p:sp>
-      <p:pic>
-        <p:nvPicPr>
-          <p:cNvPr id="7" name="Obraz 6"/>
-          <p:cNvPicPr>
-            <a:picLocks noChangeAspect="1"/>
-          </p:cNvPicPr>
-          <p:nvPr/>
-        </p:nvPicPr>
-        <p:blipFill>
-          <a:blip r:embed="rId2"/>
-          <a:stretch>
-            <a:fillRect/>
-          </a:stretch>
-        </p:blipFill>
-        <p:spPr>
-          <a:xfrm>
-            <a:off x="223837" y="2466975"/>
-            <a:ext cx="8696325" cy="1924050"/>
-          </a:xfrm>
-          <a:prstGeom prst="rect">
-            <a:avLst/>
-          </a:prstGeom>
-        </p:spPr>
-      </p:pic>
-    </p:spTree>
-    <p:extLst>
-      <p:ext uri="{BB962C8B-B14F-4D97-AF65-F5344CB8AC3E}">
-        <p14:creationId xmlns:p14="http://schemas.microsoft.com/office/powerpoint/2010/main" val="1123431881"/>
-      </p:ext>
-    </p:extLst>
-  </p:cSld>
-  <p:clrMapOvr>
-    <a:masterClrMapping/>
-  </p:clrMapOvr>
-  <p:timing>
-    <p:tnLst>
-      <p:par>
-        <p:cTn id="1" dur="indefinite" restart="never" nodeType="tmRoot"/>
-      </p:par>
-    </p:tnLst>
-  </p:timing>
-</p:sld>
-</file>
-
-<file path=ppt/slides/slide21.xml><?xml version="1.0" encoding="utf-8"?>
-<p:sld xmlns:a="http://schemas.openxmlformats.org/drawingml/2006/main" xmlns:r="http://schemas.openxmlformats.org/officeDocument/2006/relationships" xmlns:p="http://schemas.openxmlformats.org/presentationml/2006/main">
-  <p:cSld>
-    <p:spTree>
-      <p:nvGrpSpPr>
-        <p:cNvPr id="1" name=""/>
-        <p:cNvGrpSpPr/>
-        <p:nvPr/>
-      </p:nvGrpSpPr>
-      <p:grpSpPr>
-        <a:xfrm>
-          <a:off x="0" y="0"/>
-          <a:ext cx="0" cy="0"/>
-          <a:chOff x="0" y="0"/>
-          <a:chExt cx="0" cy="0"/>
-        </a:xfrm>
-      </p:grpSpPr>
-      <p:sp>
-        <p:nvSpPr>
-          <p:cNvPr id="2" name="Tytuł 1"/>
-          <p:cNvSpPr>
-            <a:spLocks noGrp="1"/>
-          </p:cNvSpPr>
-          <p:nvPr>
-            <p:ph type="title"/>
-          </p:nvPr>
-        </p:nvSpPr>
-        <p:spPr/>
-        <p:txBody>
-          <a:bodyPr/>
-          <a:lstStyle/>
-          <a:p>
             <a:pPr algn="ctr"/>
             <a:endParaRPr lang="pl-PL" dirty="0"/>
           </a:p>
@@ -7157,7 +7097,7 @@
           <a:p>
             <a:r>
               <a:rPr lang="pl-PL" dirty="0" smtClean="0"/>
-              <a:t>Agenda c.d.</a:t>
+              <a:t>MVC</a:t>
             </a:r>
             <a:endParaRPr lang="pl-PL" dirty="0"/>
           </a:p>
@@ -7173,78 +7113,185 @@
             <p:ph type="body" sz="quarter" idx="10"/>
           </p:nvPr>
         </p:nvSpPr>
-        <p:spPr/>
-        <p:txBody>
-          <a:bodyPr>
-            <a:normAutofit/>
+        <p:spPr>
+          <a:xfrm>
+            <a:off x="0" y="1228158"/>
+            <a:ext cx="4295955" cy="4846148"/>
+          </a:xfrm>
+        </p:spPr>
+        <p:txBody>
+          <a:bodyPr/>
+          <a:lstStyle/>
+          <a:p>
+            <a:pPr marL="0" indent="0">
+              <a:spcBef>
+                <a:spcPts val="2400"/>
+              </a:spcBef>
+              <a:buNone/>
+            </a:pPr>
+            <a:endParaRPr lang="pl-PL" dirty="0" smtClean="0"/>
+          </a:p>
+          <a:p>
+            <a:pPr indent="-360000">
+              <a:spcBef>
+                <a:spcPts val="2400"/>
+              </a:spcBef>
+              <a:buFont typeface="Wingdings" panose="05000000000000000000" pitchFamily="2" charset="2"/>
+              <a:buChar char="ü"/>
+            </a:pPr>
+            <a:endParaRPr lang="pl-PL" dirty="0" smtClean="0"/>
+          </a:p>
+          <a:p>
+            <a:pPr indent="-360000">
+              <a:spcBef>
+                <a:spcPts val="2400"/>
+              </a:spcBef>
+              <a:buFont typeface="Wingdings" panose="05000000000000000000" pitchFamily="2" charset="2"/>
+              <a:buChar char="ü"/>
+            </a:pPr>
+            <a:endParaRPr lang="pl-PL" dirty="0" smtClean="0"/>
+          </a:p>
+        </p:txBody>
+      </p:sp>
+      <p:sp>
+        <p:nvSpPr>
+          <p:cNvPr id="7" name="pole tekstowe 6"/>
+          <p:cNvSpPr txBox="1"/>
+          <p:nvPr/>
+        </p:nvSpPr>
+        <p:spPr>
+          <a:xfrm>
+            <a:off x="189781" y="1940943"/>
+            <a:ext cx="4779034" cy="3693319"/>
+          </a:xfrm>
+          <a:prstGeom prst="rect">
+            <a:avLst/>
+          </a:prstGeom>
+          <a:noFill/>
+        </p:spPr>
+        <p:txBody>
+          <a:bodyPr wrap="square" rtlCol="0">
+            <a:spAutoFit/>
           </a:bodyPr>
           <a:lstStyle/>
           <a:p>
-            <a:pPr marL="541800" indent="-342900">
-              <a:buFont typeface="+mj-lt"/>
-              <a:buAutoNum type="arabicPeriod"/>
+            <a:pPr marL="285750" indent="-285750">
+              <a:buFont typeface="Arial" panose="020B0604020202020204" pitchFamily="34" charset="0"/>
+              <a:buChar char="•"/>
             </a:pPr>
             <a:r>
-              <a:rPr lang="pl-PL" b="1" dirty="0" smtClean="0"/>
-              <a:t>Spring </a:t>
-            </a:r>
-            <a:r>
-              <a:rPr lang="pl-PL" b="1" dirty="0" err="1" smtClean="0"/>
-              <a:t>MockMVC</a:t>
-            </a:r>
-            <a:endParaRPr lang="pl-PL" b="1" dirty="0"/>
-          </a:p>
-          <a:p>
-            <a:pPr marL="702900" lvl="1" indent="-342900">
-              <a:buFont typeface="+mj-lt"/>
-              <a:buAutoNum type="arabicPeriod"/>
+              <a:rPr lang="pl-PL" dirty="0"/>
+              <a:t>Model – Warstwa odpowiedzialna za zarządzanie danymi</a:t>
+            </a:r>
+            <a:r>
+              <a:rPr lang="pl-PL" dirty="0" smtClean="0"/>
+              <a:t>. Zawiera logikę aplikacji</a:t>
+            </a:r>
+          </a:p>
+          <a:p>
+            <a:pPr marL="285750" indent="-285750">
+              <a:buFont typeface="Arial" panose="020B0604020202020204" pitchFamily="34" charset="0"/>
+              <a:buChar char="•"/>
             </a:pPr>
             <a:r>
+              <a:rPr lang="pl-PL" dirty="0" err="1" smtClean="0"/>
+              <a:t>View</a:t>
+            </a:r>
+            <a:r>
               <a:rPr lang="pl-PL" dirty="0" smtClean="0"/>
-              <a:t>Na czym polega</a:t>
-            </a:r>
+              <a:t> – Odpowiedzialny </a:t>
+            </a:r>
+            <a:r>
+              <a:rPr lang="pl-PL" dirty="0"/>
+              <a:t>za wyświetlanie danych </a:t>
+            </a:r>
+            <a:r>
+              <a:rPr lang="pl-PL" dirty="0" smtClean="0"/>
+              <a:t>w określonej formie. </a:t>
+            </a:r>
+          </a:p>
+          <a:p>
+            <a:pPr marL="285750" indent="-285750">
+              <a:buFont typeface="Arial" panose="020B0604020202020204" pitchFamily="34" charset="0"/>
+              <a:buChar char="•"/>
+            </a:pPr>
+            <a:r>
+              <a:rPr lang="pl-PL" dirty="0"/>
+              <a:t>Controller – </a:t>
+            </a:r>
+            <a:r>
+              <a:rPr lang="pl-PL" dirty="0" smtClean="0"/>
+              <a:t>kontroluje przepływa danych do modelu i aktualizuje widok za każdym razem gdy model ulegnie zmianie. </a:t>
+            </a:r>
+          </a:p>
+          <a:p>
+            <a:pPr marL="285750" indent="-285750">
+              <a:buFont typeface="Arial" panose="020B0604020202020204" pitchFamily="34" charset="0"/>
+              <a:buChar char="•"/>
+            </a:pPr>
             <a:endParaRPr lang="pl-PL" dirty="0"/>
           </a:p>
           <a:p>
-            <a:pPr marL="702900" lvl="1" indent="-342900">
-              <a:buFont typeface="+mj-lt"/>
-              <a:buAutoNum type="arabicPeriod"/>
+            <a:pPr marL="285750" indent="-285750">
+              <a:buFont typeface="Arial" panose="020B0604020202020204" pitchFamily="34" charset="0"/>
+              <a:buChar char="•"/>
             </a:pPr>
             <a:r>
               <a:rPr lang="pl-PL" dirty="0" smtClean="0"/>
-              <a:t>Podstawowa Konfiguracja</a:t>
-            </a:r>
-          </a:p>
-          <a:p>
-            <a:pPr marL="702900" lvl="1" indent="-342900">
-              <a:buFont typeface="+mj-lt"/>
-              <a:buAutoNum type="arabicPeriod"/>
+              <a:t>Wzorzec MVC – Umożliwia odseparowanie od siebie elementów aplikacji dzięki czemu staje się ona bardziej elastyczna i łatwiejsza w zarządzaniu. </a:t>
+            </a:r>
+          </a:p>
+          <a:p>
+            <a:pPr marL="285750" indent="-285750">
+              <a:buFont typeface="Arial" panose="020B0604020202020204" pitchFamily="34" charset="0"/>
+              <a:buChar char="•"/>
             </a:pPr>
-            <a:r>
-              <a:rPr lang="pl-PL" dirty="0" smtClean="0"/>
-              <a:t>Przykładowy test</a:t>
-            </a:r>
             <a:endParaRPr lang="pl-PL" dirty="0"/>
           </a:p>
-          <a:p>
-            <a:pPr marL="702900" lvl="1" indent="-342900">
-              <a:buFont typeface="+mj-lt"/>
-              <a:buAutoNum type="arabicPeriod"/>
-            </a:pPr>
-            <a:endParaRPr lang="pl-PL" dirty="0" smtClean="0"/>
-          </a:p>
-        </p:txBody>
-      </p:sp>
+        </p:txBody>
+      </p:sp>
+      <p:pic>
+        <p:nvPicPr>
+          <p:cNvPr id="5" name="Obraz 4"/>
+          <p:cNvPicPr>
+            <a:picLocks noChangeAspect="1"/>
+          </p:cNvPicPr>
+          <p:nvPr/>
+        </p:nvPicPr>
+        <p:blipFill>
+          <a:blip r:embed="rId2"/>
+          <a:stretch>
+            <a:fillRect/>
+          </a:stretch>
+        </p:blipFill>
+        <p:spPr>
+          <a:xfrm>
+            <a:off x="4968815" y="1992536"/>
+            <a:ext cx="4039204" cy="3183313"/>
+          </a:xfrm>
+          <a:prstGeom prst="rect">
+            <a:avLst/>
+          </a:prstGeom>
+        </p:spPr>
+      </p:pic>
     </p:spTree>
     <p:extLst>
       <p:ext uri="{BB962C8B-B14F-4D97-AF65-F5344CB8AC3E}">
-        <p14:creationId xmlns:p14="http://schemas.microsoft.com/office/powerpoint/2010/main" val="638738818"/>
+        <p14:creationId xmlns:p14="http://schemas.microsoft.com/office/powerpoint/2010/main" val="259387344"/>
       </p:ext>
     </p:extLst>
   </p:cSld>
   <p:clrMapOvr>
     <a:masterClrMapping/>
   </p:clrMapOvr>
+  <mc:AlternateContent xmlns:mc="http://schemas.openxmlformats.org/markup-compatibility/2006" xmlns:p14="http://schemas.microsoft.com/office/powerpoint/2010/main">
+    <mc:Choice Requires="p14">
+      <p:transition spd="slow" p14:dur="2000"/>
+    </mc:Choice>
+    <mc:Fallback xmlns="">
+      <p:transition spd="slow"/>
+    </mc:Fallback>
+  </mc:AlternateContent>
   <p:timing>
     <p:tnLst>
       <p:par>
@@ -7274,7 +7321,7 @@
       </p:grpSpPr>
       <p:sp>
         <p:nvSpPr>
-          <p:cNvPr id="2" name="Tytuł 1"/>
+          <p:cNvPr id="2" name="Title 1"/>
           <p:cNvSpPr>
             <a:spLocks noGrp="1"/>
           </p:cNvSpPr>
@@ -7289,162 +7336,15 @@
           <a:p>
             <a:r>
               <a:rPr lang="pl-PL" dirty="0" smtClean="0"/>
-              <a:t>MVC</a:t>
-            </a:r>
-            <a:endParaRPr lang="pl-PL" dirty="0"/>
-          </a:p>
-        </p:txBody>
-      </p:sp>
-      <p:sp>
-        <p:nvSpPr>
-          <p:cNvPr id="3" name="Symbol zastępczy tekstu 2"/>
-          <p:cNvSpPr>
-            <a:spLocks noGrp="1"/>
-          </p:cNvSpPr>
-          <p:nvPr>
-            <p:ph type="body" sz="quarter" idx="10"/>
-          </p:nvPr>
-        </p:nvSpPr>
-        <p:spPr>
-          <a:xfrm>
-            <a:off x="0" y="1228158"/>
-            <a:ext cx="4295955" cy="4846148"/>
-          </a:xfrm>
-        </p:spPr>
-        <p:txBody>
-          <a:bodyPr/>
-          <a:lstStyle/>
-          <a:p>
-            <a:pPr marL="0" indent="0">
-              <a:spcBef>
-                <a:spcPts val="2400"/>
-              </a:spcBef>
-              <a:buNone/>
-            </a:pPr>
-            <a:endParaRPr lang="pl-PL" dirty="0" smtClean="0"/>
-          </a:p>
-          <a:p>
-            <a:pPr indent="-360000">
-              <a:spcBef>
-                <a:spcPts val="2400"/>
-              </a:spcBef>
-              <a:buFont typeface="Wingdings" panose="05000000000000000000" pitchFamily="2" charset="2"/>
-              <a:buChar char="ü"/>
-            </a:pPr>
-            <a:endParaRPr lang="pl-PL" dirty="0" smtClean="0"/>
-          </a:p>
-          <a:p>
-            <a:pPr indent="-360000">
-              <a:spcBef>
-                <a:spcPts val="2400"/>
-              </a:spcBef>
-              <a:buFont typeface="Wingdings" panose="05000000000000000000" pitchFamily="2" charset="2"/>
-              <a:buChar char="ü"/>
-            </a:pPr>
-            <a:endParaRPr lang="pl-PL" dirty="0" smtClean="0"/>
-          </a:p>
-        </p:txBody>
-      </p:sp>
-      <p:sp>
-        <p:nvSpPr>
-          <p:cNvPr id="7" name="pole tekstowe 6"/>
-          <p:cNvSpPr txBox="1"/>
-          <p:nvPr/>
-        </p:nvSpPr>
-        <p:spPr>
-          <a:xfrm>
-            <a:off x="189781" y="1940943"/>
-            <a:ext cx="4779034" cy="3693319"/>
-          </a:xfrm>
-          <a:prstGeom prst="rect">
-            <a:avLst/>
-          </a:prstGeom>
-          <a:noFill/>
-        </p:spPr>
-        <p:txBody>
-          <a:bodyPr wrap="square" rtlCol="0">
-            <a:spAutoFit/>
-          </a:bodyPr>
-          <a:lstStyle/>
-          <a:p>
-            <a:pPr marL="285750" indent="-285750">
-              <a:buFont typeface="Arial" panose="020B0604020202020204" pitchFamily="34" charset="0"/>
-              <a:buChar char="•"/>
-            </a:pPr>
-            <a:r>
-              <a:rPr lang="pl-PL" dirty="0"/>
-              <a:t>Model – Warstwa odpowiedzialna za zarządzanie danymi</a:t>
-            </a:r>
-            <a:r>
-              <a:rPr lang="pl-PL" dirty="0" smtClean="0"/>
-              <a:t>. Zawiera logikę aplikacji</a:t>
-            </a:r>
-          </a:p>
-          <a:p>
-            <a:pPr marL="285750" indent="-285750">
-              <a:buFont typeface="Arial" panose="020B0604020202020204" pitchFamily="34" charset="0"/>
-              <a:buChar char="•"/>
-            </a:pPr>
-            <a:r>
-              <a:rPr lang="pl-PL" dirty="0" err="1" smtClean="0"/>
-              <a:t>View</a:t>
-            </a:r>
-            <a:r>
-              <a:rPr lang="pl-PL" dirty="0" smtClean="0"/>
-              <a:t> – Odpowiedzialny </a:t>
-            </a:r>
-            <a:r>
-              <a:rPr lang="pl-PL" dirty="0"/>
-              <a:t>za wyświetlanie danych </a:t>
-            </a:r>
-            <a:r>
-              <a:rPr lang="pl-PL" dirty="0" smtClean="0"/>
-              <a:t>w określonej formie. </a:t>
-            </a:r>
-          </a:p>
-          <a:p>
-            <a:pPr marL="285750" indent="-285750">
-              <a:buFont typeface="Arial" panose="020B0604020202020204" pitchFamily="34" charset="0"/>
-              <a:buChar char="•"/>
-            </a:pPr>
-            <a:r>
-              <a:rPr lang="pl-PL" dirty="0"/>
-              <a:t>Controller – </a:t>
-            </a:r>
-            <a:r>
-              <a:rPr lang="pl-PL" dirty="0" smtClean="0"/>
-              <a:t>kontroluje przepływa danych do modelu i aktualizuje widok za każdym razem gdy model ulegnie zmianie. </a:t>
-            </a:r>
-          </a:p>
-          <a:p>
-            <a:pPr marL="285750" indent="-285750">
-              <a:buFont typeface="Arial" panose="020B0604020202020204" pitchFamily="34" charset="0"/>
-              <a:buChar char="•"/>
-            </a:pPr>
-            <a:endParaRPr lang="pl-PL" dirty="0"/>
-          </a:p>
-          <a:p>
-            <a:pPr marL="285750" indent="-285750">
-              <a:buFont typeface="Arial" panose="020B0604020202020204" pitchFamily="34" charset="0"/>
-              <a:buChar char="•"/>
-            </a:pPr>
-            <a:r>
-              <a:rPr lang="pl-PL" dirty="0" smtClean="0"/>
-              <a:t>Wzorzec MVC – Umożliwia odseparowanie od siebie elementów aplikacji dzięki czemu staje się ona bardziej elastyczna i łatwiejsza w zarządzaniu. </a:t>
-            </a:r>
-          </a:p>
-          <a:p>
-            <a:pPr marL="285750" indent="-285750">
-              <a:buFont typeface="Arial" panose="020B0604020202020204" pitchFamily="34" charset="0"/>
-              <a:buChar char="•"/>
-            </a:pPr>
-            <a:endParaRPr lang="pl-PL" dirty="0"/>
+              <a:t>Spring MVC – Przetwarzanie żądania</a:t>
+            </a:r>
+            <a:endParaRPr lang="en-US" dirty="0"/>
           </a:p>
         </p:txBody>
       </p:sp>
       <p:pic>
         <p:nvPicPr>
-          <p:cNvPr id="5" name="Obraz 4"/>
+          <p:cNvPr id="3" name="Obraz 2"/>
           <p:cNvPicPr>
             <a:picLocks noChangeAspect="1"/>
           </p:cNvPicPr>
@@ -7458,8 +7358,8 @@
         </p:blipFill>
         <p:spPr>
           <a:xfrm>
-            <a:off x="4968815" y="1992536"/>
-            <a:ext cx="4039204" cy="3183313"/>
+            <a:off x="762000" y="1071562"/>
+            <a:ext cx="7620000" cy="4714875"/>
           </a:xfrm>
           <a:prstGeom prst="rect">
             <a:avLst/>
@@ -7469,7 +7369,7 @@
     </p:spTree>
     <p:extLst>
       <p:ext uri="{BB962C8B-B14F-4D97-AF65-F5344CB8AC3E}">
-        <p14:creationId xmlns:p14="http://schemas.microsoft.com/office/powerpoint/2010/main" val="259387344"/>
+        <p14:creationId xmlns:p14="http://schemas.microsoft.com/office/powerpoint/2010/main" val="1224128216"/>
       </p:ext>
     </p:extLst>
   </p:cSld>
@@ -7513,7 +7413,7 @@
       </p:grpSpPr>
       <p:sp>
         <p:nvSpPr>
-          <p:cNvPr id="2" name="Title 1"/>
+          <p:cNvPr id="2" name="Tytuł 1"/>
           <p:cNvSpPr>
             <a:spLocks noGrp="1"/>
           </p:cNvSpPr>
@@ -7528,40 +7428,166 @@
           <a:p>
             <a:r>
               <a:rPr lang="pl-PL" dirty="0" smtClean="0"/>
-              <a:t>Spring MVC – Przetwarzanie żądania</a:t>
-            </a:r>
-            <a:endParaRPr lang="en-US" dirty="0"/>
-          </a:p>
-        </p:txBody>
-      </p:sp>
-      <p:pic>
-        <p:nvPicPr>
-          <p:cNvPr id="3" name="Obraz 2"/>
-          <p:cNvPicPr>
-            <a:picLocks noChangeAspect="1"/>
-          </p:cNvPicPr>
-          <p:nvPr/>
-        </p:nvPicPr>
-        <p:blipFill>
-          <a:blip r:embed="rId2"/>
-          <a:stretch>
-            <a:fillRect/>
-          </a:stretch>
-        </p:blipFill>
-        <p:spPr>
-          <a:xfrm>
-            <a:off x="762000" y="1071562"/>
-            <a:ext cx="7620000" cy="4714875"/>
-          </a:xfrm>
-          <a:prstGeom prst="rect">
-            <a:avLst/>
-          </a:prstGeom>
-        </p:spPr>
-      </p:pic>
+              <a:t>c.d.</a:t>
+            </a:r>
+            <a:endParaRPr lang="pl-PL" dirty="0"/>
+          </a:p>
+        </p:txBody>
+      </p:sp>
+      <p:sp>
+        <p:nvSpPr>
+          <p:cNvPr id="3" name="Symbol zastępczy tekstu 2"/>
+          <p:cNvSpPr>
+            <a:spLocks noGrp="1"/>
+          </p:cNvSpPr>
+          <p:nvPr>
+            <p:ph type="body" sz="quarter" idx="10"/>
+          </p:nvPr>
+        </p:nvSpPr>
+        <p:spPr/>
+        <p:txBody>
+          <a:bodyPr>
+            <a:normAutofit/>
+          </a:bodyPr>
+          <a:lstStyle/>
+          <a:p>
+            <a:pPr marL="198900" indent="0" algn="just">
+              <a:buNone/>
+            </a:pPr>
+            <a:endParaRPr lang="pl-PL" dirty="0" smtClean="0"/>
+          </a:p>
+          <a:p>
+            <a:pPr algn="just"/>
+            <a:r>
+              <a:rPr lang="pl-PL" dirty="0" smtClean="0"/>
+              <a:t>Zasada </a:t>
+            </a:r>
+            <a:r>
+              <a:rPr lang="pl-PL" dirty="0"/>
+              <a:t>działania opiera się o Front Controller „</a:t>
+            </a:r>
+            <a:r>
+              <a:rPr lang="pl-PL" dirty="0" err="1"/>
+              <a:t>Dispatcher</a:t>
+            </a:r>
+            <a:r>
+              <a:rPr lang="pl-PL" dirty="0"/>
+              <a:t> </a:t>
+            </a:r>
+            <a:r>
+              <a:rPr lang="pl-PL" dirty="0" err="1" smtClean="0"/>
+              <a:t>Servlet</a:t>
+            </a:r>
+            <a:r>
+              <a:rPr lang="pl-PL" dirty="0" smtClean="0"/>
+              <a:t>”</a:t>
+            </a:r>
+          </a:p>
+          <a:p>
+            <a:pPr algn="just"/>
+            <a:r>
+              <a:rPr lang="pl-PL" dirty="0" err="1" smtClean="0"/>
+              <a:t>Dispatcher</a:t>
+            </a:r>
+            <a:r>
+              <a:rPr lang="pl-PL" dirty="0" smtClean="0"/>
+              <a:t> </a:t>
+            </a:r>
+            <a:r>
+              <a:rPr lang="pl-PL" dirty="0" err="1" smtClean="0"/>
+              <a:t>Servlet</a:t>
+            </a:r>
+            <a:r>
+              <a:rPr lang="pl-PL" dirty="0" smtClean="0"/>
+              <a:t> odwołuje się do elementu „Handler </a:t>
+            </a:r>
+            <a:r>
+              <a:rPr lang="pl-PL" dirty="0" err="1" smtClean="0"/>
+              <a:t>Mapping</a:t>
+            </a:r>
+            <a:r>
+              <a:rPr lang="pl-PL" dirty="0" smtClean="0"/>
+              <a:t>” w celu zlokalizowania prawidłowego kontrolera dla otrzymanego żądania</a:t>
+            </a:r>
+          </a:p>
+          <a:p>
+            <a:pPr algn="just"/>
+            <a:r>
+              <a:rPr lang="pl-PL" dirty="0"/>
+              <a:t>Handler </a:t>
+            </a:r>
+            <a:r>
+              <a:rPr lang="pl-PL" dirty="0" err="1" smtClean="0"/>
+              <a:t>Mapping</a:t>
+            </a:r>
+            <a:r>
+              <a:rPr lang="pl-PL" dirty="0" smtClean="0"/>
+              <a:t> przyporządkowuje  Controller do odpowiedniego adresu URL.</a:t>
+            </a:r>
+          </a:p>
+          <a:p>
+            <a:pPr algn="just"/>
+            <a:r>
+              <a:rPr lang="pl-PL" dirty="0" smtClean="0"/>
+              <a:t>Controller po otrzymaniu żądania wywołuje odpowiedni service, który wykonuje żądaną operację a następnie zwraca wynik do głównego kontrolera. Jest to klasa oznaczona adnotacją @Controller</a:t>
+            </a:r>
+          </a:p>
+          <a:p>
+            <a:pPr algn="just"/>
+            <a:r>
+              <a:rPr lang="pl-PL" dirty="0" smtClean="0"/>
+              <a:t> </a:t>
+            </a:r>
+            <a:r>
+              <a:rPr lang="pl-PL" dirty="0" err="1" smtClean="0"/>
+              <a:t>View</a:t>
+            </a:r>
+            <a:r>
+              <a:rPr lang="pl-PL" dirty="0" smtClean="0"/>
+              <a:t> </a:t>
+            </a:r>
+            <a:r>
+              <a:rPr lang="pl-PL" dirty="0" err="1" smtClean="0"/>
+              <a:t>Resolver</a:t>
+            </a:r>
+            <a:r>
+              <a:rPr lang="pl-PL" dirty="0" smtClean="0"/>
+              <a:t> dostarcza następnie informacji o widoku, który został przyporządkowany do określonego żądania.</a:t>
+            </a:r>
+          </a:p>
+          <a:p>
+            <a:pPr algn="just"/>
+            <a:r>
+              <a:rPr lang="pl-PL" dirty="0" smtClean="0"/>
+              <a:t>Na samym końcu </a:t>
+            </a:r>
+            <a:r>
+              <a:rPr lang="pl-PL" dirty="0" err="1" smtClean="0"/>
+              <a:t>Dispatcher</a:t>
+            </a:r>
+            <a:r>
+              <a:rPr lang="pl-PL" dirty="0" smtClean="0"/>
+              <a:t> </a:t>
+            </a:r>
+            <a:r>
+              <a:rPr lang="pl-PL" dirty="0" err="1" smtClean="0"/>
+              <a:t>Servlet</a:t>
+            </a:r>
+            <a:r>
+              <a:rPr lang="pl-PL" dirty="0" smtClean="0"/>
+              <a:t> dostarcza dane do widoku, który zostanie wyświetlany w przeglądarce.</a:t>
+            </a:r>
+          </a:p>
+          <a:p>
+            <a:pPr algn="just"/>
+            <a:endParaRPr lang="pl-PL" dirty="0" smtClean="0"/>
+          </a:p>
+        </p:txBody>
+      </p:sp>
     </p:spTree>
     <p:extLst>
       <p:ext uri="{BB962C8B-B14F-4D97-AF65-F5344CB8AC3E}">
-        <p14:creationId xmlns:p14="http://schemas.microsoft.com/office/powerpoint/2010/main" val="1224128216"/>
+        <p14:creationId xmlns:p14="http://schemas.microsoft.com/office/powerpoint/2010/main" val="1700287261"/>
       </p:ext>
     </p:extLst>
   </p:cSld>
@@ -7620,7 +7646,7 @@
           <a:p>
             <a:r>
               <a:rPr lang="pl-PL" dirty="0" smtClean="0"/>
-              <a:t>c.d.</a:t>
+              <a:t>Spring MVC - podstawy</a:t>
             </a:r>
             <a:endParaRPr lang="pl-PL" dirty="0"/>
           </a:p>
@@ -7628,172 +7654,153 @@
       </p:sp>
       <p:sp>
         <p:nvSpPr>
-          <p:cNvPr id="3" name="Symbol zastępczy tekstu 2"/>
-          <p:cNvSpPr>
-            <a:spLocks noGrp="1"/>
-          </p:cNvSpPr>
-          <p:nvPr>
-            <p:ph type="body" sz="quarter" idx="10"/>
-          </p:nvPr>
-        </p:nvSpPr>
-        <p:spPr/>
-        <p:txBody>
-          <a:bodyPr>
-            <a:normAutofit/>
+          <p:cNvPr id="4" name="pole tekstowe 3"/>
+          <p:cNvSpPr txBox="1"/>
+          <p:nvPr/>
+        </p:nvSpPr>
+        <p:spPr>
+          <a:xfrm>
+            <a:off x="862642" y="1233577"/>
+            <a:ext cx="6564701" cy="2308324"/>
+          </a:xfrm>
+          <a:prstGeom prst="rect">
+            <a:avLst/>
+          </a:prstGeom>
+          <a:noFill/>
+        </p:spPr>
+        <p:txBody>
+          <a:bodyPr wrap="square" rtlCol="0">
+            <a:spAutoFit/>
           </a:bodyPr>
           <a:lstStyle/>
           <a:p>
-            <a:pPr marL="198900" indent="0" algn="just">
-              <a:buNone/>
-            </a:pPr>
+            <a:r>
+              <a:rPr lang="pl-PL" b="1" dirty="0" smtClean="0"/>
+              <a:t>@Controller </a:t>
+            </a:r>
+            <a:r>
+              <a:rPr lang="pl-PL" dirty="0" smtClean="0"/>
+              <a:t>– Klasa oznaczona tą adnotacją pełni funkcję kontrolera. Oznacza to że na podstawie otrzymanego żądania od klienta przygotowuje widok wraz z danymi które mają zostać wyświetlone. </a:t>
+            </a:r>
+          </a:p>
+          <a:p>
+            <a:endParaRPr lang="pl-PL" dirty="0"/>
+          </a:p>
+          <a:p>
             <a:endParaRPr lang="pl-PL" dirty="0" smtClean="0"/>
           </a:p>
           <a:p>
-            <a:pPr algn="just"/>
+            <a:endParaRPr lang="pl-PL" dirty="0"/>
+          </a:p>
+          <a:p>
+            <a:endParaRPr lang="pl-PL" dirty="0"/>
+          </a:p>
+        </p:txBody>
+      </p:sp>
+      <p:pic>
+        <p:nvPicPr>
+          <p:cNvPr id="7" name="Obraz 6"/>
+          <p:cNvPicPr>
+            <a:picLocks noChangeAspect="1"/>
+          </p:cNvPicPr>
+          <p:nvPr/>
+        </p:nvPicPr>
+        <p:blipFill>
+          <a:blip r:embed="rId2"/>
+          <a:stretch>
+            <a:fillRect/>
+          </a:stretch>
+        </p:blipFill>
+        <p:spPr>
+          <a:xfrm>
+            <a:off x="2867024" y="2584959"/>
+            <a:ext cx="3409950" cy="428625"/>
+          </a:xfrm>
+          <a:prstGeom prst="rect">
+            <a:avLst/>
+          </a:prstGeom>
+        </p:spPr>
+      </p:pic>
+      <p:sp>
+        <p:nvSpPr>
+          <p:cNvPr id="8" name="pole tekstowe 7"/>
+          <p:cNvSpPr txBox="1"/>
+          <p:nvPr/>
+        </p:nvSpPr>
+        <p:spPr>
+          <a:xfrm>
+            <a:off x="862641" y="3264902"/>
+            <a:ext cx="6564701" cy="923330"/>
+          </a:xfrm>
+          <a:prstGeom prst="rect">
+            <a:avLst/>
+          </a:prstGeom>
+          <a:noFill/>
+        </p:spPr>
+        <p:txBody>
+          <a:bodyPr wrap="square" rtlCol="0">
+            <a:spAutoFit/>
+          </a:bodyPr>
+          <a:lstStyle/>
+          <a:p>
+            <a:r>
+              <a:rPr lang="pl-PL" b="1" dirty="0"/>
+              <a:t>Model</a:t>
+            </a:r>
+            <a:r>
+              <a:rPr lang="pl-PL" dirty="0"/>
+              <a:t> – Interfejs, który umożliwia dodawanie atrybutów do modelu. </a:t>
+            </a:r>
             <a:r>
               <a:rPr lang="pl-PL" dirty="0" smtClean="0"/>
-              <a:t>Zasada </a:t>
-            </a:r>
-            <a:r>
-              <a:rPr lang="pl-PL" dirty="0"/>
-              <a:t>działania opiera się o Front Controller „</a:t>
-            </a:r>
-            <a:r>
-              <a:rPr lang="pl-PL" dirty="0" err="1"/>
-              <a:t>Dispatcher</a:t>
-            </a:r>
-            <a:r>
-              <a:rPr lang="pl-PL" dirty="0"/>
-              <a:t> </a:t>
+              <a:t>Dodawanie elementów odbywa się za pomocą metody </a:t>
             </a:r>
             <a:r>
               <a:rPr lang="pl-PL" dirty="0" err="1" smtClean="0"/>
-              <a:t>Servlet</a:t>
+              <a:t>addAttribute</a:t>
             </a:r>
             <a:r>
               <a:rPr lang="pl-PL" dirty="0" smtClean="0"/>
-              <a:t>”</a:t>
-            </a:r>
-          </a:p>
-          <a:p>
-            <a:pPr algn="just"/>
-            <a:r>
-              <a:rPr lang="pl-PL" dirty="0" err="1" smtClean="0"/>
-              <a:t>Dispatcher</a:t>
-            </a:r>
-            <a:r>
-              <a:rPr lang="pl-PL" dirty="0" smtClean="0"/>
-              <a:t> </a:t>
-            </a:r>
-            <a:r>
-              <a:rPr lang="pl-PL" dirty="0" err="1" smtClean="0"/>
-              <a:t>Servlet</a:t>
-            </a:r>
-            <a:r>
-              <a:rPr lang="pl-PL" dirty="0" smtClean="0"/>
-              <a:t> odwołuje się do elementu „Handler </a:t>
-            </a:r>
-            <a:r>
-              <a:rPr lang="pl-PL" dirty="0" err="1" smtClean="0"/>
-              <a:t>Mapping</a:t>
-            </a:r>
-            <a:r>
-              <a:rPr lang="pl-PL" dirty="0" smtClean="0"/>
-              <a:t>” w celu zlokalizowania prawidłowego kontrolera dla otrzymanego żądania</a:t>
-            </a:r>
-          </a:p>
-          <a:p>
-            <a:pPr algn="just"/>
-            <a:r>
-              <a:rPr lang="pl-PL" dirty="0"/>
-              <a:t>Handler </a:t>
-            </a:r>
-            <a:r>
-              <a:rPr lang="pl-PL" dirty="0" err="1" smtClean="0"/>
-              <a:t>Mapping</a:t>
-            </a:r>
-            <a:r>
-              <a:rPr lang="pl-PL" dirty="0" smtClean="0"/>
-              <a:t> przyporządkowuje  Controller do odpowiedniego adresu URL.</a:t>
-            </a:r>
-          </a:p>
-          <a:p>
-            <a:pPr algn="just"/>
-            <a:r>
-              <a:rPr lang="pl-PL" dirty="0" smtClean="0"/>
-              <a:t>Controller po otrzymaniu żądania wywołuje odpowiedni service, który wykonuje żądaną operację a następnie zwraca wynik do głównego kontrolera. Jest to klasa oznaczona adnotacją @Controller</a:t>
-            </a:r>
-          </a:p>
-          <a:p>
-            <a:pPr algn="just"/>
-            <a:r>
-              <a:rPr lang="pl-PL" dirty="0" smtClean="0"/>
-              <a:t> </a:t>
-            </a:r>
-            <a:r>
-              <a:rPr lang="pl-PL" dirty="0" err="1" smtClean="0"/>
-              <a:t>View</a:t>
-            </a:r>
-            <a:r>
-              <a:rPr lang="pl-PL" dirty="0" smtClean="0"/>
-              <a:t> </a:t>
-            </a:r>
-            <a:r>
-              <a:rPr lang="pl-PL" dirty="0" err="1" smtClean="0"/>
-              <a:t>Resolver</a:t>
-            </a:r>
-            <a:r>
-              <a:rPr lang="pl-PL" dirty="0" smtClean="0"/>
-              <a:t> dostarcza następnie informacji o widoku, który został przyporządkowany do określonego żądania.</a:t>
-            </a:r>
-          </a:p>
-          <a:p>
-            <a:pPr algn="just"/>
-            <a:r>
-              <a:rPr lang="pl-PL" dirty="0" smtClean="0"/>
-              <a:t>Na samym końcu </a:t>
-            </a:r>
-            <a:r>
-              <a:rPr lang="pl-PL" dirty="0" err="1" smtClean="0"/>
-              <a:t>Dispatcher</a:t>
-            </a:r>
-            <a:r>
-              <a:rPr lang="pl-PL" dirty="0" smtClean="0"/>
-              <a:t> </a:t>
-            </a:r>
-            <a:r>
-              <a:rPr lang="pl-PL" dirty="0" err="1" smtClean="0"/>
-              <a:t>Servlet</a:t>
-            </a:r>
-            <a:r>
-              <a:rPr lang="pl-PL" dirty="0" smtClean="0"/>
-              <a:t> dostarcza dane do widoku, który zostanie wyświetlany w przeglądarce.</a:t>
-            </a:r>
-          </a:p>
-          <a:p>
-            <a:pPr algn="just"/>
-            <a:endParaRPr lang="pl-PL" dirty="0" smtClean="0"/>
-          </a:p>
-        </p:txBody>
-      </p:sp>
+              <a:t> podobniej jak w mapie.</a:t>
+            </a:r>
+            <a:endParaRPr lang="pl-PL" dirty="0"/>
+          </a:p>
+        </p:txBody>
+      </p:sp>
+      <p:pic>
+        <p:nvPicPr>
+          <p:cNvPr id="10" name="Obraz 9"/>
+          <p:cNvPicPr>
+            <a:picLocks noChangeAspect="1"/>
+          </p:cNvPicPr>
+          <p:nvPr/>
+        </p:nvPicPr>
+        <p:blipFill>
+          <a:blip r:embed="rId3"/>
+          <a:stretch>
+            <a:fillRect/>
+          </a:stretch>
+        </p:blipFill>
+        <p:spPr>
+          <a:xfrm>
+            <a:off x="2147887" y="4179034"/>
+            <a:ext cx="4848225" cy="1466850"/>
+          </a:xfrm>
+          <a:prstGeom prst="rect">
+            <a:avLst/>
+          </a:prstGeom>
+        </p:spPr>
+      </p:pic>
     </p:spTree>
     <p:extLst>
       <p:ext uri="{BB962C8B-B14F-4D97-AF65-F5344CB8AC3E}">
-        <p14:creationId xmlns:p14="http://schemas.microsoft.com/office/powerpoint/2010/main" val="1700287261"/>
+        <p14:creationId xmlns:p14="http://schemas.microsoft.com/office/powerpoint/2010/main" val="2083855453"/>
       </p:ext>
     </p:extLst>
   </p:cSld>
   <p:clrMapOvr>
     <a:masterClrMapping/>
   </p:clrMapOvr>
-  <mc:AlternateContent xmlns:mc="http://schemas.openxmlformats.org/markup-compatibility/2006" xmlns:p14="http://schemas.microsoft.com/office/powerpoint/2010/main">
-    <mc:Choice Requires="p14">
-      <p:transition spd="slow" p14:dur="2000"/>
-    </mc:Choice>
-    <mc:Fallback xmlns="">
-      <p:transition spd="slow"/>
-    </mc:Fallback>
-  </mc:AlternateContent>
   <p:timing>
     <p:tnLst>
       <p:par>
@@ -7837,10 +7844,9 @@
           <a:lstStyle/>
           <a:p>
             <a:r>
-              <a:rPr lang="pl-PL" dirty="0" smtClean="0"/>
+              <a:rPr lang="pl-PL" dirty="0"/>
               <a:t>Spring MVC - podstawy</a:t>
             </a:r>
-            <a:endParaRPr lang="pl-PL" dirty="0"/>
           </a:p>
         </p:txBody>
       </p:sp>
@@ -7853,7 +7859,7 @@
         <p:spPr>
           <a:xfrm>
             <a:off x="862642" y="1233577"/>
-            <a:ext cx="6564701" cy="2308324"/>
+            <a:ext cx="6564701" cy="923330"/>
           </a:xfrm>
           <a:prstGeom prst="rect">
             <a:avLst/>
@@ -7867,35 +7873,19 @@
           <a:lstStyle/>
           <a:p>
             <a:r>
-              <a:rPr lang="pl-PL" b="1" dirty="0" smtClean="0"/>
-              <a:t>@</a:t>
-            </a:r>
-            <a:r>
-              <a:rPr lang="pl-PL" b="1" dirty="0" smtClean="0"/>
-              <a:t>Controller </a:t>
-            </a:r>
-            <a:r>
-              <a:rPr lang="pl-PL" dirty="0" smtClean="0"/>
-              <a:t>– Klasa oznaczona tą adnotacją pełni funkcję kontrolera. Oznacza to że na podstawie otrzymanego żądania od klienta przygotowuje widok wraz z danymi które mają zostać wyświetlone. </a:t>
-            </a:r>
-          </a:p>
-          <a:p>
-            <a:endParaRPr lang="pl-PL" dirty="0"/>
-          </a:p>
-          <a:p>
-            <a:endParaRPr lang="pl-PL" dirty="0" smtClean="0"/>
-          </a:p>
-          <a:p>
-            <a:endParaRPr lang="pl-PL" dirty="0"/>
-          </a:p>
-          <a:p>
-            <a:endParaRPr lang="pl-PL" dirty="0"/>
+              <a:rPr lang="pl-PL" b="1" dirty="0" err="1"/>
+              <a:t>ModelAndView</a:t>
+            </a:r>
+            <a:r>
+              <a:rPr lang="pl-PL" dirty="0"/>
+              <a:t> – Umożliwia przechowanie w jednym obiekcie nazwy widoku oraz zbioru wartości, które będą przypisane do określonego widoku</a:t>
+            </a:r>
           </a:p>
         </p:txBody>
       </p:sp>
       <p:pic>
         <p:nvPicPr>
-          <p:cNvPr id="7" name="Obraz 6"/>
+          <p:cNvPr id="3" name="Obraz 2"/>
           <p:cNvPicPr>
             <a:picLocks noChangeAspect="1"/>
           </p:cNvPicPr>
@@ -7909,78 +7899,8 @@
         </p:blipFill>
         <p:spPr>
           <a:xfrm>
-            <a:off x="2867025" y="2584959"/>
-            <a:ext cx="3409950" cy="428625"/>
-          </a:xfrm>
-          <a:prstGeom prst="rect">
-            <a:avLst/>
-          </a:prstGeom>
-        </p:spPr>
-      </p:pic>
-      <p:sp>
-        <p:nvSpPr>
-          <p:cNvPr id="8" name="pole tekstowe 7"/>
-          <p:cNvSpPr txBox="1"/>
-          <p:nvPr/>
-        </p:nvSpPr>
-        <p:spPr>
-          <a:xfrm>
-            <a:off x="862641" y="3264902"/>
-            <a:ext cx="6564701" cy="923330"/>
-          </a:xfrm>
-          <a:prstGeom prst="rect">
-            <a:avLst/>
-          </a:prstGeom>
-          <a:noFill/>
-        </p:spPr>
-        <p:txBody>
-          <a:bodyPr wrap="square" rtlCol="0">
-            <a:spAutoFit/>
-          </a:bodyPr>
-          <a:lstStyle/>
-          <a:p>
-            <a:r>
-              <a:rPr lang="pl-PL" b="1" dirty="0"/>
-              <a:t>Model</a:t>
-            </a:r>
-            <a:r>
-              <a:rPr lang="pl-PL" dirty="0"/>
-              <a:t> – Interfejs, który umożliwia dodawanie atrybutów do modelu. </a:t>
-            </a:r>
-            <a:r>
-              <a:rPr lang="pl-PL" dirty="0" smtClean="0"/>
-              <a:t>Dodawanie elementów odbywa się za pomocą metody </a:t>
-            </a:r>
-            <a:r>
-              <a:rPr lang="pl-PL" dirty="0" err="1" smtClean="0"/>
-              <a:t>addAttribute</a:t>
-            </a:r>
-            <a:r>
-              <a:rPr lang="pl-PL" dirty="0" smtClean="0"/>
-              <a:t> podobniej jak w mapie.</a:t>
-            </a:r>
-            <a:endParaRPr lang="pl-PL" dirty="0"/>
-          </a:p>
-        </p:txBody>
-      </p:sp>
-      <p:pic>
-        <p:nvPicPr>
-          <p:cNvPr id="10" name="Obraz 9"/>
-          <p:cNvPicPr>
-            <a:picLocks noChangeAspect="1"/>
-          </p:cNvPicPr>
-          <p:nvPr/>
-        </p:nvPicPr>
-        <p:blipFill>
-          <a:blip r:embed="rId3"/>
-          <a:stretch>
-            <a:fillRect/>
-          </a:stretch>
-        </p:blipFill>
-        <p:spPr>
-          <a:xfrm>
-            <a:off x="2147887" y="4179034"/>
-            <a:ext cx="4848225" cy="1466850"/>
+            <a:off x="1282640" y="2782916"/>
+            <a:ext cx="5723691" cy="2237657"/>
           </a:xfrm>
           <a:prstGeom prst="rect">
             <a:avLst/>
@@ -7990,7 +7910,7 @@
     </p:spTree>
     <p:extLst>
       <p:ext uri="{BB962C8B-B14F-4D97-AF65-F5344CB8AC3E}">
-        <p14:creationId xmlns:p14="http://schemas.microsoft.com/office/powerpoint/2010/main" val="2083855453"/>
+        <p14:creationId xmlns:p14="http://schemas.microsoft.com/office/powerpoint/2010/main" val="1218336704"/>
       </p:ext>
     </p:extLst>
   </p:cSld>
@@ -8046,42 +7966,9 @@
           </a:p>
         </p:txBody>
       </p:sp>
-      <p:sp>
-        <p:nvSpPr>
-          <p:cNvPr id="4" name="pole tekstowe 3"/>
-          <p:cNvSpPr txBox="1"/>
-          <p:nvPr/>
-        </p:nvSpPr>
-        <p:spPr>
-          <a:xfrm>
-            <a:off x="862642" y="1233577"/>
-            <a:ext cx="6564701" cy="923330"/>
-          </a:xfrm>
-          <a:prstGeom prst="rect">
-            <a:avLst/>
-          </a:prstGeom>
-          <a:noFill/>
-        </p:spPr>
-        <p:txBody>
-          <a:bodyPr wrap="square" rtlCol="0">
-            <a:spAutoFit/>
-          </a:bodyPr>
-          <a:lstStyle/>
-          <a:p>
-            <a:r>
-              <a:rPr lang="pl-PL" b="1" dirty="0" err="1"/>
-              <a:t>ModelAndView</a:t>
-            </a:r>
-            <a:r>
-              <a:rPr lang="pl-PL" dirty="0"/>
-              <a:t> – Umożliwia przechowanie w jednym obiekcie nazwy widoku oraz zbioru wartości, które będą przypisane do określonego widoku</a:t>
-            </a:r>
-          </a:p>
-        </p:txBody>
-      </p:sp>
       <p:pic>
         <p:nvPicPr>
-          <p:cNvPr id="3" name="Obraz 2"/>
+          <p:cNvPr id="5" name="Obraz 4"/>
           <p:cNvPicPr>
             <a:picLocks noChangeAspect="1"/>
           </p:cNvPicPr>
@@ -8095,18 +7982,48 @@
         </p:blipFill>
         <p:spPr>
           <a:xfrm>
-            <a:off x="2257425" y="2782917"/>
-            <a:ext cx="4629150" cy="1809750"/>
+            <a:off x="933450" y="2457450"/>
+            <a:ext cx="7277100" cy="1943100"/>
           </a:xfrm>
           <a:prstGeom prst="rect">
             <a:avLst/>
           </a:prstGeom>
         </p:spPr>
       </p:pic>
+      <p:sp>
+        <p:nvSpPr>
+          <p:cNvPr id="6" name="pole tekstowe 5"/>
+          <p:cNvSpPr txBox="1"/>
+          <p:nvPr/>
+        </p:nvSpPr>
+        <p:spPr>
+          <a:xfrm>
+            <a:off x="1216325" y="1664898"/>
+            <a:ext cx="1483932" cy="369332"/>
+          </a:xfrm>
+          <a:prstGeom prst="rect">
+            <a:avLst/>
+          </a:prstGeom>
+          <a:noFill/>
+        </p:spPr>
+        <p:txBody>
+          <a:bodyPr wrap="none" rtlCol="0">
+            <a:spAutoFit/>
+          </a:bodyPr>
+          <a:lstStyle/>
+          <a:p>
+            <a:r>
+              <a:rPr lang="pl-PL" dirty="0" smtClean="0"/>
+              <a:t>infoPage.html</a:t>
+            </a:r>
+            <a:endParaRPr lang="pl-PL" dirty="0"/>
+          </a:p>
+        </p:txBody>
+      </p:sp>
     </p:spTree>
     <p:extLst>
       <p:ext uri="{BB962C8B-B14F-4D97-AF65-F5344CB8AC3E}">
-        <p14:creationId xmlns:p14="http://schemas.microsoft.com/office/powerpoint/2010/main" val="1218336704"/>
+        <p14:creationId xmlns:p14="http://schemas.microsoft.com/office/powerpoint/2010/main" val="3301623970"/>
       </p:ext>
     </p:extLst>
   </p:cSld>
@@ -8157,75 +8074,133 @@
           <a:p>
             <a:r>
               <a:rPr lang="pl-PL" dirty="0"/>
-              <a:t>Spring MVC - podstawy</a:t>
-            </a:r>
-          </a:p>
-        </p:txBody>
-      </p:sp>
-      <p:pic>
-        <p:nvPicPr>
-          <p:cNvPr id="5" name="Obraz 4"/>
-          <p:cNvPicPr>
-            <a:picLocks noChangeAspect="1"/>
-          </p:cNvPicPr>
-          <p:nvPr/>
-        </p:nvPicPr>
-        <p:blipFill>
-          <a:blip r:embed="rId2"/>
-          <a:stretch>
-            <a:fillRect/>
-          </a:stretch>
-        </p:blipFill>
-        <p:spPr>
-          <a:xfrm>
-            <a:off x="933450" y="2457450"/>
-            <a:ext cx="7277100" cy="1943100"/>
-          </a:xfrm>
-          <a:prstGeom prst="rect">
-            <a:avLst/>
-          </a:prstGeom>
-        </p:spPr>
-      </p:pic>
-      <p:sp>
-        <p:nvSpPr>
-          <p:cNvPr id="6" name="pole tekstowe 5"/>
-          <p:cNvSpPr txBox="1"/>
-          <p:nvPr/>
-        </p:nvSpPr>
-        <p:spPr>
-          <a:xfrm>
-            <a:off x="1216325" y="1664898"/>
-            <a:ext cx="1483932" cy="369332"/>
-          </a:xfrm>
-          <a:prstGeom prst="rect">
-            <a:avLst/>
-          </a:prstGeom>
-          <a:noFill/>
-        </p:spPr>
-        <p:txBody>
-          <a:bodyPr wrap="none" rtlCol="0">
-            <a:spAutoFit/>
+              <a:t>Mapowanie żądania</a:t>
+            </a:r>
+          </a:p>
+        </p:txBody>
+      </p:sp>
+      <p:sp>
+        <p:nvSpPr>
+          <p:cNvPr id="3" name="Symbol zastępczy tekstu 2"/>
+          <p:cNvSpPr>
+            <a:spLocks noGrp="1"/>
+          </p:cNvSpPr>
+          <p:nvPr>
+            <p:ph type="body" sz="quarter" idx="10"/>
+          </p:nvPr>
+        </p:nvSpPr>
+        <p:spPr/>
+        <p:txBody>
+          <a:bodyPr>
+            <a:normAutofit/>
           </a:bodyPr>
           <a:lstStyle/>
           <a:p>
+            <a:pPr marL="198900" indent="0" algn="just">
+              <a:buNone/>
+            </a:pPr>
+            <a:endParaRPr lang="pl-PL" dirty="0" smtClean="0"/>
+          </a:p>
+          <a:p>
+            <a:pPr algn="just"/>
+            <a:r>
+              <a:rPr lang="pl-PL" dirty="0"/>
+              <a:t>@</a:t>
+            </a:r>
+            <a:r>
+              <a:rPr lang="pl-PL" dirty="0" err="1" smtClean="0"/>
+              <a:t>GetMapping</a:t>
+            </a:r>
+            <a:endParaRPr lang="pl-PL" dirty="0" smtClean="0"/>
+          </a:p>
+          <a:p>
+            <a:pPr algn="just"/>
+            <a:endParaRPr lang="pl-PL" dirty="0" smtClean="0"/>
+          </a:p>
+          <a:p>
+            <a:pPr algn="just"/>
             <a:r>
               <a:rPr lang="pl-PL" dirty="0" smtClean="0"/>
-              <a:t>infoPage.html</a:t>
-            </a:r>
-            <a:endParaRPr lang="pl-PL" dirty="0"/>
+              <a:t>@</a:t>
+            </a:r>
+            <a:r>
+              <a:rPr lang="pl-PL" dirty="0" err="1" smtClean="0"/>
+              <a:t>PostMapping</a:t>
+            </a:r>
+            <a:endParaRPr lang="pl-PL" dirty="0" smtClean="0"/>
+          </a:p>
+          <a:p>
+            <a:pPr algn="just"/>
+            <a:endParaRPr lang="pl-PL" dirty="0" smtClean="0"/>
+          </a:p>
+          <a:p>
+            <a:pPr algn="just"/>
+            <a:r>
+              <a:rPr lang="pl-PL" dirty="0" smtClean="0"/>
+              <a:t>@</a:t>
+            </a:r>
+            <a:r>
+              <a:rPr lang="pl-PL" dirty="0" err="1" smtClean="0"/>
+              <a:t>PutMapping</a:t>
+            </a:r>
+            <a:endParaRPr lang="pl-PL" dirty="0" smtClean="0"/>
+          </a:p>
+          <a:p>
+            <a:pPr algn="just"/>
+            <a:endParaRPr lang="pl-PL" dirty="0" smtClean="0"/>
+          </a:p>
+          <a:p>
+            <a:pPr algn="just"/>
+            <a:r>
+              <a:rPr lang="pl-PL" dirty="0" smtClean="0"/>
+              <a:t>@</a:t>
+            </a:r>
+            <a:r>
+              <a:rPr lang="pl-PL" dirty="0" err="1" smtClean="0"/>
+              <a:t>DeleteMapping</a:t>
+            </a:r>
+            <a:endParaRPr lang="pl-PL" dirty="0" smtClean="0"/>
+          </a:p>
+          <a:p>
+            <a:pPr algn="just"/>
+            <a:endParaRPr lang="pl-PL" dirty="0" smtClean="0"/>
+          </a:p>
+          <a:p>
+            <a:pPr algn="just"/>
+            <a:r>
+              <a:rPr lang="pl-PL" dirty="0" smtClean="0"/>
+              <a:t>@</a:t>
+            </a:r>
+            <a:r>
+              <a:rPr lang="pl-PL" dirty="0" err="1"/>
+              <a:t>RequestMapping</a:t>
+            </a:r>
+            <a:r>
+              <a:rPr lang="pl-PL" dirty="0"/>
+              <a:t> </a:t>
+            </a:r>
+            <a:endParaRPr lang="pl-PL" dirty="0" smtClean="0"/>
           </a:p>
         </p:txBody>
       </p:sp>
     </p:spTree>
     <p:extLst>
       <p:ext uri="{BB962C8B-B14F-4D97-AF65-F5344CB8AC3E}">
-        <p14:creationId xmlns:p14="http://schemas.microsoft.com/office/powerpoint/2010/main" val="3301623970"/>
+        <p14:creationId xmlns:p14="http://schemas.microsoft.com/office/powerpoint/2010/main" val="1597571101"/>
       </p:ext>
     </p:extLst>
   </p:cSld>
   <p:clrMapOvr>
     <a:masterClrMapping/>
   </p:clrMapOvr>
+  <mc:AlternateContent xmlns:mc="http://schemas.openxmlformats.org/markup-compatibility/2006" xmlns:p14="http://schemas.microsoft.com/office/powerpoint/2010/main">
+    <mc:Choice Requires="p14">
+      <p:transition spd="slow" p14:dur="2000"/>
+    </mc:Choice>
+    <mc:Fallback xmlns="">
+      <p:transition spd="slow"/>
+    </mc:Fallback>
+  </mc:AlternateContent>
   <p:timing>
     <p:tnLst>
       <p:par>

--- a/Spring MVC.pptx
+++ b/Spring MVC.pptx
@@ -5,7 +5,7 @@
     <p:sldMasterId id="2147483648" r:id="rId1"/>
   </p:sldMasterIdLst>
   <p:notesMasterIdLst>
-    <p:notesMasterId r:id="rId22"/>
+    <p:notesMasterId r:id="rId23"/>
   </p:notesMasterIdLst>
   <p:sldIdLst>
     <p:sldId id="319" r:id="rId2"/>
@@ -27,7 +27,8 @@
     <p:sldId id="399" r:id="rId18"/>
     <p:sldId id="401" r:id="rId19"/>
     <p:sldId id="405" r:id="rId20"/>
-    <p:sldId id="386" r:id="rId21"/>
+    <p:sldId id="408" r:id="rId21"/>
+    <p:sldId id="386" r:id="rId22"/>
   </p:sldIdLst>
   <p:sldSz cx="9144000" cy="6858000" type="screen4x3"/>
   <p:notesSz cx="6858000" cy="9144000"/>
@@ -150,6 +151,7 @@
             <p14:sldId id="399"/>
             <p14:sldId id="401"/>
             <p14:sldId id="405"/>
+            <p14:sldId id="408"/>
             <p14:sldId id="386"/>
           </p14:sldIdLst>
         </p14:section>
@@ -258,7 +260,7 @@
           <a:p>
             <a:fld id="{18DA1CCD-4AB1-40EE-B21B-789687229DC3}" type="datetimeFigureOut">
               <a:rPr lang="pl-PL" smtClean="0"/>
-              <a:t>2017-04-19</a:t>
+              <a:t>19.04.2017</a:t>
             </a:fld>
             <a:endParaRPr lang="pl-PL"/>
           </a:p>
@@ -4512,7 +4514,6 @@
               <a:rPr lang="pl-PL" dirty="0"/>
               <a:t>http://localhost:8080/pathVariableExample2/1&amp;User1</a:t>
             </a:r>
-            <a:endParaRPr lang="pl-PL" dirty="0"/>
           </a:p>
         </p:txBody>
       </p:sp>
@@ -6952,6 +6953,593 @@
 </file>
 
 <file path=ppt/slides/slide20.xml><?xml version="1.0" encoding="utf-8"?>
+<p:sld xmlns:a="http://schemas.openxmlformats.org/drawingml/2006/main" xmlns:r="http://schemas.openxmlformats.org/officeDocument/2006/relationships" xmlns:p="http://schemas.openxmlformats.org/presentationml/2006/main">
+  <p:cSld>
+    <p:spTree>
+      <p:nvGrpSpPr>
+        <p:cNvPr id="1" name=""/>
+        <p:cNvGrpSpPr/>
+        <p:nvPr/>
+      </p:nvGrpSpPr>
+      <p:grpSpPr>
+        <a:xfrm>
+          <a:off x="0" y="0"/>
+          <a:ext cx="0" cy="0"/>
+          <a:chOff x="0" y="0"/>
+          <a:chExt cx="0" cy="0"/>
+        </a:xfrm>
+      </p:grpSpPr>
+      <p:sp>
+        <p:nvSpPr>
+          <p:cNvPr id="2" name="Tytuł 1"/>
+          <p:cNvSpPr>
+            <a:spLocks noGrp="1"/>
+          </p:cNvSpPr>
+          <p:nvPr>
+            <p:ph type="title"/>
+          </p:nvPr>
+        </p:nvSpPr>
+        <p:spPr/>
+        <p:txBody>
+          <a:bodyPr/>
+          <a:lstStyle/>
+          <a:p>
+            <a:r>
+              <a:rPr lang="en-US" dirty="0" err="1" smtClean="0"/>
+              <a:t>Interakcje</a:t>
+            </a:r>
+            <a:r>
+              <a:rPr lang="en-US" dirty="0" smtClean="0"/>
+              <a:t> </a:t>
+            </a:r>
+            <a:r>
+              <a:rPr lang="en-US" dirty="0" err="1" smtClean="0"/>
+              <a:t>pomi</a:t>
+            </a:r>
+            <a:r>
+              <a:rPr lang="pl-PL" dirty="0" err="1" smtClean="0"/>
+              <a:t>ędzy</a:t>
+            </a:r>
+            <a:r>
+              <a:rPr lang="pl-PL" dirty="0" smtClean="0"/>
+              <a:t> widokiem i kontrolerem</a:t>
+            </a:r>
+            <a:endParaRPr lang="pl-PL" dirty="0">
+              <a:latin typeface=""/>
+            </a:endParaRPr>
+          </a:p>
+        </p:txBody>
+      </p:sp>
+      <p:sp>
+        <p:nvSpPr>
+          <p:cNvPr id="4" name="pole tekstowe 3"/>
+          <p:cNvSpPr txBox="1"/>
+          <p:nvPr/>
+        </p:nvSpPr>
+        <p:spPr>
+          <a:xfrm>
+            <a:off x="862642" y="1233577"/>
+            <a:ext cx="6564701" cy="369332"/>
+          </a:xfrm>
+          <a:prstGeom prst="rect">
+            <a:avLst/>
+          </a:prstGeom>
+          <a:noFill/>
+        </p:spPr>
+        <p:txBody>
+          <a:bodyPr wrap="square" rtlCol="0">
+            <a:spAutoFit/>
+          </a:bodyPr>
+          <a:lstStyle/>
+          <a:p>
+            <a:endParaRPr lang="pl-PL" dirty="0"/>
+          </a:p>
+        </p:txBody>
+      </p:sp>
+      <p:sp>
+        <p:nvSpPr>
+          <p:cNvPr id="6" name="Symbol zastępczy tekstu 2"/>
+          <p:cNvSpPr txBox="1">
+            <a:spLocks/>
+          </p:cNvSpPr>
+          <p:nvPr/>
+        </p:nvSpPr>
+        <p:spPr>
+          <a:xfrm>
+            <a:off x="0" y="1228158"/>
+            <a:ext cx="9144000" cy="4846148"/>
+          </a:xfrm>
+          <a:prstGeom prst="rect">
+            <a:avLst/>
+          </a:prstGeom>
+        </p:spPr>
+        <p:txBody>
+          <a:bodyPr>
+            <a:normAutofit/>
+          </a:bodyPr>
+          <a:lstStyle>
+            <a:lvl1pPr marL="342900" indent="-342900" algn="l" defTabSz="457200" rtl="0" eaLnBrk="1" latinLnBrk="0" hangingPunct="1">
+              <a:spcBef>
+                <a:spcPct val="20000"/>
+              </a:spcBef>
+              <a:buFont typeface="Arial"/>
+              <a:buChar char="•"/>
+              <a:defRPr sz="3200" kern="1200">
+                <a:solidFill>
+                  <a:schemeClr val="tx1"/>
+                </a:solidFill>
+                <a:latin typeface="+mn-lt"/>
+                <a:ea typeface="+mn-ea"/>
+                <a:cs typeface="+mn-cs"/>
+              </a:defRPr>
+            </a:lvl1pPr>
+            <a:lvl2pPr marL="742950" indent="-285750" algn="l" defTabSz="457200" rtl="0" eaLnBrk="1" latinLnBrk="0" hangingPunct="1">
+              <a:spcBef>
+                <a:spcPct val="20000"/>
+              </a:spcBef>
+              <a:buFont typeface="Arial"/>
+              <a:buChar char="–"/>
+              <a:defRPr sz="2800" kern="1200">
+                <a:solidFill>
+                  <a:schemeClr val="tx1"/>
+                </a:solidFill>
+                <a:latin typeface="+mn-lt"/>
+                <a:ea typeface="+mn-ea"/>
+                <a:cs typeface="+mn-cs"/>
+              </a:defRPr>
+            </a:lvl2pPr>
+            <a:lvl3pPr marL="1143000" indent="-228600" algn="l" defTabSz="457200" rtl="0" eaLnBrk="1" latinLnBrk="0" hangingPunct="1">
+              <a:spcBef>
+                <a:spcPct val="20000"/>
+              </a:spcBef>
+              <a:buFont typeface="Arial"/>
+              <a:buChar char="•"/>
+              <a:defRPr sz="2400" kern="1200">
+                <a:solidFill>
+                  <a:schemeClr val="tx1"/>
+                </a:solidFill>
+                <a:latin typeface="+mn-lt"/>
+                <a:ea typeface="+mn-ea"/>
+                <a:cs typeface="+mn-cs"/>
+              </a:defRPr>
+            </a:lvl3pPr>
+            <a:lvl4pPr marL="1600200" indent="-228600" algn="l" defTabSz="457200" rtl="0" eaLnBrk="1" latinLnBrk="0" hangingPunct="1">
+              <a:spcBef>
+                <a:spcPct val="20000"/>
+              </a:spcBef>
+              <a:buFont typeface="Arial"/>
+              <a:buChar char="–"/>
+              <a:defRPr sz="2000" kern="1200">
+                <a:solidFill>
+                  <a:schemeClr val="tx1"/>
+                </a:solidFill>
+                <a:latin typeface="+mn-lt"/>
+                <a:ea typeface="+mn-ea"/>
+                <a:cs typeface="+mn-cs"/>
+              </a:defRPr>
+            </a:lvl4pPr>
+            <a:lvl5pPr marL="2057400" indent="-228600" algn="l" defTabSz="457200" rtl="0" eaLnBrk="1" latinLnBrk="0" hangingPunct="1">
+              <a:spcBef>
+                <a:spcPct val="20000"/>
+              </a:spcBef>
+              <a:buFont typeface="Arial"/>
+              <a:buChar char="»"/>
+              <a:defRPr sz="2000" kern="1200">
+                <a:solidFill>
+                  <a:schemeClr val="tx1"/>
+                </a:solidFill>
+                <a:latin typeface="+mn-lt"/>
+                <a:ea typeface="+mn-ea"/>
+                <a:cs typeface="+mn-cs"/>
+              </a:defRPr>
+            </a:lvl5pPr>
+            <a:lvl6pPr marL="2514600" indent="-228600" algn="l" defTabSz="457200" rtl="0" eaLnBrk="1" latinLnBrk="0" hangingPunct="1">
+              <a:spcBef>
+                <a:spcPct val="20000"/>
+              </a:spcBef>
+              <a:buFont typeface="Arial"/>
+              <a:buChar char="•"/>
+              <a:defRPr sz="2000" kern="1200">
+                <a:solidFill>
+                  <a:schemeClr val="tx1"/>
+                </a:solidFill>
+                <a:latin typeface="+mn-lt"/>
+                <a:ea typeface="+mn-ea"/>
+                <a:cs typeface="+mn-cs"/>
+              </a:defRPr>
+            </a:lvl6pPr>
+            <a:lvl7pPr marL="2971800" indent="-228600" algn="l" defTabSz="457200" rtl="0" eaLnBrk="1" latinLnBrk="0" hangingPunct="1">
+              <a:spcBef>
+                <a:spcPct val="20000"/>
+              </a:spcBef>
+              <a:buFont typeface="Arial"/>
+              <a:buChar char="•"/>
+              <a:defRPr sz="2000" kern="1200">
+                <a:solidFill>
+                  <a:schemeClr val="tx1"/>
+                </a:solidFill>
+                <a:latin typeface="+mn-lt"/>
+                <a:ea typeface="+mn-ea"/>
+                <a:cs typeface="+mn-cs"/>
+              </a:defRPr>
+            </a:lvl7pPr>
+            <a:lvl8pPr marL="3429000" indent="-228600" algn="l" defTabSz="457200" rtl="0" eaLnBrk="1" latinLnBrk="0" hangingPunct="1">
+              <a:spcBef>
+                <a:spcPct val="20000"/>
+              </a:spcBef>
+              <a:buFont typeface="Arial"/>
+              <a:buChar char="•"/>
+              <a:defRPr sz="2000" kern="1200">
+                <a:solidFill>
+                  <a:schemeClr val="tx1"/>
+                </a:solidFill>
+                <a:latin typeface="+mn-lt"/>
+                <a:ea typeface="+mn-ea"/>
+                <a:cs typeface="+mn-cs"/>
+              </a:defRPr>
+            </a:lvl8pPr>
+            <a:lvl9pPr marL="3886200" indent="-228600" algn="l" defTabSz="457200" rtl="0" eaLnBrk="1" latinLnBrk="0" hangingPunct="1">
+              <a:spcBef>
+                <a:spcPct val="20000"/>
+              </a:spcBef>
+              <a:buFont typeface="Arial"/>
+              <a:buChar char="•"/>
+              <a:defRPr sz="2000" kern="1200">
+                <a:solidFill>
+                  <a:schemeClr val="tx1"/>
+                </a:solidFill>
+                <a:latin typeface="+mn-lt"/>
+                <a:ea typeface="+mn-ea"/>
+                <a:cs typeface="+mn-cs"/>
+              </a:defRPr>
+            </a:lvl9pPr>
+          </a:lstStyle>
+          <a:p>
+            <a:pPr marL="198900" indent="0" algn="just">
+              <a:buFont typeface="Arial"/>
+              <a:buNone/>
+            </a:pPr>
+            <a:endParaRPr lang="pl-PL" dirty="0" smtClean="0"/>
+          </a:p>
+        </p:txBody>
+      </p:sp>
+      <p:sp>
+        <p:nvSpPr>
+          <p:cNvPr id="8" name="Symbol zastępczy tekstu 2"/>
+          <p:cNvSpPr txBox="1">
+            <a:spLocks/>
+          </p:cNvSpPr>
+          <p:nvPr/>
+        </p:nvSpPr>
+        <p:spPr>
+          <a:xfrm>
+            <a:off x="0" y="883919"/>
+            <a:ext cx="9144000" cy="5473337"/>
+          </a:xfrm>
+          <a:prstGeom prst="rect">
+            <a:avLst/>
+          </a:prstGeom>
+        </p:spPr>
+        <p:txBody>
+          <a:bodyPr>
+            <a:normAutofit/>
+          </a:bodyPr>
+          <a:lstStyle>
+            <a:lvl1pPr marL="342900" indent="-342900" algn="l" defTabSz="457200" rtl="0" eaLnBrk="1" latinLnBrk="0" hangingPunct="1">
+              <a:spcBef>
+                <a:spcPct val="20000"/>
+              </a:spcBef>
+              <a:buFont typeface="Arial"/>
+              <a:buChar char="•"/>
+              <a:defRPr sz="3200" kern="1200">
+                <a:solidFill>
+                  <a:schemeClr val="tx1"/>
+                </a:solidFill>
+                <a:latin typeface="+mn-lt"/>
+                <a:ea typeface="+mn-ea"/>
+                <a:cs typeface="+mn-cs"/>
+              </a:defRPr>
+            </a:lvl1pPr>
+            <a:lvl2pPr marL="742950" indent="-285750" algn="l" defTabSz="457200" rtl="0" eaLnBrk="1" latinLnBrk="0" hangingPunct="1">
+              <a:spcBef>
+                <a:spcPct val="20000"/>
+              </a:spcBef>
+              <a:buFont typeface="Arial"/>
+              <a:buChar char="–"/>
+              <a:defRPr sz="2800" kern="1200">
+                <a:solidFill>
+                  <a:schemeClr val="tx1"/>
+                </a:solidFill>
+                <a:latin typeface="+mn-lt"/>
+                <a:ea typeface="+mn-ea"/>
+                <a:cs typeface="+mn-cs"/>
+              </a:defRPr>
+            </a:lvl2pPr>
+            <a:lvl3pPr marL="1143000" indent="-228600" algn="l" defTabSz="457200" rtl="0" eaLnBrk="1" latinLnBrk="0" hangingPunct="1">
+              <a:spcBef>
+                <a:spcPct val="20000"/>
+              </a:spcBef>
+              <a:buFont typeface="Arial"/>
+              <a:buChar char="•"/>
+              <a:defRPr sz="2400" kern="1200">
+                <a:solidFill>
+                  <a:schemeClr val="tx1"/>
+                </a:solidFill>
+                <a:latin typeface="+mn-lt"/>
+                <a:ea typeface="+mn-ea"/>
+                <a:cs typeface="+mn-cs"/>
+              </a:defRPr>
+            </a:lvl3pPr>
+            <a:lvl4pPr marL="1600200" indent="-228600" algn="l" defTabSz="457200" rtl="0" eaLnBrk="1" latinLnBrk="0" hangingPunct="1">
+              <a:spcBef>
+                <a:spcPct val="20000"/>
+              </a:spcBef>
+              <a:buFont typeface="Arial"/>
+              <a:buChar char="–"/>
+              <a:defRPr sz="2000" kern="1200">
+                <a:solidFill>
+                  <a:schemeClr val="tx1"/>
+                </a:solidFill>
+                <a:latin typeface="+mn-lt"/>
+                <a:ea typeface="+mn-ea"/>
+                <a:cs typeface="+mn-cs"/>
+              </a:defRPr>
+            </a:lvl4pPr>
+            <a:lvl5pPr marL="2057400" indent="-228600" algn="l" defTabSz="457200" rtl="0" eaLnBrk="1" latinLnBrk="0" hangingPunct="1">
+              <a:spcBef>
+                <a:spcPct val="20000"/>
+              </a:spcBef>
+              <a:buFont typeface="Arial"/>
+              <a:buChar char="»"/>
+              <a:defRPr sz="2000" kern="1200">
+                <a:solidFill>
+                  <a:schemeClr val="tx1"/>
+                </a:solidFill>
+                <a:latin typeface="+mn-lt"/>
+                <a:ea typeface="+mn-ea"/>
+                <a:cs typeface="+mn-cs"/>
+              </a:defRPr>
+            </a:lvl5pPr>
+            <a:lvl6pPr marL="2514600" indent="-228600" algn="l" defTabSz="457200" rtl="0" eaLnBrk="1" latinLnBrk="0" hangingPunct="1">
+              <a:spcBef>
+                <a:spcPct val="20000"/>
+              </a:spcBef>
+              <a:buFont typeface="Arial"/>
+              <a:buChar char="•"/>
+              <a:defRPr sz="2000" kern="1200">
+                <a:solidFill>
+                  <a:schemeClr val="tx1"/>
+                </a:solidFill>
+                <a:latin typeface="+mn-lt"/>
+                <a:ea typeface="+mn-ea"/>
+                <a:cs typeface="+mn-cs"/>
+              </a:defRPr>
+            </a:lvl6pPr>
+            <a:lvl7pPr marL="2971800" indent="-228600" algn="l" defTabSz="457200" rtl="0" eaLnBrk="1" latinLnBrk="0" hangingPunct="1">
+              <a:spcBef>
+                <a:spcPct val="20000"/>
+              </a:spcBef>
+              <a:buFont typeface="Arial"/>
+              <a:buChar char="•"/>
+              <a:defRPr sz="2000" kern="1200">
+                <a:solidFill>
+                  <a:schemeClr val="tx1"/>
+                </a:solidFill>
+                <a:latin typeface="+mn-lt"/>
+                <a:ea typeface="+mn-ea"/>
+                <a:cs typeface="+mn-cs"/>
+              </a:defRPr>
+            </a:lvl7pPr>
+            <a:lvl8pPr marL="3429000" indent="-228600" algn="l" defTabSz="457200" rtl="0" eaLnBrk="1" latinLnBrk="0" hangingPunct="1">
+              <a:spcBef>
+                <a:spcPct val="20000"/>
+              </a:spcBef>
+              <a:buFont typeface="Arial"/>
+              <a:buChar char="•"/>
+              <a:defRPr sz="2000" kern="1200">
+                <a:solidFill>
+                  <a:schemeClr val="tx1"/>
+                </a:solidFill>
+                <a:latin typeface="+mn-lt"/>
+                <a:ea typeface="+mn-ea"/>
+                <a:cs typeface="+mn-cs"/>
+              </a:defRPr>
+            </a:lvl8pPr>
+            <a:lvl9pPr marL="3886200" indent="-228600" algn="l" defTabSz="457200" rtl="0" eaLnBrk="1" latinLnBrk="0" hangingPunct="1">
+              <a:spcBef>
+                <a:spcPct val="20000"/>
+              </a:spcBef>
+              <a:buFont typeface="Arial"/>
+              <a:buChar char="•"/>
+              <a:defRPr sz="2000" kern="1200">
+                <a:solidFill>
+                  <a:schemeClr val="tx1"/>
+                </a:solidFill>
+                <a:latin typeface="+mn-lt"/>
+                <a:ea typeface="+mn-ea"/>
+                <a:cs typeface="+mn-cs"/>
+              </a:defRPr>
+            </a:lvl9pPr>
+          </a:lstStyle>
+          <a:p>
+            <a:pPr marL="713250" indent="-514350" algn="just">
+              <a:buFont typeface="Arial"/>
+              <a:buAutoNum type="arabicPeriod"/>
+            </a:pPr>
+            <a:endParaRPr lang="pl-PL" dirty="0" smtClean="0"/>
+          </a:p>
+          <a:p>
+            <a:pPr marL="713250" indent="-514350" algn="just">
+              <a:buFont typeface="Arial"/>
+              <a:buAutoNum type="arabicPeriod"/>
+            </a:pPr>
+            <a:r>
+              <a:rPr lang="pl-PL" dirty="0" err="1" smtClean="0"/>
+              <a:t>Redirect</a:t>
+            </a:r>
+            <a:endParaRPr lang="pl-PL" dirty="0" smtClean="0"/>
+          </a:p>
+          <a:p>
+            <a:pPr marL="713250" indent="-514350" algn="just">
+              <a:buFont typeface="Arial"/>
+              <a:buAutoNum type="arabicPeriod"/>
+            </a:pPr>
+            <a:r>
+              <a:rPr lang="pl-PL" dirty="0" err="1" smtClean="0"/>
+              <a:t>Forward</a:t>
+            </a:r>
+            <a:endParaRPr lang="pl-PL" dirty="0" smtClean="0"/>
+          </a:p>
+          <a:p>
+            <a:pPr marL="713250" indent="-514350" algn="just">
+              <a:buFont typeface="Arial"/>
+              <a:buAutoNum type="arabicPeriod"/>
+            </a:pPr>
+            <a:r>
+              <a:rPr lang="pl-PL" dirty="0" smtClean="0"/>
+              <a:t>Content </a:t>
+            </a:r>
+            <a:r>
+              <a:rPr lang="pl-PL" dirty="0" err="1" smtClean="0"/>
+              <a:t>Type</a:t>
+            </a:r>
+            <a:r>
+              <a:rPr lang="pl-PL" dirty="0" smtClean="0"/>
+              <a:t> przy </a:t>
+            </a:r>
+            <a:r>
+              <a:rPr lang="pl-PL" dirty="0" err="1" smtClean="0"/>
+              <a:t>response</a:t>
+            </a:r>
+            <a:r>
+              <a:rPr lang="pl-PL" dirty="0" smtClean="0"/>
+              <a:t> i </a:t>
+            </a:r>
+            <a:r>
+              <a:rPr lang="pl-PL" dirty="0" err="1" smtClean="0"/>
+              <a:t>request</a:t>
+            </a:r>
+            <a:r>
+              <a:rPr lang="pl-PL" dirty="0" smtClean="0"/>
+              <a:t> body</a:t>
+            </a:r>
+          </a:p>
+          <a:p>
+            <a:pPr marL="713250" indent="-514350" algn="just">
+              <a:buFont typeface="Arial"/>
+              <a:buAutoNum type="arabicPeriod"/>
+            </a:pPr>
+            <a:r>
+              <a:rPr lang="pl-PL" dirty="0" err="1" smtClean="0"/>
+              <a:t>Response</a:t>
+            </a:r>
+            <a:r>
+              <a:rPr lang="pl-PL" dirty="0" smtClean="0"/>
+              <a:t> Status – 3 sposoby</a:t>
+            </a:r>
+          </a:p>
+          <a:p>
+            <a:pPr marL="713250" indent="-514350" algn="just">
+              <a:buFont typeface="Arial"/>
+              <a:buAutoNum type="arabicPeriod"/>
+            </a:pPr>
+            <a:r>
+              <a:rPr lang="pl-PL" dirty="0" smtClean="0"/>
+              <a:t>Spring </a:t>
+            </a:r>
+            <a:r>
+              <a:rPr lang="pl-PL" dirty="0"/>
+              <a:t>MVC @</a:t>
+            </a:r>
+            <a:r>
+              <a:rPr lang="pl-PL" dirty="0" err="1" smtClean="0"/>
+              <a:t>RestController</a:t>
+            </a:r>
+            <a:endParaRPr lang="pl-PL" dirty="0" smtClean="0"/>
+          </a:p>
+          <a:p>
+            <a:pPr marL="1513350" lvl="2" indent="-514350" algn="just">
+              <a:buFont typeface="Arial"/>
+              <a:buAutoNum type="arabicPeriod"/>
+            </a:pPr>
+            <a:r>
+              <a:rPr lang="pl-PL" dirty="0" smtClean="0"/>
+              <a:t>@Controller </a:t>
+            </a:r>
+            <a:r>
+              <a:rPr lang="pl-PL" dirty="0"/>
+              <a:t>vs @</a:t>
+            </a:r>
+            <a:r>
+              <a:rPr lang="pl-PL" dirty="0" err="1" smtClean="0"/>
+              <a:t>RestController</a:t>
+            </a:r>
+            <a:endParaRPr lang="pl-PL" dirty="0" smtClean="0"/>
+          </a:p>
+          <a:p>
+            <a:pPr marL="1513350" lvl="2" indent="-514350" algn="just">
+              <a:buFont typeface="Arial"/>
+              <a:buAutoNum type="arabicPeriod"/>
+            </a:pPr>
+            <a:r>
+              <a:rPr lang="pl-PL" dirty="0" smtClean="0"/>
+              <a:t>Jackson </a:t>
+            </a:r>
+            <a:r>
+              <a:rPr lang="pl-PL" dirty="0" err="1" smtClean="0"/>
+              <a:t>configuration</a:t>
+            </a:r>
+            <a:endParaRPr lang="pl-PL" dirty="0" smtClean="0"/>
+          </a:p>
+          <a:p>
+            <a:pPr marL="1513350" lvl="2" indent="-514350" algn="just">
+              <a:buFont typeface="Arial"/>
+              <a:buAutoNum type="arabicPeriod"/>
+            </a:pPr>
+            <a:r>
+              <a:rPr lang="pl-PL" dirty="0"/>
+              <a:t> Converter&lt;String, </a:t>
+            </a:r>
+            <a:r>
+              <a:rPr lang="pl-PL" dirty="0" smtClean="0"/>
+              <a:t>T&gt; </a:t>
+            </a:r>
+            <a:r>
+              <a:rPr lang="pl-PL" dirty="0" err="1" smtClean="0"/>
+              <a:t>interface</a:t>
+            </a:r>
+            <a:endParaRPr lang="pl-PL" dirty="0"/>
+          </a:p>
+          <a:p>
+            <a:pPr marL="713250" indent="-514350" algn="just">
+              <a:buFont typeface="Arial"/>
+              <a:buAutoNum type="arabicPeriod"/>
+            </a:pPr>
+            <a:endParaRPr lang="pl-PL" dirty="0" smtClean="0"/>
+          </a:p>
+        </p:txBody>
+      </p:sp>
+    </p:spTree>
+    <p:extLst>
+      <p:ext uri="{BB962C8B-B14F-4D97-AF65-F5344CB8AC3E}">
+        <p14:creationId xmlns:p14="http://schemas.microsoft.com/office/powerpoint/2010/main" val="1752661454"/>
+      </p:ext>
+    </p:extLst>
+  </p:cSld>
+  <p:clrMapOvr>
+    <a:masterClrMapping/>
+  </p:clrMapOvr>
+  <p:timing>
+    <p:tnLst>
+      <p:par>
+        <p:cTn id="1" dur="indefinite" restart="never" nodeType="tmRoot"/>
+      </p:par>
+    </p:tnLst>
+  </p:timing>
+</p:sld>
+</file>
+
+<file path=ppt/slides/slide21.xml><?xml version="1.0" encoding="utf-8"?>
 <p:sld xmlns:a="http://schemas.openxmlformats.org/drawingml/2006/main" xmlns:r="http://schemas.openxmlformats.org/officeDocument/2006/relationships" xmlns:p="http://schemas.openxmlformats.org/presentationml/2006/main">
   <p:cSld>
     <p:spTree>

--- a/Spring MVC.pptx
+++ b/Spring MVC.pptx
@@ -5,30 +5,41 @@
     <p:sldMasterId id="2147483648" r:id="rId1"/>
   </p:sldMasterIdLst>
   <p:notesMasterIdLst>
-    <p:notesMasterId r:id="rId23"/>
+    <p:notesMasterId r:id="rId34"/>
   </p:notesMasterIdLst>
   <p:sldIdLst>
     <p:sldId id="319" r:id="rId2"/>
     <p:sldId id="350" r:id="rId3"/>
-    <p:sldId id="327" r:id="rId4"/>
-    <p:sldId id="320" r:id="rId5"/>
-    <p:sldId id="355" r:id="rId6"/>
-    <p:sldId id="364" r:id="rId7"/>
-    <p:sldId id="393" r:id="rId8"/>
-    <p:sldId id="406" r:id="rId9"/>
-    <p:sldId id="394" r:id="rId10"/>
-    <p:sldId id="387" r:id="rId11"/>
-    <p:sldId id="395" r:id="rId12"/>
-    <p:sldId id="396" r:id="rId13"/>
-    <p:sldId id="404" r:id="rId14"/>
-    <p:sldId id="400" r:id="rId15"/>
-    <p:sldId id="407" r:id="rId16"/>
-    <p:sldId id="398" r:id="rId17"/>
-    <p:sldId id="399" r:id="rId18"/>
-    <p:sldId id="401" r:id="rId19"/>
-    <p:sldId id="405" r:id="rId20"/>
-    <p:sldId id="408" r:id="rId21"/>
-    <p:sldId id="386" r:id="rId22"/>
+    <p:sldId id="351" r:id="rId4"/>
+    <p:sldId id="327" r:id="rId5"/>
+    <p:sldId id="320" r:id="rId6"/>
+    <p:sldId id="355" r:id="rId7"/>
+    <p:sldId id="364" r:id="rId8"/>
+    <p:sldId id="393" r:id="rId9"/>
+    <p:sldId id="406" r:id="rId10"/>
+    <p:sldId id="394" r:id="rId11"/>
+    <p:sldId id="387" r:id="rId12"/>
+    <p:sldId id="395" r:id="rId13"/>
+    <p:sldId id="396" r:id="rId14"/>
+    <p:sldId id="404" r:id="rId15"/>
+    <p:sldId id="403" r:id="rId16"/>
+    <p:sldId id="400" r:id="rId17"/>
+    <p:sldId id="398" r:id="rId18"/>
+    <p:sldId id="399" r:id="rId19"/>
+    <p:sldId id="401" r:id="rId20"/>
+    <p:sldId id="405" r:id="rId21"/>
+    <p:sldId id="417" r:id="rId22"/>
+    <p:sldId id="411" r:id="rId23"/>
+    <p:sldId id="412" r:id="rId24"/>
+    <p:sldId id="413" r:id="rId25"/>
+    <p:sldId id="418" r:id="rId26"/>
+    <p:sldId id="408" r:id="rId27"/>
+    <p:sldId id="410" r:id="rId28"/>
+    <p:sldId id="419" r:id="rId29"/>
+    <p:sldId id="409" r:id="rId30"/>
+    <p:sldId id="414" r:id="rId31"/>
+    <p:sldId id="415" r:id="rId32"/>
+    <p:sldId id="386" r:id="rId33"/>
   </p:sldIdLst>
   <p:sldSz cx="9144000" cy="6858000" type="screen4x3"/>
   <p:notesSz cx="6858000" cy="9144000"/>
@@ -134,6 +145,7 @@
           <p14:sldIdLst>
             <p14:sldId id="319"/>
             <p14:sldId id="350"/>
+            <p14:sldId id="351"/>
             <p14:sldId id="327"/>
             <p14:sldId id="320"/>
             <p14:sldId id="355"/>
@@ -145,13 +157,23 @@
             <p14:sldId id="395"/>
             <p14:sldId id="396"/>
             <p14:sldId id="404"/>
+            <p14:sldId id="403"/>
             <p14:sldId id="400"/>
-            <p14:sldId id="407"/>
             <p14:sldId id="398"/>
             <p14:sldId id="399"/>
             <p14:sldId id="401"/>
             <p14:sldId id="405"/>
+            <p14:sldId id="417"/>
+            <p14:sldId id="411"/>
+            <p14:sldId id="412"/>
+            <p14:sldId id="413"/>
+            <p14:sldId id="418"/>
             <p14:sldId id="408"/>
+            <p14:sldId id="410"/>
+            <p14:sldId id="419"/>
+            <p14:sldId id="409"/>
+            <p14:sldId id="414"/>
+            <p14:sldId id="415"/>
             <p14:sldId id="386"/>
           </p14:sldIdLst>
         </p14:section>
@@ -260,7 +282,7 @@
           <a:p>
             <a:fld id="{18DA1CCD-4AB1-40EE-B21B-789687229DC3}" type="datetimeFigureOut">
               <a:rPr lang="pl-PL" smtClean="0"/>
-              <a:t>19.04.2017</a:t>
+              <a:t>23.04.2017</a:t>
             </a:fld>
             <a:endParaRPr lang="pl-PL"/>
           </a:p>
@@ -4310,71 +4332,134 @@
           <a:lstStyle/>
           <a:p>
             <a:r>
-              <a:rPr lang="pl-PL" dirty="0" smtClean="0"/>
+              <a:rPr lang="pl-PL" dirty="0"/>
               <a:t>Mapowanie żądania</a:t>
             </a:r>
-            <a:endParaRPr lang="pl-PL" dirty="0"/>
-          </a:p>
-        </p:txBody>
-      </p:sp>
-      <p:pic>
-        <p:nvPicPr>
-          <p:cNvPr id="4" name="Obraz 3"/>
-          <p:cNvPicPr>
-            <a:picLocks noChangeAspect="1"/>
-          </p:cNvPicPr>
-          <p:nvPr/>
-        </p:nvPicPr>
-        <p:blipFill>
-          <a:blip r:embed="rId2"/>
-          <a:stretch>
-            <a:fillRect/>
-          </a:stretch>
-        </p:blipFill>
-        <p:spPr>
-          <a:xfrm>
-            <a:off x="671512" y="1498030"/>
-            <a:ext cx="7800975" cy="1452204"/>
-          </a:xfrm>
-          <a:prstGeom prst="rect">
-            <a:avLst/>
-          </a:prstGeom>
-        </p:spPr>
-      </p:pic>
-      <p:pic>
-        <p:nvPicPr>
-          <p:cNvPr id="6" name="Obraz 5"/>
-          <p:cNvPicPr>
-            <a:picLocks noChangeAspect="1"/>
-          </p:cNvPicPr>
-          <p:nvPr/>
-        </p:nvPicPr>
-        <p:blipFill>
-          <a:blip r:embed="rId3"/>
-          <a:stretch>
-            <a:fillRect/>
-          </a:stretch>
-        </p:blipFill>
-        <p:spPr>
-          <a:xfrm>
-            <a:off x="550080" y="3693739"/>
-            <a:ext cx="7801200" cy="1512698"/>
-          </a:xfrm>
-          <a:prstGeom prst="rect">
-            <a:avLst/>
-          </a:prstGeom>
-        </p:spPr>
-      </p:pic>
+          </a:p>
+        </p:txBody>
+      </p:sp>
+      <p:sp>
+        <p:nvSpPr>
+          <p:cNvPr id="3" name="Symbol zastępczy tekstu 2"/>
+          <p:cNvSpPr>
+            <a:spLocks noGrp="1"/>
+          </p:cNvSpPr>
+          <p:nvPr>
+            <p:ph type="body" sz="quarter" idx="10"/>
+          </p:nvPr>
+        </p:nvSpPr>
+        <p:spPr/>
+        <p:txBody>
+          <a:bodyPr>
+            <a:normAutofit/>
+          </a:bodyPr>
+          <a:lstStyle/>
+          <a:p>
+            <a:pPr marL="198900" indent="0" algn="just">
+              <a:buNone/>
+            </a:pPr>
+            <a:endParaRPr lang="pl-PL" dirty="0" smtClean="0"/>
+          </a:p>
+          <a:p>
+            <a:pPr algn="just"/>
+            <a:r>
+              <a:rPr lang="pl-PL" dirty="0"/>
+              <a:t>@</a:t>
+            </a:r>
+            <a:r>
+              <a:rPr lang="pl-PL" dirty="0" err="1" smtClean="0"/>
+              <a:t>GetMapping</a:t>
+            </a:r>
+            <a:endParaRPr lang="pl-PL" dirty="0" smtClean="0"/>
+          </a:p>
+          <a:p>
+            <a:pPr algn="just"/>
+            <a:endParaRPr lang="pl-PL" dirty="0" smtClean="0"/>
+          </a:p>
+          <a:p>
+            <a:pPr algn="just"/>
+            <a:r>
+              <a:rPr lang="pl-PL" dirty="0" smtClean="0"/>
+              <a:t>@</a:t>
+            </a:r>
+            <a:r>
+              <a:rPr lang="pl-PL" dirty="0" err="1" smtClean="0"/>
+              <a:t>PostMapping</a:t>
+            </a:r>
+            <a:endParaRPr lang="pl-PL" dirty="0" smtClean="0"/>
+          </a:p>
+          <a:p>
+            <a:pPr algn="just"/>
+            <a:endParaRPr lang="pl-PL" dirty="0" smtClean="0"/>
+          </a:p>
+          <a:p>
+            <a:pPr algn="just"/>
+            <a:r>
+              <a:rPr lang="pl-PL" dirty="0" smtClean="0"/>
+              <a:t>@</a:t>
+            </a:r>
+            <a:r>
+              <a:rPr lang="pl-PL" dirty="0" err="1" smtClean="0"/>
+              <a:t>PutMapping</a:t>
+            </a:r>
+            <a:endParaRPr lang="pl-PL" dirty="0" smtClean="0"/>
+          </a:p>
+          <a:p>
+            <a:pPr algn="just"/>
+            <a:endParaRPr lang="pl-PL" dirty="0" smtClean="0"/>
+          </a:p>
+          <a:p>
+            <a:pPr algn="just"/>
+            <a:r>
+              <a:rPr lang="pl-PL" dirty="0" smtClean="0"/>
+              <a:t>@</a:t>
+            </a:r>
+            <a:r>
+              <a:rPr lang="pl-PL" dirty="0" err="1" smtClean="0"/>
+              <a:t>DeleteMapping</a:t>
+            </a:r>
+            <a:endParaRPr lang="pl-PL" dirty="0" smtClean="0"/>
+          </a:p>
+          <a:p>
+            <a:pPr algn="just"/>
+            <a:endParaRPr lang="pl-PL" dirty="0" smtClean="0"/>
+          </a:p>
+          <a:p>
+            <a:pPr algn="just"/>
+            <a:r>
+              <a:rPr lang="pl-PL" dirty="0" smtClean="0"/>
+              <a:t>@</a:t>
+            </a:r>
+            <a:r>
+              <a:rPr lang="pl-PL" dirty="0" err="1"/>
+              <a:t>RequestMapping</a:t>
+            </a:r>
+            <a:r>
+              <a:rPr lang="pl-PL" dirty="0"/>
+              <a:t> </a:t>
+            </a:r>
+            <a:endParaRPr lang="pl-PL" dirty="0" smtClean="0"/>
+          </a:p>
+        </p:txBody>
+      </p:sp>
     </p:spTree>
     <p:extLst>
       <p:ext uri="{BB962C8B-B14F-4D97-AF65-F5344CB8AC3E}">
-        <p14:creationId xmlns:p14="http://schemas.microsoft.com/office/powerpoint/2010/main" val="1993655208"/>
+        <p14:creationId xmlns:p14="http://schemas.microsoft.com/office/powerpoint/2010/main" val="1597571101"/>
       </p:ext>
     </p:extLst>
   </p:cSld>
   <p:clrMapOvr>
     <a:masterClrMapping/>
   </p:clrMapOvr>
+  <mc:AlternateContent xmlns:mc="http://schemas.openxmlformats.org/markup-compatibility/2006" xmlns:p14="http://schemas.microsoft.com/office/powerpoint/2010/main">
+    <mc:Choice Requires="p14">
+      <p:transition spd="slow" p14:dur="2000"/>
+    </mc:Choice>
+    <mc:Fallback xmlns="">
+      <p:transition spd="slow"/>
+    </mc:Fallback>
+  </mc:AlternateContent>
   <p:timing>
     <p:tnLst>
       <p:par>
@@ -4418,46 +4503,8 @@
           <a:lstStyle/>
           <a:p>
             <a:r>
-              <a:rPr lang="pl-PL" dirty="0"/>
-              <a:t>@</a:t>
-            </a:r>
-            <a:r>
-              <a:rPr lang="pl-PL" dirty="0" err="1"/>
-              <a:t>PathVariable</a:t>
-            </a:r>
-            <a:endParaRPr lang="pl-PL" dirty="0"/>
-          </a:p>
-        </p:txBody>
-      </p:sp>
-      <p:sp>
-        <p:nvSpPr>
-          <p:cNvPr id="7" name="Prostokąt 6"/>
-          <p:cNvSpPr/>
-          <p:nvPr/>
-        </p:nvSpPr>
-        <p:spPr>
-          <a:xfrm>
-            <a:off x="2015913" y="2792626"/>
-            <a:ext cx="5112169" cy="369332"/>
-          </a:xfrm>
-          <a:prstGeom prst="rect">
-            <a:avLst/>
-          </a:prstGeom>
-        </p:spPr>
-        <p:txBody>
-          <a:bodyPr wrap="none">
-            <a:spAutoFit/>
-          </a:bodyPr>
-          <a:lstStyle/>
-          <a:p>
-            <a:pPr algn="ctr"/>
-            <a:r>
-              <a:rPr lang="pl-PL" dirty="0"/>
-              <a:t>http://</a:t>
-            </a:r>
-            <a:r>
-              <a:rPr lang="pl-PL" dirty="0" smtClean="0"/>
-              <a:t>localhost:8080/pathVariableExample/1/User1</a:t>
+              <a:rPr lang="pl-PL" dirty="0" smtClean="0"/>
+              <a:t>Mapowanie żądania</a:t>
             </a:r>
             <a:endParaRPr lang="pl-PL" dirty="0"/>
           </a:p>
@@ -4465,7 +4512,7 @@
       </p:sp>
       <p:pic>
         <p:nvPicPr>
-          <p:cNvPr id="5" name="Obraz 4"/>
+          <p:cNvPr id="3" name="Obraz 2"/>
           <p:cNvPicPr>
             <a:picLocks noChangeAspect="1"/>
           </p:cNvPicPr>
@@ -4479,47 +4526,17 @@
         </p:blipFill>
         <p:spPr>
           <a:xfrm>
-            <a:off x="187199" y="3696419"/>
-            <a:ext cx="8769600" cy="1030150"/>
+            <a:off x="671512" y="3920795"/>
+            <a:ext cx="7800975" cy="1552575"/>
           </a:xfrm>
           <a:prstGeom prst="rect">
             <a:avLst/>
           </a:prstGeom>
         </p:spPr>
       </p:pic>
-      <p:sp>
-        <p:nvSpPr>
-          <p:cNvPr id="6" name="pole tekstowe 5"/>
-          <p:cNvSpPr txBox="1"/>
-          <p:nvPr/>
-        </p:nvSpPr>
-        <p:spPr>
-          <a:xfrm>
-            <a:off x="1923741" y="4975328"/>
-            <a:ext cx="5296515" cy="369332"/>
-          </a:xfrm>
-          <a:prstGeom prst="rect">
-            <a:avLst/>
-          </a:prstGeom>
-          <a:noFill/>
-        </p:spPr>
-        <p:txBody>
-          <a:bodyPr wrap="none" rtlCol="0">
-            <a:spAutoFit/>
-          </a:bodyPr>
-          <a:lstStyle/>
-          <a:p>
-            <a:pPr algn="ctr"/>
-            <a:r>
-              <a:rPr lang="pl-PL" dirty="0"/>
-              <a:t>http://localhost:8080/pathVariableExample2/1&amp;User1</a:t>
-            </a:r>
-          </a:p>
-        </p:txBody>
-      </p:sp>
       <p:pic>
         <p:nvPicPr>
-          <p:cNvPr id="8" name="Obraz 7"/>
+          <p:cNvPr id="4" name="Obraz 3"/>
           <p:cNvPicPr>
             <a:picLocks noChangeAspect="1"/>
           </p:cNvPicPr>
@@ -4533,8 +4550,129 @@
         </p:blipFill>
         <p:spPr>
           <a:xfrm>
-            <a:off x="187198" y="1386224"/>
-            <a:ext cx="8769600" cy="1111358"/>
+            <a:off x="671512" y="1498030"/>
+            <a:ext cx="7800975" cy="1452204"/>
+          </a:xfrm>
+          <a:prstGeom prst="rect">
+            <a:avLst/>
+          </a:prstGeom>
+        </p:spPr>
+      </p:pic>
+    </p:spTree>
+    <p:extLst>
+      <p:ext uri="{BB962C8B-B14F-4D97-AF65-F5344CB8AC3E}">
+        <p14:creationId xmlns:p14="http://schemas.microsoft.com/office/powerpoint/2010/main" val="1993655208"/>
+      </p:ext>
+    </p:extLst>
+  </p:cSld>
+  <p:clrMapOvr>
+    <a:masterClrMapping/>
+  </p:clrMapOvr>
+  <p:timing>
+    <p:tnLst>
+      <p:par>
+        <p:cTn id="1" dur="indefinite" restart="never" nodeType="tmRoot"/>
+      </p:par>
+    </p:tnLst>
+  </p:timing>
+</p:sld>
+</file>
+
+<file path=ppt/slides/slide12.xml><?xml version="1.0" encoding="utf-8"?>
+<p:sld xmlns:a="http://schemas.openxmlformats.org/drawingml/2006/main" xmlns:r="http://schemas.openxmlformats.org/officeDocument/2006/relationships" xmlns:p="http://schemas.openxmlformats.org/presentationml/2006/main">
+  <p:cSld>
+    <p:spTree>
+      <p:nvGrpSpPr>
+        <p:cNvPr id="1" name=""/>
+        <p:cNvGrpSpPr/>
+        <p:nvPr/>
+      </p:nvGrpSpPr>
+      <p:grpSpPr>
+        <a:xfrm>
+          <a:off x="0" y="0"/>
+          <a:ext cx="0" cy="0"/>
+          <a:chOff x="0" y="0"/>
+          <a:chExt cx="0" cy="0"/>
+        </a:xfrm>
+      </p:grpSpPr>
+      <p:sp>
+        <p:nvSpPr>
+          <p:cNvPr id="2" name="Tytuł 1"/>
+          <p:cNvSpPr>
+            <a:spLocks noGrp="1"/>
+          </p:cNvSpPr>
+          <p:nvPr>
+            <p:ph type="title"/>
+          </p:nvPr>
+        </p:nvSpPr>
+        <p:spPr/>
+        <p:txBody>
+          <a:bodyPr/>
+          <a:lstStyle/>
+          <a:p>
+            <a:r>
+              <a:rPr lang="pl-PL" dirty="0"/>
+              <a:t>@</a:t>
+            </a:r>
+            <a:r>
+              <a:rPr lang="pl-PL" dirty="0" err="1"/>
+              <a:t>PathVariable</a:t>
+            </a:r>
+            <a:endParaRPr lang="pl-PL" dirty="0"/>
+          </a:p>
+        </p:txBody>
+      </p:sp>
+      <p:sp>
+        <p:nvSpPr>
+          <p:cNvPr id="7" name="Prostokąt 6"/>
+          <p:cNvSpPr/>
+          <p:nvPr/>
+        </p:nvSpPr>
+        <p:spPr>
+          <a:xfrm>
+            <a:off x="1885880" y="4203060"/>
+            <a:ext cx="5112169" cy="369332"/>
+          </a:xfrm>
+          <a:prstGeom prst="rect">
+            <a:avLst/>
+          </a:prstGeom>
+        </p:spPr>
+        <p:txBody>
+          <a:bodyPr wrap="none">
+            <a:spAutoFit/>
+          </a:bodyPr>
+          <a:lstStyle/>
+          <a:p>
+            <a:r>
+              <a:rPr lang="pl-PL" dirty="0"/>
+              <a:t>http://</a:t>
+            </a:r>
+            <a:r>
+              <a:rPr lang="pl-PL" dirty="0" smtClean="0"/>
+              <a:t>localhost:8080/pathVariableExample/1/User1</a:t>
+            </a:r>
+            <a:endParaRPr lang="pl-PL" dirty="0"/>
+          </a:p>
+        </p:txBody>
+      </p:sp>
+      <p:pic>
+        <p:nvPicPr>
+          <p:cNvPr id="3" name="Obraz 2"/>
+          <p:cNvPicPr>
+            <a:picLocks noChangeAspect="1"/>
+          </p:cNvPicPr>
+          <p:nvPr/>
+        </p:nvPicPr>
+        <p:blipFill>
+          <a:blip r:embed="rId2"/>
+          <a:stretch>
+            <a:fillRect/>
+          </a:stretch>
+        </p:blipFill>
+        <p:spPr>
+          <a:xfrm>
+            <a:off x="374400" y="2087593"/>
+            <a:ext cx="8395200" cy="1228566"/>
           </a:xfrm>
           <a:prstGeom prst="rect">
             <a:avLst/>
@@ -4561,7 +4699,7 @@
 </p:sld>
 </file>
 
-<file path=ppt/slides/slide12.xml><?xml version="1.0" encoding="utf-8"?>
+<file path=ppt/slides/slide13.xml><?xml version="1.0" encoding="utf-8"?>
 <p:sld xmlns:a="http://schemas.openxmlformats.org/drawingml/2006/main" xmlns:r="http://schemas.openxmlformats.org/officeDocument/2006/relationships" xmlns:p="http://schemas.openxmlformats.org/presentationml/2006/main">
   <p:cSld>
     <p:spTree>
@@ -4682,7 +4820,7 @@
 </p:sld>
 </file>
 
-<file path=ppt/slides/slide13.xml><?xml version="1.0" encoding="utf-8"?>
+<file path=ppt/slides/slide14.xml><?xml version="1.0" encoding="utf-8"?>
 <p:sld xmlns:a="http://schemas.openxmlformats.org/drawingml/2006/main" xmlns:r="http://schemas.openxmlformats.org/officeDocument/2006/relationships" xmlns:p="http://schemas.openxmlformats.org/presentationml/2006/main">
   <p:cSld>
     <p:spTree>
@@ -4835,7 +4973,219 @@
 </p:sld>
 </file>
 
-<file path=ppt/slides/slide14.xml><?xml version="1.0" encoding="utf-8"?>
+<file path=ppt/slides/slide15.xml><?xml version="1.0" encoding="utf-8"?>
+<p:sld xmlns:a="http://schemas.openxmlformats.org/drawingml/2006/main" xmlns:r="http://schemas.openxmlformats.org/officeDocument/2006/relationships" xmlns:p="http://schemas.openxmlformats.org/presentationml/2006/main">
+  <p:cSld>
+    <p:spTree>
+      <p:nvGrpSpPr>
+        <p:cNvPr id="1" name=""/>
+        <p:cNvGrpSpPr/>
+        <p:nvPr/>
+      </p:nvGrpSpPr>
+      <p:grpSpPr>
+        <a:xfrm>
+          <a:off x="0" y="0"/>
+          <a:ext cx="0" cy="0"/>
+          <a:chOff x="0" y="0"/>
+          <a:chExt cx="0" cy="0"/>
+        </a:xfrm>
+      </p:grpSpPr>
+      <p:sp>
+        <p:nvSpPr>
+          <p:cNvPr id="2" name="Tytuł 1"/>
+          <p:cNvSpPr>
+            <a:spLocks noGrp="1"/>
+          </p:cNvSpPr>
+          <p:nvPr>
+            <p:ph type="title"/>
+          </p:nvPr>
+        </p:nvSpPr>
+        <p:spPr/>
+        <p:txBody>
+          <a:bodyPr/>
+          <a:lstStyle/>
+          <a:p>
+            <a:r>
+              <a:rPr lang="pl-PL" dirty="0" smtClean="0"/>
+              <a:t>Uruchomienie/Debugowanie Aplikacji</a:t>
+            </a:r>
+            <a:endParaRPr lang="pl-PL" dirty="0"/>
+          </a:p>
+        </p:txBody>
+      </p:sp>
+      <p:sp>
+        <p:nvSpPr>
+          <p:cNvPr id="3" name="pole tekstowe 2"/>
+          <p:cNvSpPr txBox="1"/>
+          <p:nvPr/>
+        </p:nvSpPr>
+        <p:spPr>
+          <a:xfrm>
+            <a:off x="465826" y="1043796"/>
+            <a:ext cx="8212347" cy="1477328"/>
+          </a:xfrm>
+          <a:prstGeom prst="rect">
+            <a:avLst/>
+          </a:prstGeom>
+          <a:noFill/>
+        </p:spPr>
+        <p:txBody>
+          <a:bodyPr wrap="square" rtlCol="0">
+            <a:spAutoFit/>
+          </a:bodyPr>
+          <a:lstStyle/>
+          <a:p>
+            <a:r>
+              <a:rPr lang="pl-PL" dirty="0" smtClean="0"/>
+              <a:t>Uruchomienie Aplikacji : </a:t>
+            </a:r>
+          </a:p>
+          <a:p>
+            <a:pPr marL="285750" indent="-285750">
+              <a:buFont typeface="Arial" panose="020B0604020202020204" pitchFamily="34" charset="0"/>
+              <a:buChar char="•"/>
+            </a:pPr>
+            <a:r>
+              <a:rPr lang="pl-PL" dirty="0" err="1" smtClean="0"/>
+              <a:t>mvnw</a:t>
+            </a:r>
+            <a:r>
+              <a:rPr lang="pl-PL" dirty="0" smtClean="0"/>
+              <a:t> </a:t>
+            </a:r>
+            <a:r>
+              <a:rPr lang="pl-PL" dirty="0" err="1" smtClean="0"/>
+              <a:t>spring-boot:run</a:t>
+            </a:r>
+            <a:endParaRPr lang="pl-PL" dirty="0" smtClean="0"/>
+          </a:p>
+          <a:p>
+            <a:r>
+              <a:rPr lang="pl-PL" dirty="0" err="1" smtClean="0"/>
+              <a:t>Debug</a:t>
+            </a:r>
+            <a:r>
+              <a:rPr lang="pl-PL" dirty="0" smtClean="0"/>
+              <a:t>: </a:t>
+            </a:r>
+          </a:p>
+          <a:p>
+            <a:pPr marL="285750" indent="-285750">
+              <a:buFont typeface="Arial" panose="020B0604020202020204" pitchFamily="34" charset="0"/>
+              <a:buChar char="•"/>
+            </a:pPr>
+            <a:r>
+              <a:rPr lang="pl-PL" dirty="0" err="1"/>
+              <a:t>mvn</a:t>
+            </a:r>
+            <a:r>
+              <a:rPr lang="pl-PL" dirty="0"/>
+              <a:t> </a:t>
+            </a:r>
+            <a:r>
+              <a:rPr lang="pl-PL" dirty="0" err="1"/>
+              <a:t>spring-boot:run</a:t>
+            </a:r>
+            <a:r>
+              <a:rPr lang="pl-PL" dirty="0"/>
+              <a:t> -</a:t>
+            </a:r>
+            <a:r>
+              <a:rPr lang="pl-PL" dirty="0" err="1"/>
+              <a:t>Drun.jvmArguments</a:t>
+            </a:r>
+            <a:r>
+              <a:rPr lang="pl-PL" dirty="0"/>
+              <a:t>="-</a:t>
+            </a:r>
+            <a:r>
+              <a:rPr lang="pl-PL" dirty="0" err="1"/>
+              <a:t>Xdebug</a:t>
+            </a:r>
+            <a:r>
+              <a:rPr lang="pl-PL" dirty="0"/>
+              <a:t> -</a:t>
+            </a:r>
+            <a:r>
+              <a:rPr lang="pl-PL" dirty="0" err="1"/>
+              <a:t>Xrunjdwp:transport</a:t>
+            </a:r>
+            <a:r>
+              <a:rPr lang="pl-PL" dirty="0"/>
+              <a:t>=</a:t>
+            </a:r>
+            <a:r>
+              <a:rPr lang="pl-PL" dirty="0" err="1"/>
+              <a:t>dt_socket,server</a:t>
+            </a:r>
+            <a:r>
+              <a:rPr lang="pl-PL" dirty="0"/>
+              <a:t>=</a:t>
+            </a:r>
+            <a:r>
+              <a:rPr lang="pl-PL" dirty="0" err="1"/>
+              <a:t>y,suspend</a:t>
+            </a:r>
+            <a:r>
+              <a:rPr lang="pl-PL" dirty="0"/>
+              <a:t>=</a:t>
+            </a:r>
+            <a:r>
+              <a:rPr lang="pl-PL" dirty="0" err="1"/>
+              <a:t>y,address</a:t>
+            </a:r>
+            <a:r>
+              <a:rPr lang="pl-PL" dirty="0"/>
+              <a:t>=5005"</a:t>
+            </a:r>
+          </a:p>
+        </p:txBody>
+      </p:sp>
+      <p:pic>
+        <p:nvPicPr>
+          <p:cNvPr id="8" name="Obraz 7"/>
+          <p:cNvPicPr>
+            <a:picLocks noChangeAspect="1"/>
+          </p:cNvPicPr>
+          <p:nvPr/>
+        </p:nvPicPr>
+        <p:blipFill>
+          <a:blip r:embed="rId2"/>
+          <a:stretch>
+            <a:fillRect/>
+          </a:stretch>
+        </p:blipFill>
+        <p:spPr>
+          <a:xfrm>
+            <a:off x="833009" y="2598762"/>
+            <a:ext cx="7477980" cy="3701971"/>
+          </a:xfrm>
+          <a:prstGeom prst="rect">
+            <a:avLst/>
+          </a:prstGeom>
+        </p:spPr>
+      </p:pic>
+    </p:spTree>
+    <p:extLst>
+      <p:ext uri="{BB962C8B-B14F-4D97-AF65-F5344CB8AC3E}">
+        <p14:creationId xmlns:p14="http://schemas.microsoft.com/office/powerpoint/2010/main" val="2638960368"/>
+      </p:ext>
+    </p:extLst>
+  </p:cSld>
+  <p:clrMapOvr>
+    <a:masterClrMapping/>
+  </p:clrMapOvr>
+  <p:timing>
+    <p:tnLst>
+      <p:par>
+        <p:cTn id="1" dur="indefinite" restart="never" nodeType="tmRoot"/>
+      </p:par>
+    </p:tnLst>
+  </p:timing>
+</p:sld>
+</file>
+
+<file path=ppt/slides/slide16.xml><?xml version="1.0" encoding="utf-8"?>
 <p:sld xmlns:a="http://schemas.openxmlformats.org/drawingml/2006/main" xmlns:r="http://schemas.openxmlformats.org/officeDocument/2006/relationships" xmlns:p="http://schemas.openxmlformats.org/presentationml/2006/main">
   <p:cSld>
     <p:spTree>
@@ -5112,25 +5462,7 @@
                 </a:solidFill>
                 <a:latin typeface=""/>
               </a:rPr>
-              <a:t>„</a:t>
-            </a:r>
-            <a:r>
-              <a:rPr lang="pl-PL" sz="1800" dirty="0" err="1" smtClean="0">
-                <a:solidFill>
-                  <a:srgbClr val="2D3E5C"/>
-                </a:solidFill>
-                <a:latin typeface=""/>
-              </a:rPr>
-              <a:t>getForEntity</a:t>
-            </a:r>
-            <a:r>
-              <a:rPr lang="pl-PL" sz="1800" dirty="0" smtClean="0">
-                <a:solidFill>
-                  <a:srgbClr val="2D3E5C"/>
-                </a:solidFill>
-                <a:latin typeface=""/>
-              </a:rPr>
-              <a:t>”:</a:t>
+              <a:t>„exchange”:</a:t>
             </a:r>
           </a:p>
           <a:p>
@@ -5272,219 +5604,7 @@
 </p:sld>
 </file>
 
-<file path=ppt/slides/slide15.xml><?xml version="1.0" encoding="utf-8"?>
-<p:sld xmlns:a="http://schemas.openxmlformats.org/drawingml/2006/main" xmlns:r="http://schemas.openxmlformats.org/officeDocument/2006/relationships" xmlns:p="http://schemas.openxmlformats.org/presentationml/2006/main">
-  <p:cSld>
-    <p:spTree>
-      <p:nvGrpSpPr>
-        <p:cNvPr id="1" name=""/>
-        <p:cNvGrpSpPr/>
-        <p:nvPr/>
-      </p:nvGrpSpPr>
-      <p:grpSpPr>
-        <a:xfrm>
-          <a:off x="0" y="0"/>
-          <a:ext cx="0" cy="0"/>
-          <a:chOff x="0" y="0"/>
-          <a:chExt cx="0" cy="0"/>
-        </a:xfrm>
-      </p:grpSpPr>
-      <p:sp>
-        <p:nvSpPr>
-          <p:cNvPr id="2" name="Tytuł 1"/>
-          <p:cNvSpPr>
-            <a:spLocks noGrp="1"/>
-          </p:cNvSpPr>
-          <p:nvPr>
-            <p:ph type="title"/>
-          </p:nvPr>
-        </p:nvSpPr>
-        <p:spPr/>
-        <p:txBody>
-          <a:bodyPr/>
-          <a:lstStyle/>
-          <a:p>
-            <a:r>
-              <a:rPr lang="pl-PL" dirty="0" smtClean="0"/>
-              <a:t>Uruchomienie/Debugowanie Aplikacji</a:t>
-            </a:r>
-            <a:endParaRPr lang="pl-PL" dirty="0"/>
-          </a:p>
-        </p:txBody>
-      </p:sp>
-      <p:sp>
-        <p:nvSpPr>
-          <p:cNvPr id="3" name="pole tekstowe 2"/>
-          <p:cNvSpPr txBox="1"/>
-          <p:nvPr/>
-        </p:nvSpPr>
-        <p:spPr>
-          <a:xfrm>
-            <a:off x="465826" y="1043796"/>
-            <a:ext cx="8212347" cy="1477328"/>
-          </a:xfrm>
-          <a:prstGeom prst="rect">
-            <a:avLst/>
-          </a:prstGeom>
-          <a:noFill/>
-        </p:spPr>
-        <p:txBody>
-          <a:bodyPr wrap="square" rtlCol="0">
-            <a:spAutoFit/>
-          </a:bodyPr>
-          <a:lstStyle/>
-          <a:p>
-            <a:r>
-              <a:rPr lang="pl-PL" dirty="0" smtClean="0"/>
-              <a:t>Uruchomienie Aplikacji : </a:t>
-            </a:r>
-          </a:p>
-          <a:p>
-            <a:pPr marL="285750" indent="-285750">
-              <a:buFont typeface="Arial" panose="020B0604020202020204" pitchFamily="34" charset="0"/>
-              <a:buChar char="•"/>
-            </a:pPr>
-            <a:r>
-              <a:rPr lang="pl-PL" dirty="0" err="1" smtClean="0"/>
-              <a:t>mvnw</a:t>
-            </a:r>
-            <a:r>
-              <a:rPr lang="pl-PL" dirty="0" smtClean="0"/>
-              <a:t> </a:t>
-            </a:r>
-            <a:r>
-              <a:rPr lang="pl-PL" dirty="0" err="1" smtClean="0"/>
-              <a:t>spring-boot:run</a:t>
-            </a:r>
-            <a:endParaRPr lang="pl-PL" dirty="0" smtClean="0"/>
-          </a:p>
-          <a:p>
-            <a:r>
-              <a:rPr lang="pl-PL" dirty="0" err="1" smtClean="0"/>
-              <a:t>Debug</a:t>
-            </a:r>
-            <a:r>
-              <a:rPr lang="pl-PL" dirty="0" smtClean="0"/>
-              <a:t>: </a:t>
-            </a:r>
-          </a:p>
-          <a:p>
-            <a:pPr marL="285750" indent="-285750">
-              <a:buFont typeface="Arial" panose="020B0604020202020204" pitchFamily="34" charset="0"/>
-              <a:buChar char="•"/>
-            </a:pPr>
-            <a:r>
-              <a:rPr lang="pl-PL" dirty="0" err="1"/>
-              <a:t>mvn</a:t>
-            </a:r>
-            <a:r>
-              <a:rPr lang="pl-PL" dirty="0"/>
-              <a:t> </a:t>
-            </a:r>
-            <a:r>
-              <a:rPr lang="pl-PL" dirty="0" err="1"/>
-              <a:t>spring-boot:run</a:t>
-            </a:r>
-            <a:r>
-              <a:rPr lang="pl-PL" dirty="0"/>
-              <a:t> -</a:t>
-            </a:r>
-            <a:r>
-              <a:rPr lang="pl-PL" dirty="0" err="1"/>
-              <a:t>Drun.jvmArguments</a:t>
-            </a:r>
-            <a:r>
-              <a:rPr lang="pl-PL" dirty="0"/>
-              <a:t>="-</a:t>
-            </a:r>
-            <a:r>
-              <a:rPr lang="pl-PL" dirty="0" err="1"/>
-              <a:t>Xdebug</a:t>
-            </a:r>
-            <a:r>
-              <a:rPr lang="pl-PL" dirty="0"/>
-              <a:t> -</a:t>
-            </a:r>
-            <a:r>
-              <a:rPr lang="pl-PL" dirty="0" err="1"/>
-              <a:t>Xrunjdwp:transport</a:t>
-            </a:r>
-            <a:r>
-              <a:rPr lang="pl-PL" dirty="0"/>
-              <a:t>=</a:t>
-            </a:r>
-            <a:r>
-              <a:rPr lang="pl-PL" dirty="0" err="1"/>
-              <a:t>dt_socket,server</a:t>
-            </a:r>
-            <a:r>
-              <a:rPr lang="pl-PL" dirty="0"/>
-              <a:t>=</a:t>
-            </a:r>
-            <a:r>
-              <a:rPr lang="pl-PL" dirty="0" err="1"/>
-              <a:t>y,suspend</a:t>
-            </a:r>
-            <a:r>
-              <a:rPr lang="pl-PL" dirty="0"/>
-              <a:t>=</a:t>
-            </a:r>
-            <a:r>
-              <a:rPr lang="pl-PL" dirty="0" err="1"/>
-              <a:t>y,address</a:t>
-            </a:r>
-            <a:r>
-              <a:rPr lang="pl-PL" dirty="0"/>
-              <a:t>=5005"</a:t>
-            </a:r>
-          </a:p>
-        </p:txBody>
-      </p:sp>
-      <p:pic>
-        <p:nvPicPr>
-          <p:cNvPr id="8" name="Obraz 7"/>
-          <p:cNvPicPr>
-            <a:picLocks noChangeAspect="1"/>
-          </p:cNvPicPr>
-          <p:nvPr/>
-        </p:nvPicPr>
-        <p:blipFill>
-          <a:blip r:embed="rId2"/>
-          <a:stretch>
-            <a:fillRect/>
-          </a:stretch>
-        </p:blipFill>
-        <p:spPr>
-          <a:xfrm>
-            <a:off x="833009" y="2598762"/>
-            <a:ext cx="7477980" cy="3701971"/>
-          </a:xfrm>
-          <a:prstGeom prst="rect">
-            <a:avLst/>
-          </a:prstGeom>
-        </p:spPr>
-      </p:pic>
-    </p:spTree>
-    <p:extLst>
-      <p:ext uri="{BB962C8B-B14F-4D97-AF65-F5344CB8AC3E}">
-        <p14:creationId xmlns:p14="http://schemas.microsoft.com/office/powerpoint/2010/main" val="671766725"/>
-      </p:ext>
-    </p:extLst>
-  </p:cSld>
-  <p:clrMapOvr>
-    <a:masterClrMapping/>
-  </p:clrMapOvr>
-  <p:timing>
-    <p:tnLst>
-      <p:par>
-        <p:cTn id="1" dur="indefinite" restart="never" nodeType="tmRoot"/>
-      </p:par>
-    </p:tnLst>
-  </p:timing>
-</p:sld>
-</file>
-
-<file path=ppt/slides/slide16.xml><?xml version="1.0" encoding="utf-8"?>
+<file path=ppt/slides/slide17.xml><?xml version="1.0" encoding="utf-8"?>
 <p:sld xmlns:a="http://schemas.openxmlformats.org/drawingml/2006/main" xmlns:r="http://schemas.openxmlformats.org/officeDocument/2006/relationships" xmlns:p="http://schemas.openxmlformats.org/presentationml/2006/main">
   <p:cSld>
     <p:spTree>
@@ -5613,7 +5733,7 @@
 </p:sld>
 </file>
 
-<file path=ppt/slides/slide17.xml><?xml version="1.0" encoding="utf-8"?>
+<file path=ppt/slides/slide18.xml><?xml version="1.0" encoding="utf-8"?>
 <p:sld xmlns:a="http://schemas.openxmlformats.org/drawingml/2006/main" xmlns:r="http://schemas.openxmlformats.org/officeDocument/2006/relationships" xmlns:p="http://schemas.openxmlformats.org/presentationml/2006/main">
   <p:cSld>
     <p:spTree>
@@ -5944,7 +6064,7 @@
 </p:sld>
 </file>
 
-<file path=ppt/slides/slide18.xml><?xml version="1.0" encoding="utf-8"?>
+<file path=ppt/slides/slide19.xml><?xml version="1.0" encoding="utf-8"?>
 <p:sld xmlns:a="http://schemas.openxmlformats.org/drawingml/2006/main" xmlns:r="http://schemas.openxmlformats.org/officeDocument/2006/relationships" xmlns:p="http://schemas.openxmlformats.org/presentationml/2006/main">
   <p:cSld>
     <p:spTree>
@@ -6366,7 +6486,300 @@
 </p:sld>
 </file>
 
-<file path=ppt/slides/slide19.xml><?xml version="1.0" encoding="utf-8"?>
+<file path=ppt/slides/slide2.xml><?xml version="1.0" encoding="utf-8"?>
+<p:sld xmlns:a="http://schemas.openxmlformats.org/drawingml/2006/main" xmlns:r="http://schemas.openxmlformats.org/officeDocument/2006/relationships" xmlns:p="http://schemas.openxmlformats.org/presentationml/2006/main">
+  <p:cSld>
+    <p:spTree>
+      <p:nvGrpSpPr>
+        <p:cNvPr id="1" name=""/>
+        <p:cNvGrpSpPr/>
+        <p:nvPr/>
+      </p:nvGrpSpPr>
+      <p:grpSpPr>
+        <a:xfrm>
+          <a:off x="0" y="0"/>
+          <a:ext cx="0" cy="0"/>
+          <a:chOff x="0" y="0"/>
+          <a:chExt cx="0" cy="0"/>
+        </a:xfrm>
+      </p:grpSpPr>
+      <p:sp>
+        <p:nvSpPr>
+          <p:cNvPr id="2" name="Tytuł 1"/>
+          <p:cNvSpPr>
+            <a:spLocks noGrp="1"/>
+          </p:cNvSpPr>
+          <p:nvPr>
+            <p:ph type="title"/>
+          </p:nvPr>
+        </p:nvSpPr>
+        <p:spPr/>
+        <p:txBody>
+          <a:bodyPr/>
+          <a:lstStyle/>
+          <a:p>
+            <a:r>
+              <a:rPr lang="pl-PL" b="1" dirty="0" smtClean="0"/>
+              <a:t>Agenda</a:t>
+            </a:r>
+            <a:endParaRPr lang="pl-PL" b="1" dirty="0"/>
+          </a:p>
+        </p:txBody>
+      </p:sp>
+      <p:sp>
+        <p:nvSpPr>
+          <p:cNvPr id="3" name="Symbol zastępczy tekstu 2"/>
+          <p:cNvSpPr>
+            <a:spLocks noGrp="1"/>
+          </p:cNvSpPr>
+          <p:nvPr>
+            <p:ph type="body" sz="quarter" idx="10"/>
+          </p:nvPr>
+        </p:nvSpPr>
+        <p:spPr/>
+        <p:txBody>
+          <a:bodyPr>
+            <a:normAutofit/>
+          </a:bodyPr>
+          <a:lstStyle/>
+          <a:p>
+            <a:pPr marL="541800" indent="-342900">
+              <a:buFont typeface="+mj-lt"/>
+              <a:buAutoNum type="arabicPeriod"/>
+            </a:pPr>
+            <a:r>
+              <a:rPr lang="pl-PL" b="1" dirty="0" smtClean="0"/>
+              <a:t>MVC</a:t>
+            </a:r>
+          </a:p>
+          <a:p>
+            <a:pPr marL="541800" indent="-342900">
+              <a:buFont typeface="+mj-lt"/>
+              <a:buAutoNum type="arabicPeriod"/>
+            </a:pPr>
+            <a:r>
+              <a:rPr lang="pl-PL" b="1" dirty="0" smtClean="0"/>
+              <a:t>Spring </a:t>
+            </a:r>
+            <a:r>
+              <a:rPr lang="pl-PL" b="1" dirty="0"/>
+              <a:t>MVC – Przetwarzanie </a:t>
+            </a:r>
+            <a:r>
+              <a:rPr lang="pl-PL" b="1" dirty="0" smtClean="0"/>
+              <a:t>żądania</a:t>
+            </a:r>
+          </a:p>
+          <a:p>
+            <a:pPr marL="541800" indent="-342900">
+              <a:buFont typeface="+mj-lt"/>
+              <a:buAutoNum type="arabicPeriod"/>
+            </a:pPr>
+            <a:r>
+              <a:rPr lang="pl-PL" b="1" dirty="0" smtClean="0"/>
+              <a:t>Spring MVC – podstawy</a:t>
+            </a:r>
+            <a:endParaRPr lang="pl-PL" b="1" dirty="0"/>
+          </a:p>
+          <a:p>
+            <a:pPr marL="702900" lvl="1" indent="-342900">
+              <a:buFont typeface="+mj-lt"/>
+              <a:buAutoNum type="arabicPeriod"/>
+            </a:pPr>
+            <a:r>
+              <a:rPr lang="pl-PL" dirty="0" smtClean="0"/>
+              <a:t>@</a:t>
+            </a:r>
+            <a:r>
+              <a:rPr lang="pl-PL" dirty="0" err="1" smtClean="0"/>
+              <a:t>Controler</a:t>
+            </a:r>
+            <a:endParaRPr lang="pl-PL" dirty="0"/>
+          </a:p>
+          <a:p>
+            <a:pPr marL="702900" lvl="1" indent="-342900">
+              <a:buFont typeface="+mj-lt"/>
+              <a:buAutoNum type="arabicPeriod"/>
+            </a:pPr>
+            <a:r>
+              <a:rPr lang="pl-PL" dirty="0" smtClean="0"/>
+              <a:t>Model</a:t>
+            </a:r>
+            <a:endParaRPr lang="pl-PL" dirty="0"/>
+          </a:p>
+          <a:p>
+            <a:pPr marL="702900" lvl="1" indent="-342900">
+              <a:buFont typeface="+mj-lt"/>
+              <a:buAutoNum type="arabicPeriod"/>
+            </a:pPr>
+            <a:r>
+              <a:rPr lang="pl-PL" dirty="0" err="1" smtClean="0"/>
+              <a:t>ModelAndView</a:t>
+            </a:r>
+            <a:endParaRPr lang="pl-PL" dirty="0"/>
+          </a:p>
+          <a:p>
+            <a:pPr marL="702900" lvl="1" indent="-342900">
+              <a:buFont typeface="+mj-lt"/>
+              <a:buAutoNum type="arabicPeriod"/>
+            </a:pPr>
+            <a:r>
+              <a:rPr lang="pl-PL" dirty="0"/>
+              <a:t>@</a:t>
+            </a:r>
+            <a:r>
+              <a:rPr lang="pl-PL" dirty="0" err="1"/>
+              <a:t>RequestMapping</a:t>
+            </a:r>
+            <a:r>
+              <a:rPr lang="pl-PL" dirty="0"/>
+              <a:t> (@</a:t>
+            </a:r>
+            <a:r>
+              <a:rPr lang="pl-PL" dirty="0" err="1"/>
+              <a:t>GetMapping</a:t>
+            </a:r>
+            <a:r>
+              <a:rPr lang="pl-PL" dirty="0"/>
+              <a:t>, @</a:t>
+            </a:r>
+            <a:r>
+              <a:rPr lang="pl-PL" dirty="0" err="1"/>
+              <a:t>PostMapping</a:t>
+            </a:r>
+            <a:r>
+              <a:rPr lang="pl-PL" dirty="0"/>
+              <a:t>, @</a:t>
+            </a:r>
+            <a:r>
+              <a:rPr lang="pl-PL" dirty="0" err="1"/>
+              <a:t>PutMapping</a:t>
+            </a:r>
+            <a:r>
+              <a:rPr lang="pl-PL" dirty="0"/>
+              <a:t>, @</a:t>
+            </a:r>
+            <a:r>
+              <a:rPr lang="pl-PL" dirty="0" err="1" smtClean="0"/>
+              <a:t>DeleteMapping</a:t>
+            </a:r>
+            <a:r>
+              <a:rPr lang="pl-PL" dirty="0" smtClean="0"/>
+              <a:t>)</a:t>
+            </a:r>
+          </a:p>
+          <a:p>
+            <a:pPr marL="702900" lvl="1" indent="-342900">
+              <a:buFont typeface="+mj-lt"/>
+              <a:buAutoNum type="arabicPeriod"/>
+            </a:pPr>
+            <a:r>
+              <a:rPr lang="pl-PL" dirty="0" smtClean="0"/>
+              <a:t>@</a:t>
+            </a:r>
+            <a:r>
+              <a:rPr lang="pl-PL" dirty="0" err="1" smtClean="0"/>
+              <a:t>PathVariable</a:t>
+            </a:r>
+            <a:endParaRPr lang="pl-PL" dirty="0" smtClean="0"/>
+          </a:p>
+          <a:p>
+            <a:pPr marL="702900" lvl="1" indent="-342900">
+              <a:buFont typeface="+mj-lt"/>
+              <a:buAutoNum type="arabicPeriod"/>
+            </a:pPr>
+            <a:r>
+              <a:rPr lang="pl-PL" dirty="0" smtClean="0"/>
+              <a:t>@</a:t>
+            </a:r>
+            <a:r>
+              <a:rPr lang="pl-PL" dirty="0" err="1" smtClean="0"/>
+              <a:t>RequestParam</a:t>
+            </a:r>
+            <a:endParaRPr lang="pl-PL" dirty="0" smtClean="0"/>
+          </a:p>
+          <a:p>
+            <a:pPr marL="702900" lvl="1" indent="-342900">
+              <a:buFont typeface="+mj-lt"/>
+              <a:buAutoNum type="arabicPeriod"/>
+            </a:pPr>
+            <a:r>
+              <a:rPr lang="pl-PL" dirty="0"/>
+              <a:t>@</a:t>
+            </a:r>
+            <a:r>
+              <a:rPr lang="pl-PL" dirty="0" err="1"/>
+              <a:t>ResponseBody</a:t>
+            </a:r>
+            <a:endParaRPr lang="pl-PL" dirty="0"/>
+          </a:p>
+          <a:p>
+            <a:pPr marL="541800" indent="-342900">
+              <a:buFont typeface="+mj-lt"/>
+              <a:buAutoNum type="arabicPeriod"/>
+            </a:pPr>
+            <a:r>
+              <a:rPr lang="pl-PL" b="1" dirty="0" smtClean="0"/>
+              <a:t>Uruchomienie/Debugowanie Aplikacji</a:t>
+            </a:r>
+          </a:p>
+          <a:p>
+            <a:pPr marL="541800" indent="-342900">
+              <a:buFont typeface="+mj-lt"/>
+              <a:buAutoNum type="arabicPeriod"/>
+            </a:pPr>
+            <a:r>
+              <a:rPr lang="pl-PL" b="1" dirty="0" smtClean="0"/>
+              <a:t>REST </a:t>
+            </a:r>
+            <a:r>
+              <a:rPr lang="pl-PL" b="1" dirty="0" err="1" smtClean="0"/>
+              <a:t>Template</a:t>
+            </a:r>
+            <a:endParaRPr lang="pl-PL" b="1" dirty="0" smtClean="0"/>
+          </a:p>
+          <a:p>
+            <a:pPr marL="198900" indent="0">
+              <a:buNone/>
+            </a:pPr>
+            <a:endParaRPr lang="pl-PL" b="1" dirty="0"/>
+          </a:p>
+          <a:p>
+            <a:pPr marL="360000" lvl="1" indent="0">
+              <a:buNone/>
+            </a:pPr>
+            <a:endParaRPr lang="pl-PL" dirty="0" smtClean="0"/>
+          </a:p>
+          <a:p>
+            <a:pPr marL="541800" indent="-342900">
+              <a:buFont typeface="+mj-lt"/>
+              <a:buAutoNum type="arabicPeriod"/>
+            </a:pPr>
+            <a:endParaRPr lang="pl-PL" dirty="0" smtClean="0"/>
+          </a:p>
+        </p:txBody>
+      </p:sp>
+    </p:spTree>
+    <p:extLst>
+      <p:ext uri="{BB962C8B-B14F-4D97-AF65-F5344CB8AC3E}">
+        <p14:creationId xmlns:p14="http://schemas.microsoft.com/office/powerpoint/2010/main" val="2198024241"/>
+      </p:ext>
+    </p:extLst>
+  </p:cSld>
+  <p:clrMapOvr>
+    <a:masterClrMapping/>
+  </p:clrMapOvr>
+  <p:timing>
+    <p:tnLst>
+      <p:par>
+        <p:cTn id="1" dur="indefinite" restart="never" nodeType="tmRoot"/>
+      </p:par>
+    </p:tnLst>
+  </p:timing>
+</p:sld>
+</file>
+
+<file path=ppt/slides/slide20.xml><?xml version="1.0" encoding="utf-8"?>
 <p:sld xmlns:a="http://schemas.openxmlformats.org/drawingml/2006/main" xmlns:r="http://schemas.openxmlformats.org/officeDocument/2006/relationships" xmlns:p="http://schemas.openxmlformats.org/presentationml/2006/main">
   <p:cSld>
     <p:spTree>
@@ -6619,926 +7032,6 @@
 </p:sld>
 </file>
 
-<file path=ppt/slides/slide2.xml><?xml version="1.0" encoding="utf-8"?>
-<p:sld xmlns:a="http://schemas.openxmlformats.org/drawingml/2006/main" xmlns:r="http://schemas.openxmlformats.org/officeDocument/2006/relationships" xmlns:p="http://schemas.openxmlformats.org/presentationml/2006/main">
-  <p:cSld>
-    <p:spTree>
-      <p:nvGrpSpPr>
-        <p:cNvPr id="1" name=""/>
-        <p:cNvGrpSpPr/>
-        <p:nvPr/>
-      </p:nvGrpSpPr>
-      <p:grpSpPr>
-        <a:xfrm>
-          <a:off x="0" y="0"/>
-          <a:ext cx="0" cy="0"/>
-          <a:chOff x="0" y="0"/>
-          <a:chExt cx="0" cy="0"/>
-        </a:xfrm>
-      </p:grpSpPr>
-      <p:sp>
-        <p:nvSpPr>
-          <p:cNvPr id="2" name="Tytuł 1"/>
-          <p:cNvSpPr>
-            <a:spLocks noGrp="1"/>
-          </p:cNvSpPr>
-          <p:nvPr>
-            <p:ph type="title"/>
-          </p:nvPr>
-        </p:nvSpPr>
-        <p:spPr/>
-        <p:txBody>
-          <a:bodyPr/>
-          <a:lstStyle/>
-          <a:p>
-            <a:r>
-              <a:rPr lang="pl-PL" b="1" dirty="0" smtClean="0"/>
-              <a:t>Agenda</a:t>
-            </a:r>
-            <a:endParaRPr lang="pl-PL" b="1" dirty="0"/>
-          </a:p>
-        </p:txBody>
-      </p:sp>
-      <p:sp>
-        <p:nvSpPr>
-          <p:cNvPr id="3" name="Symbol zastępczy tekstu 2"/>
-          <p:cNvSpPr>
-            <a:spLocks noGrp="1"/>
-          </p:cNvSpPr>
-          <p:nvPr>
-            <p:ph type="body" sz="quarter" idx="10"/>
-          </p:nvPr>
-        </p:nvSpPr>
-        <p:spPr/>
-        <p:txBody>
-          <a:bodyPr>
-            <a:normAutofit/>
-          </a:bodyPr>
-          <a:lstStyle/>
-          <a:p>
-            <a:pPr marL="541800" indent="-342900">
-              <a:buFont typeface="+mj-lt"/>
-              <a:buAutoNum type="arabicPeriod"/>
-            </a:pPr>
-            <a:r>
-              <a:rPr lang="pl-PL" b="1" dirty="0" smtClean="0"/>
-              <a:t>MVC</a:t>
-            </a:r>
-          </a:p>
-          <a:p>
-            <a:pPr marL="541800" indent="-342900">
-              <a:buFont typeface="+mj-lt"/>
-              <a:buAutoNum type="arabicPeriod"/>
-            </a:pPr>
-            <a:r>
-              <a:rPr lang="pl-PL" b="1" dirty="0" smtClean="0"/>
-              <a:t>Spring </a:t>
-            </a:r>
-            <a:r>
-              <a:rPr lang="pl-PL" b="1" dirty="0"/>
-              <a:t>MVC – Przetwarzanie </a:t>
-            </a:r>
-            <a:r>
-              <a:rPr lang="pl-PL" b="1" dirty="0" smtClean="0"/>
-              <a:t>żądania</a:t>
-            </a:r>
-          </a:p>
-          <a:p>
-            <a:pPr marL="541800" indent="-342900">
-              <a:buFont typeface="+mj-lt"/>
-              <a:buAutoNum type="arabicPeriod"/>
-            </a:pPr>
-            <a:r>
-              <a:rPr lang="pl-PL" b="1" dirty="0" smtClean="0"/>
-              <a:t>Spring MVC – podstawy</a:t>
-            </a:r>
-            <a:endParaRPr lang="pl-PL" b="1" dirty="0"/>
-          </a:p>
-          <a:p>
-            <a:pPr marL="702900" lvl="1" indent="-342900">
-              <a:buFont typeface="+mj-lt"/>
-              <a:buAutoNum type="arabicPeriod"/>
-            </a:pPr>
-            <a:r>
-              <a:rPr lang="pl-PL" dirty="0" smtClean="0"/>
-              <a:t>@</a:t>
-            </a:r>
-            <a:r>
-              <a:rPr lang="pl-PL" dirty="0" err="1" smtClean="0"/>
-              <a:t>Controler</a:t>
-            </a:r>
-            <a:endParaRPr lang="pl-PL" dirty="0"/>
-          </a:p>
-          <a:p>
-            <a:pPr marL="702900" lvl="1" indent="-342900">
-              <a:buFont typeface="+mj-lt"/>
-              <a:buAutoNum type="arabicPeriod"/>
-            </a:pPr>
-            <a:r>
-              <a:rPr lang="pl-PL" dirty="0" smtClean="0"/>
-              <a:t>Model</a:t>
-            </a:r>
-            <a:endParaRPr lang="pl-PL" dirty="0"/>
-          </a:p>
-          <a:p>
-            <a:pPr marL="702900" lvl="1" indent="-342900">
-              <a:buFont typeface="+mj-lt"/>
-              <a:buAutoNum type="arabicPeriod"/>
-            </a:pPr>
-            <a:r>
-              <a:rPr lang="pl-PL" dirty="0" err="1" smtClean="0"/>
-              <a:t>ModelAndView</a:t>
-            </a:r>
-            <a:endParaRPr lang="pl-PL" dirty="0"/>
-          </a:p>
-          <a:p>
-            <a:pPr marL="702900" lvl="1" indent="-342900">
-              <a:buFont typeface="+mj-lt"/>
-              <a:buAutoNum type="arabicPeriod"/>
-            </a:pPr>
-            <a:r>
-              <a:rPr lang="pl-PL" dirty="0"/>
-              <a:t>@</a:t>
-            </a:r>
-            <a:r>
-              <a:rPr lang="pl-PL" dirty="0" err="1"/>
-              <a:t>RequestMapping</a:t>
-            </a:r>
-            <a:r>
-              <a:rPr lang="pl-PL" dirty="0"/>
-              <a:t> (@</a:t>
-            </a:r>
-            <a:r>
-              <a:rPr lang="pl-PL" dirty="0" err="1"/>
-              <a:t>GetMapping</a:t>
-            </a:r>
-            <a:r>
-              <a:rPr lang="pl-PL" dirty="0"/>
-              <a:t>, @</a:t>
-            </a:r>
-            <a:r>
-              <a:rPr lang="pl-PL" dirty="0" err="1"/>
-              <a:t>PostMapping</a:t>
-            </a:r>
-            <a:r>
-              <a:rPr lang="pl-PL" dirty="0"/>
-              <a:t>, @</a:t>
-            </a:r>
-            <a:r>
-              <a:rPr lang="pl-PL" dirty="0" err="1"/>
-              <a:t>PutMapping</a:t>
-            </a:r>
-            <a:r>
-              <a:rPr lang="pl-PL" dirty="0"/>
-              <a:t>, @</a:t>
-            </a:r>
-            <a:r>
-              <a:rPr lang="pl-PL" dirty="0" err="1" smtClean="0"/>
-              <a:t>DeleteMapping</a:t>
-            </a:r>
-            <a:r>
-              <a:rPr lang="pl-PL" dirty="0" smtClean="0"/>
-              <a:t>)</a:t>
-            </a:r>
-          </a:p>
-          <a:p>
-            <a:pPr marL="702900" lvl="1" indent="-342900">
-              <a:buFont typeface="+mj-lt"/>
-              <a:buAutoNum type="arabicPeriod"/>
-            </a:pPr>
-            <a:r>
-              <a:rPr lang="pl-PL" dirty="0" smtClean="0"/>
-              <a:t>@</a:t>
-            </a:r>
-            <a:r>
-              <a:rPr lang="pl-PL" dirty="0" err="1" smtClean="0"/>
-              <a:t>PathVariable</a:t>
-            </a:r>
-            <a:endParaRPr lang="pl-PL" dirty="0" smtClean="0"/>
-          </a:p>
-          <a:p>
-            <a:pPr marL="702900" lvl="1" indent="-342900">
-              <a:buFont typeface="+mj-lt"/>
-              <a:buAutoNum type="arabicPeriod"/>
-            </a:pPr>
-            <a:r>
-              <a:rPr lang="pl-PL" dirty="0" smtClean="0"/>
-              <a:t>@</a:t>
-            </a:r>
-            <a:r>
-              <a:rPr lang="pl-PL" dirty="0" err="1" smtClean="0"/>
-              <a:t>RequestParam</a:t>
-            </a:r>
-            <a:endParaRPr lang="pl-PL" dirty="0" smtClean="0"/>
-          </a:p>
-          <a:p>
-            <a:pPr marL="702900" lvl="1" indent="-342900">
-              <a:buFont typeface="+mj-lt"/>
-              <a:buAutoNum type="arabicPeriod"/>
-            </a:pPr>
-            <a:r>
-              <a:rPr lang="pl-PL" dirty="0"/>
-              <a:t>@</a:t>
-            </a:r>
-            <a:r>
-              <a:rPr lang="pl-PL" dirty="0" err="1"/>
-              <a:t>ResponseBody</a:t>
-            </a:r>
-            <a:endParaRPr lang="pl-PL" dirty="0"/>
-          </a:p>
-          <a:p>
-            <a:pPr marL="541800" indent="-342900">
-              <a:buFont typeface="+mj-lt"/>
-              <a:buAutoNum type="arabicPeriod"/>
-            </a:pPr>
-            <a:r>
-              <a:rPr lang="pl-PL" b="1" dirty="0" smtClean="0"/>
-              <a:t>REST </a:t>
-            </a:r>
-            <a:r>
-              <a:rPr lang="pl-PL" b="1" dirty="0" err="1" smtClean="0"/>
-              <a:t>Template</a:t>
-            </a:r>
-            <a:endParaRPr lang="pl-PL" b="1" dirty="0" smtClean="0"/>
-          </a:p>
-          <a:p>
-            <a:pPr marL="541800" indent="-342900">
-              <a:buFont typeface="+mj-lt"/>
-              <a:buAutoNum type="arabicPeriod"/>
-            </a:pPr>
-            <a:r>
-              <a:rPr lang="pl-PL" b="1" dirty="0"/>
-              <a:t>Uruchomienie/Debugowanie </a:t>
-            </a:r>
-            <a:r>
-              <a:rPr lang="pl-PL" b="1" dirty="0" smtClean="0"/>
-              <a:t>Aplikacji</a:t>
-            </a:r>
-          </a:p>
-          <a:p>
-            <a:pPr marL="541800" indent="-342900">
-              <a:buFont typeface="+mj-lt"/>
-              <a:buAutoNum type="arabicPeriod"/>
-            </a:pPr>
-            <a:r>
-              <a:rPr lang="pl-PL" b="1" dirty="0"/>
-              <a:t>Spring </a:t>
-            </a:r>
-            <a:r>
-              <a:rPr lang="pl-PL" b="1" dirty="0" err="1"/>
-              <a:t>MockMVC</a:t>
-            </a:r>
-            <a:endParaRPr lang="pl-PL" b="1" dirty="0"/>
-          </a:p>
-          <a:p>
-            <a:pPr marL="541800" indent="-342900">
-              <a:buFont typeface="+mj-lt"/>
-              <a:buAutoNum type="arabicPeriod"/>
-            </a:pPr>
-            <a:endParaRPr lang="pl-PL" b="1" dirty="0" smtClean="0"/>
-          </a:p>
-          <a:p>
-            <a:pPr marL="541800" indent="-342900">
-              <a:buFont typeface="+mj-lt"/>
-              <a:buAutoNum type="arabicPeriod"/>
-            </a:pPr>
-            <a:endParaRPr lang="pl-PL" b="1" dirty="0"/>
-          </a:p>
-          <a:p>
-            <a:pPr marL="541800" indent="-342900">
-              <a:buFont typeface="+mj-lt"/>
-              <a:buAutoNum type="arabicPeriod"/>
-            </a:pPr>
-            <a:endParaRPr lang="pl-PL" b="1" dirty="0" smtClean="0"/>
-          </a:p>
-          <a:p>
-            <a:pPr marL="198900" indent="0">
-              <a:buNone/>
-            </a:pPr>
-            <a:endParaRPr lang="pl-PL" b="1" dirty="0"/>
-          </a:p>
-          <a:p>
-            <a:pPr marL="360000" lvl="1" indent="0">
-              <a:buNone/>
-            </a:pPr>
-            <a:endParaRPr lang="pl-PL" dirty="0" smtClean="0"/>
-          </a:p>
-          <a:p>
-            <a:pPr marL="541800" indent="-342900">
-              <a:buFont typeface="+mj-lt"/>
-              <a:buAutoNum type="arabicPeriod"/>
-            </a:pPr>
-            <a:endParaRPr lang="pl-PL" dirty="0" smtClean="0"/>
-          </a:p>
-        </p:txBody>
-      </p:sp>
-    </p:spTree>
-    <p:extLst>
-      <p:ext uri="{BB962C8B-B14F-4D97-AF65-F5344CB8AC3E}">
-        <p14:creationId xmlns:p14="http://schemas.microsoft.com/office/powerpoint/2010/main" val="2198024241"/>
-      </p:ext>
-    </p:extLst>
-  </p:cSld>
-  <p:clrMapOvr>
-    <a:masterClrMapping/>
-  </p:clrMapOvr>
-  <p:timing>
-    <p:tnLst>
-      <p:par>
-        <p:cTn id="1" dur="indefinite" restart="never" nodeType="tmRoot"/>
-      </p:par>
-    </p:tnLst>
-  </p:timing>
-</p:sld>
-</file>
-
-<file path=ppt/slides/slide20.xml><?xml version="1.0" encoding="utf-8"?>
-<p:sld xmlns:a="http://schemas.openxmlformats.org/drawingml/2006/main" xmlns:r="http://schemas.openxmlformats.org/officeDocument/2006/relationships" xmlns:p="http://schemas.openxmlformats.org/presentationml/2006/main">
-  <p:cSld>
-    <p:spTree>
-      <p:nvGrpSpPr>
-        <p:cNvPr id="1" name=""/>
-        <p:cNvGrpSpPr/>
-        <p:nvPr/>
-      </p:nvGrpSpPr>
-      <p:grpSpPr>
-        <a:xfrm>
-          <a:off x="0" y="0"/>
-          <a:ext cx="0" cy="0"/>
-          <a:chOff x="0" y="0"/>
-          <a:chExt cx="0" cy="0"/>
-        </a:xfrm>
-      </p:grpSpPr>
-      <p:sp>
-        <p:nvSpPr>
-          <p:cNvPr id="2" name="Tytuł 1"/>
-          <p:cNvSpPr>
-            <a:spLocks noGrp="1"/>
-          </p:cNvSpPr>
-          <p:nvPr>
-            <p:ph type="title"/>
-          </p:nvPr>
-        </p:nvSpPr>
-        <p:spPr/>
-        <p:txBody>
-          <a:bodyPr/>
-          <a:lstStyle/>
-          <a:p>
-            <a:r>
-              <a:rPr lang="en-US" dirty="0" err="1" smtClean="0"/>
-              <a:t>Interakcje</a:t>
-            </a:r>
-            <a:r>
-              <a:rPr lang="en-US" dirty="0" smtClean="0"/>
-              <a:t> </a:t>
-            </a:r>
-            <a:r>
-              <a:rPr lang="en-US" dirty="0" err="1" smtClean="0"/>
-              <a:t>pomi</a:t>
-            </a:r>
-            <a:r>
-              <a:rPr lang="pl-PL" dirty="0" err="1" smtClean="0"/>
-              <a:t>ędzy</a:t>
-            </a:r>
-            <a:r>
-              <a:rPr lang="pl-PL" dirty="0" smtClean="0"/>
-              <a:t> widokiem i kontrolerem</a:t>
-            </a:r>
-            <a:endParaRPr lang="pl-PL" dirty="0">
-              <a:latin typeface=""/>
-            </a:endParaRPr>
-          </a:p>
-        </p:txBody>
-      </p:sp>
-      <p:sp>
-        <p:nvSpPr>
-          <p:cNvPr id="4" name="pole tekstowe 3"/>
-          <p:cNvSpPr txBox="1"/>
-          <p:nvPr/>
-        </p:nvSpPr>
-        <p:spPr>
-          <a:xfrm>
-            <a:off x="862642" y="1233577"/>
-            <a:ext cx="6564701" cy="369332"/>
-          </a:xfrm>
-          <a:prstGeom prst="rect">
-            <a:avLst/>
-          </a:prstGeom>
-          <a:noFill/>
-        </p:spPr>
-        <p:txBody>
-          <a:bodyPr wrap="square" rtlCol="0">
-            <a:spAutoFit/>
-          </a:bodyPr>
-          <a:lstStyle/>
-          <a:p>
-            <a:endParaRPr lang="pl-PL" dirty="0"/>
-          </a:p>
-        </p:txBody>
-      </p:sp>
-      <p:sp>
-        <p:nvSpPr>
-          <p:cNvPr id="6" name="Symbol zastępczy tekstu 2"/>
-          <p:cNvSpPr txBox="1">
-            <a:spLocks/>
-          </p:cNvSpPr>
-          <p:nvPr/>
-        </p:nvSpPr>
-        <p:spPr>
-          <a:xfrm>
-            <a:off x="0" y="1228158"/>
-            <a:ext cx="9144000" cy="4846148"/>
-          </a:xfrm>
-          <a:prstGeom prst="rect">
-            <a:avLst/>
-          </a:prstGeom>
-        </p:spPr>
-        <p:txBody>
-          <a:bodyPr>
-            <a:normAutofit/>
-          </a:bodyPr>
-          <a:lstStyle>
-            <a:lvl1pPr marL="342900" indent="-342900" algn="l" defTabSz="457200" rtl="0" eaLnBrk="1" latinLnBrk="0" hangingPunct="1">
-              <a:spcBef>
-                <a:spcPct val="20000"/>
-              </a:spcBef>
-              <a:buFont typeface="Arial"/>
-              <a:buChar char="•"/>
-              <a:defRPr sz="3200" kern="1200">
-                <a:solidFill>
-                  <a:schemeClr val="tx1"/>
-                </a:solidFill>
-                <a:latin typeface="+mn-lt"/>
-                <a:ea typeface="+mn-ea"/>
-                <a:cs typeface="+mn-cs"/>
-              </a:defRPr>
-            </a:lvl1pPr>
-            <a:lvl2pPr marL="742950" indent="-285750" algn="l" defTabSz="457200" rtl="0" eaLnBrk="1" latinLnBrk="0" hangingPunct="1">
-              <a:spcBef>
-                <a:spcPct val="20000"/>
-              </a:spcBef>
-              <a:buFont typeface="Arial"/>
-              <a:buChar char="–"/>
-              <a:defRPr sz="2800" kern="1200">
-                <a:solidFill>
-                  <a:schemeClr val="tx1"/>
-                </a:solidFill>
-                <a:latin typeface="+mn-lt"/>
-                <a:ea typeface="+mn-ea"/>
-                <a:cs typeface="+mn-cs"/>
-              </a:defRPr>
-            </a:lvl2pPr>
-            <a:lvl3pPr marL="1143000" indent="-228600" algn="l" defTabSz="457200" rtl="0" eaLnBrk="1" latinLnBrk="0" hangingPunct="1">
-              <a:spcBef>
-                <a:spcPct val="20000"/>
-              </a:spcBef>
-              <a:buFont typeface="Arial"/>
-              <a:buChar char="•"/>
-              <a:defRPr sz="2400" kern="1200">
-                <a:solidFill>
-                  <a:schemeClr val="tx1"/>
-                </a:solidFill>
-                <a:latin typeface="+mn-lt"/>
-                <a:ea typeface="+mn-ea"/>
-                <a:cs typeface="+mn-cs"/>
-              </a:defRPr>
-            </a:lvl3pPr>
-            <a:lvl4pPr marL="1600200" indent="-228600" algn="l" defTabSz="457200" rtl="0" eaLnBrk="1" latinLnBrk="0" hangingPunct="1">
-              <a:spcBef>
-                <a:spcPct val="20000"/>
-              </a:spcBef>
-              <a:buFont typeface="Arial"/>
-              <a:buChar char="–"/>
-              <a:defRPr sz="2000" kern="1200">
-                <a:solidFill>
-                  <a:schemeClr val="tx1"/>
-                </a:solidFill>
-                <a:latin typeface="+mn-lt"/>
-                <a:ea typeface="+mn-ea"/>
-                <a:cs typeface="+mn-cs"/>
-              </a:defRPr>
-            </a:lvl4pPr>
-            <a:lvl5pPr marL="2057400" indent="-228600" algn="l" defTabSz="457200" rtl="0" eaLnBrk="1" latinLnBrk="0" hangingPunct="1">
-              <a:spcBef>
-                <a:spcPct val="20000"/>
-              </a:spcBef>
-              <a:buFont typeface="Arial"/>
-              <a:buChar char="»"/>
-              <a:defRPr sz="2000" kern="1200">
-                <a:solidFill>
-                  <a:schemeClr val="tx1"/>
-                </a:solidFill>
-                <a:latin typeface="+mn-lt"/>
-                <a:ea typeface="+mn-ea"/>
-                <a:cs typeface="+mn-cs"/>
-              </a:defRPr>
-            </a:lvl5pPr>
-            <a:lvl6pPr marL="2514600" indent="-228600" algn="l" defTabSz="457200" rtl="0" eaLnBrk="1" latinLnBrk="0" hangingPunct="1">
-              <a:spcBef>
-                <a:spcPct val="20000"/>
-              </a:spcBef>
-              <a:buFont typeface="Arial"/>
-              <a:buChar char="•"/>
-              <a:defRPr sz="2000" kern="1200">
-                <a:solidFill>
-                  <a:schemeClr val="tx1"/>
-                </a:solidFill>
-                <a:latin typeface="+mn-lt"/>
-                <a:ea typeface="+mn-ea"/>
-                <a:cs typeface="+mn-cs"/>
-              </a:defRPr>
-            </a:lvl6pPr>
-            <a:lvl7pPr marL="2971800" indent="-228600" algn="l" defTabSz="457200" rtl="0" eaLnBrk="1" latinLnBrk="0" hangingPunct="1">
-              <a:spcBef>
-                <a:spcPct val="20000"/>
-              </a:spcBef>
-              <a:buFont typeface="Arial"/>
-              <a:buChar char="•"/>
-              <a:defRPr sz="2000" kern="1200">
-                <a:solidFill>
-                  <a:schemeClr val="tx1"/>
-                </a:solidFill>
-                <a:latin typeface="+mn-lt"/>
-                <a:ea typeface="+mn-ea"/>
-                <a:cs typeface="+mn-cs"/>
-              </a:defRPr>
-            </a:lvl7pPr>
-            <a:lvl8pPr marL="3429000" indent="-228600" algn="l" defTabSz="457200" rtl="0" eaLnBrk="1" latinLnBrk="0" hangingPunct="1">
-              <a:spcBef>
-                <a:spcPct val="20000"/>
-              </a:spcBef>
-              <a:buFont typeface="Arial"/>
-              <a:buChar char="•"/>
-              <a:defRPr sz="2000" kern="1200">
-                <a:solidFill>
-                  <a:schemeClr val="tx1"/>
-                </a:solidFill>
-                <a:latin typeface="+mn-lt"/>
-                <a:ea typeface="+mn-ea"/>
-                <a:cs typeface="+mn-cs"/>
-              </a:defRPr>
-            </a:lvl8pPr>
-            <a:lvl9pPr marL="3886200" indent="-228600" algn="l" defTabSz="457200" rtl="0" eaLnBrk="1" latinLnBrk="0" hangingPunct="1">
-              <a:spcBef>
-                <a:spcPct val="20000"/>
-              </a:spcBef>
-              <a:buFont typeface="Arial"/>
-              <a:buChar char="•"/>
-              <a:defRPr sz="2000" kern="1200">
-                <a:solidFill>
-                  <a:schemeClr val="tx1"/>
-                </a:solidFill>
-                <a:latin typeface="+mn-lt"/>
-                <a:ea typeface="+mn-ea"/>
-                <a:cs typeface="+mn-cs"/>
-              </a:defRPr>
-            </a:lvl9pPr>
-          </a:lstStyle>
-          <a:p>
-            <a:pPr marL="198900" indent="0" algn="just">
-              <a:buFont typeface="Arial"/>
-              <a:buNone/>
-            </a:pPr>
-            <a:endParaRPr lang="pl-PL" dirty="0" smtClean="0"/>
-          </a:p>
-        </p:txBody>
-      </p:sp>
-      <p:sp>
-        <p:nvSpPr>
-          <p:cNvPr id="8" name="Symbol zastępczy tekstu 2"/>
-          <p:cNvSpPr txBox="1">
-            <a:spLocks/>
-          </p:cNvSpPr>
-          <p:nvPr/>
-        </p:nvSpPr>
-        <p:spPr>
-          <a:xfrm>
-            <a:off x="0" y="883919"/>
-            <a:ext cx="9144000" cy="5473337"/>
-          </a:xfrm>
-          <a:prstGeom prst="rect">
-            <a:avLst/>
-          </a:prstGeom>
-        </p:spPr>
-        <p:txBody>
-          <a:bodyPr>
-            <a:normAutofit/>
-          </a:bodyPr>
-          <a:lstStyle>
-            <a:lvl1pPr marL="342900" indent="-342900" algn="l" defTabSz="457200" rtl="0" eaLnBrk="1" latinLnBrk="0" hangingPunct="1">
-              <a:spcBef>
-                <a:spcPct val="20000"/>
-              </a:spcBef>
-              <a:buFont typeface="Arial"/>
-              <a:buChar char="•"/>
-              <a:defRPr sz="3200" kern="1200">
-                <a:solidFill>
-                  <a:schemeClr val="tx1"/>
-                </a:solidFill>
-                <a:latin typeface="+mn-lt"/>
-                <a:ea typeface="+mn-ea"/>
-                <a:cs typeface="+mn-cs"/>
-              </a:defRPr>
-            </a:lvl1pPr>
-            <a:lvl2pPr marL="742950" indent="-285750" algn="l" defTabSz="457200" rtl="0" eaLnBrk="1" latinLnBrk="0" hangingPunct="1">
-              <a:spcBef>
-                <a:spcPct val="20000"/>
-              </a:spcBef>
-              <a:buFont typeface="Arial"/>
-              <a:buChar char="–"/>
-              <a:defRPr sz="2800" kern="1200">
-                <a:solidFill>
-                  <a:schemeClr val="tx1"/>
-                </a:solidFill>
-                <a:latin typeface="+mn-lt"/>
-                <a:ea typeface="+mn-ea"/>
-                <a:cs typeface="+mn-cs"/>
-              </a:defRPr>
-            </a:lvl2pPr>
-            <a:lvl3pPr marL="1143000" indent="-228600" algn="l" defTabSz="457200" rtl="0" eaLnBrk="1" latinLnBrk="0" hangingPunct="1">
-              <a:spcBef>
-                <a:spcPct val="20000"/>
-              </a:spcBef>
-              <a:buFont typeface="Arial"/>
-              <a:buChar char="•"/>
-              <a:defRPr sz="2400" kern="1200">
-                <a:solidFill>
-                  <a:schemeClr val="tx1"/>
-                </a:solidFill>
-                <a:latin typeface="+mn-lt"/>
-                <a:ea typeface="+mn-ea"/>
-                <a:cs typeface="+mn-cs"/>
-              </a:defRPr>
-            </a:lvl3pPr>
-            <a:lvl4pPr marL="1600200" indent="-228600" algn="l" defTabSz="457200" rtl="0" eaLnBrk="1" latinLnBrk="0" hangingPunct="1">
-              <a:spcBef>
-                <a:spcPct val="20000"/>
-              </a:spcBef>
-              <a:buFont typeface="Arial"/>
-              <a:buChar char="–"/>
-              <a:defRPr sz="2000" kern="1200">
-                <a:solidFill>
-                  <a:schemeClr val="tx1"/>
-                </a:solidFill>
-                <a:latin typeface="+mn-lt"/>
-                <a:ea typeface="+mn-ea"/>
-                <a:cs typeface="+mn-cs"/>
-              </a:defRPr>
-            </a:lvl4pPr>
-            <a:lvl5pPr marL="2057400" indent="-228600" algn="l" defTabSz="457200" rtl="0" eaLnBrk="1" latinLnBrk="0" hangingPunct="1">
-              <a:spcBef>
-                <a:spcPct val="20000"/>
-              </a:spcBef>
-              <a:buFont typeface="Arial"/>
-              <a:buChar char="»"/>
-              <a:defRPr sz="2000" kern="1200">
-                <a:solidFill>
-                  <a:schemeClr val="tx1"/>
-                </a:solidFill>
-                <a:latin typeface="+mn-lt"/>
-                <a:ea typeface="+mn-ea"/>
-                <a:cs typeface="+mn-cs"/>
-              </a:defRPr>
-            </a:lvl5pPr>
-            <a:lvl6pPr marL="2514600" indent="-228600" algn="l" defTabSz="457200" rtl="0" eaLnBrk="1" latinLnBrk="0" hangingPunct="1">
-              <a:spcBef>
-                <a:spcPct val="20000"/>
-              </a:spcBef>
-              <a:buFont typeface="Arial"/>
-              <a:buChar char="•"/>
-              <a:defRPr sz="2000" kern="1200">
-                <a:solidFill>
-                  <a:schemeClr val="tx1"/>
-                </a:solidFill>
-                <a:latin typeface="+mn-lt"/>
-                <a:ea typeface="+mn-ea"/>
-                <a:cs typeface="+mn-cs"/>
-              </a:defRPr>
-            </a:lvl6pPr>
-            <a:lvl7pPr marL="2971800" indent="-228600" algn="l" defTabSz="457200" rtl="0" eaLnBrk="1" latinLnBrk="0" hangingPunct="1">
-              <a:spcBef>
-                <a:spcPct val="20000"/>
-              </a:spcBef>
-              <a:buFont typeface="Arial"/>
-              <a:buChar char="•"/>
-              <a:defRPr sz="2000" kern="1200">
-                <a:solidFill>
-                  <a:schemeClr val="tx1"/>
-                </a:solidFill>
-                <a:latin typeface="+mn-lt"/>
-                <a:ea typeface="+mn-ea"/>
-                <a:cs typeface="+mn-cs"/>
-              </a:defRPr>
-            </a:lvl7pPr>
-            <a:lvl8pPr marL="3429000" indent="-228600" algn="l" defTabSz="457200" rtl="0" eaLnBrk="1" latinLnBrk="0" hangingPunct="1">
-              <a:spcBef>
-                <a:spcPct val="20000"/>
-              </a:spcBef>
-              <a:buFont typeface="Arial"/>
-              <a:buChar char="•"/>
-              <a:defRPr sz="2000" kern="1200">
-                <a:solidFill>
-                  <a:schemeClr val="tx1"/>
-                </a:solidFill>
-                <a:latin typeface="+mn-lt"/>
-                <a:ea typeface="+mn-ea"/>
-                <a:cs typeface="+mn-cs"/>
-              </a:defRPr>
-            </a:lvl8pPr>
-            <a:lvl9pPr marL="3886200" indent="-228600" algn="l" defTabSz="457200" rtl="0" eaLnBrk="1" latinLnBrk="0" hangingPunct="1">
-              <a:spcBef>
-                <a:spcPct val="20000"/>
-              </a:spcBef>
-              <a:buFont typeface="Arial"/>
-              <a:buChar char="•"/>
-              <a:defRPr sz="2000" kern="1200">
-                <a:solidFill>
-                  <a:schemeClr val="tx1"/>
-                </a:solidFill>
-                <a:latin typeface="+mn-lt"/>
-                <a:ea typeface="+mn-ea"/>
-                <a:cs typeface="+mn-cs"/>
-              </a:defRPr>
-            </a:lvl9pPr>
-          </a:lstStyle>
-          <a:p>
-            <a:pPr marL="713250" indent="-514350" algn="just">
-              <a:buFont typeface="Arial"/>
-              <a:buAutoNum type="arabicPeriod"/>
-            </a:pPr>
-            <a:endParaRPr lang="pl-PL" dirty="0" smtClean="0"/>
-          </a:p>
-          <a:p>
-            <a:pPr marL="713250" indent="-514350" algn="just">
-              <a:buFont typeface="Arial"/>
-              <a:buAutoNum type="arabicPeriod"/>
-            </a:pPr>
-            <a:r>
-              <a:rPr lang="pl-PL" dirty="0" err="1" smtClean="0"/>
-              <a:t>Redirect</a:t>
-            </a:r>
-            <a:endParaRPr lang="pl-PL" dirty="0" smtClean="0"/>
-          </a:p>
-          <a:p>
-            <a:pPr marL="713250" indent="-514350" algn="just">
-              <a:buFont typeface="Arial"/>
-              <a:buAutoNum type="arabicPeriod"/>
-            </a:pPr>
-            <a:r>
-              <a:rPr lang="pl-PL" dirty="0" err="1" smtClean="0"/>
-              <a:t>Forward</a:t>
-            </a:r>
-            <a:endParaRPr lang="pl-PL" dirty="0" smtClean="0"/>
-          </a:p>
-          <a:p>
-            <a:pPr marL="713250" indent="-514350" algn="just">
-              <a:buFont typeface="Arial"/>
-              <a:buAutoNum type="arabicPeriod"/>
-            </a:pPr>
-            <a:r>
-              <a:rPr lang="pl-PL" dirty="0" smtClean="0"/>
-              <a:t>Content </a:t>
-            </a:r>
-            <a:r>
-              <a:rPr lang="pl-PL" dirty="0" err="1" smtClean="0"/>
-              <a:t>Type</a:t>
-            </a:r>
-            <a:r>
-              <a:rPr lang="pl-PL" dirty="0" smtClean="0"/>
-              <a:t> przy </a:t>
-            </a:r>
-            <a:r>
-              <a:rPr lang="pl-PL" dirty="0" err="1" smtClean="0"/>
-              <a:t>response</a:t>
-            </a:r>
-            <a:r>
-              <a:rPr lang="pl-PL" dirty="0" smtClean="0"/>
-              <a:t> i </a:t>
-            </a:r>
-            <a:r>
-              <a:rPr lang="pl-PL" dirty="0" err="1" smtClean="0"/>
-              <a:t>request</a:t>
-            </a:r>
-            <a:r>
-              <a:rPr lang="pl-PL" dirty="0" smtClean="0"/>
-              <a:t> body</a:t>
-            </a:r>
-          </a:p>
-          <a:p>
-            <a:pPr marL="713250" indent="-514350" algn="just">
-              <a:buFont typeface="Arial"/>
-              <a:buAutoNum type="arabicPeriod"/>
-            </a:pPr>
-            <a:r>
-              <a:rPr lang="pl-PL" dirty="0" err="1" smtClean="0"/>
-              <a:t>Response</a:t>
-            </a:r>
-            <a:r>
-              <a:rPr lang="pl-PL" dirty="0" smtClean="0"/>
-              <a:t> Status – 3 sposoby</a:t>
-            </a:r>
-          </a:p>
-          <a:p>
-            <a:pPr marL="713250" indent="-514350" algn="just">
-              <a:buFont typeface="Arial"/>
-              <a:buAutoNum type="arabicPeriod"/>
-            </a:pPr>
-            <a:r>
-              <a:rPr lang="pl-PL" dirty="0" smtClean="0"/>
-              <a:t>Spring </a:t>
-            </a:r>
-            <a:r>
-              <a:rPr lang="pl-PL" dirty="0"/>
-              <a:t>MVC @</a:t>
-            </a:r>
-            <a:r>
-              <a:rPr lang="pl-PL" dirty="0" err="1" smtClean="0"/>
-              <a:t>RestController</a:t>
-            </a:r>
-            <a:endParaRPr lang="pl-PL" dirty="0" smtClean="0"/>
-          </a:p>
-          <a:p>
-            <a:pPr marL="1513350" lvl="2" indent="-514350" algn="just">
-              <a:buFont typeface="Arial"/>
-              <a:buAutoNum type="arabicPeriod"/>
-            </a:pPr>
-            <a:r>
-              <a:rPr lang="pl-PL" dirty="0" smtClean="0"/>
-              <a:t>@Controller </a:t>
-            </a:r>
-            <a:r>
-              <a:rPr lang="pl-PL" dirty="0"/>
-              <a:t>vs @</a:t>
-            </a:r>
-            <a:r>
-              <a:rPr lang="pl-PL" dirty="0" err="1" smtClean="0"/>
-              <a:t>RestController</a:t>
-            </a:r>
-            <a:endParaRPr lang="pl-PL" dirty="0" smtClean="0"/>
-          </a:p>
-          <a:p>
-            <a:pPr marL="1513350" lvl="2" indent="-514350" algn="just">
-              <a:buFont typeface="Arial"/>
-              <a:buAutoNum type="arabicPeriod"/>
-            </a:pPr>
-            <a:r>
-              <a:rPr lang="pl-PL" dirty="0" smtClean="0"/>
-              <a:t>Jackson </a:t>
-            </a:r>
-            <a:r>
-              <a:rPr lang="pl-PL" dirty="0" err="1" smtClean="0"/>
-              <a:t>configuration</a:t>
-            </a:r>
-            <a:endParaRPr lang="pl-PL" dirty="0" smtClean="0"/>
-          </a:p>
-          <a:p>
-            <a:pPr marL="1513350" lvl="2" indent="-514350" algn="just">
-              <a:buFont typeface="Arial"/>
-              <a:buAutoNum type="arabicPeriod"/>
-            </a:pPr>
-            <a:r>
-              <a:rPr lang="pl-PL" dirty="0"/>
-              <a:t> Converter&lt;String, </a:t>
-            </a:r>
-            <a:r>
-              <a:rPr lang="pl-PL" dirty="0" smtClean="0"/>
-              <a:t>T&gt; </a:t>
-            </a:r>
-            <a:r>
-              <a:rPr lang="pl-PL" dirty="0" err="1" smtClean="0"/>
-              <a:t>interface</a:t>
-            </a:r>
-            <a:endParaRPr lang="pl-PL" dirty="0"/>
-          </a:p>
-          <a:p>
-            <a:pPr marL="713250" indent="-514350" algn="just">
-              <a:buFont typeface="Arial"/>
-              <a:buAutoNum type="arabicPeriod"/>
-            </a:pPr>
-            <a:endParaRPr lang="pl-PL" dirty="0" smtClean="0"/>
-          </a:p>
-        </p:txBody>
-      </p:sp>
-    </p:spTree>
-    <p:extLst>
-      <p:ext uri="{BB962C8B-B14F-4D97-AF65-F5344CB8AC3E}">
-        <p14:creationId xmlns:p14="http://schemas.microsoft.com/office/powerpoint/2010/main" val="1752661454"/>
-      </p:ext>
-    </p:extLst>
-  </p:cSld>
-  <p:clrMapOvr>
-    <a:masterClrMapping/>
-  </p:clrMapOvr>
-  <p:timing>
-    <p:tnLst>
-      <p:par>
-        <p:cTn id="1" dur="indefinite" restart="never" nodeType="tmRoot"/>
-      </p:par>
-    </p:tnLst>
-  </p:timing>
-</p:sld>
-</file>
-
 <file path=ppt/slides/slide21.xml><?xml version="1.0" encoding="utf-8"?>
 <p:sld xmlns:a="http://schemas.openxmlformats.org/drawingml/2006/main" xmlns:r="http://schemas.openxmlformats.org/officeDocument/2006/relationships" xmlns:p="http://schemas.openxmlformats.org/presentationml/2006/main">
   <p:cSld>
@@ -7571,6 +7064,1980 @@
           <a:bodyPr/>
           <a:lstStyle/>
           <a:p>
+            <a:r>
+              <a:rPr lang="pl-PL" dirty="0" smtClean="0"/>
+              <a:t>@</a:t>
+            </a:r>
+            <a:r>
+              <a:rPr lang="pl-PL" dirty="0" err="1" smtClean="0"/>
+              <a:t>RequestBody</a:t>
+            </a:r>
+            <a:r>
+              <a:rPr lang="pl-PL" dirty="0" smtClean="0"/>
+              <a:t> – JSON </a:t>
+            </a:r>
+            <a:r>
+              <a:rPr lang="pl-PL" dirty="0" err="1" smtClean="0"/>
+              <a:t>example</a:t>
+            </a:r>
+            <a:endParaRPr lang="pl-PL" dirty="0"/>
+          </a:p>
+        </p:txBody>
+      </p:sp>
+      <p:pic>
+        <p:nvPicPr>
+          <p:cNvPr id="4" name="Obraz 3"/>
+          <p:cNvPicPr>
+            <a:picLocks noChangeAspect="1"/>
+          </p:cNvPicPr>
+          <p:nvPr/>
+        </p:nvPicPr>
+        <p:blipFill>
+          <a:blip r:embed="rId2"/>
+          <a:stretch>
+            <a:fillRect/>
+          </a:stretch>
+        </p:blipFill>
+        <p:spPr>
+          <a:xfrm>
+            <a:off x="130628" y="1713450"/>
+            <a:ext cx="7972425" cy="1562100"/>
+          </a:xfrm>
+          <a:prstGeom prst="rect">
+            <a:avLst/>
+          </a:prstGeom>
+        </p:spPr>
+      </p:pic>
+      <p:sp>
+        <p:nvSpPr>
+          <p:cNvPr id="3" name="Symbol zastępczy tekstu 2"/>
+          <p:cNvSpPr>
+            <a:spLocks noGrp="1"/>
+          </p:cNvSpPr>
+          <p:nvPr>
+            <p:ph type="body" sz="quarter" idx="10"/>
+          </p:nvPr>
+        </p:nvSpPr>
+        <p:spPr/>
+        <p:txBody>
+          <a:bodyPr>
+            <a:normAutofit/>
+          </a:bodyPr>
+          <a:lstStyle/>
+          <a:p>
+            <a:pPr marL="198900" indent="0">
+              <a:buNone/>
+            </a:pPr>
+            <a:r>
+              <a:rPr lang="pl-PL" dirty="0" smtClean="0"/>
+              <a:t>Powtórzmy dodawanie użytkownika ale za pomocą JSON</a:t>
+            </a:r>
+            <a:endParaRPr lang="pl-PL" dirty="0" smtClean="0"/>
+          </a:p>
+        </p:txBody>
+      </p:sp>
+      <p:pic>
+        <p:nvPicPr>
+          <p:cNvPr id="7" name="Obraz 6"/>
+          <p:cNvPicPr>
+            <a:picLocks noChangeAspect="1"/>
+          </p:cNvPicPr>
+          <p:nvPr/>
+        </p:nvPicPr>
+        <p:blipFill>
+          <a:blip r:embed="rId3"/>
+          <a:stretch>
+            <a:fillRect/>
+          </a:stretch>
+        </p:blipFill>
+        <p:spPr>
+          <a:xfrm>
+            <a:off x="176212" y="3275550"/>
+            <a:ext cx="8791575" cy="3009900"/>
+          </a:xfrm>
+          <a:prstGeom prst="rect">
+            <a:avLst/>
+          </a:prstGeom>
+        </p:spPr>
+      </p:pic>
+    </p:spTree>
+    <p:extLst>
+      <p:ext uri="{BB962C8B-B14F-4D97-AF65-F5344CB8AC3E}">
+        <p14:creationId xmlns:p14="http://schemas.microsoft.com/office/powerpoint/2010/main" val="2787301172"/>
+      </p:ext>
+    </p:extLst>
+  </p:cSld>
+  <p:clrMapOvr>
+    <a:masterClrMapping/>
+  </p:clrMapOvr>
+  <mc:AlternateContent xmlns:mc="http://schemas.openxmlformats.org/markup-compatibility/2006" xmlns:p14="http://schemas.microsoft.com/office/powerpoint/2010/main">
+    <mc:Choice Requires="p14">
+      <p:transition spd="slow" p14:dur="2000"/>
+    </mc:Choice>
+    <mc:Fallback xmlns="">
+      <p:transition spd="slow"/>
+    </mc:Fallback>
+  </mc:AlternateContent>
+  <p:timing>
+    <p:tnLst>
+      <p:par>
+        <p:cTn id="1" dur="indefinite" restart="never" nodeType="tmRoot"/>
+      </p:par>
+    </p:tnLst>
+  </p:timing>
+</p:sld>
+</file>
+
+<file path=ppt/slides/slide22.xml><?xml version="1.0" encoding="utf-8"?>
+<p:sld xmlns:a="http://schemas.openxmlformats.org/drawingml/2006/main" xmlns:r="http://schemas.openxmlformats.org/officeDocument/2006/relationships" xmlns:p="http://schemas.openxmlformats.org/presentationml/2006/main">
+  <p:cSld>
+    <p:spTree>
+      <p:nvGrpSpPr>
+        <p:cNvPr id="1" name=""/>
+        <p:cNvGrpSpPr/>
+        <p:nvPr/>
+      </p:nvGrpSpPr>
+      <p:grpSpPr>
+        <a:xfrm>
+          <a:off x="0" y="0"/>
+          <a:ext cx="0" cy="0"/>
+          <a:chOff x="0" y="0"/>
+          <a:chExt cx="0" cy="0"/>
+        </a:xfrm>
+      </p:grpSpPr>
+      <p:sp>
+        <p:nvSpPr>
+          <p:cNvPr id="2" name="Tytuł 1"/>
+          <p:cNvSpPr>
+            <a:spLocks noGrp="1"/>
+          </p:cNvSpPr>
+          <p:nvPr>
+            <p:ph type="title"/>
+          </p:nvPr>
+        </p:nvSpPr>
+        <p:spPr/>
+        <p:txBody>
+          <a:bodyPr/>
+          <a:lstStyle/>
+          <a:p>
+            <a:r>
+              <a:rPr lang="pl-PL" dirty="0" smtClean="0"/>
+              <a:t>Jackson </a:t>
+            </a:r>
+            <a:r>
+              <a:rPr lang="pl-PL" dirty="0" err="1" smtClean="0"/>
+              <a:t>configuration</a:t>
+            </a:r>
+            <a:endParaRPr lang="pl-PL" dirty="0"/>
+          </a:p>
+        </p:txBody>
+      </p:sp>
+      <p:sp>
+        <p:nvSpPr>
+          <p:cNvPr id="3" name="Symbol zastępczy tekstu 2"/>
+          <p:cNvSpPr>
+            <a:spLocks noGrp="1"/>
+          </p:cNvSpPr>
+          <p:nvPr>
+            <p:ph type="body" sz="quarter" idx="10"/>
+          </p:nvPr>
+        </p:nvSpPr>
+        <p:spPr/>
+        <p:txBody>
+          <a:bodyPr>
+            <a:normAutofit/>
+          </a:bodyPr>
+          <a:lstStyle/>
+          <a:p>
+            <a:pPr marL="198900" indent="0">
+              <a:buNone/>
+            </a:pPr>
+            <a:endParaRPr lang="pl-PL" dirty="0" smtClean="0"/>
+          </a:p>
+          <a:p>
+            <a:r>
+              <a:rPr lang="pl-PL" dirty="0" smtClean="0"/>
+              <a:t>W przypadku gdy mam </a:t>
+            </a:r>
+            <a:r>
+              <a:rPr lang="pl-PL" dirty="0" err="1" smtClean="0"/>
+              <a:t>SpringBoot’a</a:t>
+            </a:r>
+            <a:r>
+              <a:rPr lang="pl-PL" dirty="0"/>
+              <a:t> </a:t>
+            </a:r>
+            <a:r>
+              <a:rPr lang="pl-PL" dirty="0" smtClean="0"/>
+              <a:t>wystarczy bean </a:t>
+            </a:r>
+            <a:r>
+              <a:rPr lang="pl-PL" dirty="0" err="1" smtClean="0"/>
+              <a:t>buildera</a:t>
+            </a:r>
+            <a:r>
+              <a:rPr lang="pl-PL" dirty="0" smtClean="0"/>
+              <a:t>:</a:t>
+            </a:r>
+          </a:p>
+          <a:p>
+            <a:endParaRPr lang="pl-PL" dirty="0" smtClean="0"/>
+          </a:p>
+          <a:p>
+            <a:endParaRPr lang="pl-PL" dirty="0" smtClean="0"/>
+          </a:p>
+        </p:txBody>
+      </p:sp>
+      <p:pic>
+        <p:nvPicPr>
+          <p:cNvPr id="5" name="Obraz 4"/>
+          <p:cNvPicPr>
+            <a:picLocks noChangeAspect="1"/>
+          </p:cNvPicPr>
+          <p:nvPr/>
+        </p:nvPicPr>
+        <p:blipFill>
+          <a:blip r:embed="rId2"/>
+          <a:stretch>
+            <a:fillRect/>
+          </a:stretch>
+        </p:blipFill>
+        <p:spPr>
+          <a:xfrm>
+            <a:off x="464956" y="2566580"/>
+            <a:ext cx="7743825" cy="2647950"/>
+          </a:xfrm>
+          <a:prstGeom prst="rect">
+            <a:avLst/>
+          </a:prstGeom>
+        </p:spPr>
+      </p:pic>
+    </p:spTree>
+    <p:extLst>
+      <p:ext uri="{BB962C8B-B14F-4D97-AF65-F5344CB8AC3E}">
+        <p14:creationId xmlns:p14="http://schemas.microsoft.com/office/powerpoint/2010/main" val="849323098"/>
+      </p:ext>
+    </p:extLst>
+  </p:cSld>
+  <p:clrMapOvr>
+    <a:masterClrMapping/>
+  </p:clrMapOvr>
+  <mc:AlternateContent xmlns:mc="http://schemas.openxmlformats.org/markup-compatibility/2006" xmlns:p14="http://schemas.microsoft.com/office/powerpoint/2010/main">
+    <mc:Choice Requires="p14">
+      <p:transition spd="slow" p14:dur="2000"/>
+    </mc:Choice>
+    <mc:Fallback xmlns="">
+      <p:transition spd="slow"/>
+    </mc:Fallback>
+  </mc:AlternateContent>
+  <p:timing>
+    <p:tnLst>
+      <p:par>
+        <p:cTn id="1" dur="indefinite" restart="never" nodeType="tmRoot"/>
+      </p:par>
+    </p:tnLst>
+  </p:timing>
+</p:sld>
+</file>
+
+<file path=ppt/slides/slide23.xml><?xml version="1.0" encoding="utf-8"?>
+<p:sld xmlns:a="http://schemas.openxmlformats.org/drawingml/2006/main" xmlns:r="http://schemas.openxmlformats.org/officeDocument/2006/relationships" xmlns:p="http://schemas.openxmlformats.org/presentationml/2006/main">
+  <p:cSld>
+    <p:spTree>
+      <p:nvGrpSpPr>
+        <p:cNvPr id="1" name=""/>
+        <p:cNvGrpSpPr/>
+        <p:nvPr/>
+      </p:nvGrpSpPr>
+      <p:grpSpPr>
+        <a:xfrm>
+          <a:off x="0" y="0"/>
+          <a:ext cx="0" cy="0"/>
+          <a:chOff x="0" y="0"/>
+          <a:chExt cx="0" cy="0"/>
+        </a:xfrm>
+      </p:grpSpPr>
+      <p:sp>
+        <p:nvSpPr>
+          <p:cNvPr id="2" name="Tytuł 1"/>
+          <p:cNvSpPr>
+            <a:spLocks noGrp="1"/>
+          </p:cNvSpPr>
+          <p:nvPr>
+            <p:ph type="title"/>
+          </p:nvPr>
+        </p:nvSpPr>
+        <p:spPr/>
+        <p:txBody>
+          <a:bodyPr/>
+          <a:lstStyle/>
+          <a:p>
+            <a:r>
+              <a:rPr lang="pl-PL" dirty="0" smtClean="0"/>
+              <a:t>Jackson </a:t>
+            </a:r>
+            <a:r>
+              <a:rPr lang="pl-PL" dirty="0" err="1" smtClean="0"/>
+              <a:t>configuration</a:t>
+            </a:r>
+            <a:r>
+              <a:rPr lang="pl-PL" dirty="0" smtClean="0"/>
+              <a:t> bez </a:t>
+            </a:r>
+            <a:r>
+              <a:rPr lang="pl-PL" dirty="0" err="1" smtClean="0"/>
+              <a:t>SpringBoot</a:t>
+            </a:r>
+            <a:endParaRPr lang="pl-PL" dirty="0"/>
+          </a:p>
+        </p:txBody>
+      </p:sp>
+      <p:sp>
+        <p:nvSpPr>
+          <p:cNvPr id="3" name="Symbol zastępczy tekstu 2"/>
+          <p:cNvSpPr>
+            <a:spLocks noGrp="1"/>
+          </p:cNvSpPr>
+          <p:nvPr>
+            <p:ph type="body" sz="quarter" idx="10"/>
+          </p:nvPr>
+        </p:nvSpPr>
+        <p:spPr/>
+        <p:txBody>
+          <a:bodyPr>
+            <a:normAutofit/>
+          </a:bodyPr>
+          <a:lstStyle/>
+          <a:p>
+            <a:pPr marL="198900" indent="0">
+              <a:buNone/>
+            </a:pPr>
+            <a:endParaRPr lang="pl-PL" dirty="0" smtClean="0"/>
+          </a:p>
+          <a:p>
+            <a:r>
+              <a:rPr lang="pl-PL" dirty="0" smtClean="0"/>
+              <a:t>Gdy konfigurujemy bez Spring </a:t>
+            </a:r>
+            <a:r>
+              <a:rPr lang="pl-PL" dirty="0" err="1" smtClean="0"/>
+              <a:t>Boota</a:t>
+            </a:r>
+            <a:r>
+              <a:rPr lang="pl-PL" dirty="0" smtClean="0"/>
+              <a:t>:</a:t>
+            </a:r>
+          </a:p>
+          <a:p>
+            <a:endParaRPr lang="pl-PL" dirty="0" smtClean="0"/>
+          </a:p>
+          <a:p>
+            <a:endParaRPr lang="pl-PL" dirty="0" smtClean="0"/>
+          </a:p>
+        </p:txBody>
+      </p:sp>
+      <p:pic>
+        <p:nvPicPr>
+          <p:cNvPr id="4" name="Obraz 3"/>
+          <p:cNvPicPr>
+            <a:picLocks noChangeAspect="1"/>
+          </p:cNvPicPr>
+          <p:nvPr/>
+        </p:nvPicPr>
+        <p:blipFill>
+          <a:blip r:embed="rId2"/>
+          <a:stretch>
+            <a:fillRect/>
+          </a:stretch>
+        </p:blipFill>
+        <p:spPr>
+          <a:xfrm>
+            <a:off x="123825" y="2091281"/>
+            <a:ext cx="9020175" cy="3476625"/>
+          </a:xfrm>
+          <a:prstGeom prst="rect">
+            <a:avLst/>
+          </a:prstGeom>
+        </p:spPr>
+      </p:pic>
+    </p:spTree>
+    <p:extLst>
+      <p:ext uri="{BB962C8B-B14F-4D97-AF65-F5344CB8AC3E}">
+        <p14:creationId xmlns:p14="http://schemas.microsoft.com/office/powerpoint/2010/main" val="3033329150"/>
+      </p:ext>
+    </p:extLst>
+  </p:cSld>
+  <p:clrMapOvr>
+    <a:masterClrMapping/>
+  </p:clrMapOvr>
+  <mc:AlternateContent xmlns:mc="http://schemas.openxmlformats.org/markup-compatibility/2006" xmlns:p14="http://schemas.microsoft.com/office/powerpoint/2010/main">
+    <mc:Choice Requires="p14">
+      <p:transition spd="slow" p14:dur="2000"/>
+    </mc:Choice>
+    <mc:Fallback xmlns="">
+      <p:transition spd="slow"/>
+    </mc:Fallback>
+  </mc:AlternateContent>
+  <p:timing>
+    <p:tnLst>
+      <p:par>
+        <p:cTn id="1" dur="indefinite" restart="never" nodeType="tmRoot"/>
+      </p:par>
+    </p:tnLst>
+  </p:timing>
+</p:sld>
+</file>
+
+<file path=ppt/slides/slide24.xml><?xml version="1.0" encoding="utf-8"?>
+<p:sld xmlns:a="http://schemas.openxmlformats.org/drawingml/2006/main" xmlns:r="http://schemas.openxmlformats.org/officeDocument/2006/relationships" xmlns:p="http://schemas.openxmlformats.org/presentationml/2006/main">
+  <p:cSld>
+    <p:spTree>
+      <p:nvGrpSpPr>
+        <p:cNvPr id="1" name=""/>
+        <p:cNvGrpSpPr/>
+        <p:nvPr/>
+      </p:nvGrpSpPr>
+      <p:grpSpPr>
+        <a:xfrm>
+          <a:off x="0" y="0"/>
+          <a:ext cx="0" cy="0"/>
+          <a:chOff x="0" y="0"/>
+          <a:chExt cx="0" cy="0"/>
+        </a:xfrm>
+      </p:grpSpPr>
+      <p:sp>
+        <p:nvSpPr>
+          <p:cNvPr id="2" name="Tytuł 1"/>
+          <p:cNvSpPr>
+            <a:spLocks noGrp="1"/>
+          </p:cNvSpPr>
+          <p:nvPr>
+            <p:ph type="title"/>
+          </p:nvPr>
+        </p:nvSpPr>
+        <p:spPr/>
+        <p:txBody>
+          <a:bodyPr/>
+          <a:lstStyle/>
+          <a:p>
+            <a:r>
+              <a:rPr lang="pl-PL" dirty="0" err="1" smtClean="0"/>
+              <a:t>HttpMessageConverter</a:t>
+            </a:r>
+            <a:r>
+              <a:rPr lang="pl-PL" dirty="0" smtClean="0"/>
+              <a:t>	</a:t>
+            </a:r>
+            <a:endParaRPr lang="pl-PL" dirty="0"/>
+          </a:p>
+        </p:txBody>
+      </p:sp>
+      <p:sp>
+        <p:nvSpPr>
+          <p:cNvPr id="3" name="Symbol zastępczy tekstu 2"/>
+          <p:cNvSpPr>
+            <a:spLocks noGrp="1"/>
+          </p:cNvSpPr>
+          <p:nvPr>
+            <p:ph type="body" sz="quarter" idx="10"/>
+          </p:nvPr>
+        </p:nvSpPr>
+        <p:spPr/>
+        <p:txBody>
+          <a:bodyPr>
+            <a:normAutofit/>
+          </a:bodyPr>
+          <a:lstStyle/>
+          <a:p>
+            <a:pPr marL="198900" indent="0">
+              <a:buNone/>
+            </a:pPr>
+            <a:r>
+              <a:rPr lang="pl-PL" dirty="0" smtClean="0"/>
+              <a:t>Do konwersji komunikatów używa </a:t>
+            </a:r>
+            <a:r>
+              <a:rPr lang="pl-PL" dirty="0" smtClean="0"/>
+              <a:t>go:</a:t>
+            </a:r>
+          </a:p>
+          <a:p>
+            <a:pPr>
+              <a:buFontTx/>
+              <a:buChar char="-"/>
+            </a:pPr>
+            <a:r>
+              <a:rPr lang="pl-PL" dirty="0" err="1" smtClean="0"/>
+              <a:t>DispatcherServlet</a:t>
+            </a:r>
+            <a:endParaRPr lang="pl-PL" dirty="0" smtClean="0"/>
+          </a:p>
+          <a:p>
+            <a:pPr>
+              <a:buFontTx/>
+              <a:buChar char="-"/>
+            </a:pPr>
+            <a:r>
+              <a:rPr lang="pl-PL" dirty="0" err="1" smtClean="0"/>
+              <a:t>RestTem</a:t>
+            </a:r>
+            <a:r>
+              <a:rPr lang="pl-PL" dirty="0" err="1" smtClean="0"/>
+              <a:t>plate</a:t>
+            </a:r>
+            <a:endParaRPr lang="pl-PL" dirty="0" smtClean="0"/>
+          </a:p>
+          <a:p>
+            <a:pPr>
+              <a:buFontTx/>
+              <a:buChar char="-"/>
+            </a:pPr>
+            <a:endParaRPr lang="pl-PL" dirty="0" smtClean="0"/>
+          </a:p>
+          <a:p>
+            <a:pPr marL="198900" indent="0">
+              <a:buNone/>
+            </a:pPr>
+            <a:r>
+              <a:rPr lang="pl-PL" dirty="0" smtClean="0"/>
+              <a:t>Dodawanie konwertera</a:t>
+            </a:r>
+            <a:endParaRPr lang="pl-PL" dirty="0" smtClean="0"/>
+          </a:p>
+          <a:p>
+            <a:pPr marL="198900" indent="0">
+              <a:buNone/>
+            </a:pPr>
+            <a:endParaRPr lang="pl-PL" dirty="0" smtClean="0"/>
+          </a:p>
+          <a:p>
+            <a:pPr marL="198900" indent="0">
+              <a:buNone/>
+            </a:pPr>
+            <a:endParaRPr lang="pl-PL" dirty="0"/>
+          </a:p>
+        </p:txBody>
+      </p:sp>
+      <p:pic>
+        <p:nvPicPr>
+          <p:cNvPr id="5" name="Obraz 4"/>
+          <p:cNvPicPr>
+            <a:picLocks noChangeAspect="1"/>
+          </p:cNvPicPr>
+          <p:nvPr/>
+        </p:nvPicPr>
+        <p:blipFill>
+          <a:blip r:embed="rId2"/>
+          <a:stretch>
+            <a:fillRect/>
+          </a:stretch>
+        </p:blipFill>
+        <p:spPr>
+          <a:xfrm>
+            <a:off x="88310" y="3274423"/>
+            <a:ext cx="8810625" cy="2590800"/>
+          </a:xfrm>
+          <a:prstGeom prst="rect">
+            <a:avLst/>
+          </a:prstGeom>
+        </p:spPr>
+      </p:pic>
+    </p:spTree>
+    <p:extLst>
+      <p:ext uri="{BB962C8B-B14F-4D97-AF65-F5344CB8AC3E}">
+        <p14:creationId xmlns:p14="http://schemas.microsoft.com/office/powerpoint/2010/main" val="3068479362"/>
+      </p:ext>
+    </p:extLst>
+  </p:cSld>
+  <p:clrMapOvr>
+    <a:masterClrMapping/>
+  </p:clrMapOvr>
+  <mc:AlternateContent xmlns:mc="http://schemas.openxmlformats.org/markup-compatibility/2006" xmlns:p14="http://schemas.microsoft.com/office/powerpoint/2010/main">
+    <mc:Choice Requires="p14">
+      <p:transition spd="slow" p14:dur="2000"/>
+    </mc:Choice>
+    <mc:Fallback xmlns="">
+      <p:transition spd="slow"/>
+    </mc:Fallback>
+  </mc:AlternateContent>
+  <p:timing>
+    <p:tnLst>
+      <p:par>
+        <p:cTn id="1" dur="indefinite" restart="never" nodeType="tmRoot"/>
+      </p:par>
+    </p:tnLst>
+  </p:timing>
+</p:sld>
+</file>
+
+<file path=ppt/slides/slide25.xml><?xml version="1.0" encoding="utf-8"?>
+<p:sld xmlns:a="http://schemas.openxmlformats.org/drawingml/2006/main" xmlns:r="http://schemas.openxmlformats.org/officeDocument/2006/relationships" xmlns:p="http://schemas.openxmlformats.org/presentationml/2006/main">
+  <p:cSld>
+    <p:spTree>
+      <p:nvGrpSpPr>
+        <p:cNvPr id="1" name=""/>
+        <p:cNvGrpSpPr/>
+        <p:nvPr/>
+      </p:nvGrpSpPr>
+      <p:grpSpPr>
+        <a:xfrm>
+          <a:off x="0" y="0"/>
+          <a:ext cx="0" cy="0"/>
+          <a:chOff x="0" y="0"/>
+          <a:chExt cx="0" cy="0"/>
+        </a:xfrm>
+      </p:grpSpPr>
+      <p:sp>
+        <p:nvSpPr>
+          <p:cNvPr id="2" name="Tytuł 1"/>
+          <p:cNvSpPr>
+            <a:spLocks noGrp="1"/>
+          </p:cNvSpPr>
+          <p:nvPr>
+            <p:ph type="title"/>
+          </p:nvPr>
+        </p:nvSpPr>
+        <p:spPr/>
+        <p:txBody>
+          <a:bodyPr/>
+          <a:lstStyle/>
+          <a:p>
+            <a:r>
+              <a:rPr lang="pl-PL" dirty="0" err="1" smtClean="0"/>
+              <a:t>CustomHttpMessageConverter</a:t>
+            </a:r>
+            <a:endParaRPr lang="pl-PL" dirty="0"/>
+          </a:p>
+        </p:txBody>
+      </p:sp>
+      <p:sp>
+        <p:nvSpPr>
+          <p:cNvPr id="3" name="Symbol zastępczy tekstu 2"/>
+          <p:cNvSpPr>
+            <a:spLocks noGrp="1"/>
+          </p:cNvSpPr>
+          <p:nvPr>
+            <p:ph type="body" sz="quarter" idx="10"/>
+          </p:nvPr>
+        </p:nvSpPr>
+        <p:spPr/>
+        <p:txBody>
+          <a:bodyPr>
+            <a:normAutofit/>
+          </a:bodyPr>
+          <a:lstStyle/>
+          <a:p>
+            <a:pPr marL="198900" indent="0">
+              <a:buNone/>
+            </a:pPr>
+            <a:endParaRPr lang="pl-PL" dirty="0"/>
+          </a:p>
+          <a:p>
+            <a:pPr marL="198900" indent="0">
+              <a:buNone/>
+            </a:pPr>
+            <a:r>
+              <a:rPr lang="pl-PL" dirty="0"/>
+              <a:t>Własny konwerter:</a:t>
+            </a:r>
+          </a:p>
+          <a:p>
+            <a:pPr marL="198900" indent="0">
+              <a:buNone/>
+            </a:pPr>
+            <a:r>
+              <a:rPr lang="pl-PL" b="1" dirty="0" err="1"/>
+              <a:t>CustomHttpMessageConverter</a:t>
+            </a:r>
+            <a:r>
+              <a:rPr lang="pl-PL" b="1" dirty="0"/>
+              <a:t> </a:t>
+            </a:r>
+            <a:r>
+              <a:rPr lang="pl-PL" b="1" dirty="0" err="1"/>
+              <a:t>extends</a:t>
+            </a:r>
+            <a:r>
+              <a:rPr lang="pl-PL" b="1" dirty="0"/>
+              <a:t> </a:t>
+            </a:r>
+            <a:r>
+              <a:rPr lang="pl-PL" b="1" dirty="0" err="1"/>
+              <a:t>AbstractHttpMessageConverter</a:t>
+            </a:r>
+            <a:r>
+              <a:rPr lang="pl-PL" b="1" dirty="0"/>
+              <a:t>&lt;T&gt;</a:t>
+            </a:r>
+            <a:endParaRPr lang="pl-PL" dirty="0"/>
+          </a:p>
+          <a:p>
+            <a:pPr marL="198900" indent="0">
+              <a:buNone/>
+            </a:pPr>
+            <a:endParaRPr lang="pl-PL" dirty="0"/>
+          </a:p>
+          <a:p>
+            <a:pPr marL="198900" indent="0">
+              <a:buNone/>
+            </a:pPr>
+            <a:endParaRPr lang="pl-PL" dirty="0" smtClean="0"/>
+          </a:p>
+          <a:p>
+            <a:pPr marL="198900" indent="0">
+              <a:buNone/>
+            </a:pPr>
+            <a:endParaRPr lang="pl-PL" dirty="0"/>
+          </a:p>
+          <a:p>
+            <a:pPr marL="198900" indent="0">
+              <a:buNone/>
+            </a:pPr>
+            <a:endParaRPr lang="pl-PL" dirty="0" smtClean="0"/>
+          </a:p>
+        </p:txBody>
+      </p:sp>
+    </p:spTree>
+    <p:extLst>
+      <p:ext uri="{BB962C8B-B14F-4D97-AF65-F5344CB8AC3E}">
+        <p14:creationId xmlns:p14="http://schemas.microsoft.com/office/powerpoint/2010/main" val="1236792934"/>
+      </p:ext>
+    </p:extLst>
+  </p:cSld>
+  <p:clrMapOvr>
+    <a:masterClrMapping/>
+  </p:clrMapOvr>
+  <mc:AlternateContent xmlns:mc="http://schemas.openxmlformats.org/markup-compatibility/2006" xmlns:p14="http://schemas.microsoft.com/office/powerpoint/2010/main">
+    <mc:Choice Requires="p14">
+      <p:transition spd="slow" p14:dur="2000"/>
+    </mc:Choice>
+    <mc:Fallback xmlns="">
+      <p:transition spd="slow"/>
+    </mc:Fallback>
+  </mc:AlternateContent>
+  <p:timing>
+    <p:tnLst>
+      <p:par>
+        <p:cTn id="1" dur="indefinite" restart="never" nodeType="tmRoot"/>
+      </p:par>
+    </p:tnLst>
+  </p:timing>
+</p:sld>
+</file>
+
+<file path=ppt/slides/slide26.xml><?xml version="1.0" encoding="utf-8"?>
+<p:sld xmlns:a="http://schemas.openxmlformats.org/drawingml/2006/main" xmlns:r="http://schemas.openxmlformats.org/officeDocument/2006/relationships" xmlns:p="http://schemas.openxmlformats.org/presentationml/2006/main">
+  <p:cSld>
+    <p:spTree>
+      <p:nvGrpSpPr>
+        <p:cNvPr id="1" name=""/>
+        <p:cNvGrpSpPr/>
+        <p:nvPr/>
+      </p:nvGrpSpPr>
+      <p:grpSpPr>
+        <a:xfrm>
+          <a:off x="0" y="0"/>
+          <a:ext cx="0" cy="0"/>
+          <a:chOff x="0" y="0"/>
+          <a:chExt cx="0" cy="0"/>
+        </a:xfrm>
+      </p:grpSpPr>
+      <p:sp>
+        <p:nvSpPr>
+          <p:cNvPr id="2" name="Tytuł 1"/>
+          <p:cNvSpPr>
+            <a:spLocks noGrp="1"/>
+          </p:cNvSpPr>
+          <p:nvPr>
+            <p:ph type="title"/>
+          </p:nvPr>
+        </p:nvSpPr>
+        <p:spPr/>
+        <p:txBody>
+          <a:bodyPr/>
+          <a:lstStyle/>
+          <a:p>
+            <a:r>
+              <a:rPr lang="en-US" dirty="0" err="1"/>
+              <a:t>Interakcje</a:t>
+            </a:r>
+            <a:r>
+              <a:rPr lang="en-US" dirty="0"/>
+              <a:t> </a:t>
+            </a:r>
+            <a:r>
+              <a:rPr lang="en-US" dirty="0" err="1"/>
+              <a:t>pomi</a:t>
+            </a:r>
+            <a:r>
+              <a:rPr lang="pl-PL" dirty="0" err="1"/>
+              <a:t>ędzy</a:t>
+            </a:r>
+            <a:r>
+              <a:rPr lang="pl-PL" dirty="0"/>
+              <a:t> widokiem i kontrolerem</a:t>
+            </a:r>
+            <a:endParaRPr lang="pl-PL" dirty="0"/>
+          </a:p>
+        </p:txBody>
+      </p:sp>
+      <p:sp>
+        <p:nvSpPr>
+          <p:cNvPr id="3" name="Symbol zastępczy tekstu 2"/>
+          <p:cNvSpPr>
+            <a:spLocks noGrp="1"/>
+          </p:cNvSpPr>
+          <p:nvPr>
+            <p:ph type="body" sz="quarter" idx="10"/>
+          </p:nvPr>
+        </p:nvSpPr>
+        <p:spPr/>
+        <p:txBody>
+          <a:bodyPr>
+            <a:normAutofit/>
+          </a:bodyPr>
+          <a:lstStyle/>
+          <a:p>
+            <a:pPr marL="198900" indent="0">
+              <a:buNone/>
+            </a:pPr>
+            <a:endParaRPr lang="pl-PL" dirty="0" smtClean="0"/>
+          </a:p>
+          <a:p>
+            <a:r>
+              <a:rPr lang="pl-PL" dirty="0" err="1" smtClean="0"/>
+              <a:t>Redirect</a:t>
+            </a:r>
+            <a:r>
+              <a:rPr lang="pl-PL" dirty="0"/>
+              <a:t/>
+            </a:r>
+            <a:br>
+              <a:rPr lang="pl-PL" dirty="0"/>
+            </a:br>
+            <a:r>
+              <a:rPr lang="pl-PL" dirty="0" smtClean="0"/>
+              <a:t>zwracany jest nagłówek </a:t>
+            </a:r>
+            <a:r>
+              <a:rPr lang="pl-PL" dirty="0" err="1" smtClean="0"/>
+              <a:t>location</a:t>
+            </a:r>
+            <a:r>
+              <a:rPr lang="pl-PL" dirty="0" smtClean="0"/>
+              <a:t> i odpowiedni status 302</a:t>
+            </a:r>
+            <a:endParaRPr lang="pl-PL" dirty="0" smtClean="0"/>
+          </a:p>
+          <a:p>
+            <a:r>
+              <a:rPr lang="pl-PL" dirty="0" err="1" smtClean="0"/>
+              <a:t>Forward</a:t>
+            </a:r>
+            <a:r>
+              <a:rPr lang="pl-PL" dirty="0" smtClean="0"/>
+              <a:t/>
+            </a:r>
+            <a:br>
+              <a:rPr lang="pl-PL" dirty="0" smtClean="0"/>
+            </a:br>
+            <a:r>
+              <a:rPr lang="pl-PL" dirty="0" smtClean="0"/>
+              <a:t>„</a:t>
+            </a:r>
+            <a:r>
+              <a:rPr lang="pl-PL" dirty="0" err="1" smtClean="0"/>
+              <a:t>redirect</a:t>
+            </a:r>
+            <a:r>
+              <a:rPr lang="pl-PL" dirty="0" smtClean="0"/>
+              <a:t>” następuje po stronie </a:t>
+            </a:r>
+            <a:r>
+              <a:rPr lang="pl-PL" dirty="0" err="1" smtClean="0"/>
+              <a:t>dispatcher</a:t>
+            </a:r>
+            <a:r>
+              <a:rPr lang="pl-PL" dirty="0" smtClean="0"/>
+              <a:t> </a:t>
+            </a:r>
+            <a:r>
+              <a:rPr lang="pl-PL" dirty="0" err="1" smtClean="0"/>
+              <a:t>servleta</a:t>
+            </a:r>
+            <a:r>
+              <a:rPr lang="pl-PL" dirty="0" smtClean="0"/>
+              <a:t> ale nie jest zwracany nagłówek </a:t>
+            </a:r>
+            <a:r>
+              <a:rPr lang="pl-PL" dirty="0" err="1" smtClean="0"/>
+              <a:t>location</a:t>
+            </a:r>
+            <a:endParaRPr lang="pl-PL" dirty="0" smtClean="0"/>
+          </a:p>
+          <a:p>
+            <a:endParaRPr lang="pl-PL" dirty="0" smtClean="0"/>
+          </a:p>
+        </p:txBody>
+      </p:sp>
+    </p:spTree>
+    <p:extLst>
+      <p:ext uri="{BB962C8B-B14F-4D97-AF65-F5344CB8AC3E}">
+        <p14:creationId xmlns:p14="http://schemas.microsoft.com/office/powerpoint/2010/main" val="4175118798"/>
+      </p:ext>
+    </p:extLst>
+  </p:cSld>
+  <p:clrMapOvr>
+    <a:masterClrMapping/>
+  </p:clrMapOvr>
+  <mc:AlternateContent xmlns:mc="http://schemas.openxmlformats.org/markup-compatibility/2006" xmlns:p14="http://schemas.microsoft.com/office/powerpoint/2010/main">
+    <mc:Choice Requires="p14">
+      <p:transition spd="slow" p14:dur="2000"/>
+    </mc:Choice>
+    <mc:Fallback xmlns="">
+      <p:transition spd="slow"/>
+    </mc:Fallback>
+  </mc:AlternateContent>
+  <p:timing>
+    <p:tnLst>
+      <p:par>
+        <p:cTn id="1" dur="indefinite" restart="never" nodeType="tmRoot"/>
+      </p:par>
+    </p:tnLst>
+  </p:timing>
+</p:sld>
+</file>
+
+<file path=ppt/slides/slide27.xml><?xml version="1.0" encoding="utf-8"?>
+<p:sld xmlns:a="http://schemas.openxmlformats.org/drawingml/2006/main" xmlns:r="http://schemas.openxmlformats.org/officeDocument/2006/relationships" xmlns:p="http://schemas.openxmlformats.org/presentationml/2006/main">
+  <p:cSld>
+    <p:spTree>
+      <p:nvGrpSpPr>
+        <p:cNvPr id="1" name=""/>
+        <p:cNvGrpSpPr/>
+        <p:nvPr/>
+      </p:nvGrpSpPr>
+      <p:grpSpPr>
+        <a:xfrm>
+          <a:off x="0" y="0"/>
+          <a:ext cx="0" cy="0"/>
+          <a:chOff x="0" y="0"/>
+          <a:chExt cx="0" cy="0"/>
+        </a:xfrm>
+      </p:grpSpPr>
+      <p:sp>
+        <p:nvSpPr>
+          <p:cNvPr id="2" name="Tytuł 1"/>
+          <p:cNvSpPr>
+            <a:spLocks noGrp="1"/>
+          </p:cNvSpPr>
+          <p:nvPr>
+            <p:ph type="title"/>
+          </p:nvPr>
+        </p:nvSpPr>
+        <p:spPr/>
+        <p:txBody>
+          <a:bodyPr/>
+          <a:lstStyle/>
+          <a:p>
+            <a:r>
+              <a:rPr lang="pl-PL" dirty="0" smtClean="0"/>
+              <a:t>Content </a:t>
+            </a:r>
+            <a:r>
+              <a:rPr lang="pl-PL" dirty="0" err="1" smtClean="0"/>
+              <a:t>Type</a:t>
+            </a:r>
+            <a:r>
+              <a:rPr lang="pl-PL" dirty="0" smtClean="0"/>
+              <a:t> i </a:t>
+            </a:r>
+            <a:r>
+              <a:rPr lang="pl-PL" dirty="0" err="1" smtClean="0"/>
+              <a:t>Response</a:t>
+            </a:r>
+            <a:r>
+              <a:rPr lang="pl-PL" dirty="0" smtClean="0"/>
+              <a:t> Status</a:t>
+            </a:r>
+            <a:endParaRPr lang="pl-PL" dirty="0"/>
+          </a:p>
+        </p:txBody>
+      </p:sp>
+      <p:sp>
+        <p:nvSpPr>
+          <p:cNvPr id="3" name="Symbol zastępczy tekstu 2"/>
+          <p:cNvSpPr>
+            <a:spLocks noGrp="1"/>
+          </p:cNvSpPr>
+          <p:nvPr>
+            <p:ph type="body" sz="quarter" idx="10"/>
+          </p:nvPr>
+        </p:nvSpPr>
+        <p:spPr/>
+        <p:txBody>
+          <a:bodyPr>
+            <a:normAutofit/>
+          </a:bodyPr>
+          <a:lstStyle/>
+          <a:p>
+            <a:pPr marL="198900" indent="0">
+              <a:buNone/>
+            </a:pPr>
+            <a:endParaRPr lang="pl-PL" dirty="0" smtClean="0"/>
+          </a:p>
+          <a:p>
+            <a:pPr marL="198900" indent="0">
+              <a:buNone/>
+            </a:pPr>
+            <a:r>
+              <a:rPr lang="pl-PL" dirty="0"/>
+              <a:t>Content </a:t>
+            </a:r>
+            <a:r>
+              <a:rPr lang="pl-PL" dirty="0" err="1"/>
+              <a:t>type</a:t>
+            </a:r>
+            <a:r>
+              <a:rPr lang="pl-PL" dirty="0"/>
+              <a:t> może być określany </a:t>
+            </a:r>
+            <a:r>
+              <a:rPr lang="pl-PL" dirty="0" smtClean="0"/>
+              <a:t>w:</a:t>
+            </a:r>
+            <a:endParaRPr lang="pl-PL" dirty="0"/>
+          </a:p>
+          <a:p>
+            <a:r>
+              <a:rPr lang="pl-PL" dirty="0" smtClean="0"/>
+              <a:t>@</a:t>
+            </a:r>
+            <a:r>
+              <a:rPr lang="pl-PL" dirty="0" err="1" smtClean="0"/>
+              <a:t>RequestMapping</a:t>
+            </a:r>
+            <a:r>
+              <a:rPr lang="pl-PL" dirty="0"/>
+              <a:t> </a:t>
+            </a:r>
+            <a:r>
+              <a:rPr lang="pl-PL" dirty="0" smtClean="0"/>
+              <a:t>w atrybutach</a:t>
+            </a:r>
+            <a:r>
+              <a:rPr lang="pl-PL" dirty="0" smtClean="0"/>
+              <a:t> </a:t>
+            </a:r>
+            <a:r>
+              <a:rPr lang="pl-PL" dirty="0" err="1" smtClean="0"/>
+              <a:t>produces</a:t>
+            </a:r>
+            <a:r>
+              <a:rPr lang="pl-PL" dirty="0" smtClean="0"/>
+              <a:t>, </a:t>
+            </a:r>
+            <a:r>
+              <a:rPr lang="pl-PL" dirty="0" err="1" smtClean="0"/>
+              <a:t>consumes</a:t>
+            </a:r>
+            <a:endParaRPr lang="pl-PL" dirty="0" smtClean="0"/>
+          </a:p>
+          <a:p>
+            <a:r>
+              <a:rPr lang="pl-PL" dirty="0" err="1" smtClean="0"/>
+              <a:t>ResponseEntity</a:t>
+            </a:r>
+            <a:r>
+              <a:rPr lang="pl-PL" dirty="0" smtClean="0"/>
+              <a:t> </a:t>
+            </a:r>
+          </a:p>
+          <a:p>
+            <a:r>
+              <a:rPr lang="pl-PL" dirty="0" err="1" smtClean="0"/>
+              <a:t>RequestEntity</a:t>
+            </a:r>
+            <a:endParaRPr lang="pl-PL" dirty="0" smtClean="0"/>
+          </a:p>
+          <a:p>
+            <a:endParaRPr lang="pl-PL" dirty="0"/>
+          </a:p>
+          <a:p>
+            <a:pPr marL="198900" indent="0">
+              <a:buNone/>
+            </a:pPr>
+            <a:r>
+              <a:rPr lang="pl-PL" dirty="0" err="1" smtClean="0"/>
+              <a:t>Response</a:t>
+            </a:r>
+            <a:r>
+              <a:rPr lang="pl-PL" dirty="0" smtClean="0"/>
+              <a:t> Status może być definiowany:</a:t>
+            </a:r>
+            <a:endParaRPr lang="pl-PL" dirty="0" smtClean="0"/>
+          </a:p>
+          <a:p>
+            <a:r>
+              <a:rPr lang="pl-PL" dirty="0" err="1"/>
+              <a:t>ResponseEntity</a:t>
+            </a:r>
+            <a:r>
+              <a:rPr lang="pl-PL" dirty="0"/>
+              <a:t> </a:t>
+            </a:r>
+          </a:p>
+          <a:p>
+            <a:r>
+              <a:rPr lang="pl-PL" dirty="0" smtClean="0"/>
+              <a:t>@</a:t>
+            </a:r>
+            <a:r>
+              <a:rPr lang="pl-PL" dirty="0" err="1" smtClean="0"/>
+              <a:t>ResponseStatus</a:t>
+            </a:r>
+            <a:r>
+              <a:rPr lang="pl-PL" dirty="0" smtClean="0"/>
+              <a:t> nad akcją</a:t>
+            </a:r>
+          </a:p>
+          <a:p>
+            <a:r>
+              <a:rPr lang="pl-PL" dirty="0"/>
+              <a:t>@</a:t>
+            </a:r>
+            <a:r>
+              <a:rPr lang="pl-PL" dirty="0" err="1" smtClean="0"/>
+              <a:t>ResponseStatus</a:t>
+            </a:r>
+            <a:r>
+              <a:rPr lang="pl-PL" dirty="0" smtClean="0"/>
+              <a:t> nad </a:t>
+            </a:r>
+            <a:r>
+              <a:rPr lang="pl-PL" dirty="0" err="1" smtClean="0"/>
+              <a:t>Exception</a:t>
+            </a:r>
+            <a:endParaRPr lang="pl-PL" dirty="0" smtClean="0"/>
+          </a:p>
+        </p:txBody>
+      </p:sp>
+    </p:spTree>
+    <p:extLst>
+      <p:ext uri="{BB962C8B-B14F-4D97-AF65-F5344CB8AC3E}">
+        <p14:creationId xmlns:p14="http://schemas.microsoft.com/office/powerpoint/2010/main" val="1044362494"/>
+      </p:ext>
+    </p:extLst>
+  </p:cSld>
+  <p:clrMapOvr>
+    <a:masterClrMapping/>
+  </p:clrMapOvr>
+  <mc:AlternateContent xmlns:mc="http://schemas.openxmlformats.org/markup-compatibility/2006" xmlns:p14="http://schemas.microsoft.com/office/powerpoint/2010/main">
+    <mc:Choice Requires="p14">
+      <p:transition spd="slow" p14:dur="2000"/>
+    </mc:Choice>
+    <mc:Fallback xmlns="">
+      <p:transition spd="slow"/>
+    </mc:Fallback>
+  </mc:AlternateContent>
+  <p:timing>
+    <p:tnLst>
+      <p:par>
+        <p:cTn id="1" dur="indefinite" restart="never" nodeType="tmRoot"/>
+      </p:par>
+    </p:tnLst>
+  </p:timing>
+</p:sld>
+</file>
+
+<file path=ppt/slides/slide28.xml><?xml version="1.0" encoding="utf-8"?>
+<p:sld xmlns:a="http://schemas.openxmlformats.org/drawingml/2006/main" xmlns:r="http://schemas.openxmlformats.org/officeDocument/2006/relationships" xmlns:p="http://schemas.openxmlformats.org/presentationml/2006/main">
+  <p:cSld>
+    <p:spTree>
+      <p:nvGrpSpPr>
+        <p:cNvPr id="1" name=""/>
+        <p:cNvGrpSpPr/>
+        <p:nvPr/>
+      </p:nvGrpSpPr>
+      <p:grpSpPr>
+        <a:xfrm>
+          <a:off x="0" y="0"/>
+          <a:ext cx="0" cy="0"/>
+          <a:chOff x="0" y="0"/>
+          <a:chExt cx="0" cy="0"/>
+        </a:xfrm>
+      </p:grpSpPr>
+      <p:sp>
+        <p:nvSpPr>
+          <p:cNvPr id="2" name="Tytuł 1"/>
+          <p:cNvSpPr>
+            <a:spLocks noGrp="1"/>
+          </p:cNvSpPr>
+          <p:nvPr>
+            <p:ph type="title"/>
+          </p:nvPr>
+        </p:nvSpPr>
+        <p:spPr/>
+        <p:txBody>
+          <a:bodyPr/>
+          <a:lstStyle/>
+          <a:p>
+            <a:r>
+              <a:rPr lang="pl-PL" dirty="0" smtClean="0"/>
+              <a:t>@</a:t>
+            </a:r>
+            <a:r>
+              <a:rPr lang="pl-PL" dirty="0" err="1" smtClean="0"/>
+              <a:t>RestController</a:t>
+            </a:r>
+            <a:endParaRPr lang="pl-PL" dirty="0"/>
+          </a:p>
+        </p:txBody>
+      </p:sp>
+      <p:sp>
+        <p:nvSpPr>
+          <p:cNvPr id="3" name="Symbol zastępczy tekstu 2"/>
+          <p:cNvSpPr>
+            <a:spLocks noGrp="1"/>
+          </p:cNvSpPr>
+          <p:nvPr>
+            <p:ph type="body" sz="quarter" idx="10"/>
+          </p:nvPr>
+        </p:nvSpPr>
+        <p:spPr/>
+        <p:txBody>
+          <a:bodyPr>
+            <a:normAutofit/>
+          </a:bodyPr>
+          <a:lstStyle/>
+          <a:p>
+            <a:pPr marL="198900" indent="0">
+              <a:buNone/>
+            </a:pPr>
+            <a:r>
+              <a:rPr lang="pl-PL" dirty="0"/>
+              <a:t>@Controller vs @</a:t>
+            </a:r>
+            <a:r>
+              <a:rPr lang="pl-PL" dirty="0" err="1" smtClean="0"/>
+              <a:t>RestController</a:t>
+            </a:r>
+            <a:endParaRPr lang="pl-PL" dirty="0" smtClean="0"/>
+          </a:p>
+          <a:p>
+            <a:pPr marL="198900" indent="0">
+              <a:buNone/>
+            </a:pPr>
+            <a:r>
+              <a:rPr lang="pl-PL" dirty="0" smtClean="0"/>
+              <a:t>- @</a:t>
+            </a:r>
+            <a:r>
+              <a:rPr lang="pl-PL" dirty="0" err="1" smtClean="0"/>
+              <a:t>ResponseBody</a:t>
+            </a:r>
+            <a:r>
+              <a:rPr lang="pl-PL" dirty="0" smtClean="0"/>
+              <a:t> staje się zbędne</a:t>
+            </a:r>
+          </a:p>
+          <a:p>
+            <a:pPr marL="198900" indent="0">
+              <a:buNone/>
+            </a:pPr>
+            <a:endParaRPr lang="pl-PL" dirty="0" smtClean="0"/>
+          </a:p>
+          <a:p>
+            <a:pPr marL="198900" indent="0">
+              <a:buNone/>
+            </a:pPr>
+            <a:endParaRPr lang="pl-PL" dirty="0"/>
+          </a:p>
+          <a:p>
+            <a:pPr marL="198900" indent="0">
+              <a:buNone/>
+            </a:pPr>
+            <a:endParaRPr lang="pl-PL" dirty="0" smtClean="0"/>
+          </a:p>
+        </p:txBody>
+      </p:sp>
+    </p:spTree>
+    <p:extLst>
+      <p:ext uri="{BB962C8B-B14F-4D97-AF65-F5344CB8AC3E}">
+        <p14:creationId xmlns:p14="http://schemas.microsoft.com/office/powerpoint/2010/main" val="4214009708"/>
+      </p:ext>
+    </p:extLst>
+  </p:cSld>
+  <p:clrMapOvr>
+    <a:masterClrMapping/>
+  </p:clrMapOvr>
+  <mc:AlternateContent xmlns:mc="http://schemas.openxmlformats.org/markup-compatibility/2006" xmlns:p14="http://schemas.microsoft.com/office/powerpoint/2010/main">
+    <mc:Choice Requires="p14">
+      <p:transition spd="slow" p14:dur="2000"/>
+    </mc:Choice>
+    <mc:Fallback xmlns="">
+      <p:transition spd="slow"/>
+    </mc:Fallback>
+  </mc:AlternateContent>
+  <p:timing>
+    <p:tnLst>
+      <p:par>
+        <p:cTn id="1" dur="indefinite" restart="never" nodeType="tmRoot"/>
+      </p:par>
+    </p:tnLst>
+  </p:timing>
+</p:sld>
+</file>
+
+<file path=ppt/slides/slide29.xml><?xml version="1.0" encoding="utf-8"?>
+<p:sld xmlns:a="http://schemas.openxmlformats.org/drawingml/2006/main" xmlns:r="http://schemas.openxmlformats.org/officeDocument/2006/relationships" xmlns:p="http://schemas.openxmlformats.org/presentationml/2006/main">
+  <p:cSld>
+    <p:spTree>
+      <p:nvGrpSpPr>
+        <p:cNvPr id="1" name=""/>
+        <p:cNvGrpSpPr/>
+        <p:nvPr/>
+      </p:nvGrpSpPr>
+      <p:grpSpPr>
+        <a:xfrm>
+          <a:off x="0" y="0"/>
+          <a:ext cx="0" cy="0"/>
+          <a:chOff x="0" y="0"/>
+          <a:chExt cx="0" cy="0"/>
+        </a:xfrm>
+      </p:grpSpPr>
+      <p:sp>
+        <p:nvSpPr>
+          <p:cNvPr id="2" name="Tytuł 1"/>
+          <p:cNvSpPr>
+            <a:spLocks noGrp="1"/>
+          </p:cNvSpPr>
+          <p:nvPr>
+            <p:ph type="title"/>
+          </p:nvPr>
+        </p:nvSpPr>
+        <p:spPr/>
+        <p:txBody>
+          <a:bodyPr/>
+          <a:lstStyle/>
+          <a:p>
+            <a:r>
+              <a:rPr lang="pl-PL" dirty="0" smtClean="0"/>
+              <a:t>Konwersja typów @</a:t>
+            </a:r>
+            <a:r>
+              <a:rPr lang="pl-PL" dirty="0" err="1" smtClean="0"/>
+              <a:t>RequestParam</a:t>
+            </a:r>
+            <a:r>
+              <a:rPr lang="pl-PL" dirty="0" smtClean="0"/>
+              <a:t> i @</a:t>
+            </a:r>
+            <a:r>
+              <a:rPr lang="pl-PL" dirty="0" err="1" smtClean="0"/>
+              <a:t>PathVariable</a:t>
+            </a:r>
+            <a:endParaRPr lang="pl-PL" dirty="0"/>
+          </a:p>
+        </p:txBody>
+      </p:sp>
+      <p:sp>
+        <p:nvSpPr>
+          <p:cNvPr id="3" name="Symbol zastępczy tekstu 2"/>
+          <p:cNvSpPr>
+            <a:spLocks noGrp="1"/>
+          </p:cNvSpPr>
+          <p:nvPr>
+            <p:ph type="body" sz="quarter" idx="10"/>
+          </p:nvPr>
+        </p:nvSpPr>
+        <p:spPr/>
+        <p:txBody>
+          <a:bodyPr>
+            <a:normAutofit/>
+          </a:bodyPr>
+          <a:lstStyle/>
+          <a:p>
+            <a:pPr marL="198900" indent="0">
+              <a:buNone/>
+            </a:pPr>
+            <a:endParaRPr lang="pl-PL" dirty="0" smtClean="0"/>
+          </a:p>
+          <a:p>
+            <a:r>
+              <a:rPr lang="pl-PL" dirty="0" smtClean="0"/>
+              <a:t>Aby dodać należy nowy konwerter wystarczy zdefiniować klasę implementującą </a:t>
+            </a:r>
+            <a:r>
+              <a:rPr lang="pl-PL" dirty="0" err="1" smtClean="0"/>
+              <a:t>interface</a:t>
+            </a:r>
+            <a:r>
+              <a:rPr lang="pl-PL" dirty="0" smtClean="0"/>
+              <a:t> Converter&lt;String, T&gt;</a:t>
+            </a:r>
+          </a:p>
+          <a:p>
+            <a:endParaRPr lang="pl-PL" dirty="0" smtClean="0"/>
+          </a:p>
+          <a:p>
+            <a:endParaRPr lang="pl-PL" dirty="0" smtClean="0"/>
+          </a:p>
+        </p:txBody>
+      </p:sp>
+      <p:pic>
+        <p:nvPicPr>
+          <p:cNvPr id="4" name="Obraz 3"/>
+          <p:cNvPicPr>
+            <a:picLocks noChangeAspect="1"/>
+          </p:cNvPicPr>
+          <p:nvPr/>
+        </p:nvPicPr>
+        <p:blipFill>
+          <a:blip r:embed="rId2"/>
+          <a:stretch>
+            <a:fillRect/>
+          </a:stretch>
+        </p:blipFill>
+        <p:spPr>
+          <a:xfrm>
+            <a:off x="361950" y="2466975"/>
+            <a:ext cx="8420100" cy="1924050"/>
+          </a:xfrm>
+          <a:prstGeom prst="rect">
+            <a:avLst/>
+          </a:prstGeom>
+        </p:spPr>
+      </p:pic>
+    </p:spTree>
+    <p:extLst>
+      <p:ext uri="{BB962C8B-B14F-4D97-AF65-F5344CB8AC3E}">
+        <p14:creationId xmlns:p14="http://schemas.microsoft.com/office/powerpoint/2010/main" val="2998910654"/>
+      </p:ext>
+    </p:extLst>
+  </p:cSld>
+  <p:clrMapOvr>
+    <a:masterClrMapping/>
+  </p:clrMapOvr>
+  <mc:AlternateContent xmlns:mc="http://schemas.openxmlformats.org/markup-compatibility/2006" xmlns:p14="http://schemas.microsoft.com/office/powerpoint/2010/main">
+    <mc:Choice Requires="p14">
+      <p:transition spd="slow" p14:dur="2000"/>
+    </mc:Choice>
+    <mc:Fallback xmlns="">
+      <p:transition spd="slow"/>
+    </mc:Fallback>
+  </mc:AlternateContent>
+  <p:timing>
+    <p:tnLst>
+      <p:par>
+        <p:cTn id="1" dur="indefinite" restart="never" nodeType="tmRoot"/>
+      </p:par>
+    </p:tnLst>
+  </p:timing>
+</p:sld>
+</file>
+
+<file path=ppt/slides/slide3.xml><?xml version="1.0" encoding="utf-8"?>
+<p:sld xmlns:a="http://schemas.openxmlformats.org/drawingml/2006/main" xmlns:r="http://schemas.openxmlformats.org/officeDocument/2006/relationships" xmlns:p="http://schemas.openxmlformats.org/presentationml/2006/main">
+  <p:cSld>
+    <p:spTree>
+      <p:nvGrpSpPr>
+        <p:cNvPr id="1" name=""/>
+        <p:cNvGrpSpPr/>
+        <p:nvPr/>
+      </p:nvGrpSpPr>
+      <p:grpSpPr>
+        <a:xfrm>
+          <a:off x="0" y="0"/>
+          <a:ext cx="0" cy="0"/>
+          <a:chOff x="0" y="0"/>
+          <a:chExt cx="0" cy="0"/>
+        </a:xfrm>
+      </p:grpSpPr>
+      <p:sp>
+        <p:nvSpPr>
+          <p:cNvPr id="2" name="Tytuł 1"/>
+          <p:cNvSpPr>
+            <a:spLocks noGrp="1"/>
+          </p:cNvSpPr>
+          <p:nvPr>
+            <p:ph type="title"/>
+          </p:nvPr>
+        </p:nvSpPr>
+        <p:spPr/>
+        <p:txBody>
+          <a:bodyPr/>
+          <a:lstStyle/>
+          <a:p>
+            <a:r>
+              <a:rPr lang="pl-PL" dirty="0" smtClean="0"/>
+              <a:t>Agenda c.d.</a:t>
+            </a:r>
+            <a:endParaRPr lang="pl-PL" dirty="0"/>
+          </a:p>
+        </p:txBody>
+      </p:sp>
+      <p:sp>
+        <p:nvSpPr>
+          <p:cNvPr id="3" name="Symbol zastępczy tekstu 2"/>
+          <p:cNvSpPr>
+            <a:spLocks noGrp="1"/>
+          </p:cNvSpPr>
+          <p:nvPr>
+            <p:ph type="body" sz="quarter" idx="10"/>
+          </p:nvPr>
+        </p:nvSpPr>
+        <p:spPr/>
+        <p:txBody>
+          <a:bodyPr>
+            <a:normAutofit/>
+          </a:bodyPr>
+          <a:lstStyle/>
+          <a:p>
+            <a:pPr marL="541800" indent="-342900">
+              <a:buFont typeface="+mj-lt"/>
+              <a:buAutoNum type="arabicPeriod"/>
+            </a:pPr>
+            <a:r>
+              <a:rPr lang="pl-PL" b="1" dirty="0" smtClean="0"/>
+              <a:t>Spring </a:t>
+            </a:r>
+            <a:r>
+              <a:rPr lang="pl-PL" b="1" dirty="0" err="1" smtClean="0"/>
+              <a:t>MockMVC</a:t>
+            </a:r>
+            <a:endParaRPr lang="pl-PL" b="1" dirty="0"/>
+          </a:p>
+          <a:p>
+            <a:pPr marL="702900" lvl="1" indent="-342900">
+              <a:buFont typeface="+mj-lt"/>
+              <a:buAutoNum type="arabicPeriod"/>
+            </a:pPr>
+            <a:r>
+              <a:rPr lang="pl-PL" dirty="0" smtClean="0"/>
+              <a:t>Na czym polega</a:t>
+            </a:r>
+            <a:endParaRPr lang="pl-PL" dirty="0"/>
+          </a:p>
+          <a:p>
+            <a:pPr marL="702900" lvl="1" indent="-342900">
+              <a:buFont typeface="+mj-lt"/>
+              <a:buAutoNum type="arabicPeriod"/>
+            </a:pPr>
+            <a:r>
+              <a:rPr lang="pl-PL" dirty="0" smtClean="0"/>
+              <a:t>Podstawowa Konfiguracja</a:t>
+            </a:r>
+          </a:p>
+          <a:p>
+            <a:pPr marL="702900" lvl="1" indent="-342900">
+              <a:buFont typeface="+mj-lt"/>
+              <a:buAutoNum type="arabicPeriod"/>
+            </a:pPr>
+            <a:r>
+              <a:rPr lang="pl-PL" dirty="0" smtClean="0"/>
+              <a:t>Przykładowy test</a:t>
+            </a:r>
+            <a:endParaRPr lang="pl-PL" dirty="0"/>
+          </a:p>
+          <a:p>
+            <a:pPr marL="702900" lvl="1" indent="-342900">
+              <a:buFont typeface="+mj-lt"/>
+              <a:buAutoNum type="arabicPeriod"/>
+            </a:pPr>
+            <a:endParaRPr lang="pl-PL" dirty="0" smtClean="0"/>
+          </a:p>
+        </p:txBody>
+      </p:sp>
+    </p:spTree>
+    <p:extLst>
+      <p:ext uri="{BB962C8B-B14F-4D97-AF65-F5344CB8AC3E}">
+        <p14:creationId xmlns:p14="http://schemas.microsoft.com/office/powerpoint/2010/main" val="638738818"/>
+      </p:ext>
+    </p:extLst>
+  </p:cSld>
+  <p:clrMapOvr>
+    <a:masterClrMapping/>
+  </p:clrMapOvr>
+  <p:timing>
+    <p:tnLst>
+      <p:par>
+        <p:cTn id="1" dur="indefinite" restart="never" nodeType="tmRoot"/>
+      </p:par>
+    </p:tnLst>
+  </p:timing>
+</p:sld>
+</file>
+
+<file path=ppt/slides/slide30.xml><?xml version="1.0" encoding="utf-8"?>
+<p:sld xmlns:a="http://schemas.openxmlformats.org/drawingml/2006/main" xmlns:r="http://schemas.openxmlformats.org/officeDocument/2006/relationships" xmlns:p="http://schemas.openxmlformats.org/presentationml/2006/main">
+  <p:cSld>
+    <p:spTree>
+      <p:nvGrpSpPr>
+        <p:cNvPr id="1" name=""/>
+        <p:cNvGrpSpPr/>
+        <p:nvPr/>
+      </p:nvGrpSpPr>
+      <p:grpSpPr>
+        <a:xfrm>
+          <a:off x="0" y="0"/>
+          <a:ext cx="0" cy="0"/>
+          <a:chOff x="0" y="0"/>
+          <a:chExt cx="0" cy="0"/>
+        </a:xfrm>
+      </p:grpSpPr>
+      <p:sp>
+        <p:nvSpPr>
+          <p:cNvPr id="2" name="Tytuł 1"/>
+          <p:cNvSpPr>
+            <a:spLocks noGrp="1"/>
+          </p:cNvSpPr>
+          <p:nvPr>
+            <p:ph type="title"/>
+          </p:nvPr>
+        </p:nvSpPr>
+        <p:spPr/>
+        <p:txBody>
+          <a:bodyPr/>
+          <a:lstStyle/>
+          <a:p>
+            <a:r>
+              <a:rPr lang="pl-PL" dirty="0" err="1" smtClean="0"/>
+              <a:t>Exception</a:t>
+            </a:r>
+            <a:r>
+              <a:rPr lang="pl-PL" dirty="0" smtClean="0"/>
+              <a:t> Handling</a:t>
+            </a:r>
+            <a:endParaRPr lang="pl-PL" dirty="0"/>
+          </a:p>
+        </p:txBody>
+      </p:sp>
+      <p:sp>
+        <p:nvSpPr>
+          <p:cNvPr id="3" name="Symbol zastępczy tekstu 2"/>
+          <p:cNvSpPr>
+            <a:spLocks noGrp="1"/>
+          </p:cNvSpPr>
+          <p:nvPr>
+            <p:ph type="body" sz="quarter" idx="10"/>
+          </p:nvPr>
+        </p:nvSpPr>
+        <p:spPr/>
+        <p:txBody>
+          <a:bodyPr>
+            <a:normAutofit/>
+          </a:bodyPr>
+          <a:lstStyle/>
+          <a:p>
+            <a:pPr marL="198900" indent="0">
+              <a:buNone/>
+            </a:pPr>
+            <a:r>
+              <a:rPr lang="pl-PL" dirty="0" smtClean="0"/>
+              <a:t>3 metody:</a:t>
+            </a:r>
+          </a:p>
+          <a:p>
+            <a:pPr marL="198900" indent="0">
+              <a:buNone/>
+            </a:pPr>
+            <a:endParaRPr lang="pl-PL" dirty="0"/>
+          </a:p>
+          <a:p>
+            <a:pPr>
+              <a:buFontTx/>
+              <a:buChar char="-"/>
+            </a:pPr>
+            <a:r>
+              <a:rPr lang="pl-PL" dirty="0" smtClean="0"/>
+              <a:t>@</a:t>
+            </a:r>
+            <a:r>
+              <a:rPr lang="pl-PL" dirty="0" err="1" smtClean="0"/>
+              <a:t>ExceptionHandler</a:t>
+            </a:r>
+            <a:endParaRPr lang="pl-PL" dirty="0" smtClean="0"/>
+          </a:p>
+          <a:p>
+            <a:pPr>
+              <a:buFontTx/>
+              <a:buChar char="-"/>
+            </a:pPr>
+            <a:r>
+              <a:rPr lang="pl-PL" dirty="0"/>
+              <a:t>@</a:t>
+            </a:r>
+            <a:r>
+              <a:rPr lang="pl-PL" dirty="0" err="1" smtClean="0"/>
+              <a:t>ControllerAdvice</a:t>
+            </a:r>
+            <a:endParaRPr lang="pl-PL" dirty="0" smtClean="0"/>
+          </a:p>
+          <a:p>
+            <a:pPr>
+              <a:buFontTx/>
+              <a:buChar char="-"/>
+            </a:pPr>
+            <a:r>
+              <a:rPr lang="pl-PL" dirty="0" err="1"/>
+              <a:t>AbstractHandlerExceptionResolver</a:t>
+            </a:r>
+            <a:r>
+              <a:rPr lang="pl-PL" dirty="0"/>
+              <a:t> </a:t>
+            </a:r>
+            <a:endParaRPr lang="pl-PL" dirty="0" smtClean="0"/>
+          </a:p>
+          <a:p>
+            <a:pPr>
+              <a:buFontTx/>
+              <a:buChar char="-"/>
+            </a:pPr>
+            <a:endParaRPr lang="pl-PL" dirty="0"/>
+          </a:p>
+          <a:p>
+            <a:pPr marL="198900" indent="0">
+              <a:buNone/>
+            </a:pPr>
+            <a:r>
+              <a:rPr lang="pl-PL" dirty="0" smtClean="0"/>
+              <a:t>Której użyć:</a:t>
+            </a:r>
+          </a:p>
+          <a:p>
+            <a:pPr>
+              <a:buFontTx/>
+              <a:buChar char="-"/>
+            </a:pPr>
+            <a:r>
+              <a:rPr lang="pl-PL" dirty="0" smtClean="0"/>
+              <a:t>@</a:t>
+            </a:r>
+            <a:r>
+              <a:rPr lang="pl-PL" dirty="0" err="1" smtClean="0"/>
+              <a:t>ExceptionHandler</a:t>
+            </a:r>
+            <a:r>
+              <a:rPr lang="pl-PL" dirty="0" smtClean="0"/>
+              <a:t> jeżeli w danym kontrolerze musimy zdefiniowa</a:t>
+            </a:r>
+            <a:r>
+              <a:rPr lang="pl-PL" dirty="0" smtClean="0"/>
+              <a:t>ć handler specjalny</a:t>
+            </a:r>
+          </a:p>
+          <a:p>
+            <a:pPr>
+              <a:buFontTx/>
+              <a:buChar char="-"/>
+            </a:pPr>
+            <a:r>
+              <a:rPr lang="pl-PL" dirty="0" smtClean="0"/>
+              <a:t>@</a:t>
+            </a:r>
+            <a:r>
+              <a:rPr lang="pl-PL" dirty="0" err="1" smtClean="0"/>
+              <a:t>ControllerAdvice</a:t>
+            </a:r>
+            <a:r>
+              <a:rPr lang="pl-PL" dirty="0" smtClean="0"/>
+              <a:t> globalna obsługa</a:t>
+            </a:r>
+          </a:p>
+          <a:p>
+            <a:pPr>
+              <a:buFontTx/>
+              <a:buChar char="-"/>
+            </a:pPr>
+            <a:r>
+              <a:rPr lang="pl-PL" dirty="0" err="1"/>
+              <a:t>AbstractHandlerExceptionResolver</a:t>
+            </a:r>
+            <a:r>
+              <a:rPr lang="pl-PL" dirty="0"/>
+              <a:t> </a:t>
+            </a:r>
+            <a:r>
+              <a:rPr lang="pl-PL" dirty="0" smtClean="0"/>
+              <a:t>– </a:t>
+            </a:r>
+            <a:r>
+              <a:rPr lang="pl-PL" dirty="0" err="1" smtClean="0"/>
+              <a:t>obenie</a:t>
+            </a:r>
+            <a:r>
+              <a:rPr lang="pl-PL" dirty="0" smtClean="0"/>
+              <a:t> już nie używany</a:t>
+            </a:r>
+            <a:endParaRPr lang="pl-PL" dirty="0"/>
+          </a:p>
+          <a:p>
+            <a:pPr marL="198900" indent="0">
+              <a:buNone/>
+            </a:pPr>
+            <a:endParaRPr lang="pl-PL" dirty="0" smtClean="0"/>
+          </a:p>
+        </p:txBody>
+      </p:sp>
+    </p:spTree>
+    <p:extLst>
+      <p:ext uri="{BB962C8B-B14F-4D97-AF65-F5344CB8AC3E}">
+        <p14:creationId xmlns:p14="http://schemas.microsoft.com/office/powerpoint/2010/main" val="1304987985"/>
+      </p:ext>
+    </p:extLst>
+  </p:cSld>
+  <p:clrMapOvr>
+    <a:masterClrMapping/>
+  </p:clrMapOvr>
+  <mc:AlternateContent xmlns:mc="http://schemas.openxmlformats.org/markup-compatibility/2006" xmlns:p14="http://schemas.microsoft.com/office/powerpoint/2010/main">
+    <mc:Choice Requires="p14">
+      <p:transition spd="slow" p14:dur="2000"/>
+    </mc:Choice>
+    <mc:Fallback xmlns="">
+      <p:transition spd="slow"/>
+    </mc:Fallback>
+  </mc:AlternateContent>
+  <p:timing>
+    <p:tnLst>
+      <p:par>
+        <p:cTn id="1" dur="indefinite" restart="never" nodeType="tmRoot"/>
+      </p:par>
+    </p:tnLst>
+  </p:timing>
+</p:sld>
+</file>
+
+<file path=ppt/slides/slide31.xml><?xml version="1.0" encoding="utf-8"?>
+<p:sld xmlns:a="http://schemas.openxmlformats.org/drawingml/2006/main" xmlns:r="http://schemas.openxmlformats.org/officeDocument/2006/relationships" xmlns:p="http://schemas.openxmlformats.org/presentationml/2006/main">
+  <p:cSld>
+    <p:spTree>
+      <p:nvGrpSpPr>
+        <p:cNvPr id="1" name=""/>
+        <p:cNvGrpSpPr/>
+        <p:nvPr/>
+      </p:nvGrpSpPr>
+      <p:grpSpPr>
+        <a:xfrm>
+          <a:off x="0" y="0"/>
+          <a:ext cx="0" cy="0"/>
+          <a:chOff x="0" y="0"/>
+          <a:chExt cx="0" cy="0"/>
+        </a:xfrm>
+      </p:grpSpPr>
+      <p:sp>
+        <p:nvSpPr>
+          <p:cNvPr id="2" name="Tytuł 1"/>
+          <p:cNvSpPr>
+            <a:spLocks noGrp="1"/>
+          </p:cNvSpPr>
+          <p:nvPr>
+            <p:ph type="title"/>
+          </p:nvPr>
+        </p:nvSpPr>
+        <p:spPr/>
+        <p:txBody>
+          <a:bodyPr/>
+          <a:lstStyle/>
+          <a:p>
+            <a:r>
+              <a:rPr lang="pl-PL" dirty="0" smtClean="0"/>
+              <a:t>MVC map</a:t>
+            </a:r>
+            <a:endParaRPr lang="pl-PL" dirty="0"/>
+          </a:p>
+        </p:txBody>
+      </p:sp>
+      <p:pic>
+        <p:nvPicPr>
+          <p:cNvPr id="4" name="Obraz 3"/>
+          <p:cNvPicPr>
+            <a:picLocks noChangeAspect="1"/>
+          </p:cNvPicPr>
+          <p:nvPr/>
+        </p:nvPicPr>
+        <p:blipFill>
+          <a:blip r:embed="rId2">
+            <a:extLst>
+              <a:ext uri="{28A0092B-C50C-407E-A947-70E740481C1C}">
+                <a14:useLocalDpi xmlns:a14="http://schemas.microsoft.com/office/drawing/2010/main" val="0"/>
+              </a:ext>
+            </a:extLst>
+          </a:blip>
+          <a:stretch>
+            <a:fillRect/>
+          </a:stretch>
+        </p:blipFill>
+        <p:spPr>
+          <a:xfrm>
+            <a:off x="1247503" y="977224"/>
+            <a:ext cx="6050280" cy="5348015"/>
+          </a:xfrm>
+          <a:prstGeom prst="rect">
+            <a:avLst/>
+          </a:prstGeom>
+        </p:spPr>
+      </p:pic>
+    </p:spTree>
+    <p:extLst>
+      <p:ext uri="{BB962C8B-B14F-4D97-AF65-F5344CB8AC3E}">
+        <p14:creationId xmlns:p14="http://schemas.microsoft.com/office/powerpoint/2010/main" val="2160808479"/>
+      </p:ext>
+    </p:extLst>
+  </p:cSld>
+  <p:clrMapOvr>
+    <a:masterClrMapping/>
+  </p:clrMapOvr>
+  <mc:AlternateContent xmlns:mc="http://schemas.openxmlformats.org/markup-compatibility/2006" xmlns:p14="http://schemas.microsoft.com/office/powerpoint/2010/main">
+    <mc:Choice Requires="p14">
+      <p:transition spd="slow" p14:dur="2000"/>
+    </mc:Choice>
+    <mc:Fallback xmlns="">
+      <p:transition spd="slow"/>
+    </mc:Fallback>
+  </mc:AlternateContent>
+  <p:timing>
+    <p:tnLst>
+      <p:par>
+        <p:cTn id="1" dur="indefinite" restart="never" nodeType="tmRoot"/>
+      </p:par>
+    </p:tnLst>
+  </p:timing>
+</p:sld>
+</file>
+
+<file path=ppt/slides/slide32.xml><?xml version="1.0" encoding="utf-8"?>
+<p:sld xmlns:a="http://schemas.openxmlformats.org/drawingml/2006/main" xmlns:r="http://schemas.openxmlformats.org/officeDocument/2006/relationships" xmlns:p="http://schemas.openxmlformats.org/presentationml/2006/main">
+  <p:cSld>
+    <p:spTree>
+      <p:nvGrpSpPr>
+        <p:cNvPr id="1" name=""/>
+        <p:cNvGrpSpPr/>
+        <p:nvPr/>
+      </p:nvGrpSpPr>
+      <p:grpSpPr>
+        <a:xfrm>
+          <a:off x="0" y="0"/>
+          <a:ext cx="0" cy="0"/>
+          <a:chOff x="0" y="0"/>
+          <a:chExt cx="0" cy="0"/>
+        </a:xfrm>
+      </p:grpSpPr>
+      <p:sp>
+        <p:nvSpPr>
+          <p:cNvPr id="2" name="Tytuł 1"/>
+          <p:cNvSpPr>
+            <a:spLocks noGrp="1"/>
+          </p:cNvSpPr>
+          <p:nvPr>
+            <p:ph type="title"/>
+          </p:nvPr>
+        </p:nvSpPr>
+        <p:spPr/>
+        <p:txBody>
+          <a:bodyPr/>
+          <a:lstStyle/>
+          <a:p>
             <a:pPr algn="ctr"/>
             <a:endParaRPr lang="pl-PL" dirty="0"/>
           </a:p>
@@ -7651,7 +9118,7 @@
 </p:sld>
 </file>
 
-<file path=ppt/slides/slide3.xml><?xml version="1.0" encoding="utf-8"?>
+<file path=ppt/slides/slide4.xml><?xml version="1.0" encoding="utf-8"?>
 <p:sld xmlns:a="http://schemas.openxmlformats.org/drawingml/2006/main" xmlns:r="http://schemas.openxmlformats.org/officeDocument/2006/relationships" xmlns:p="http://schemas.openxmlformats.org/presentationml/2006/main">
   <p:cSld>
     <p:spTree>
@@ -7890,7 +9357,7 @@
 </p:sld>
 </file>
 
-<file path=ppt/slides/slide4.xml><?xml version="1.0" encoding="utf-8"?>
+<file path=ppt/slides/slide5.xml><?xml version="1.0" encoding="utf-8"?>
 <p:sld xmlns:a="http://schemas.openxmlformats.org/drawingml/2006/main" xmlns:r="http://schemas.openxmlformats.org/officeDocument/2006/relationships" xmlns:p="http://schemas.openxmlformats.org/presentationml/2006/main">
   <p:cSld>
     <p:spTree>
@@ -7982,7 +9449,7 @@
 </p:sld>
 </file>
 
-<file path=ppt/slides/slide5.xml><?xml version="1.0" encoding="utf-8"?>
+<file path=ppt/slides/slide6.xml><?xml version="1.0" encoding="utf-8"?>
 <p:sld xmlns:a="http://schemas.openxmlformats.org/drawingml/2006/main" xmlns:r="http://schemas.openxmlformats.org/officeDocument/2006/relationships" xmlns:p="http://schemas.openxmlformats.org/presentationml/2006/main">
   <p:cSld>
     <p:spTree>
@@ -8200,7 +9667,7 @@
 </p:sld>
 </file>
 
-<file path=ppt/slides/slide6.xml><?xml version="1.0" encoding="utf-8"?>
+<file path=ppt/slides/slide7.xml><?xml version="1.0" encoding="utf-8"?>
 <p:sld xmlns:a="http://schemas.openxmlformats.org/drawingml/2006/main" xmlns:r="http://schemas.openxmlformats.org/officeDocument/2006/relationships" xmlns:p="http://schemas.openxmlformats.org/presentationml/2006/main">
   <p:cSld>
     <p:spTree>
@@ -8301,7 +9768,7 @@
         </p:blipFill>
         <p:spPr>
           <a:xfrm>
-            <a:off x="2867024" y="2584959"/>
+            <a:off x="2867025" y="2584959"/>
             <a:ext cx="3409950" cy="428625"/>
           </a:xfrm>
           <a:prstGeom prst="rect">
@@ -8399,122 +9866,6 @@
 </p:sld>
 </file>
 
-<file path=ppt/slides/slide7.xml><?xml version="1.0" encoding="utf-8"?>
-<p:sld xmlns:a="http://schemas.openxmlformats.org/drawingml/2006/main" xmlns:r="http://schemas.openxmlformats.org/officeDocument/2006/relationships" xmlns:p="http://schemas.openxmlformats.org/presentationml/2006/main">
-  <p:cSld>
-    <p:spTree>
-      <p:nvGrpSpPr>
-        <p:cNvPr id="1" name=""/>
-        <p:cNvGrpSpPr/>
-        <p:nvPr/>
-      </p:nvGrpSpPr>
-      <p:grpSpPr>
-        <a:xfrm>
-          <a:off x="0" y="0"/>
-          <a:ext cx="0" cy="0"/>
-          <a:chOff x="0" y="0"/>
-          <a:chExt cx="0" cy="0"/>
-        </a:xfrm>
-      </p:grpSpPr>
-      <p:sp>
-        <p:nvSpPr>
-          <p:cNvPr id="2" name="Tytuł 1"/>
-          <p:cNvSpPr>
-            <a:spLocks noGrp="1"/>
-          </p:cNvSpPr>
-          <p:nvPr>
-            <p:ph type="title"/>
-          </p:nvPr>
-        </p:nvSpPr>
-        <p:spPr/>
-        <p:txBody>
-          <a:bodyPr/>
-          <a:lstStyle/>
-          <a:p>
-            <a:r>
-              <a:rPr lang="pl-PL" dirty="0"/>
-              <a:t>Spring MVC - podstawy</a:t>
-            </a:r>
-          </a:p>
-        </p:txBody>
-      </p:sp>
-      <p:sp>
-        <p:nvSpPr>
-          <p:cNvPr id="4" name="pole tekstowe 3"/>
-          <p:cNvSpPr txBox="1"/>
-          <p:nvPr/>
-        </p:nvSpPr>
-        <p:spPr>
-          <a:xfrm>
-            <a:off x="862642" y="1233577"/>
-            <a:ext cx="6564701" cy="923330"/>
-          </a:xfrm>
-          <a:prstGeom prst="rect">
-            <a:avLst/>
-          </a:prstGeom>
-          <a:noFill/>
-        </p:spPr>
-        <p:txBody>
-          <a:bodyPr wrap="square" rtlCol="0">
-            <a:spAutoFit/>
-          </a:bodyPr>
-          <a:lstStyle/>
-          <a:p>
-            <a:r>
-              <a:rPr lang="pl-PL" b="1" dirty="0" err="1"/>
-              <a:t>ModelAndView</a:t>
-            </a:r>
-            <a:r>
-              <a:rPr lang="pl-PL" dirty="0"/>
-              <a:t> – Umożliwia przechowanie w jednym obiekcie nazwy widoku oraz zbioru wartości, które będą przypisane do określonego widoku</a:t>
-            </a:r>
-          </a:p>
-        </p:txBody>
-      </p:sp>
-      <p:pic>
-        <p:nvPicPr>
-          <p:cNvPr id="3" name="Obraz 2"/>
-          <p:cNvPicPr>
-            <a:picLocks noChangeAspect="1"/>
-          </p:cNvPicPr>
-          <p:nvPr/>
-        </p:nvPicPr>
-        <p:blipFill>
-          <a:blip r:embed="rId2"/>
-          <a:stretch>
-            <a:fillRect/>
-          </a:stretch>
-        </p:blipFill>
-        <p:spPr>
-          <a:xfrm>
-            <a:off x="1282640" y="2782916"/>
-            <a:ext cx="5723691" cy="2237657"/>
-          </a:xfrm>
-          <a:prstGeom prst="rect">
-            <a:avLst/>
-          </a:prstGeom>
-        </p:spPr>
-      </p:pic>
-    </p:spTree>
-    <p:extLst>
-      <p:ext uri="{BB962C8B-B14F-4D97-AF65-F5344CB8AC3E}">
-        <p14:creationId xmlns:p14="http://schemas.microsoft.com/office/powerpoint/2010/main" val="1218336704"/>
-      </p:ext>
-    </p:extLst>
-  </p:cSld>
-  <p:clrMapOvr>
-    <a:masterClrMapping/>
-  </p:clrMapOvr>
-  <p:timing>
-    <p:tnLst>
-      <p:par>
-        <p:cTn id="1" dur="indefinite" restart="never" nodeType="tmRoot"/>
-      </p:par>
-    </p:tnLst>
-  </p:timing>
-</p:sld>
-</file>
-
 <file path=ppt/slides/slide8.xml><?xml version="1.0" encoding="utf-8"?>
 <p:sld xmlns:a="http://schemas.openxmlformats.org/drawingml/2006/main" xmlns:r="http://schemas.openxmlformats.org/officeDocument/2006/relationships" xmlns:p="http://schemas.openxmlformats.org/presentationml/2006/main">
   <p:cSld>
@@ -8554,9 +9905,42 @@
           </a:p>
         </p:txBody>
       </p:sp>
+      <p:sp>
+        <p:nvSpPr>
+          <p:cNvPr id="4" name="pole tekstowe 3"/>
+          <p:cNvSpPr txBox="1"/>
+          <p:nvPr/>
+        </p:nvSpPr>
+        <p:spPr>
+          <a:xfrm>
+            <a:off x="862642" y="1233577"/>
+            <a:ext cx="6564701" cy="923330"/>
+          </a:xfrm>
+          <a:prstGeom prst="rect">
+            <a:avLst/>
+          </a:prstGeom>
+          <a:noFill/>
+        </p:spPr>
+        <p:txBody>
+          <a:bodyPr wrap="square" rtlCol="0">
+            <a:spAutoFit/>
+          </a:bodyPr>
+          <a:lstStyle/>
+          <a:p>
+            <a:r>
+              <a:rPr lang="pl-PL" b="1" dirty="0" err="1"/>
+              <a:t>ModelAndView</a:t>
+            </a:r>
+            <a:r>
+              <a:rPr lang="pl-PL" dirty="0"/>
+              <a:t> – Umożliwia przechowanie w jednym obiekcie nazwy widoku oraz zbioru wartości, które będą przypisane do określonego widoku</a:t>
+            </a:r>
+          </a:p>
+        </p:txBody>
+      </p:sp>
       <p:pic>
         <p:nvPicPr>
-          <p:cNvPr id="5" name="Obraz 4"/>
+          <p:cNvPr id="3" name="Obraz 2"/>
           <p:cNvPicPr>
             <a:picLocks noChangeAspect="1"/>
           </p:cNvPicPr>
@@ -8570,48 +9954,18 @@
         </p:blipFill>
         <p:spPr>
           <a:xfrm>
-            <a:off x="933450" y="2457450"/>
-            <a:ext cx="7277100" cy="1943100"/>
+            <a:off x="2257425" y="2782917"/>
+            <a:ext cx="4629150" cy="1809750"/>
           </a:xfrm>
           <a:prstGeom prst="rect">
             <a:avLst/>
           </a:prstGeom>
         </p:spPr>
       </p:pic>
-      <p:sp>
-        <p:nvSpPr>
-          <p:cNvPr id="6" name="pole tekstowe 5"/>
-          <p:cNvSpPr txBox="1"/>
-          <p:nvPr/>
-        </p:nvSpPr>
-        <p:spPr>
-          <a:xfrm>
-            <a:off x="1216325" y="1664898"/>
-            <a:ext cx="1483932" cy="369332"/>
-          </a:xfrm>
-          <a:prstGeom prst="rect">
-            <a:avLst/>
-          </a:prstGeom>
-          <a:noFill/>
-        </p:spPr>
-        <p:txBody>
-          <a:bodyPr wrap="none" rtlCol="0">
-            <a:spAutoFit/>
-          </a:bodyPr>
-          <a:lstStyle/>
-          <a:p>
-            <a:r>
-              <a:rPr lang="pl-PL" dirty="0" smtClean="0"/>
-              <a:t>infoPage.html</a:t>
-            </a:r>
-            <a:endParaRPr lang="pl-PL" dirty="0"/>
-          </a:p>
-        </p:txBody>
-      </p:sp>
     </p:spTree>
     <p:extLst>
       <p:ext uri="{BB962C8B-B14F-4D97-AF65-F5344CB8AC3E}">
-        <p14:creationId xmlns:p14="http://schemas.microsoft.com/office/powerpoint/2010/main" val="3301623970"/>
+        <p14:creationId xmlns:p14="http://schemas.microsoft.com/office/powerpoint/2010/main" val="1218336704"/>
       </p:ext>
     </p:extLst>
   </p:cSld>
@@ -8662,133 +10016,75 @@
           <a:p>
             <a:r>
               <a:rPr lang="pl-PL" dirty="0"/>
-              <a:t>Mapowanie żądania</a:t>
-            </a:r>
-          </a:p>
-        </p:txBody>
-      </p:sp>
-      <p:sp>
-        <p:nvSpPr>
-          <p:cNvPr id="3" name="Symbol zastępczy tekstu 2"/>
-          <p:cNvSpPr>
-            <a:spLocks noGrp="1"/>
-          </p:cNvSpPr>
-          <p:nvPr>
-            <p:ph type="body" sz="quarter" idx="10"/>
-          </p:nvPr>
-        </p:nvSpPr>
-        <p:spPr/>
-        <p:txBody>
-          <a:bodyPr>
-            <a:normAutofit/>
+              <a:t>Spring MVC - podstawy</a:t>
+            </a:r>
+          </a:p>
+        </p:txBody>
+      </p:sp>
+      <p:pic>
+        <p:nvPicPr>
+          <p:cNvPr id="5" name="Obraz 4"/>
+          <p:cNvPicPr>
+            <a:picLocks noChangeAspect="1"/>
+          </p:cNvPicPr>
+          <p:nvPr/>
+        </p:nvPicPr>
+        <p:blipFill>
+          <a:blip r:embed="rId2"/>
+          <a:stretch>
+            <a:fillRect/>
+          </a:stretch>
+        </p:blipFill>
+        <p:spPr>
+          <a:xfrm>
+            <a:off x="933450" y="2457450"/>
+            <a:ext cx="7277100" cy="1943100"/>
+          </a:xfrm>
+          <a:prstGeom prst="rect">
+            <a:avLst/>
+          </a:prstGeom>
+        </p:spPr>
+      </p:pic>
+      <p:sp>
+        <p:nvSpPr>
+          <p:cNvPr id="6" name="pole tekstowe 5"/>
+          <p:cNvSpPr txBox="1"/>
+          <p:nvPr/>
+        </p:nvSpPr>
+        <p:spPr>
+          <a:xfrm>
+            <a:off x="1216325" y="1664898"/>
+            <a:ext cx="1483932" cy="369332"/>
+          </a:xfrm>
+          <a:prstGeom prst="rect">
+            <a:avLst/>
+          </a:prstGeom>
+          <a:noFill/>
+        </p:spPr>
+        <p:txBody>
+          <a:bodyPr wrap="none" rtlCol="0">
+            <a:spAutoFit/>
           </a:bodyPr>
           <a:lstStyle/>
           <a:p>
-            <a:pPr marL="198900" indent="0" algn="just">
-              <a:buNone/>
-            </a:pPr>
-            <a:endParaRPr lang="pl-PL" dirty="0" smtClean="0"/>
-          </a:p>
-          <a:p>
-            <a:pPr algn="just"/>
-            <a:r>
-              <a:rPr lang="pl-PL" dirty="0"/>
-              <a:t>@</a:t>
-            </a:r>
-            <a:r>
-              <a:rPr lang="pl-PL" dirty="0" err="1" smtClean="0"/>
-              <a:t>GetMapping</a:t>
-            </a:r>
-            <a:endParaRPr lang="pl-PL" dirty="0" smtClean="0"/>
-          </a:p>
-          <a:p>
-            <a:pPr algn="just"/>
-            <a:endParaRPr lang="pl-PL" dirty="0" smtClean="0"/>
-          </a:p>
-          <a:p>
-            <a:pPr algn="just"/>
-            <a:r>
-              <a:rPr lang="pl-PL" dirty="0" smtClean="0"/>
-              <a:t>@</a:t>
-            </a:r>
-            <a:r>
-              <a:rPr lang="pl-PL" dirty="0" err="1" smtClean="0"/>
-              <a:t>PostMapping</a:t>
-            </a:r>
-            <a:endParaRPr lang="pl-PL" dirty="0" smtClean="0"/>
-          </a:p>
-          <a:p>
-            <a:pPr algn="just"/>
-            <a:endParaRPr lang="pl-PL" dirty="0" smtClean="0"/>
-          </a:p>
-          <a:p>
-            <a:pPr algn="just"/>
-            <a:r>
-              <a:rPr lang="pl-PL" dirty="0" smtClean="0"/>
-              <a:t>@</a:t>
-            </a:r>
-            <a:r>
-              <a:rPr lang="pl-PL" dirty="0" err="1" smtClean="0"/>
-              <a:t>PutMapping</a:t>
-            </a:r>
-            <a:endParaRPr lang="pl-PL" dirty="0" smtClean="0"/>
-          </a:p>
-          <a:p>
-            <a:pPr algn="just"/>
-            <a:endParaRPr lang="pl-PL" dirty="0" smtClean="0"/>
-          </a:p>
-          <a:p>
-            <a:pPr algn="just"/>
-            <a:r>
-              <a:rPr lang="pl-PL" dirty="0" smtClean="0"/>
-              <a:t>@</a:t>
-            </a:r>
-            <a:r>
-              <a:rPr lang="pl-PL" dirty="0" err="1" smtClean="0"/>
-              <a:t>DeleteMapping</a:t>
-            </a:r>
-            <a:endParaRPr lang="pl-PL" dirty="0" smtClean="0"/>
-          </a:p>
-          <a:p>
-            <a:pPr algn="just"/>
-            <a:endParaRPr lang="pl-PL" dirty="0" smtClean="0"/>
-          </a:p>
-          <a:p>
-            <a:pPr algn="just"/>
-            <a:r>
-              <a:rPr lang="pl-PL" dirty="0" smtClean="0"/>
-              <a:t>@</a:t>
-            </a:r>
-            <a:r>
-              <a:rPr lang="pl-PL" dirty="0" err="1"/>
-              <a:t>RequestMapping</a:t>
-            </a:r>
-            <a:r>
-              <a:rPr lang="pl-PL" dirty="0"/>
-              <a:t> </a:t>
-            </a:r>
-            <a:endParaRPr lang="pl-PL" dirty="0" smtClean="0"/>
+            <a:r>
+              <a:rPr lang="pl-PL" dirty="0" smtClean="0"/>
+              <a:t>infoPage.html</a:t>
+            </a:r>
+            <a:endParaRPr lang="pl-PL" dirty="0"/>
           </a:p>
         </p:txBody>
       </p:sp>
     </p:spTree>
     <p:extLst>
       <p:ext uri="{BB962C8B-B14F-4D97-AF65-F5344CB8AC3E}">
-        <p14:creationId xmlns:p14="http://schemas.microsoft.com/office/powerpoint/2010/main" val="1597571101"/>
+        <p14:creationId xmlns:p14="http://schemas.microsoft.com/office/powerpoint/2010/main" val="3301623970"/>
       </p:ext>
     </p:extLst>
   </p:cSld>
   <p:clrMapOvr>
     <a:masterClrMapping/>
   </p:clrMapOvr>
-  <mc:AlternateContent xmlns:mc="http://schemas.openxmlformats.org/markup-compatibility/2006" xmlns:p14="http://schemas.microsoft.com/office/powerpoint/2010/main">
-    <mc:Choice Requires="p14">
-      <p:transition spd="slow" p14:dur="2000"/>
-    </mc:Choice>
-    <mc:Fallback xmlns="">
-      <p:transition spd="slow"/>
-    </mc:Fallback>
-  </mc:AlternateContent>
   <p:timing>
     <p:tnLst>
       <p:par>
